--- a/documentation/MTB.pptx
+++ b/documentation/MTB.pptx
@@ -5,41 +5,42 @@
     <p:sldMasterId id="2147483660" r:id="rId1"/>
   </p:sldMasterIdLst>
   <p:notesMasterIdLst>
-    <p:notesMasterId r:id="rId31"/>
+    <p:notesMasterId r:id="rId32"/>
   </p:notesMasterIdLst>
   <p:handoutMasterIdLst>
-    <p:handoutMasterId r:id="rId32"/>
+    <p:handoutMasterId r:id="rId33"/>
   </p:handoutMasterIdLst>
   <p:sldIdLst>
     <p:sldId id="256" r:id="rId2"/>
     <p:sldId id="258" r:id="rId3"/>
-    <p:sldId id="260" r:id="rId4"/>
-    <p:sldId id="283" r:id="rId5"/>
-    <p:sldId id="303" r:id="rId6"/>
-    <p:sldId id="286" r:id="rId7"/>
-    <p:sldId id="268" r:id="rId8"/>
-    <p:sldId id="287" r:id="rId9"/>
-    <p:sldId id="307" r:id="rId10"/>
-    <p:sldId id="288" r:id="rId11"/>
-    <p:sldId id="276" r:id="rId12"/>
-    <p:sldId id="277" r:id="rId13"/>
-    <p:sldId id="308" r:id="rId14"/>
-    <p:sldId id="290" r:id="rId15"/>
-    <p:sldId id="291" r:id="rId16"/>
-    <p:sldId id="292" r:id="rId17"/>
-    <p:sldId id="293" r:id="rId18"/>
-    <p:sldId id="309" r:id="rId19"/>
-    <p:sldId id="310" r:id="rId20"/>
-    <p:sldId id="311" r:id="rId21"/>
-    <p:sldId id="296" r:id="rId22"/>
-    <p:sldId id="297" r:id="rId23"/>
+    <p:sldId id="315" r:id="rId4"/>
+    <p:sldId id="260" r:id="rId5"/>
+    <p:sldId id="286" r:id="rId6"/>
+    <p:sldId id="287" r:id="rId7"/>
+    <p:sldId id="307" r:id="rId8"/>
+    <p:sldId id="288" r:id="rId9"/>
+    <p:sldId id="316" r:id="rId10"/>
+    <p:sldId id="276" r:id="rId11"/>
+    <p:sldId id="277" r:id="rId12"/>
+    <p:sldId id="318" r:id="rId13"/>
+    <p:sldId id="290" r:id="rId14"/>
+    <p:sldId id="317" r:id="rId15"/>
+    <p:sldId id="319" r:id="rId16"/>
+    <p:sldId id="296" r:id="rId17"/>
+    <p:sldId id="291" r:id="rId18"/>
+    <p:sldId id="292" r:id="rId19"/>
+    <p:sldId id="293" r:id="rId20"/>
+    <p:sldId id="309" r:id="rId21"/>
+    <p:sldId id="310" r:id="rId22"/>
+    <p:sldId id="311" r:id="rId23"/>
     <p:sldId id="299" r:id="rId24"/>
     <p:sldId id="300" r:id="rId25"/>
     <p:sldId id="312" r:id="rId26"/>
     <p:sldId id="313" r:id="rId27"/>
-    <p:sldId id="280" r:id="rId28"/>
-    <p:sldId id="282" r:id="rId29"/>
-    <p:sldId id="314" r:id="rId30"/>
+    <p:sldId id="320" r:id="rId28"/>
+    <p:sldId id="280" r:id="rId29"/>
+    <p:sldId id="282" r:id="rId30"/>
+    <p:sldId id="314" r:id="rId31"/>
   </p:sldIdLst>
   <p:sldSz cx="12192000" cy="6858000"/>
   <p:notesSz cx="6858000" cy="9144000"/>
@@ -228,7 +229,7 @@
           <a:p>
             <a:fld id="{795B91AA-03CF-40EF-A301-DC3E14873418}" type="datetimeFigureOut">
               <a:rPr lang="en-US" smtClean="0"/>
-              <a:t>10/18/2023</a:t>
+              <a:t>12/10/2023</a:t>
             </a:fld>
             <a:endParaRPr lang="en-US"/>
           </a:p>
@@ -394,7 +395,7 @@
           <a:p>
             <a:fld id="{A7E3F795-8008-4018-BBC8-446733CA78A5}" type="datetimeFigureOut">
               <a:rPr lang="en-US" smtClean="0"/>
-              <a:t>10/18/2023</a:t>
+              <a:t>12/10/2023</a:t>
             </a:fld>
             <a:endParaRPr lang="en-US"/>
           </a:p>
@@ -1385,7 +1386,7 @@
           <a:p>
             <a:fld id="{6AC83765-95D4-475D-A7C8-B59A66C8B4B2}" type="datetime1">
               <a:rPr lang="en-US" smtClean="0"/>
-              <a:t>10/18/2023</a:t>
+              <a:t>12/10/2023</a:t>
             </a:fld>
             <a:endParaRPr lang="en-US"/>
           </a:p>
@@ -1636,7 +1637,7 @@
           <a:p>
             <a:fld id="{63B3467E-70C5-4B7B-8E0E-17E9F963527C}" type="datetime1">
               <a:rPr lang="en-US" smtClean="0"/>
-              <a:t>10/18/2023</a:t>
+              <a:t>12/10/2023</a:t>
             </a:fld>
             <a:endParaRPr lang="en-US"/>
           </a:p>
@@ -1950,7 +1951,7 @@
           <a:p>
             <a:fld id="{5F44376D-1BD3-4559-8FC0-78F9802D97C6}" type="datetime1">
               <a:rPr lang="en-US" smtClean="0"/>
-              <a:t>10/18/2023</a:t>
+              <a:t>12/10/2023</a:t>
             </a:fld>
             <a:endParaRPr lang="en-US"/>
           </a:p>
@@ -2291,7 +2292,7 @@
           <a:p>
             <a:fld id="{A06FA846-C3C9-4855-9A93-3DF9E3C0CD7D}" type="datetime1">
               <a:rPr lang="en-US" smtClean="0"/>
-              <a:t>10/18/2023</a:t>
+              <a:t>12/10/2023</a:t>
             </a:fld>
             <a:endParaRPr lang="en-US"/>
           </a:p>
@@ -2605,7 +2606,7 @@
           <a:p>
             <a:fld id="{7F02308A-4EEE-4D42-9396-F7D3AE3D935B}" type="datetime1">
               <a:rPr lang="en-US" smtClean="0"/>
-              <a:t>10/18/2023</a:t>
+              <a:t>12/10/2023</a:t>
             </a:fld>
             <a:endParaRPr lang="en-US"/>
           </a:p>
@@ -2998,7 +2999,7 @@
           <a:p>
             <a:fld id="{D4EE04F5-911C-4AD9-8F66-A4819705CF42}" type="datetime1">
               <a:rPr lang="en-US" smtClean="0"/>
-              <a:t>10/18/2023</a:t>
+              <a:t>12/10/2023</a:t>
             </a:fld>
             <a:endParaRPr lang="en-US"/>
           </a:p>
@@ -3168,7 +3169,7 @@
           <a:p>
             <a:fld id="{C82EBAA7-B1BC-4940-BFE9-88F9CAFD0641}" type="datetime1">
               <a:rPr lang="en-US" smtClean="0"/>
-              <a:t>10/18/2023</a:t>
+              <a:t>12/10/2023</a:t>
             </a:fld>
             <a:endParaRPr lang="en-US"/>
           </a:p>
@@ -3348,7 +3349,7 @@
           <a:p>
             <a:fld id="{E973C71B-D637-4D0B-9639-A13262834D81}" type="datetime1">
               <a:rPr lang="en-US" smtClean="0"/>
-              <a:t>10/18/2023</a:t>
+              <a:t>12/10/2023</a:t>
             </a:fld>
             <a:endParaRPr lang="en-US"/>
           </a:p>
@@ -3524,7 +3525,7 @@
           <a:p>
             <a:fld id="{3D320886-12C8-47C6-86A2-8CD44E576B67}" type="datetime1">
               <a:rPr lang="en-US" smtClean="0"/>
-              <a:t>10/18/2023</a:t>
+              <a:t>12/10/2023</a:t>
             </a:fld>
             <a:endParaRPr lang="en-US"/>
           </a:p>
@@ -3771,7 +3772,7 @@
           <a:p>
             <a:fld id="{B75D6FD6-129C-4231-84F7-060C1641EA66}" type="datetime1">
               <a:rPr lang="en-US" smtClean="0"/>
-              <a:t>10/18/2023</a:t>
+              <a:t>12/10/2023</a:t>
             </a:fld>
             <a:endParaRPr lang="en-US"/>
           </a:p>
@@ -4003,7 +4004,7 @@
           <a:p>
             <a:fld id="{5EA10289-740C-4A82-857A-ED705BD63A3F}" type="datetime1">
               <a:rPr lang="en-US" smtClean="0"/>
-              <a:t>10/18/2023</a:t>
+              <a:t>12/10/2023</a:t>
             </a:fld>
             <a:endParaRPr lang="en-US"/>
           </a:p>
@@ -4377,7 +4378,7 @@
           <a:p>
             <a:fld id="{83CC8D68-3D39-4291-83A0-415066E609C8}" type="datetime1">
               <a:rPr lang="en-US" smtClean="0"/>
-              <a:t>10/18/2023</a:t>
+              <a:t>12/10/2023</a:t>
             </a:fld>
             <a:endParaRPr lang="en-US"/>
           </a:p>
@@ -4500,7 +4501,7 @@
           <a:p>
             <a:fld id="{80168B6F-D673-41F4-9B98-CB99B683C702}" type="datetime1">
               <a:rPr lang="en-US" smtClean="0"/>
-              <a:t>10/18/2023</a:t>
+              <a:t>12/10/2023</a:t>
             </a:fld>
             <a:endParaRPr lang="en-US"/>
           </a:p>
@@ -4595,7 +4596,7 @@
           <a:p>
             <a:fld id="{30E935D3-FA69-4CF7-BCDC-656BC51A0C92}" type="datetime1">
               <a:rPr lang="en-US" smtClean="0"/>
-              <a:t>10/18/2023</a:t>
+              <a:t>12/10/2023</a:t>
             </a:fld>
             <a:endParaRPr lang="en-US"/>
           </a:p>
@@ -4850,7 +4851,7 @@
           <a:p>
             <a:fld id="{1CB7C2DA-CA24-4853-8515-52D06C677569}" type="datetime1">
               <a:rPr lang="en-US" smtClean="0"/>
-              <a:t>10/18/2023</a:t>
+              <a:t>12/10/2023</a:t>
             </a:fld>
             <a:endParaRPr lang="en-US"/>
           </a:p>
@@ -5113,7 +5114,7 @@
           <a:p>
             <a:fld id="{6FEE5800-E8A8-40E1-8526-7E6D4A5BBBAB}" type="datetime1">
               <a:rPr lang="en-US" smtClean="0"/>
-              <a:t>10/18/2023</a:t>
+              <a:t>12/10/2023</a:t>
             </a:fld>
             <a:endParaRPr lang="en-US"/>
           </a:p>
@@ -5856,7 +5857,7 @@
           <a:p>
             <a:fld id="{2A1BB80C-A204-4A02-AD52-C6EE58015264}" type="datetime1">
               <a:rPr lang="en-US" smtClean="0"/>
-              <a:t>10/18/2023</a:t>
+              <a:t>12/10/2023</a:t>
             </a:fld>
             <a:endParaRPr lang="en-US"/>
           </a:p>
@@ -6508,14 +6509,7 @@
                 <a:latin typeface="Times New Roman" panose="02020603050405020304" pitchFamily="18" charset="0"/>
                 <a:cs typeface="Times New Roman" panose="02020603050405020304" pitchFamily="18" charset="0"/>
               </a:rPr>
-              <a:t>Saugat </a:t>
-            </a:r>
-            <a:r>
-              <a:rPr lang="en-US" dirty="0" smtClean="0">
-                <a:latin typeface="Times New Roman" panose="02020603050405020304" pitchFamily="18" charset="0"/>
-                <a:cs typeface="Times New Roman" panose="02020603050405020304" pitchFamily="18" charset="0"/>
-              </a:rPr>
-              <a:t>Nepal</a:t>
+              <a:t>Saugat Nepal</a:t>
             </a:r>
             <a:endParaRPr lang="en-US" dirty="0">
               <a:latin typeface="Times New Roman" panose="02020603050405020304" pitchFamily="18" charset="0"/>
@@ -6592,8 +6586,8 @@
         </p:nvSpPr>
         <p:spPr>
           <a:xfrm>
-            <a:off x="2306595" y="76001"/>
-            <a:ext cx="3216875" cy="830997"/>
+            <a:off x="2038865" y="469557"/>
+            <a:ext cx="4979773" cy="830997"/>
           </a:xfrm>
           <a:prstGeom prst="rect">
             <a:avLst/>
@@ -6611,17 +6605,10 @@
                 <a:latin typeface="Times New Roman" panose="02020603050405020304" pitchFamily="18" charset="0"/>
                 <a:cs typeface="Times New Roman" panose="02020603050405020304" pitchFamily="18" charset="0"/>
               </a:rPr>
-              <a:t>Data Modeling</a:t>
-            </a:r>
-          </a:p>
-          <a:p>
-            <a:r>
-              <a:rPr lang="en-US" sz="2400" b="1" dirty="0" smtClean="0">
-                <a:latin typeface="Times New Roman" panose="02020603050405020304" pitchFamily="18" charset="0"/>
-                <a:cs typeface="Times New Roman" panose="02020603050405020304" pitchFamily="18" charset="0"/>
-              </a:rPr>
-              <a:t> </a:t>
-            </a:r>
+              <a:t>                Process Modeling</a:t>
+            </a:r>
+          </a:p>
+          <a:p>
             <a:endParaRPr lang="en-US" sz="2400" b="1" dirty="0">
               <a:latin typeface="Times New Roman" panose="02020603050405020304" pitchFamily="18" charset="0"/>
               <a:cs typeface="Times New Roman" panose="02020603050405020304" pitchFamily="18" charset="0"/>
@@ -6637,8 +6624,8 @@
         </p:nvSpPr>
         <p:spPr>
           <a:xfrm>
-            <a:off x="3072714" y="6269470"/>
-            <a:ext cx="3744098" cy="307777"/>
+            <a:off x="3543770" y="5702808"/>
+            <a:ext cx="2780270" cy="338554"/>
           </a:xfrm>
           <a:prstGeom prst="rect">
             <a:avLst/>
@@ -6652,13 +6639,13 @@
           <a:lstStyle/>
           <a:p>
             <a:r>
-              <a:rPr lang="en-US" sz="1400" dirty="0" smtClean="0">
+              <a:rPr lang="en-US" sz="1600" dirty="0" smtClean="0">
                 <a:latin typeface="Times New Roman" panose="02020603050405020304" pitchFamily="18" charset="0"/>
                 <a:cs typeface="Times New Roman" panose="02020603050405020304" pitchFamily="18" charset="0"/>
               </a:rPr>
-              <a:t>       Fig :ER diagram</a:t>
-            </a:r>
-            <a:endParaRPr lang="en-US" sz="1400" dirty="0">
+              <a:t>Fig: Context level DFD</a:t>
+            </a:r>
+            <a:endParaRPr lang="en-US" sz="1600" dirty="0">
               <a:latin typeface="Times New Roman" panose="02020603050405020304" pitchFamily="18" charset="0"/>
               <a:cs typeface="Times New Roman" panose="02020603050405020304" pitchFamily="18" charset="0"/>
             </a:endParaRPr>
@@ -6667,8 +6654,10 @@
       </p:sp>
       <p:pic>
         <p:nvPicPr>
-          <p:cNvPr id="7" name="Picture 6"/>
-          <p:cNvPicPr/>
+          <p:cNvPr id="4" name="Picture 3"/>
+          <p:cNvPicPr>
+            <a:picLocks noChangeAspect="1"/>
+          </p:cNvPicPr>
           <p:nvPr/>
         </p:nvPicPr>
         <p:blipFill>
@@ -6685,8 +6674,8 @@
         </p:blipFill>
         <p:spPr>
           <a:xfrm>
-            <a:off x="603438" y="605553"/>
-            <a:ext cx="7329600" cy="5435809"/>
+            <a:off x="296562" y="1458097"/>
+            <a:ext cx="9274687" cy="3818237"/>
           </a:xfrm>
           <a:prstGeom prst="rect">
             <a:avLst/>
@@ -6696,7 +6685,7 @@
     </p:spTree>
     <p:extLst>
       <p:ext uri="{BB962C8B-B14F-4D97-AF65-F5344CB8AC3E}">
-        <p14:creationId xmlns:p14="http://schemas.microsoft.com/office/powerpoint/2010/main" val="715370893"/>
+        <p14:creationId xmlns:p14="http://schemas.microsoft.com/office/powerpoint/2010/main" val="2803847695"/>
       </p:ext>
     </p:extLst>
   </p:cSld>
@@ -6755,72 +6744,40 @@
       </p:sp>
       <p:sp>
         <p:nvSpPr>
-          <p:cNvPr id="3" name="TextBox 2"/>
-          <p:cNvSpPr txBox="1"/>
+          <p:cNvPr id="4" name="Rectangle 3"/>
+          <p:cNvSpPr/>
           <p:nvPr/>
         </p:nvSpPr>
         <p:spPr>
           <a:xfrm>
-            <a:off x="2038865" y="469557"/>
-            <a:ext cx="4979773" cy="830997"/>
+            <a:off x="3830592" y="6399817"/>
+            <a:ext cx="2078321" cy="369332"/>
           </a:xfrm>
           <a:prstGeom prst="rect">
             <a:avLst/>
           </a:prstGeom>
-          <a:noFill/>
         </p:spPr>
         <p:txBody>
-          <a:bodyPr wrap="square" rtlCol="0">
+          <a:bodyPr wrap="square">
             <a:spAutoFit/>
           </a:bodyPr>
           <a:lstStyle/>
           <a:p>
             <a:r>
-              <a:rPr lang="en-US" sz="2400" b="1" dirty="0" smtClean="0">
+              <a:rPr lang="en-US" dirty="0">
                 <a:latin typeface="Times New Roman" panose="02020603050405020304" pitchFamily="18" charset="0"/>
                 <a:cs typeface="Times New Roman" panose="02020603050405020304" pitchFamily="18" charset="0"/>
               </a:rPr>
-              <a:t>                Process Modeling</a:t>
-            </a:r>
-          </a:p>
-          <a:p>
-            <a:endParaRPr lang="en-US" sz="2400" b="1" dirty="0">
-              <a:latin typeface="Times New Roman" panose="02020603050405020304" pitchFamily="18" charset="0"/>
-              <a:cs typeface="Times New Roman" panose="02020603050405020304" pitchFamily="18" charset="0"/>
-            </a:endParaRPr>
-          </a:p>
-        </p:txBody>
-      </p:sp>
-      <p:sp>
-        <p:nvSpPr>
-          <p:cNvPr id="5" name="TextBox 4"/>
-          <p:cNvSpPr txBox="1"/>
-          <p:nvPr/>
-        </p:nvSpPr>
-        <p:spPr>
-          <a:xfrm>
-            <a:off x="3286896" y="5885370"/>
-            <a:ext cx="2780270" cy="338554"/>
-          </a:xfrm>
-          <a:prstGeom prst="rect">
-            <a:avLst/>
-          </a:prstGeom>
-          <a:noFill/>
-        </p:spPr>
-        <p:txBody>
-          <a:bodyPr wrap="square" rtlCol="0">
-            <a:spAutoFit/>
-          </a:bodyPr>
-          <a:lstStyle/>
-          <a:p>
-            <a:r>
-              <a:rPr lang="en-US" sz="1600" dirty="0" smtClean="0">
+              <a:t>Fig: </a:t>
+            </a:r>
+            <a:r>
+              <a:rPr lang="en-US" dirty="0" smtClean="0">
                 <a:latin typeface="Times New Roman" panose="02020603050405020304" pitchFamily="18" charset="0"/>
                 <a:cs typeface="Times New Roman" panose="02020603050405020304" pitchFamily="18" charset="0"/>
               </a:rPr>
-              <a:t>Fig: Context level DFD</a:t>
-            </a:r>
-            <a:endParaRPr lang="en-US" sz="1600" dirty="0">
+              <a:t>Level 0 DFD</a:t>
+            </a:r>
+            <a:endParaRPr lang="en-US" dirty="0">
               <a:latin typeface="Times New Roman" panose="02020603050405020304" pitchFamily="18" charset="0"/>
               <a:cs typeface="Times New Roman" panose="02020603050405020304" pitchFamily="18" charset="0"/>
             </a:endParaRPr>
@@ -6829,12 +6786,12 @@
       </p:sp>
       <p:pic>
         <p:nvPicPr>
-          <p:cNvPr id="7" name="Picture 6"/>
+          <p:cNvPr id="5" name="Picture 4"/>
           <p:cNvPicPr/>
           <p:nvPr/>
         </p:nvPicPr>
         <p:blipFill>
-          <a:blip r:embed="rId2">
+          <a:blip r:embed="rId2" cstate="print">
             <a:extLst>
               <a:ext uri="{28A0092B-C50C-407E-A947-70E740481C1C}">
                 <a14:useLocalDpi xmlns:a14="http://schemas.microsoft.com/office/drawing/2010/main" val="0"/>
@@ -6847,8 +6804,8 @@
         </p:blipFill>
         <p:spPr>
           <a:xfrm>
-            <a:off x="1081665" y="1177176"/>
-            <a:ext cx="7190732" cy="3938522"/>
+            <a:off x="1047904" y="289942"/>
+            <a:ext cx="7404118" cy="6116545"/>
           </a:xfrm>
           <a:prstGeom prst="rect">
             <a:avLst/>
@@ -6858,7 +6815,7 @@
     </p:spTree>
     <p:extLst>
       <p:ext uri="{BB962C8B-B14F-4D97-AF65-F5344CB8AC3E}">
-        <p14:creationId xmlns:p14="http://schemas.microsoft.com/office/powerpoint/2010/main" val="2803847695"/>
+        <p14:creationId xmlns:p14="http://schemas.microsoft.com/office/powerpoint/2010/main" val="3618555841"/>
       </p:ext>
     </p:extLst>
   </p:cSld>
@@ -6915,56 +6872,14 @@
           </a:p>
         </p:txBody>
       </p:sp>
-      <p:sp>
-        <p:nvSpPr>
-          <p:cNvPr id="4" name="Rectangle 3"/>
-          <p:cNvSpPr/>
-          <p:nvPr/>
-        </p:nvSpPr>
-        <p:spPr>
-          <a:xfrm>
-            <a:off x="3583457" y="6098710"/>
-            <a:ext cx="2078321" cy="307777"/>
-          </a:xfrm>
-          <a:prstGeom prst="rect">
-            <a:avLst/>
-          </a:prstGeom>
-        </p:spPr>
-        <p:txBody>
-          <a:bodyPr wrap="square">
-            <a:spAutoFit/>
-          </a:bodyPr>
-          <a:lstStyle/>
-          <a:p>
-            <a:r>
-              <a:rPr lang="en-US" sz="1400" dirty="0">
-                <a:latin typeface="Times New Roman" panose="02020603050405020304" pitchFamily="18" charset="0"/>
-                <a:cs typeface="Times New Roman" panose="02020603050405020304" pitchFamily="18" charset="0"/>
-              </a:rPr>
-              <a:t>Fig: </a:t>
-            </a:r>
-            <a:r>
-              <a:rPr lang="en-US" sz="1400" dirty="0" smtClean="0">
-                <a:latin typeface="Times New Roman" panose="02020603050405020304" pitchFamily="18" charset="0"/>
-                <a:cs typeface="Times New Roman" panose="02020603050405020304" pitchFamily="18" charset="0"/>
-              </a:rPr>
-              <a:t>Level 0 DFD</a:t>
-            </a:r>
-            <a:endParaRPr lang="en-US" sz="1400" dirty="0">
-              <a:latin typeface="Times New Roman" panose="02020603050405020304" pitchFamily="18" charset="0"/>
-              <a:cs typeface="Times New Roman" panose="02020603050405020304" pitchFamily="18" charset="0"/>
-            </a:endParaRPr>
-          </a:p>
-        </p:txBody>
-      </p:sp>
       <p:pic>
         <p:nvPicPr>
-          <p:cNvPr id="6" name="Picture 5"/>
+          <p:cNvPr id="3" name="Picture 2"/>
           <p:cNvPicPr/>
           <p:nvPr/>
         </p:nvPicPr>
         <p:blipFill>
-          <a:blip r:embed="rId2">
+          <a:blip r:embed="rId2" cstate="print">
             <a:extLst>
               <a:ext uri="{28A0092B-C50C-407E-A947-70E740481C1C}">
                 <a14:useLocalDpi xmlns:a14="http://schemas.microsoft.com/office/drawing/2010/main" val="0"/>
@@ -6977,18 +6892,112 @@
         </p:blipFill>
         <p:spPr>
           <a:xfrm>
-            <a:off x="1367223" y="186252"/>
-            <a:ext cx="6714095" cy="5732634"/>
+            <a:off x="1507268" y="888699"/>
+            <a:ext cx="6648192" cy="5335225"/>
           </a:xfrm>
           <a:prstGeom prst="rect">
             <a:avLst/>
           </a:prstGeom>
         </p:spPr>
       </p:pic>
+      <p:sp>
+        <p:nvSpPr>
+          <p:cNvPr id="4" name="Rectangle 3"/>
+          <p:cNvSpPr/>
+          <p:nvPr/>
+        </p:nvSpPr>
+        <p:spPr>
+          <a:xfrm>
+            <a:off x="1038557" y="155144"/>
+            <a:ext cx="2247493" cy="461665"/>
+          </a:xfrm>
+          <a:prstGeom prst="rect">
+            <a:avLst/>
+          </a:prstGeom>
+        </p:spPr>
+        <p:txBody>
+          <a:bodyPr wrap="square">
+            <a:spAutoFit/>
+          </a:bodyPr>
+          <a:lstStyle/>
+          <a:p>
+            <a:r>
+              <a:rPr lang="en-US" sz="2400" b="1" smtClean="0">
+                <a:latin typeface="Times New Roman" panose="02020603050405020304" pitchFamily="18" charset="0"/>
+                <a:ea typeface="Calibri" panose="020F0502020204030204" pitchFamily="34" charset="0"/>
+              </a:rPr>
+              <a:t>Physical DFD</a:t>
+            </a:r>
+            <a:endParaRPr lang="en-US" sz="2400" b="1" dirty="0"/>
+          </a:p>
+        </p:txBody>
+      </p:sp>
+      <p:sp>
+        <p:nvSpPr>
+          <p:cNvPr id="5" name="Rectangle 4"/>
+          <p:cNvSpPr/>
+          <p:nvPr/>
+        </p:nvSpPr>
+        <p:spPr>
+          <a:xfrm>
+            <a:off x="4207147" y="6391282"/>
+            <a:ext cx="1973617" cy="388696"/>
+          </a:xfrm>
+          <a:prstGeom prst="rect">
+            <a:avLst/>
+          </a:prstGeom>
+        </p:spPr>
+        <p:txBody>
+          <a:bodyPr wrap="none">
+            <a:spAutoFit/>
+          </a:bodyPr>
+          <a:lstStyle/>
+          <a:p>
+            <a:pPr algn="ctr">
+              <a:lnSpc>
+                <a:spcPct val="107000"/>
+              </a:lnSpc>
+              <a:spcAft>
+                <a:spcPts val="800"/>
+              </a:spcAft>
+            </a:pPr>
+            <a:r>
+              <a:rPr lang="en-US" dirty="0">
+                <a:latin typeface="Times New Roman" panose="02020603050405020304" pitchFamily="18" charset="0"/>
+                <a:ea typeface="Calibri" panose="020F0502020204030204" pitchFamily="34" charset="0"/>
+                <a:cs typeface="Times New Roman" panose="02020603050405020304" pitchFamily="18" charset="0"/>
+              </a:rPr>
+              <a:t>Fig </a:t>
+            </a:r>
+            <a:r>
+              <a:rPr lang="en-US" dirty="0" smtClean="0">
+                <a:latin typeface="Times New Roman" panose="02020603050405020304" pitchFamily="18" charset="0"/>
+                <a:ea typeface="Calibri" panose="020F0502020204030204" pitchFamily="34" charset="0"/>
+                <a:cs typeface="Times New Roman" panose="02020603050405020304" pitchFamily="18" charset="0"/>
+              </a:rPr>
+              <a:t>: Physical </a:t>
+            </a:r>
+            <a:r>
+              <a:rPr lang="en-US" dirty="0">
+                <a:latin typeface="Times New Roman" panose="02020603050405020304" pitchFamily="18" charset="0"/>
+                <a:ea typeface="Calibri" panose="020F0502020204030204" pitchFamily="34" charset="0"/>
+                <a:cs typeface="Times New Roman" panose="02020603050405020304" pitchFamily="18" charset="0"/>
+              </a:rPr>
+              <a:t>DFD</a:t>
+            </a:r>
+            <a:endParaRPr lang="en-US" sz="1600" dirty="0">
+              <a:effectLst/>
+              <a:latin typeface="Calibri" panose="020F0502020204030204" pitchFamily="34" charset="0"/>
+              <a:ea typeface="Calibri" panose="020F0502020204030204" pitchFamily="34" charset="0"/>
+              <a:cs typeface="Times New Roman" panose="02020603050405020304" pitchFamily="18" charset="0"/>
+            </a:endParaRPr>
+          </a:p>
+        </p:txBody>
+      </p:sp>
     </p:spTree>
     <p:extLst>
       <p:ext uri="{BB962C8B-B14F-4D97-AF65-F5344CB8AC3E}">
-        <p14:creationId xmlns:p14="http://schemas.microsoft.com/office/powerpoint/2010/main" val="3618555841"/>
+        <p14:creationId xmlns:p14="http://schemas.microsoft.com/office/powerpoint/2010/main" val="927206774"/>
       </p:ext>
     </p:extLst>
   </p:cSld>
@@ -7045,10 +7054,91 @@
           </a:p>
         </p:txBody>
       </p:sp>
+      <p:sp>
+        <p:nvSpPr>
+          <p:cNvPr id="3" name="TextBox 2"/>
+          <p:cNvSpPr txBox="1"/>
+          <p:nvPr/>
+        </p:nvSpPr>
+        <p:spPr>
+          <a:xfrm>
+            <a:off x="460856" y="347117"/>
+            <a:ext cx="8612659" cy="461665"/>
+          </a:xfrm>
+          <a:prstGeom prst="rect">
+            <a:avLst/>
+          </a:prstGeom>
+          <a:noFill/>
+        </p:spPr>
+        <p:txBody>
+          <a:bodyPr wrap="square" rtlCol="0">
+            <a:spAutoFit/>
+          </a:bodyPr>
+          <a:lstStyle/>
+          <a:p>
+            <a:r>
+              <a:rPr lang="en-US" sz="2400" b="1" dirty="0" smtClean="0">
+                <a:latin typeface="Times New Roman" panose="02020603050405020304" pitchFamily="18" charset="0"/>
+                <a:cs typeface="Times New Roman" panose="02020603050405020304" pitchFamily="18" charset="0"/>
+              </a:rPr>
+              <a:t>                          Database Schema Design </a:t>
+            </a:r>
+            <a:endParaRPr lang="en-US" sz="2400" b="1" dirty="0">
+              <a:latin typeface="Times New Roman" panose="02020603050405020304" pitchFamily="18" charset="0"/>
+              <a:cs typeface="Times New Roman" panose="02020603050405020304" pitchFamily="18" charset="0"/>
+            </a:endParaRPr>
+          </a:p>
+        </p:txBody>
+      </p:sp>
+      <p:sp>
+        <p:nvSpPr>
+          <p:cNvPr id="5" name="TextBox 4"/>
+          <p:cNvSpPr txBox="1"/>
+          <p:nvPr/>
+        </p:nvSpPr>
+        <p:spPr>
+          <a:xfrm>
+            <a:off x="3068223" y="6223924"/>
+            <a:ext cx="4197552" cy="369332"/>
+          </a:xfrm>
+          <a:prstGeom prst="rect">
+            <a:avLst/>
+          </a:prstGeom>
+          <a:noFill/>
+        </p:spPr>
+        <p:txBody>
+          <a:bodyPr wrap="square" rtlCol="0">
+            <a:spAutoFit/>
+          </a:bodyPr>
+          <a:lstStyle/>
+          <a:p>
+            <a:r>
+              <a:rPr lang="en-US" dirty="0" smtClean="0">
+                <a:latin typeface="Times New Roman" panose="02020603050405020304" pitchFamily="18" charset="0"/>
+                <a:cs typeface="Times New Roman" panose="02020603050405020304" pitchFamily="18" charset="0"/>
+              </a:rPr>
+              <a:t>Fig: </a:t>
+            </a:r>
+            <a:r>
+              <a:rPr lang="en-US" dirty="0" smtClean="0">
+                <a:latin typeface="Times New Roman" panose="02020603050405020304" pitchFamily="18" charset="0"/>
+                <a:cs typeface="Times New Roman" panose="02020603050405020304" pitchFamily="18" charset="0"/>
+              </a:rPr>
+              <a:t>Database schema design</a:t>
+            </a:r>
+            <a:endParaRPr lang="en-US" dirty="0">
+              <a:latin typeface="Times New Roman" panose="02020603050405020304" pitchFamily="18" charset="0"/>
+              <a:cs typeface="Times New Roman" panose="02020603050405020304" pitchFamily="18" charset="0"/>
+            </a:endParaRPr>
+          </a:p>
+        </p:txBody>
+      </p:sp>
       <p:pic>
         <p:nvPicPr>
-          <p:cNvPr id="3" name="Picture 2"/>
-          <p:cNvPicPr/>
+          <p:cNvPr id="4" name="Picture 3"/>
+          <p:cNvPicPr>
+            <a:picLocks noChangeAspect="1"/>
+          </p:cNvPicPr>
           <p:nvPr/>
         </p:nvPicPr>
         <p:blipFill>
@@ -7065,86 +7155,31 @@
         </p:blipFill>
         <p:spPr>
           <a:xfrm>
-            <a:off x="1280957" y="166816"/>
-            <a:ext cx="7013144" cy="5874546"/>
+            <a:off x="842556" y="1149727"/>
+            <a:ext cx="7849257" cy="5056579"/>
           </a:xfrm>
           <a:prstGeom prst="rect">
             <a:avLst/>
           </a:prstGeom>
         </p:spPr>
       </p:pic>
-      <p:sp>
-        <p:nvSpPr>
-          <p:cNvPr id="4" name="Rectangle 3"/>
-          <p:cNvSpPr/>
-          <p:nvPr/>
-        </p:nvSpPr>
-        <p:spPr>
-          <a:xfrm>
-            <a:off x="3270422" y="5839780"/>
-            <a:ext cx="6096000" cy="768287"/>
-          </a:xfrm>
-          <a:prstGeom prst="rect">
-            <a:avLst/>
-          </a:prstGeom>
-        </p:spPr>
-        <p:txBody>
-          <a:bodyPr>
-            <a:spAutoFit/>
-          </a:bodyPr>
-          <a:lstStyle/>
-          <a:p>
-            <a:pPr>
-              <a:lnSpc>
-                <a:spcPct val="107000"/>
-              </a:lnSpc>
-              <a:spcAft>
-                <a:spcPts val="800"/>
-              </a:spcAft>
-            </a:pPr>
-            <a:r>
-              <a:rPr lang="en-US" dirty="0">
-                <a:latin typeface="Times New Roman" panose="02020603050405020304" pitchFamily="18" charset="0"/>
-                <a:ea typeface="Calibri" panose="020F0502020204030204" pitchFamily="34" charset="0"/>
-                <a:cs typeface="Times New Roman" panose="02020603050405020304" pitchFamily="18" charset="0"/>
-              </a:rPr>
-              <a:t> </a:t>
-            </a:r>
-            <a:endParaRPr lang="en-US" sz="1600" dirty="0">
-              <a:latin typeface="Calibri" panose="020F0502020204030204" pitchFamily="34" charset="0"/>
-              <a:ea typeface="Calibri" panose="020F0502020204030204" pitchFamily="34" charset="0"/>
-              <a:cs typeface="Times New Roman" panose="02020603050405020304" pitchFamily="18" charset="0"/>
-            </a:endParaRPr>
-          </a:p>
-          <a:p>
-            <a:r>
-              <a:rPr lang="en-US" dirty="0" smtClean="0">
-                <a:latin typeface="Times New Roman" panose="02020603050405020304" pitchFamily="18" charset="0"/>
-                <a:ea typeface="Calibri" panose="020F0502020204030204" pitchFamily="34" charset="0"/>
-              </a:rPr>
-              <a:t>Fig: </a:t>
-            </a:r>
-            <a:r>
-              <a:rPr lang="en-US" dirty="0">
-                <a:latin typeface="Times New Roman" panose="02020603050405020304" pitchFamily="18" charset="0"/>
-                <a:ea typeface="Calibri" panose="020F0502020204030204" pitchFamily="34" charset="0"/>
-              </a:rPr>
-              <a:t>Level 1 DFD</a:t>
-            </a:r>
-            <a:endParaRPr lang="en-US" dirty="0"/>
-          </a:p>
-        </p:txBody>
-      </p:sp>
     </p:spTree>
     <p:extLst>
       <p:ext uri="{BB962C8B-B14F-4D97-AF65-F5344CB8AC3E}">
-        <p14:creationId xmlns:p14="http://schemas.microsoft.com/office/powerpoint/2010/main" val="982141598"/>
+        <p14:creationId xmlns:p14="http://schemas.microsoft.com/office/powerpoint/2010/main" val="1572842099"/>
       </p:ext>
     </p:extLst>
   </p:cSld>
   <p:clrMapOvr>
     <a:masterClrMapping/>
   </p:clrMapOvr>
+  <p:timing>
+    <p:tnLst>
+      <p:par>
+        <p:cTn id="1" dur="indefinite" restart="never" nodeType="tmRoot"/>
+      </p:par>
+    </p:tnLst>
+  </p:timing>
 </p:sld>
 </file>
 
@@ -7188,81 +7223,9 @@
           </a:p>
         </p:txBody>
       </p:sp>
-      <p:sp>
-        <p:nvSpPr>
-          <p:cNvPr id="3" name="TextBox 2"/>
-          <p:cNvSpPr txBox="1"/>
-          <p:nvPr/>
-        </p:nvSpPr>
-        <p:spPr>
-          <a:xfrm>
-            <a:off x="460856" y="347117"/>
-            <a:ext cx="8612659" cy="461665"/>
-          </a:xfrm>
-          <a:prstGeom prst="rect">
-            <a:avLst/>
-          </a:prstGeom>
-          <a:noFill/>
-        </p:spPr>
-        <p:txBody>
-          <a:bodyPr wrap="square" rtlCol="0">
-            <a:spAutoFit/>
-          </a:bodyPr>
-          <a:lstStyle/>
-          <a:p>
-            <a:r>
-              <a:rPr lang="en-US" sz="2400" b="1" dirty="0" smtClean="0">
-                <a:latin typeface="Times New Roman" panose="02020603050405020304" pitchFamily="18" charset="0"/>
-                <a:cs typeface="Times New Roman" panose="02020603050405020304" pitchFamily="18" charset="0"/>
-              </a:rPr>
-              <a:t>                          Database Schema Design </a:t>
-            </a:r>
-            <a:endParaRPr lang="en-US" sz="2400" b="1" dirty="0">
-              <a:latin typeface="Times New Roman" panose="02020603050405020304" pitchFamily="18" charset="0"/>
-              <a:cs typeface="Times New Roman" panose="02020603050405020304" pitchFamily="18" charset="0"/>
-            </a:endParaRPr>
-          </a:p>
-        </p:txBody>
-      </p:sp>
-      <p:sp>
-        <p:nvSpPr>
-          <p:cNvPr id="5" name="TextBox 4"/>
-          <p:cNvSpPr txBox="1"/>
-          <p:nvPr/>
-        </p:nvSpPr>
-        <p:spPr>
-          <a:xfrm>
-            <a:off x="3130006" y="6252598"/>
-            <a:ext cx="5460657" cy="307777"/>
-          </a:xfrm>
-          <a:prstGeom prst="rect">
-            <a:avLst/>
-          </a:prstGeom>
-          <a:noFill/>
-        </p:spPr>
-        <p:txBody>
-          <a:bodyPr wrap="square" rtlCol="0">
-            <a:spAutoFit/>
-          </a:bodyPr>
-          <a:lstStyle/>
-          <a:p>
-            <a:r>
-              <a:rPr lang="en-US" sz="1400" dirty="0" smtClean="0">
-                <a:latin typeface="Times New Roman" panose="02020603050405020304" pitchFamily="18" charset="0"/>
-                <a:cs typeface="Times New Roman" panose="02020603050405020304" pitchFamily="18" charset="0"/>
-              </a:rPr>
-              <a:t>Fig : Database schema design</a:t>
-            </a:r>
-            <a:endParaRPr lang="en-US" sz="1400" dirty="0">
-              <a:latin typeface="Times New Roman" panose="02020603050405020304" pitchFamily="18" charset="0"/>
-              <a:cs typeface="Times New Roman" panose="02020603050405020304" pitchFamily="18" charset="0"/>
-            </a:endParaRPr>
-          </a:p>
-        </p:txBody>
-      </p:sp>
       <p:pic>
         <p:nvPicPr>
-          <p:cNvPr id="7" name="Picture 6"/>
+          <p:cNvPr id="3" name="Picture 2"/>
           <p:cNvPicPr/>
           <p:nvPr/>
         </p:nvPicPr>
@@ -7280,18 +7243,135 @@
         </p:blipFill>
         <p:spPr>
           <a:xfrm>
-            <a:off x="1789669" y="1178438"/>
-            <a:ext cx="7168979" cy="5074159"/>
+            <a:off x="1579528" y="1175437"/>
+            <a:ext cx="6452364" cy="4457700"/>
           </a:xfrm>
           <a:prstGeom prst="rect">
             <a:avLst/>
           </a:prstGeom>
         </p:spPr>
       </p:pic>
+      <p:sp>
+        <p:nvSpPr>
+          <p:cNvPr id="4" name="Rectangle 3"/>
+          <p:cNvSpPr/>
+          <p:nvPr/>
+        </p:nvSpPr>
+        <p:spPr>
+          <a:xfrm>
+            <a:off x="2652584" y="5760048"/>
+            <a:ext cx="4549423" cy="754758"/>
+          </a:xfrm>
+          <a:prstGeom prst="rect">
+            <a:avLst/>
+          </a:prstGeom>
+        </p:spPr>
+        <p:txBody>
+          <a:bodyPr wrap="square">
+            <a:spAutoFit/>
+          </a:bodyPr>
+          <a:lstStyle/>
+          <a:p>
+            <a:pPr>
+              <a:lnSpc>
+                <a:spcPct val="107000"/>
+              </a:lnSpc>
+              <a:spcAft>
+                <a:spcPts val="800"/>
+              </a:spcAft>
+            </a:pPr>
+            <a:r>
+              <a:rPr lang="en-US" sz="1600" dirty="0">
+                <a:latin typeface="Times New Roman" panose="02020603050405020304" pitchFamily="18" charset="0"/>
+                <a:ea typeface="Calibri" panose="020F0502020204030204" pitchFamily="34" charset="0"/>
+                <a:cs typeface="Times New Roman" panose="02020603050405020304" pitchFamily="18" charset="0"/>
+              </a:rPr>
+              <a:t> </a:t>
+            </a:r>
+            <a:endParaRPr lang="en-US" sz="1600" dirty="0">
+              <a:latin typeface="Calibri" panose="020F0502020204030204" pitchFamily="34" charset="0"/>
+              <a:ea typeface="Calibri" panose="020F0502020204030204" pitchFamily="34" charset="0"/>
+              <a:cs typeface="Times New Roman" panose="02020603050405020304" pitchFamily="18" charset="0"/>
+            </a:endParaRPr>
+          </a:p>
+          <a:p>
+            <a:pPr algn="ctr">
+              <a:lnSpc>
+                <a:spcPct val="107000"/>
+              </a:lnSpc>
+              <a:spcAft>
+                <a:spcPts val="800"/>
+              </a:spcAft>
+            </a:pPr>
+            <a:r>
+              <a:rPr lang="en-US" dirty="0">
+                <a:latin typeface="Times New Roman" panose="02020603050405020304" pitchFamily="18" charset="0"/>
+                <a:ea typeface="Calibri" panose="020F0502020204030204" pitchFamily="34" charset="0"/>
+                <a:cs typeface="Times New Roman" panose="02020603050405020304" pitchFamily="18" charset="0"/>
+              </a:rPr>
+              <a:t>Fig</a:t>
+            </a:r>
+            <a:r>
+              <a:rPr lang="en-US" dirty="0" smtClean="0">
+                <a:latin typeface="Times New Roman" panose="02020603050405020304" pitchFamily="18" charset="0"/>
+                <a:ea typeface="Calibri" panose="020F0502020204030204" pitchFamily="34" charset="0"/>
+                <a:cs typeface="Times New Roman" panose="02020603050405020304" pitchFamily="18" charset="0"/>
+              </a:rPr>
+              <a:t>:  </a:t>
+            </a:r>
+            <a:r>
+              <a:rPr lang="en-US" dirty="0">
+                <a:latin typeface="Times New Roman" panose="02020603050405020304" pitchFamily="18" charset="0"/>
+                <a:ea typeface="Calibri" panose="020F0502020204030204" pitchFamily="34" charset="0"/>
+                <a:cs typeface="Times New Roman" panose="02020603050405020304" pitchFamily="18" charset="0"/>
+              </a:rPr>
+              <a:t>Architecture Design</a:t>
+            </a:r>
+            <a:endParaRPr lang="en-US" sz="1600" dirty="0">
+              <a:effectLst/>
+              <a:latin typeface="Calibri" panose="020F0502020204030204" pitchFamily="34" charset="0"/>
+              <a:ea typeface="Calibri" panose="020F0502020204030204" pitchFamily="34" charset="0"/>
+              <a:cs typeface="Times New Roman" panose="02020603050405020304" pitchFamily="18" charset="0"/>
+            </a:endParaRPr>
+          </a:p>
+        </p:txBody>
+      </p:sp>
+      <p:sp>
+        <p:nvSpPr>
+          <p:cNvPr id="5" name="Rectangle 4"/>
+          <p:cNvSpPr/>
+          <p:nvPr/>
+        </p:nvSpPr>
+        <p:spPr>
+          <a:xfrm>
+            <a:off x="3324303" y="419484"/>
+            <a:ext cx="2813655" cy="461665"/>
+          </a:xfrm>
+          <a:prstGeom prst="rect">
+            <a:avLst/>
+          </a:prstGeom>
+        </p:spPr>
+        <p:txBody>
+          <a:bodyPr wrap="none">
+            <a:spAutoFit/>
+          </a:bodyPr>
+          <a:lstStyle/>
+          <a:p>
+            <a:r>
+              <a:rPr lang="en-US" sz="2400" b="1" dirty="0">
+                <a:latin typeface="Times New Roman" panose="02020603050405020304" pitchFamily="18" charset="0"/>
+                <a:ea typeface="Calibri" panose="020F0502020204030204" pitchFamily="34" charset="0"/>
+              </a:rPr>
+              <a:t>Architecture Design</a:t>
+            </a:r>
+            <a:endParaRPr lang="en-US" sz="2400" dirty="0"/>
+          </a:p>
+        </p:txBody>
+      </p:sp>
     </p:spTree>
     <p:extLst>
       <p:ext uri="{BB962C8B-B14F-4D97-AF65-F5344CB8AC3E}">
-        <p14:creationId xmlns:p14="http://schemas.microsoft.com/office/powerpoint/2010/main" val="1572842099"/>
+        <p14:creationId xmlns:p14="http://schemas.microsoft.com/office/powerpoint/2010/main" val="10230271"/>
       </p:ext>
     </p:extLst>
   </p:cSld>
@@ -7343,6 +7423,599 @@
             <a:fld id="{65049433-76A0-465F-B9A5-46A311B0921A}" type="slidenum">
               <a:rPr lang="en-US" smtClean="0"/>
               <a:t>15</a:t>
+            </a:fld>
+            <a:endParaRPr lang="en-US"/>
+          </a:p>
+        </p:txBody>
+      </p:sp>
+      <p:sp>
+        <p:nvSpPr>
+          <p:cNvPr id="3" name="Rectangle 2"/>
+          <p:cNvSpPr/>
+          <p:nvPr/>
+        </p:nvSpPr>
+        <p:spPr>
+          <a:xfrm>
+            <a:off x="235355" y="264886"/>
+            <a:ext cx="2601994" cy="405367"/>
+          </a:xfrm>
+          <a:prstGeom prst="rect">
+            <a:avLst/>
+          </a:prstGeom>
+        </p:spPr>
+        <p:txBody>
+          <a:bodyPr wrap="none">
+            <a:spAutoFit/>
+          </a:bodyPr>
+          <a:lstStyle/>
+          <a:p>
+            <a:pPr marR="0" lvl="1">
+              <a:lnSpc>
+                <a:spcPct val="107000"/>
+              </a:lnSpc>
+              <a:spcBef>
+                <a:spcPts val="200"/>
+              </a:spcBef>
+              <a:spcAft>
+                <a:spcPts val="0"/>
+              </a:spcAft>
+            </a:pPr>
+            <a:r>
+              <a:rPr lang="en-US" sz="2000" b="1" dirty="0">
+                <a:latin typeface="Times New Roman" panose="02020603050405020304" pitchFamily="18" charset="0"/>
+                <a:ea typeface="Times New Roman" panose="02020603050405020304" pitchFamily="18" charset="0"/>
+                <a:cs typeface="Times New Roman" panose="02020603050405020304" pitchFamily="18" charset="0"/>
+              </a:rPr>
+              <a:t>Algorithm Details</a:t>
+            </a:r>
+            <a:endParaRPr lang="en-US" b="1" dirty="0">
+              <a:effectLst/>
+              <a:latin typeface="Calibri Light" panose="020F0302020204030204" pitchFamily="34" charset="0"/>
+              <a:ea typeface="Times New Roman" panose="02020603050405020304" pitchFamily="18" charset="0"/>
+              <a:cs typeface="Times New Roman" panose="02020603050405020304" pitchFamily="18" charset="0"/>
+            </a:endParaRPr>
+          </a:p>
+        </p:txBody>
+      </p:sp>
+      <p:sp>
+        <p:nvSpPr>
+          <p:cNvPr id="4" name="Rectangle 3"/>
+          <p:cNvSpPr/>
+          <p:nvPr/>
+        </p:nvSpPr>
+        <p:spPr>
+          <a:xfrm>
+            <a:off x="2108885" y="1114833"/>
+            <a:ext cx="4823255" cy="5109091"/>
+          </a:xfrm>
+          <a:prstGeom prst="rect">
+            <a:avLst/>
+          </a:prstGeom>
+        </p:spPr>
+        <p:txBody>
+          <a:bodyPr wrap="square">
+            <a:spAutoFit/>
+          </a:bodyPr>
+          <a:lstStyle/>
+          <a:p>
+            <a:pPr>
+              <a:lnSpc>
+                <a:spcPct val="150000"/>
+              </a:lnSpc>
+              <a:spcAft>
+                <a:spcPts val="800"/>
+              </a:spcAft>
+            </a:pPr>
+            <a:r>
+              <a:rPr lang="en-US" sz="1200" dirty="0">
+                <a:latin typeface="Times New Roman" panose="02020603050405020304" pitchFamily="18" charset="0"/>
+                <a:ea typeface="Calibri" panose="020F0502020204030204" pitchFamily="34" charset="0"/>
+                <a:cs typeface="Times New Roman" panose="02020603050405020304" pitchFamily="18" charset="0"/>
+              </a:rPr>
+              <a:t>function fetchAndSortMovies(result</a:t>
+            </a:r>
+            <a:r>
+              <a:rPr lang="en-US" sz="1200" dirty="0" smtClean="0">
+                <a:latin typeface="Times New Roman" panose="02020603050405020304" pitchFamily="18" charset="0"/>
+                <a:ea typeface="Calibri" panose="020F0502020204030204" pitchFamily="34" charset="0"/>
+                <a:cs typeface="Times New Roman" panose="02020603050405020304" pitchFamily="18" charset="0"/>
+              </a:rPr>
+              <a:t>):</a:t>
+            </a:r>
+          </a:p>
+          <a:p>
+            <a:pPr>
+              <a:lnSpc>
+                <a:spcPct val="150000"/>
+              </a:lnSpc>
+              <a:spcAft>
+                <a:spcPts val="800"/>
+              </a:spcAft>
+            </a:pPr>
+            <a:r>
+              <a:rPr lang="en-US" sz="1200" dirty="0" smtClean="0">
+                <a:latin typeface="Times New Roman" panose="02020603050405020304" pitchFamily="18" charset="0"/>
+                <a:ea typeface="Calibri" panose="020F0502020204030204" pitchFamily="34" charset="0"/>
+                <a:cs typeface="Times New Roman" panose="02020603050405020304" pitchFamily="18" charset="0"/>
+              </a:rPr>
+              <a:t>movies </a:t>
+            </a:r>
+            <a:r>
+              <a:rPr lang="en-US" sz="1200" dirty="0">
+                <a:latin typeface="Times New Roman" panose="02020603050405020304" pitchFamily="18" charset="0"/>
+                <a:ea typeface="Calibri" panose="020F0502020204030204" pitchFamily="34" charset="0"/>
+                <a:cs typeface="Times New Roman" panose="02020603050405020304" pitchFamily="18" charset="0"/>
+              </a:rPr>
+              <a:t>= []</a:t>
+            </a:r>
+          </a:p>
+          <a:p>
+            <a:pPr>
+              <a:lnSpc>
+                <a:spcPct val="150000"/>
+              </a:lnSpc>
+              <a:spcAft>
+                <a:spcPts val="800"/>
+              </a:spcAft>
+            </a:pPr>
+            <a:r>
+              <a:rPr lang="en-US" sz="1200" dirty="0">
+                <a:latin typeface="Times New Roman" panose="02020603050405020304" pitchFamily="18" charset="0"/>
+                <a:ea typeface="Calibri" panose="020F0502020204030204" pitchFamily="34" charset="0"/>
+                <a:cs typeface="Times New Roman" panose="02020603050405020304" pitchFamily="18" charset="0"/>
+              </a:rPr>
+              <a:t>    while there are rows in the result:</a:t>
+            </a:r>
+          </a:p>
+          <a:p>
+            <a:pPr>
+              <a:lnSpc>
+                <a:spcPct val="150000"/>
+              </a:lnSpc>
+              <a:spcAft>
+                <a:spcPts val="800"/>
+              </a:spcAft>
+            </a:pPr>
+            <a:r>
+              <a:rPr lang="en-US" sz="1200" dirty="0">
+                <a:latin typeface="Times New Roman" panose="02020603050405020304" pitchFamily="18" charset="0"/>
+                <a:ea typeface="Calibri" panose="020F0502020204030204" pitchFamily="34" charset="0"/>
+                <a:cs typeface="Times New Roman" panose="02020603050405020304" pitchFamily="18" charset="0"/>
+              </a:rPr>
+              <a:t>        row = fetch next row from result</a:t>
+            </a:r>
+          </a:p>
+          <a:p>
+            <a:pPr>
+              <a:lnSpc>
+                <a:spcPct val="150000"/>
+              </a:lnSpc>
+              <a:spcAft>
+                <a:spcPts val="800"/>
+              </a:spcAft>
+            </a:pPr>
+            <a:r>
+              <a:rPr lang="en-US" sz="1200" dirty="0">
+                <a:latin typeface="Times New Roman" panose="02020603050405020304" pitchFamily="18" charset="0"/>
+                <a:ea typeface="Calibri" panose="020F0502020204030204" pitchFamily="34" charset="0"/>
+                <a:cs typeface="Times New Roman" panose="02020603050405020304" pitchFamily="18" charset="0"/>
+              </a:rPr>
+              <a:t>        movies.append(row)</a:t>
+            </a:r>
+          </a:p>
+          <a:p>
+            <a:pPr>
+              <a:lnSpc>
+                <a:spcPct val="150000"/>
+              </a:lnSpc>
+              <a:spcAft>
+                <a:spcPts val="800"/>
+              </a:spcAft>
+            </a:pPr>
+            <a:r>
+              <a:rPr lang="en-US" sz="1200" dirty="0">
+                <a:latin typeface="Times New Roman" panose="02020603050405020304" pitchFamily="18" charset="0"/>
+                <a:ea typeface="Calibri" panose="020F0502020204030204" pitchFamily="34" charset="0"/>
+                <a:cs typeface="Times New Roman" panose="02020603050405020304" pitchFamily="18" charset="0"/>
+              </a:rPr>
+              <a:t>    for i from 1 to length(movies) - 1:</a:t>
+            </a:r>
+          </a:p>
+          <a:p>
+            <a:pPr>
+              <a:lnSpc>
+                <a:spcPct val="150000"/>
+              </a:lnSpc>
+              <a:spcAft>
+                <a:spcPts val="800"/>
+              </a:spcAft>
+            </a:pPr>
+            <a:r>
+              <a:rPr lang="en-US" sz="1200" dirty="0">
+                <a:latin typeface="Times New Roman" panose="02020603050405020304" pitchFamily="18" charset="0"/>
+                <a:ea typeface="Calibri" panose="020F0502020204030204" pitchFamily="34" charset="0"/>
+                <a:cs typeface="Times New Roman" panose="02020603050405020304" pitchFamily="18" charset="0"/>
+              </a:rPr>
+              <a:t>        key = movies[i]</a:t>
+            </a:r>
+          </a:p>
+          <a:p>
+            <a:pPr>
+              <a:lnSpc>
+                <a:spcPct val="150000"/>
+              </a:lnSpc>
+              <a:spcAft>
+                <a:spcPts val="800"/>
+              </a:spcAft>
+            </a:pPr>
+            <a:r>
+              <a:rPr lang="en-US" sz="1200" dirty="0">
+                <a:latin typeface="Times New Roman" panose="02020603050405020304" pitchFamily="18" charset="0"/>
+                <a:ea typeface="Calibri" panose="020F0502020204030204" pitchFamily="34" charset="0"/>
+                <a:cs typeface="Times New Roman" panose="02020603050405020304" pitchFamily="18" charset="0"/>
+              </a:rPr>
+              <a:t>        j = i - 1</a:t>
+            </a:r>
+          </a:p>
+          <a:p>
+            <a:pPr>
+              <a:lnSpc>
+                <a:spcPct val="150000"/>
+              </a:lnSpc>
+              <a:spcAft>
+                <a:spcPts val="800"/>
+              </a:spcAft>
+            </a:pPr>
+            <a:r>
+              <a:rPr lang="en-US" sz="1200" dirty="0">
+                <a:latin typeface="Times New Roman" panose="02020603050405020304" pitchFamily="18" charset="0"/>
+                <a:ea typeface="Calibri" panose="020F0502020204030204" pitchFamily="34" charset="0"/>
+                <a:cs typeface="Times New Roman" panose="02020603050405020304" pitchFamily="18" charset="0"/>
+              </a:rPr>
+              <a:t>        while j &gt;= 0 and strtotime(movies[j]['release_date']) &gt; strtotime(key['release_date']):</a:t>
+            </a:r>
+          </a:p>
+          <a:p>
+            <a:pPr>
+              <a:lnSpc>
+                <a:spcPct val="150000"/>
+              </a:lnSpc>
+              <a:spcAft>
+                <a:spcPts val="800"/>
+              </a:spcAft>
+            </a:pPr>
+            <a:r>
+              <a:rPr lang="en-US" sz="1200" dirty="0">
+                <a:latin typeface="Times New Roman" panose="02020603050405020304" pitchFamily="18" charset="0"/>
+                <a:ea typeface="Calibri" panose="020F0502020204030204" pitchFamily="34" charset="0"/>
+                <a:cs typeface="Times New Roman" panose="02020603050405020304" pitchFamily="18" charset="0"/>
+              </a:rPr>
+              <a:t>            movies[j + 1] = movies[j]</a:t>
+            </a:r>
+          </a:p>
+          <a:p>
+            <a:pPr>
+              <a:lnSpc>
+                <a:spcPct val="150000"/>
+              </a:lnSpc>
+              <a:spcAft>
+                <a:spcPts val="800"/>
+              </a:spcAft>
+            </a:pPr>
+            <a:r>
+              <a:rPr lang="en-US" sz="1200" dirty="0">
+                <a:latin typeface="Times New Roman" panose="02020603050405020304" pitchFamily="18" charset="0"/>
+                <a:ea typeface="Calibri" panose="020F0502020204030204" pitchFamily="34" charset="0"/>
+                <a:cs typeface="Times New Roman" panose="02020603050405020304" pitchFamily="18" charset="0"/>
+              </a:rPr>
+              <a:t>            j = j - 1</a:t>
+            </a:r>
+          </a:p>
+          <a:p>
+            <a:pPr>
+              <a:lnSpc>
+                <a:spcPct val="150000"/>
+              </a:lnSpc>
+              <a:spcAft>
+                <a:spcPts val="800"/>
+              </a:spcAft>
+            </a:pPr>
+            <a:r>
+              <a:rPr lang="en-US" sz="1200" dirty="0">
+                <a:latin typeface="Times New Roman" panose="02020603050405020304" pitchFamily="18" charset="0"/>
+                <a:ea typeface="Calibri" panose="020F0502020204030204" pitchFamily="34" charset="0"/>
+                <a:cs typeface="Times New Roman" panose="02020603050405020304" pitchFamily="18" charset="0"/>
+              </a:rPr>
+              <a:t>        movies[j + 1] = key</a:t>
+            </a:r>
+          </a:p>
+          <a:p>
+            <a:r>
+              <a:rPr lang="en-US" sz="1200" dirty="0">
+                <a:latin typeface="Times New Roman" panose="02020603050405020304" pitchFamily="18" charset="0"/>
+                <a:ea typeface="Calibri" panose="020F0502020204030204" pitchFamily="34" charset="0"/>
+                <a:cs typeface="Times New Roman" panose="02020603050405020304" pitchFamily="18" charset="0"/>
+              </a:rPr>
+              <a:t>    return movies</a:t>
+            </a:r>
+            <a:endParaRPr lang="en-US" sz="1200" dirty="0">
+              <a:latin typeface="Times New Roman" panose="02020603050405020304" pitchFamily="18" charset="0"/>
+              <a:cs typeface="Times New Roman" panose="02020603050405020304" pitchFamily="18" charset="0"/>
+            </a:endParaRPr>
+          </a:p>
+        </p:txBody>
+      </p:sp>
+    </p:spTree>
+    <p:extLst>
+      <p:ext uri="{BB962C8B-B14F-4D97-AF65-F5344CB8AC3E}">
+        <p14:creationId xmlns:p14="http://schemas.microsoft.com/office/powerpoint/2010/main" val="2567783835"/>
+      </p:ext>
+    </p:extLst>
+  </p:cSld>
+  <p:clrMapOvr>
+    <a:masterClrMapping/>
+  </p:clrMapOvr>
+  <p:timing>
+    <p:tnLst>
+      <p:par>
+        <p:cTn id="1" dur="indefinite" restart="never" nodeType="tmRoot"/>
+      </p:par>
+    </p:tnLst>
+  </p:timing>
+</p:sld>
+</file>
+
+<file path=ppt/slides/slide16.xml><?xml version="1.0" encoding="utf-8"?>
+<p:sld xmlns:a="http://schemas.openxmlformats.org/drawingml/2006/main" xmlns:r="http://schemas.openxmlformats.org/officeDocument/2006/relationships" xmlns:p="http://schemas.openxmlformats.org/presentationml/2006/main">
+  <p:cSld>
+    <p:spTree>
+      <p:nvGrpSpPr>
+        <p:cNvPr id="1" name=""/>
+        <p:cNvGrpSpPr/>
+        <p:nvPr/>
+      </p:nvGrpSpPr>
+      <p:grpSpPr>
+        <a:xfrm>
+          <a:off x="0" y="0"/>
+          <a:ext cx="0" cy="0"/>
+          <a:chOff x="0" y="0"/>
+          <a:chExt cx="0" cy="0"/>
+        </a:xfrm>
+      </p:grpSpPr>
+      <p:sp>
+        <p:nvSpPr>
+          <p:cNvPr id="2" name="Slide Number Placeholder 1"/>
+          <p:cNvSpPr>
+            <a:spLocks noGrp="1"/>
+          </p:cNvSpPr>
+          <p:nvPr>
+            <p:ph type="sldNum" sz="quarter" idx="12"/>
+          </p:nvPr>
+        </p:nvSpPr>
+        <p:spPr/>
+        <p:txBody>
+          <a:bodyPr/>
+          <a:lstStyle/>
+          <a:p>
+            <a:fld id="{65049433-76A0-465F-B9A5-46A311B0921A}" type="slidenum">
+              <a:rPr lang="en-US" smtClean="0"/>
+              <a:t>16</a:t>
+            </a:fld>
+            <a:endParaRPr lang="en-US"/>
+          </a:p>
+        </p:txBody>
+      </p:sp>
+      <p:sp>
+        <p:nvSpPr>
+          <p:cNvPr id="4" name="TextBox 3"/>
+          <p:cNvSpPr txBox="1"/>
+          <p:nvPr/>
+        </p:nvSpPr>
+        <p:spPr>
+          <a:xfrm>
+            <a:off x="966544" y="1149178"/>
+            <a:ext cx="7537622" cy="3662541"/>
+          </a:xfrm>
+          <a:prstGeom prst="rect">
+            <a:avLst/>
+          </a:prstGeom>
+          <a:noFill/>
+        </p:spPr>
+        <p:txBody>
+          <a:bodyPr wrap="square" rtlCol="0">
+            <a:spAutoFit/>
+          </a:bodyPr>
+          <a:lstStyle/>
+          <a:p>
+            <a:r>
+              <a:rPr lang="en-US" sz="2400" b="1" dirty="0" smtClean="0">
+                <a:latin typeface="Times New Roman" panose="02020603050405020304" pitchFamily="18" charset="0"/>
+                <a:cs typeface="Times New Roman" panose="02020603050405020304" pitchFamily="18" charset="0"/>
+              </a:rPr>
+              <a:t>                               Implementation</a:t>
+            </a:r>
+          </a:p>
+          <a:p>
+            <a:endParaRPr lang="en-US" sz="2400" b="1" dirty="0">
+              <a:latin typeface="Times New Roman" panose="02020603050405020304" pitchFamily="18" charset="0"/>
+              <a:cs typeface="Times New Roman" panose="02020603050405020304" pitchFamily="18" charset="0"/>
+            </a:endParaRPr>
+          </a:p>
+          <a:p>
+            <a:r>
+              <a:rPr lang="en-US" b="1" dirty="0" smtClean="0">
+                <a:latin typeface="Times New Roman" panose="02020603050405020304" pitchFamily="18" charset="0"/>
+                <a:cs typeface="Times New Roman" panose="02020603050405020304" pitchFamily="18" charset="0"/>
+              </a:rPr>
+              <a:t>                                            Tools Used</a:t>
+            </a:r>
+          </a:p>
+          <a:p>
+            <a:endParaRPr lang="en-US" b="1" dirty="0" smtClean="0">
+              <a:latin typeface="Times New Roman" panose="02020603050405020304" pitchFamily="18" charset="0"/>
+              <a:cs typeface="Times New Roman" panose="02020603050405020304" pitchFamily="18" charset="0"/>
+            </a:endParaRPr>
+          </a:p>
+          <a:p>
+            <a:endParaRPr lang="en-US" b="1" dirty="0">
+              <a:latin typeface="Times New Roman" panose="02020603050405020304" pitchFamily="18" charset="0"/>
+              <a:cs typeface="Times New Roman" panose="02020603050405020304" pitchFamily="18" charset="0"/>
+            </a:endParaRPr>
+          </a:p>
+          <a:p>
+            <a:r>
+              <a:rPr lang="en-US" b="1" dirty="0" smtClean="0">
+                <a:latin typeface="Times New Roman" panose="02020603050405020304" pitchFamily="18" charset="0"/>
+                <a:cs typeface="Times New Roman" panose="02020603050405020304" pitchFamily="18" charset="0"/>
+              </a:rPr>
+              <a:t>Front End</a:t>
+            </a:r>
+          </a:p>
+          <a:p>
+            <a:pPr marL="285750" indent="-285750">
+              <a:buFont typeface="Arial" panose="020B0604020202020204" pitchFamily="34" charset="0"/>
+              <a:buChar char="•"/>
+            </a:pPr>
+            <a:r>
+              <a:rPr lang="en-US" sz="1600" dirty="0" smtClean="0">
+                <a:latin typeface="Times New Roman" panose="02020603050405020304" pitchFamily="18" charset="0"/>
+                <a:cs typeface="Times New Roman" panose="02020603050405020304" pitchFamily="18" charset="0"/>
+              </a:rPr>
+              <a:t>HTML</a:t>
+            </a:r>
+          </a:p>
+          <a:p>
+            <a:pPr marL="285750" indent="-285750">
+              <a:buFont typeface="Arial" panose="020B0604020202020204" pitchFamily="34" charset="0"/>
+              <a:buChar char="•"/>
+            </a:pPr>
+            <a:r>
+              <a:rPr lang="en-US" sz="1600" dirty="0" smtClean="0">
+                <a:latin typeface="Times New Roman" panose="02020603050405020304" pitchFamily="18" charset="0"/>
+                <a:cs typeface="Times New Roman" panose="02020603050405020304" pitchFamily="18" charset="0"/>
+              </a:rPr>
+              <a:t>CSS</a:t>
+            </a:r>
+          </a:p>
+          <a:p>
+            <a:pPr marL="285750" indent="-285750">
+              <a:buFont typeface="Arial" panose="020B0604020202020204" pitchFamily="34" charset="0"/>
+              <a:buChar char="•"/>
+            </a:pPr>
+            <a:r>
+              <a:rPr lang="en-US" sz="1600" dirty="0" smtClean="0">
+                <a:latin typeface="Times New Roman" panose="02020603050405020304" pitchFamily="18" charset="0"/>
+                <a:cs typeface="Times New Roman" panose="02020603050405020304" pitchFamily="18" charset="0"/>
+              </a:rPr>
+              <a:t>Javascript</a:t>
+            </a:r>
+            <a:endParaRPr lang="en-US" sz="1600" dirty="0" smtClean="0">
+              <a:latin typeface="Times New Roman" panose="02020603050405020304" pitchFamily="18" charset="0"/>
+              <a:cs typeface="Times New Roman" panose="02020603050405020304" pitchFamily="18" charset="0"/>
+            </a:endParaRPr>
+          </a:p>
+          <a:p>
+            <a:endParaRPr lang="en-US" sz="1600" dirty="0">
+              <a:latin typeface="Times New Roman" panose="02020603050405020304" pitchFamily="18" charset="0"/>
+              <a:cs typeface="Times New Roman" panose="02020603050405020304" pitchFamily="18" charset="0"/>
+            </a:endParaRPr>
+          </a:p>
+          <a:p>
+            <a:r>
+              <a:rPr lang="en-US" sz="1600" b="1" dirty="0">
+                <a:latin typeface="Times New Roman" panose="02020603050405020304" pitchFamily="18" charset="0"/>
+                <a:cs typeface="Times New Roman" panose="02020603050405020304" pitchFamily="18" charset="0"/>
+              </a:rPr>
+              <a:t>Back End</a:t>
+            </a:r>
+          </a:p>
+          <a:p>
+            <a:pPr marL="285750" indent="-285750">
+              <a:buFont typeface="Arial" panose="020B0604020202020204" pitchFamily="34" charset="0"/>
+              <a:buChar char="•"/>
+            </a:pPr>
+            <a:r>
+              <a:rPr lang="en-US" sz="1600" dirty="0" smtClean="0">
+                <a:latin typeface="Times New Roman" panose="02020603050405020304" pitchFamily="18" charset="0"/>
+                <a:cs typeface="Times New Roman" panose="02020603050405020304" pitchFamily="18" charset="0"/>
+              </a:rPr>
+              <a:t>PHP</a:t>
+            </a:r>
+          </a:p>
+          <a:p>
+            <a:pPr marL="285750" indent="-285750">
+              <a:buFont typeface="Arial" panose="020B0604020202020204" pitchFamily="34" charset="0"/>
+              <a:buChar char="•"/>
+            </a:pPr>
+            <a:r>
+              <a:rPr lang="en-US" sz="1600" dirty="0" smtClean="0">
+                <a:latin typeface="Times New Roman" panose="02020603050405020304" pitchFamily="18" charset="0"/>
+                <a:cs typeface="Times New Roman" panose="02020603050405020304" pitchFamily="18" charset="0"/>
+              </a:rPr>
+              <a:t>MySql</a:t>
+            </a:r>
+            <a:endParaRPr lang="en-US" sz="1600" dirty="0">
+              <a:latin typeface="Times New Roman" panose="02020603050405020304" pitchFamily="18" charset="0"/>
+              <a:cs typeface="Times New Roman" panose="02020603050405020304" pitchFamily="18" charset="0"/>
+            </a:endParaRPr>
+          </a:p>
+        </p:txBody>
+      </p:sp>
+    </p:spTree>
+    <p:extLst>
+      <p:ext uri="{BB962C8B-B14F-4D97-AF65-F5344CB8AC3E}">
+        <p14:creationId xmlns:p14="http://schemas.microsoft.com/office/powerpoint/2010/main" val="1153751805"/>
+      </p:ext>
+    </p:extLst>
+  </p:cSld>
+  <p:clrMapOvr>
+    <a:masterClrMapping/>
+  </p:clrMapOvr>
+  <p:timing>
+    <p:tnLst>
+      <p:par>
+        <p:cTn id="1" dur="indefinite" restart="never" nodeType="tmRoot"/>
+      </p:par>
+    </p:tnLst>
+  </p:timing>
+</p:sld>
+</file>
+
+<file path=ppt/slides/slide17.xml><?xml version="1.0" encoding="utf-8"?>
+<p:sld xmlns:a="http://schemas.openxmlformats.org/drawingml/2006/main" xmlns:r="http://schemas.openxmlformats.org/officeDocument/2006/relationships" xmlns:p="http://schemas.openxmlformats.org/presentationml/2006/main">
+  <p:cSld>
+    <p:spTree>
+      <p:nvGrpSpPr>
+        <p:cNvPr id="1" name=""/>
+        <p:cNvGrpSpPr/>
+        <p:nvPr/>
+      </p:nvGrpSpPr>
+      <p:grpSpPr>
+        <a:xfrm>
+          <a:off x="0" y="0"/>
+          <a:ext cx="0" cy="0"/>
+          <a:chOff x="0" y="0"/>
+          <a:chExt cx="0" cy="0"/>
+        </a:xfrm>
+      </p:grpSpPr>
+      <p:sp>
+        <p:nvSpPr>
+          <p:cNvPr id="2" name="Slide Number Placeholder 1"/>
+          <p:cNvSpPr>
+            <a:spLocks noGrp="1"/>
+          </p:cNvSpPr>
+          <p:nvPr>
+            <p:ph type="sldNum" sz="quarter" idx="12"/>
+          </p:nvPr>
+        </p:nvSpPr>
+        <p:spPr/>
+        <p:txBody>
+          <a:bodyPr/>
+          <a:lstStyle/>
+          <a:p>
+            <a:fld id="{65049433-76A0-465F-B9A5-46A311B0921A}" type="slidenum">
+              <a:rPr lang="en-US" smtClean="0"/>
+              <a:t>17</a:t>
             </a:fld>
             <a:endParaRPr lang="en-US"/>
           </a:p>
@@ -7461,7 +8134,7 @@
 </p:sld>
 </file>
 
-<file path=ppt/slides/slide16.xml><?xml version="1.0" encoding="utf-8"?>
+<file path=ppt/slides/slide18.xml><?xml version="1.0" encoding="utf-8"?>
 <p:sld xmlns:a="http://schemas.openxmlformats.org/drawingml/2006/main" xmlns:r="http://schemas.openxmlformats.org/officeDocument/2006/relationships" xmlns:p="http://schemas.openxmlformats.org/presentationml/2006/main">
   <p:cSld>
     <p:spTree>
@@ -7495,7 +8168,7 @@
           <a:p>
             <a:fld id="{65049433-76A0-465F-B9A5-46A311B0921A}" type="slidenum">
               <a:rPr lang="en-US" smtClean="0"/>
-              <a:t>16</a:t>
+              <a:t>18</a:t>
             </a:fld>
             <a:endParaRPr lang="en-US"/>
           </a:p>
@@ -7588,7 +8261,7 @@
 </p:sld>
 </file>
 
-<file path=ppt/slides/slide17.xml><?xml version="1.0" encoding="utf-8"?>
+<file path=ppt/slides/slide19.xml><?xml version="1.0" encoding="utf-8"?>
 <p:sld xmlns:a="http://schemas.openxmlformats.org/drawingml/2006/main" xmlns:r="http://schemas.openxmlformats.org/officeDocument/2006/relationships" xmlns:p="http://schemas.openxmlformats.org/presentationml/2006/main">
   <p:cSld>
     <p:spTree>
@@ -7622,7 +8295,7 @@
           <a:p>
             <a:fld id="{65049433-76A0-465F-B9A5-46A311B0921A}" type="slidenum">
               <a:rPr lang="en-US" smtClean="0"/>
-              <a:t>17</a:t>
+              <a:t>19</a:t>
             </a:fld>
             <a:endParaRPr lang="en-US"/>
           </a:p>
@@ -7705,232 +8378,6 @@
       </p:par>
     </p:tnLst>
   </p:timing>
-</p:sld>
-</file>
-
-<file path=ppt/slides/slide18.xml><?xml version="1.0" encoding="utf-8"?>
-<p:sld xmlns:a="http://schemas.openxmlformats.org/drawingml/2006/main" xmlns:r="http://schemas.openxmlformats.org/officeDocument/2006/relationships" xmlns:p="http://schemas.openxmlformats.org/presentationml/2006/main">
-  <p:cSld>
-    <p:spTree>
-      <p:nvGrpSpPr>
-        <p:cNvPr id="1" name=""/>
-        <p:cNvGrpSpPr/>
-        <p:nvPr/>
-      </p:nvGrpSpPr>
-      <p:grpSpPr>
-        <a:xfrm>
-          <a:off x="0" y="0"/>
-          <a:ext cx="0" cy="0"/>
-          <a:chOff x="0" y="0"/>
-          <a:chExt cx="0" cy="0"/>
-        </a:xfrm>
-      </p:grpSpPr>
-      <p:sp>
-        <p:nvSpPr>
-          <p:cNvPr id="2" name="Slide Number Placeholder 1"/>
-          <p:cNvSpPr>
-            <a:spLocks noGrp="1"/>
-          </p:cNvSpPr>
-          <p:nvPr>
-            <p:ph type="sldNum" sz="quarter" idx="12"/>
-          </p:nvPr>
-        </p:nvSpPr>
-        <p:spPr/>
-        <p:txBody>
-          <a:bodyPr/>
-          <a:lstStyle/>
-          <a:p>
-            <a:fld id="{65049433-76A0-465F-B9A5-46A311B0921A}" type="slidenum">
-              <a:rPr lang="en-US" smtClean="0"/>
-              <a:t>18</a:t>
-            </a:fld>
-            <a:endParaRPr lang="en-US"/>
-          </a:p>
-        </p:txBody>
-      </p:sp>
-      <p:sp>
-        <p:nvSpPr>
-          <p:cNvPr id="4" name="Rectangle 3"/>
-          <p:cNvSpPr/>
-          <p:nvPr/>
-        </p:nvSpPr>
-        <p:spPr>
-          <a:xfrm>
-            <a:off x="3753492" y="568806"/>
-            <a:ext cx="1646605" cy="369332"/>
-          </a:xfrm>
-          <a:prstGeom prst="rect">
-            <a:avLst/>
-          </a:prstGeom>
-        </p:spPr>
-        <p:txBody>
-          <a:bodyPr wrap="none">
-            <a:spAutoFit/>
-          </a:bodyPr>
-          <a:lstStyle/>
-          <a:p>
-            <a:r>
-              <a:rPr lang="en-US" b="1" dirty="0" smtClean="0">
-                <a:latin typeface="Times New Roman" panose="02020603050405020304" pitchFamily="18" charset="0"/>
-                <a:cs typeface="Times New Roman" panose="02020603050405020304" pitchFamily="18" charset="0"/>
-              </a:rPr>
-              <a:t> Dashboard UI</a:t>
-            </a:r>
-            <a:endParaRPr lang="en-US" dirty="0"/>
-          </a:p>
-        </p:txBody>
-      </p:sp>
-      <p:pic>
-        <p:nvPicPr>
-          <p:cNvPr id="5" name="Picture 4"/>
-          <p:cNvPicPr/>
-          <p:nvPr/>
-        </p:nvPicPr>
-        <p:blipFill>
-          <a:blip r:embed="rId2">
-            <a:extLst>
-              <a:ext uri="{28A0092B-C50C-407E-A947-70E740481C1C}">
-                <a14:useLocalDpi xmlns:a14="http://schemas.microsoft.com/office/drawing/2010/main" val="0"/>
-              </a:ext>
-            </a:extLst>
-          </a:blip>
-          <a:stretch>
-            <a:fillRect/>
-          </a:stretch>
-        </p:blipFill>
-        <p:spPr>
-          <a:xfrm>
-            <a:off x="1044823" y="1616667"/>
-            <a:ext cx="7703761" cy="3931517"/>
-          </a:xfrm>
-          <a:prstGeom prst="rect">
-            <a:avLst/>
-          </a:prstGeom>
-        </p:spPr>
-      </p:pic>
-    </p:spTree>
-    <p:extLst>
-      <p:ext uri="{BB962C8B-B14F-4D97-AF65-F5344CB8AC3E}">
-        <p14:creationId xmlns:p14="http://schemas.microsoft.com/office/powerpoint/2010/main" val="1308854649"/>
-      </p:ext>
-    </p:extLst>
-  </p:cSld>
-  <p:clrMapOvr>
-    <a:masterClrMapping/>
-  </p:clrMapOvr>
-</p:sld>
-</file>
-
-<file path=ppt/slides/slide19.xml><?xml version="1.0" encoding="utf-8"?>
-<p:sld xmlns:a="http://schemas.openxmlformats.org/drawingml/2006/main" xmlns:r="http://schemas.openxmlformats.org/officeDocument/2006/relationships" xmlns:p="http://schemas.openxmlformats.org/presentationml/2006/main">
-  <p:cSld>
-    <p:spTree>
-      <p:nvGrpSpPr>
-        <p:cNvPr id="1" name=""/>
-        <p:cNvGrpSpPr/>
-        <p:nvPr/>
-      </p:nvGrpSpPr>
-      <p:grpSpPr>
-        <a:xfrm>
-          <a:off x="0" y="0"/>
-          <a:ext cx="0" cy="0"/>
-          <a:chOff x="0" y="0"/>
-          <a:chExt cx="0" cy="0"/>
-        </a:xfrm>
-      </p:grpSpPr>
-      <p:sp>
-        <p:nvSpPr>
-          <p:cNvPr id="2" name="Slide Number Placeholder 1"/>
-          <p:cNvSpPr>
-            <a:spLocks noGrp="1"/>
-          </p:cNvSpPr>
-          <p:nvPr>
-            <p:ph type="sldNum" sz="quarter" idx="12"/>
-          </p:nvPr>
-        </p:nvSpPr>
-        <p:spPr/>
-        <p:txBody>
-          <a:bodyPr/>
-          <a:lstStyle/>
-          <a:p>
-            <a:fld id="{65049433-76A0-465F-B9A5-46A311B0921A}" type="slidenum">
-              <a:rPr lang="en-US" smtClean="0"/>
-              <a:t>19</a:t>
-            </a:fld>
-            <a:endParaRPr lang="en-US"/>
-          </a:p>
-        </p:txBody>
-      </p:sp>
-      <p:sp>
-        <p:nvSpPr>
-          <p:cNvPr id="3" name="Rectangle 2"/>
-          <p:cNvSpPr/>
-          <p:nvPr/>
-        </p:nvSpPr>
-        <p:spPr>
-          <a:xfrm>
-            <a:off x="3753492" y="568806"/>
-            <a:ext cx="1390189" cy="369332"/>
-          </a:xfrm>
-          <a:prstGeom prst="rect">
-            <a:avLst/>
-          </a:prstGeom>
-        </p:spPr>
-        <p:txBody>
-          <a:bodyPr wrap="none">
-            <a:spAutoFit/>
-          </a:bodyPr>
-          <a:lstStyle/>
-          <a:p>
-            <a:r>
-              <a:rPr lang="en-US" b="1" dirty="0" smtClean="0">
-                <a:latin typeface="Times New Roman" panose="02020603050405020304" pitchFamily="18" charset="0"/>
-                <a:cs typeface="Times New Roman" panose="02020603050405020304" pitchFamily="18" charset="0"/>
-              </a:rPr>
-              <a:t> Add movies</a:t>
-            </a:r>
-            <a:endParaRPr lang="en-US" dirty="0"/>
-          </a:p>
-        </p:txBody>
-      </p:sp>
-      <p:pic>
-        <p:nvPicPr>
-          <p:cNvPr id="4" name="Picture 3"/>
-          <p:cNvPicPr/>
-          <p:nvPr/>
-        </p:nvPicPr>
-        <p:blipFill>
-          <a:blip r:embed="rId2">
-            <a:extLst>
-              <a:ext uri="{28A0092B-C50C-407E-A947-70E740481C1C}">
-                <a14:useLocalDpi xmlns:a14="http://schemas.microsoft.com/office/drawing/2010/main" val="0"/>
-              </a:ext>
-            </a:extLst>
-          </a:blip>
-          <a:stretch>
-            <a:fillRect/>
-          </a:stretch>
-        </p:blipFill>
-        <p:spPr>
-          <a:xfrm>
-            <a:off x="1140708" y="1473654"/>
-            <a:ext cx="7805583" cy="4173384"/>
-          </a:xfrm>
-          <a:prstGeom prst="rect">
-            <a:avLst/>
-          </a:prstGeom>
-        </p:spPr>
-      </p:pic>
-    </p:spTree>
-    <p:extLst>
-      <p:ext uri="{BB962C8B-B14F-4D97-AF65-F5344CB8AC3E}">
-        <p14:creationId xmlns:p14="http://schemas.microsoft.com/office/powerpoint/2010/main" val="176525356"/>
-      </p:ext>
-    </p:extLst>
-  </p:cSld>
-  <p:clrMapOvr>
-    <a:masterClrMapping/>
-  </p:clrMapOvr>
 </p:sld>
 </file>
 
@@ -8089,14 +8536,14 @@
       </p:sp>
       <p:sp>
         <p:nvSpPr>
-          <p:cNvPr id="3" name="Rectangle 2"/>
+          <p:cNvPr id="4" name="Rectangle 3"/>
           <p:cNvSpPr/>
           <p:nvPr/>
         </p:nvSpPr>
         <p:spPr>
           <a:xfrm>
             <a:off x="3753492" y="568806"/>
-            <a:ext cx="1377300" cy="369332"/>
+            <a:ext cx="1646605" cy="369332"/>
           </a:xfrm>
           <a:prstGeom prst="rect">
             <a:avLst/>
@@ -8113,7 +8560,7 @@
                 <a:latin typeface="Times New Roman" panose="02020603050405020304" pitchFamily="18" charset="0"/>
                 <a:cs typeface="Times New Roman" panose="02020603050405020304" pitchFamily="18" charset="0"/>
               </a:rPr>
-              <a:t> Booking UI</a:t>
+              <a:t> Dashboard UI</a:t>
             </a:r>
             <a:endParaRPr lang="en-US" dirty="0"/>
           </a:p>
@@ -8121,7 +8568,7 @@
       </p:sp>
       <p:pic>
         <p:nvPicPr>
-          <p:cNvPr id="4" name="Picture 3"/>
+          <p:cNvPr id="5" name="Picture 4"/>
           <p:cNvPicPr/>
           <p:nvPr/>
         </p:nvPicPr>
@@ -8139,8 +8586,8 @@
         </p:blipFill>
         <p:spPr>
           <a:xfrm>
-            <a:off x="1186249" y="1566545"/>
-            <a:ext cx="8087753" cy="4204060"/>
+            <a:off x="1044823" y="1616667"/>
+            <a:ext cx="7703761" cy="3931517"/>
           </a:xfrm>
           <a:prstGeom prst="rect">
             <a:avLst/>
@@ -8150,13 +8597,20 @@
     </p:spTree>
     <p:extLst>
       <p:ext uri="{BB962C8B-B14F-4D97-AF65-F5344CB8AC3E}">
-        <p14:creationId xmlns:p14="http://schemas.microsoft.com/office/powerpoint/2010/main" val="2756005190"/>
+        <p14:creationId xmlns:p14="http://schemas.microsoft.com/office/powerpoint/2010/main" val="1308854649"/>
       </p:ext>
     </p:extLst>
   </p:cSld>
   <p:clrMapOvr>
     <a:masterClrMapping/>
   </p:clrMapOvr>
+  <p:timing>
+    <p:tnLst>
+      <p:par>
+        <p:cTn id="1" dur="indefinite" restart="never" nodeType="tmRoot"/>
+      </p:par>
+    </p:tnLst>
+  </p:timing>
 </p:sld>
 </file>
 
@@ -8202,160 +8656,68 @@
       </p:sp>
       <p:sp>
         <p:nvSpPr>
-          <p:cNvPr id="4" name="TextBox 3"/>
-          <p:cNvSpPr txBox="1"/>
+          <p:cNvPr id="3" name="Rectangle 2"/>
+          <p:cNvSpPr/>
           <p:nvPr/>
         </p:nvSpPr>
         <p:spPr>
           <a:xfrm>
-            <a:off x="1300176" y="1285102"/>
-            <a:ext cx="7537622" cy="3662541"/>
+            <a:off x="3753492" y="568806"/>
+            <a:ext cx="1390189" cy="369332"/>
           </a:xfrm>
           <a:prstGeom prst="rect">
             <a:avLst/>
           </a:prstGeom>
-          <a:noFill/>
         </p:spPr>
         <p:txBody>
-          <a:bodyPr wrap="square" rtlCol="0">
+          <a:bodyPr wrap="none">
             <a:spAutoFit/>
           </a:bodyPr>
           <a:lstStyle/>
-          <a:p>
-            <a:r>
-              <a:rPr lang="en-US" sz="2400" b="1" dirty="0" smtClean="0">
-                <a:latin typeface="Times New Roman" panose="02020603050405020304" pitchFamily="18" charset="0"/>
-                <a:cs typeface="Times New Roman" panose="02020603050405020304" pitchFamily="18" charset="0"/>
-              </a:rPr>
-              <a:t>                               Implementation</a:t>
-            </a:r>
-          </a:p>
-          <a:p>
-            <a:endParaRPr lang="en-US" sz="2400" b="1" dirty="0">
-              <a:latin typeface="Times New Roman" panose="02020603050405020304" pitchFamily="18" charset="0"/>
-              <a:cs typeface="Times New Roman" panose="02020603050405020304" pitchFamily="18" charset="0"/>
-            </a:endParaRPr>
-          </a:p>
           <a:p>
             <a:r>
               <a:rPr lang="en-US" b="1" dirty="0" smtClean="0">
                 <a:latin typeface="Times New Roman" panose="02020603050405020304" pitchFamily="18" charset="0"/>
                 <a:cs typeface="Times New Roman" panose="02020603050405020304" pitchFamily="18" charset="0"/>
               </a:rPr>
-              <a:t>                                            Tools Used</a:t>
-            </a:r>
-          </a:p>
-          <a:p>
-            <a:endParaRPr lang="en-US" b="1" dirty="0" smtClean="0">
-              <a:latin typeface="Times New Roman" panose="02020603050405020304" pitchFamily="18" charset="0"/>
-              <a:cs typeface="Times New Roman" panose="02020603050405020304" pitchFamily="18" charset="0"/>
-            </a:endParaRPr>
-          </a:p>
-          <a:p>
-            <a:endParaRPr lang="en-US" b="1" dirty="0">
-              <a:latin typeface="Times New Roman" panose="02020603050405020304" pitchFamily="18" charset="0"/>
-              <a:cs typeface="Times New Roman" panose="02020603050405020304" pitchFamily="18" charset="0"/>
-            </a:endParaRPr>
-          </a:p>
-          <a:p>
-            <a:r>
-              <a:rPr lang="en-US" b="1" dirty="0" smtClean="0">
-                <a:latin typeface="Times New Roman" panose="02020603050405020304" pitchFamily="18" charset="0"/>
-                <a:cs typeface="Times New Roman" panose="02020603050405020304" pitchFamily="18" charset="0"/>
-              </a:rPr>
-              <a:t>Front End</a:t>
-            </a:r>
-          </a:p>
-          <a:p>
-            <a:pPr marL="285750" indent="-285750">
-              <a:buFont typeface="Arial" panose="020B0604020202020204" pitchFamily="34" charset="0"/>
-              <a:buChar char="•"/>
-            </a:pPr>
-            <a:r>
-              <a:rPr lang="en-US" sz="1600" dirty="0" smtClean="0">
-                <a:latin typeface="Times New Roman" panose="02020603050405020304" pitchFamily="18" charset="0"/>
-                <a:cs typeface="Times New Roman" panose="02020603050405020304" pitchFamily="18" charset="0"/>
-              </a:rPr>
-              <a:t>HTML</a:t>
-            </a:r>
-          </a:p>
-          <a:p>
-            <a:pPr marL="285750" indent="-285750">
-              <a:buFont typeface="Arial" panose="020B0604020202020204" pitchFamily="34" charset="0"/>
-              <a:buChar char="•"/>
-            </a:pPr>
-            <a:r>
-              <a:rPr lang="en-US" sz="1600" dirty="0" smtClean="0">
-                <a:latin typeface="Times New Roman" panose="02020603050405020304" pitchFamily="18" charset="0"/>
-                <a:cs typeface="Times New Roman" panose="02020603050405020304" pitchFamily="18" charset="0"/>
-              </a:rPr>
-              <a:t>CSS</a:t>
-            </a:r>
-          </a:p>
-          <a:p>
-            <a:pPr marL="285750" indent="-285750">
-              <a:buFont typeface="Arial" panose="020B0604020202020204" pitchFamily="34" charset="0"/>
-              <a:buChar char="•"/>
-            </a:pPr>
-            <a:r>
-              <a:rPr lang="en-US" sz="1600" dirty="0" smtClean="0">
-                <a:latin typeface="Times New Roman" panose="02020603050405020304" pitchFamily="18" charset="0"/>
-                <a:cs typeface="Times New Roman" panose="02020603050405020304" pitchFamily="18" charset="0"/>
-              </a:rPr>
-              <a:t>JAVASCRIPT</a:t>
-            </a:r>
-          </a:p>
-          <a:p>
-            <a:endParaRPr lang="en-US" sz="1600" dirty="0">
-              <a:latin typeface="Times New Roman" panose="02020603050405020304" pitchFamily="18" charset="0"/>
-              <a:cs typeface="Times New Roman" panose="02020603050405020304" pitchFamily="18" charset="0"/>
-            </a:endParaRPr>
-          </a:p>
-          <a:p>
-            <a:r>
-              <a:rPr lang="en-US" sz="1600" b="1" dirty="0">
-                <a:latin typeface="Times New Roman" panose="02020603050405020304" pitchFamily="18" charset="0"/>
-                <a:cs typeface="Times New Roman" panose="02020603050405020304" pitchFamily="18" charset="0"/>
-              </a:rPr>
-              <a:t>Back End</a:t>
-            </a:r>
-          </a:p>
-          <a:p>
-            <a:pPr marL="285750" indent="-285750">
-              <a:buFont typeface="Arial" panose="020B0604020202020204" pitchFamily="34" charset="0"/>
-              <a:buChar char="•"/>
-            </a:pPr>
-            <a:r>
-              <a:rPr lang="en-US" sz="1600" dirty="0" smtClean="0">
-                <a:latin typeface="Times New Roman" panose="02020603050405020304" pitchFamily="18" charset="0"/>
-                <a:cs typeface="Times New Roman" panose="02020603050405020304" pitchFamily="18" charset="0"/>
-              </a:rPr>
-              <a:t>PHP</a:t>
-            </a:r>
-          </a:p>
-          <a:p>
-            <a:pPr marL="285750" indent="-285750">
-              <a:buFont typeface="Arial" panose="020B0604020202020204" pitchFamily="34" charset="0"/>
-              <a:buChar char="•"/>
-            </a:pPr>
-            <a:r>
-              <a:rPr lang="en-US" sz="1600" dirty="0" smtClean="0">
-                <a:latin typeface="Times New Roman" panose="02020603050405020304" pitchFamily="18" charset="0"/>
-                <a:cs typeface="Times New Roman" panose="02020603050405020304" pitchFamily="18" charset="0"/>
-              </a:rPr>
-              <a:t>MYSQL</a:t>
-            </a:r>
-            <a:endParaRPr lang="en-US" sz="1600" dirty="0">
-              <a:latin typeface="Times New Roman" panose="02020603050405020304" pitchFamily="18" charset="0"/>
-              <a:cs typeface="Times New Roman" panose="02020603050405020304" pitchFamily="18" charset="0"/>
-            </a:endParaRPr>
+              <a:t> Add movies</a:t>
+            </a:r>
+            <a:endParaRPr lang="en-US" dirty="0"/>
           </a:p>
         </p:txBody>
       </p:sp>
+      <p:pic>
+        <p:nvPicPr>
+          <p:cNvPr id="4" name="Picture 3"/>
+          <p:cNvPicPr/>
+          <p:nvPr/>
+        </p:nvPicPr>
+        <p:blipFill>
+          <a:blip r:embed="rId2">
+            <a:extLst>
+              <a:ext uri="{28A0092B-C50C-407E-A947-70E740481C1C}">
+                <a14:useLocalDpi xmlns:a14="http://schemas.microsoft.com/office/drawing/2010/main" val="0"/>
+              </a:ext>
+            </a:extLst>
+          </a:blip>
+          <a:stretch>
+            <a:fillRect/>
+          </a:stretch>
+        </p:blipFill>
+        <p:spPr>
+          <a:xfrm>
+            <a:off x="1140708" y="1473654"/>
+            <a:ext cx="7805583" cy="4173384"/>
+          </a:xfrm>
+          <a:prstGeom prst="rect">
+            <a:avLst/>
+          </a:prstGeom>
+        </p:spPr>
+      </p:pic>
     </p:spTree>
     <p:extLst>
       <p:ext uri="{BB962C8B-B14F-4D97-AF65-F5344CB8AC3E}">
-        <p14:creationId xmlns:p14="http://schemas.microsoft.com/office/powerpoint/2010/main" val="1153751805"/>
+        <p14:creationId xmlns:p14="http://schemas.microsoft.com/office/powerpoint/2010/main" val="176525356"/>
       </p:ext>
     </p:extLst>
   </p:cSld>
@@ -8414,273 +8776,68 @@
       </p:sp>
       <p:sp>
         <p:nvSpPr>
-          <p:cNvPr id="3" name="TextBox 2"/>
-          <p:cNvSpPr txBox="1"/>
+          <p:cNvPr id="3" name="Rectangle 2"/>
+          <p:cNvSpPr/>
           <p:nvPr/>
         </p:nvSpPr>
         <p:spPr>
           <a:xfrm>
-            <a:off x="1087394" y="420130"/>
-            <a:ext cx="8186607" cy="6924973"/>
+            <a:off x="3753492" y="568806"/>
+            <a:ext cx="1377300" cy="369332"/>
           </a:xfrm>
           <a:prstGeom prst="rect">
             <a:avLst/>
           </a:prstGeom>
-          <a:noFill/>
         </p:spPr>
         <p:txBody>
-          <a:bodyPr wrap="square" rtlCol="0">
+          <a:bodyPr wrap="none">
             <a:spAutoFit/>
           </a:bodyPr>
           <a:lstStyle/>
-          <a:p>
-            <a:r>
-              <a:rPr lang="en-US" sz="2400" b="1" dirty="0" smtClean="0">
-                <a:latin typeface="Times New Roman" panose="02020603050405020304" pitchFamily="18" charset="0"/>
-                <a:cs typeface="Times New Roman" panose="02020603050405020304" pitchFamily="18" charset="0"/>
-              </a:rPr>
-              <a:t>						Modules</a:t>
-            </a:r>
-          </a:p>
-          <a:p>
-            <a:endParaRPr lang="en-US" sz="2400" b="1" dirty="0">
-              <a:latin typeface="Times New Roman" panose="02020603050405020304" pitchFamily="18" charset="0"/>
-              <a:cs typeface="Times New Roman" panose="02020603050405020304" pitchFamily="18" charset="0"/>
-            </a:endParaRPr>
-          </a:p>
           <a:p>
             <a:r>
               <a:rPr lang="en-US" b="1" dirty="0" smtClean="0">
                 <a:latin typeface="Times New Roman" panose="02020603050405020304" pitchFamily="18" charset="0"/>
                 <a:cs typeface="Times New Roman" panose="02020603050405020304" pitchFamily="18" charset="0"/>
               </a:rPr>
-              <a:t>Customer module</a:t>
-            </a:r>
-          </a:p>
-          <a:p>
-            <a:endParaRPr lang="en-US" b="1" dirty="0">
-              <a:latin typeface="Times New Roman" panose="02020603050405020304" pitchFamily="18" charset="0"/>
-              <a:cs typeface="Times New Roman" panose="02020603050405020304" pitchFamily="18" charset="0"/>
-            </a:endParaRPr>
-          </a:p>
-          <a:p>
-            <a:pPr marL="285750" indent="-285750">
-              <a:buFont typeface="Arial" panose="020B0604020202020204" pitchFamily="34" charset="0"/>
-              <a:buChar char="•"/>
-            </a:pPr>
-            <a:r>
-              <a:rPr lang="en-US" dirty="0">
-                <a:latin typeface="Times New Roman" panose="02020603050405020304" pitchFamily="18" charset="0"/>
-                <a:cs typeface="Times New Roman" panose="02020603050405020304" pitchFamily="18" charset="0"/>
-              </a:rPr>
-              <a:t>Register to the </a:t>
-            </a:r>
-            <a:r>
-              <a:rPr lang="en-US" dirty="0" smtClean="0">
-                <a:latin typeface="Times New Roman" panose="02020603050405020304" pitchFamily="18" charset="0"/>
-                <a:cs typeface="Times New Roman" panose="02020603050405020304" pitchFamily="18" charset="0"/>
-              </a:rPr>
-              <a:t>system</a:t>
-            </a:r>
-          </a:p>
-          <a:p>
-            <a:pPr marL="285750" indent="-285750">
-              <a:buFont typeface="Arial" panose="020B0604020202020204" pitchFamily="34" charset="0"/>
-              <a:buChar char="•"/>
-            </a:pPr>
-            <a:r>
-              <a:rPr lang="en-US" dirty="0">
-                <a:latin typeface="Times New Roman" panose="02020603050405020304" pitchFamily="18" charset="0"/>
-                <a:cs typeface="Times New Roman" panose="02020603050405020304" pitchFamily="18" charset="0"/>
-              </a:rPr>
-              <a:t>Login to the </a:t>
-            </a:r>
-            <a:r>
-              <a:rPr lang="en-US" dirty="0" smtClean="0">
-                <a:latin typeface="Times New Roman" panose="02020603050405020304" pitchFamily="18" charset="0"/>
-                <a:cs typeface="Times New Roman" panose="02020603050405020304" pitchFamily="18" charset="0"/>
-              </a:rPr>
-              <a:t>system</a:t>
-            </a:r>
-          </a:p>
-          <a:p>
-            <a:pPr marL="285750" indent="-285750">
-              <a:buFont typeface="Arial" panose="020B0604020202020204" pitchFamily="34" charset="0"/>
-              <a:buChar char="•"/>
-            </a:pPr>
-            <a:r>
-              <a:rPr lang="en-US" dirty="0">
-                <a:latin typeface="Times New Roman" panose="02020603050405020304" pitchFamily="18" charset="0"/>
-                <a:cs typeface="Times New Roman" panose="02020603050405020304" pitchFamily="18" charset="0"/>
-              </a:rPr>
-              <a:t>Select movie</a:t>
-            </a:r>
-          </a:p>
-          <a:p>
-            <a:pPr marL="285750" indent="-285750">
-              <a:buFont typeface="Arial" panose="020B0604020202020204" pitchFamily="34" charset="0"/>
-              <a:buChar char="•"/>
-            </a:pPr>
-            <a:r>
-              <a:rPr lang="en-US" dirty="0">
-                <a:latin typeface="Times New Roman" panose="02020603050405020304" pitchFamily="18" charset="0"/>
-                <a:cs typeface="Times New Roman" panose="02020603050405020304" pitchFamily="18" charset="0"/>
-              </a:rPr>
-              <a:t>Select showtime</a:t>
-            </a:r>
-          </a:p>
-          <a:p>
-            <a:pPr marL="285750" indent="-285750">
-              <a:buFont typeface="Arial" panose="020B0604020202020204" pitchFamily="34" charset="0"/>
-              <a:buChar char="•"/>
-            </a:pPr>
-            <a:r>
-              <a:rPr lang="en-US" dirty="0">
-                <a:latin typeface="Times New Roman" panose="02020603050405020304" pitchFamily="18" charset="0"/>
-                <a:cs typeface="Times New Roman" panose="02020603050405020304" pitchFamily="18" charset="0"/>
-              </a:rPr>
-              <a:t>Select seat</a:t>
-            </a:r>
-          </a:p>
-          <a:p>
-            <a:pPr marL="285750" indent="-285750">
-              <a:buFont typeface="Arial" panose="020B0604020202020204" pitchFamily="34" charset="0"/>
-              <a:buChar char="•"/>
-            </a:pPr>
-            <a:r>
-              <a:rPr lang="en-US" dirty="0">
-                <a:latin typeface="Times New Roman" panose="02020603050405020304" pitchFamily="18" charset="0"/>
-                <a:cs typeface="Times New Roman" panose="02020603050405020304" pitchFamily="18" charset="0"/>
-              </a:rPr>
-              <a:t>Book ticket</a:t>
-            </a:r>
-          </a:p>
-          <a:p>
-            <a:pPr marL="285750" indent="-285750">
-              <a:buFont typeface="Arial" panose="020B0604020202020204" pitchFamily="34" charset="0"/>
-              <a:buChar char="•"/>
-            </a:pPr>
-            <a:r>
-              <a:rPr lang="en-US" dirty="0" smtClean="0">
-                <a:latin typeface="Times New Roman" panose="02020603050405020304" pitchFamily="18" charset="0"/>
-                <a:cs typeface="Times New Roman" panose="02020603050405020304" pitchFamily="18" charset="0"/>
-              </a:rPr>
-              <a:t>Payment</a:t>
-            </a:r>
-          </a:p>
-          <a:p>
-            <a:endParaRPr lang="en-US" b="1" dirty="0" smtClean="0">
-              <a:latin typeface="Times New Roman" panose="02020603050405020304" pitchFamily="18" charset="0"/>
-              <a:cs typeface="Times New Roman" panose="02020603050405020304" pitchFamily="18" charset="0"/>
-            </a:endParaRPr>
-          </a:p>
-          <a:p>
-            <a:endParaRPr lang="en-US" sz="2400" b="1" dirty="0">
-              <a:latin typeface="Times New Roman" panose="02020603050405020304" pitchFamily="18" charset="0"/>
-              <a:cs typeface="Times New Roman" panose="02020603050405020304" pitchFamily="18" charset="0"/>
-            </a:endParaRPr>
-          </a:p>
-          <a:p>
-            <a:r>
-              <a:rPr lang="en-US" b="1" dirty="0" smtClean="0">
-                <a:latin typeface="Times New Roman" panose="02020603050405020304" pitchFamily="18" charset="0"/>
-                <a:cs typeface="Times New Roman" panose="02020603050405020304" pitchFamily="18" charset="0"/>
-              </a:rPr>
-              <a:t>Admin module</a:t>
-            </a:r>
-          </a:p>
-          <a:p>
-            <a:endParaRPr lang="en-US" b="1" dirty="0">
-              <a:latin typeface="Times New Roman" panose="02020603050405020304" pitchFamily="18" charset="0"/>
-              <a:cs typeface="Times New Roman" panose="02020603050405020304" pitchFamily="18" charset="0"/>
-            </a:endParaRPr>
-          </a:p>
-          <a:p>
-            <a:pPr marL="285750" indent="-285750">
-              <a:buFont typeface="Arial" panose="020B0604020202020204" pitchFamily="34" charset="0"/>
-              <a:buChar char="•"/>
-            </a:pPr>
-            <a:r>
-              <a:rPr lang="en-US" dirty="0">
-                <a:latin typeface="Times New Roman" panose="02020603050405020304" pitchFamily="18" charset="0"/>
-                <a:cs typeface="Times New Roman" panose="02020603050405020304" pitchFamily="18" charset="0"/>
-              </a:rPr>
-              <a:t>Login to the system</a:t>
-            </a:r>
-          </a:p>
-          <a:p>
-            <a:pPr marL="285750" indent="-285750">
-              <a:buFont typeface="Arial" panose="020B0604020202020204" pitchFamily="34" charset="0"/>
-              <a:buChar char="•"/>
-            </a:pPr>
-            <a:r>
-              <a:rPr lang="en-US" dirty="0">
-                <a:latin typeface="Times New Roman" panose="02020603050405020304" pitchFamily="18" charset="0"/>
-                <a:cs typeface="Times New Roman" panose="02020603050405020304" pitchFamily="18" charset="0"/>
-              </a:rPr>
-              <a:t>Add movie</a:t>
-            </a:r>
-          </a:p>
-          <a:p>
-            <a:pPr marL="285750" indent="-285750">
-              <a:buFont typeface="Arial" panose="020B0604020202020204" pitchFamily="34" charset="0"/>
-              <a:buChar char="•"/>
-            </a:pPr>
-            <a:r>
-              <a:rPr lang="en-US" dirty="0">
-                <a:latin typeface="Times New Roman" panose="02020603050405020304" pitchFamily="18" charset="0"/>
-                <a:cs typeface="Times New Roman" panose="02020603050405020304" pitchFamily="18" charset="0"/>
-              </a:rPr>
-              <a:t>Add showtime</a:t>
-            </a:r>
-          </a:p>
-          <a:p>
-            <a:pPr marL="285750" indent="-285750">
-              <a:buFont typeface="Arial" panose="020B0604020202020204" pitchFamily="34" charset="0"/>
-              <a:buChar char="•"/>
-            </a:pPr>
-            <a:r>
-              <a:rPr lang="en-US" dirty="0">
-                <a:latin typeface="Times New Roman" panose="02020603050405020304" pitchFamily="18" charset="0"/>
-                <a:cs typeface="Times New Roman" panose="02020603050405020304" pitchFamily="18" charset="0"/>
-              </a:rPr>
-              <a:t>View booking record</a:t>
-            </a:r>
-          </a:p>
-          <a:p>
-            <a:pPr marL="285750" indent="-285750">
-              <a:buFont typeface="Arial" panose="020B0604020202020204" pitchFamily="34" charset="0"/>
-              <a:buChar char="•"/>
-            </a:pPr>
-            <a:endParaRPr lang="en-US" b="1" dirty="0">
-              <a:latin typeface="Times New Roman" panose="02020603050405020304" pitchFamily="18" charset="0"/>
-              <a:cs typeface="Times New Roman" panose="02020603050405020304" pitchFamily="18" charset="0"/>
-            </a:endParaRPr>
-          </a:p>
-          <a:p>
-            <a:endParaRPr lang="en-US" b="1" dirty="0" smtClean="0">
-              <a:latin typeface="Times New Roman" panose="02020603050405020304" pitchFamily="18" charset="0"/>
-              <a:cs typeface="Times New Roman" panose="02020603050405020304" pitchFamily="18" charset="0"/>
-            </a:endParaRPr>
-          </a:p>
-          <a:p>
-            <a:endParaRPr lang="en-US" sz="2400" b="1" dirty="0" smtClean="0">
-              <a:latin typeface="Times New Roman" panose="02020603050405020304" pitchFamily="18" charset="0"/>
-              <a:cs typeface="Times New Roman" panose="02020603050405020304" pitchFamily="18" charset="0"/>
-            </a:endParaRPr>
-          </a:p>
-          <a:p>
-            <a:endParaRPr lang="en-US" sz="2400" b="1" dirty="0" smtClean="0">
-              <a:latin typeface="Times New Roman" panose="02020603050405020304" pitchFamily="18" charset="0"/>
-              <a:cs typeface="Times New Roman" panose="02020603050405020304" pitchFamily="18" charset="0"/>
-            </a:endParaRPr>
+              <a:t> Booking UI</a:t>
+            </a:r>
+            <a:endParaRPr lang="en-US" dirty="0"/>
           </a:p>
         </p:txBody>
       </p:sp>
+      <p:pic>
+        <p:nvPicPr>
+          <p:cNvPr id="4" name="Picture 3"/>
+          <p:cNvPicPr/>
+          <p:nvPr/>
+        </p:nvPicPr>
+        <p:blipFill>
+          <a:blip r:embed="rId2">
+            <a:extLst>
+              <a:ext uri="{28A0092B-C50C-407E-A947-70E740481C1C}">
+                <a14:useLocalDpi xmlns:a14="http://schemas.microsoft.com/office/drawing/2010/main" val="0"/>
+              </a:ext>
+            </a:extLst>
+          </a:blip>
+          <a:stretch>
+            <a:fillRect/>
+          </a:stretch>
+        </p:blipFill>
+        <p:spPr>
+          <a:xfrm>
+            <a:off x="1186249" y="1566545"/>
+            <a:ext cx="8087753" cy="4204060"/>
+          </a:xfrm>
+          <a:prstGeom prst="rect">
+            <a:avLst/>
+          </a:prstGeom>
+        </p:spPr>
+      </p:pic>
     </p:spTree>
     <p:extLst>
       <p:ext uri="{BB962C8B-B14F-4D97-AF65-F5344CB8AC3E}">
-        <p14:creationId xmlns:p14="http://schemas.microsoft.com/office/powerpoint/2010/main" val="387002661"/>
+        <p14:creationId xmlns:p14="http://schemas.microsoft.com/office/powerpoint/2010/main" val="2756005190"/>
       </p:ext>
     </p:extLst>
   </p:cSld>
@@ -13596,105 +13753,1033 @@
           </a:p>
         </p:txBody>
       </p:sp>
+      <p:graphicFrame>
+        <p:nvGraphicFramePr>
+          <p:cNvPr id="3" name="Table 2"/>
+          <p:cNvGraphicFramePr>
+            <a:graphicFrameLocks noGrp="1"/>
+          </p:cNvGraphicFramePr>
+          <p:nvPr>
+            <p:extLst>
+              <p:ext uri="{D42A27DB-BD31-4B8C-83A1-F6EECF244321}">
+                <p14:modId xmlns:p14="http://schemas.microsoft.com/office/powerpoint/2010/main" val="745266897"/>
+              </p:ext>
+            </p:extLst>
+          </p:nvPr>
+        </p:nvGraphicFramePr>
+        <p:xfrm>
+          <a:off x="1452563" y="2182336"/>
+          <a:ext cx="5829300" cy="2263140"/>
+        </p:xfrm>
+        <a:graphic>
+          <a:graphicData uri="http://schemas.openxmlformats.org/drawingml/2006/table">
+            <a:tbl>
+              <a:tblPr firstRow="1" firstCol="1" bandRow="1">
+                <a:tableStyleId>{5C22544A-7EE6-4342-B048-85BDC9FD1C3A}</a:tableStyleId>
+              </a:tblPr>
+              <a:tblGrid>
+                <a:gridCol w="742950">
+                  <a:extLst>
+                    <a:ext uri="{9D8B030D-6E8A-4147-A177-3AD203B41FA5}">
+                      <a16:colId xmlns:a16="http://schemas.microsoft.com/office/drawing/2014/main" val="4097308771"/>
+                    </a:ext>
+                  </a:extLst>
+                </a:gridCol>
+                <a:gridCol w="571500">
+                  <a:extLst>
+                    <a:ext uri="{9D8B030D-6E8A-4147-A177-3AD203B41FA5}">
+                      <a16:colId xmlns:a16="http://schemas.microsoft.com/office/drawing/2014/main" val="676247268"/>
+                    </a:ext>
+                  </a:extLst>
+                </a:gridCol>
+                <a:gridCol w="800100">
+                  <a:extLst>
+                    <a:ext uri="{9D8B030D-6E8A-4147-A177-3AD203B41FA5}">
+                      <a16:colId xmlns:a16="http://schemas.microsoft.com/office/drawing/2014/main" val="1320979598"/>
+                    </a:ext>
+                  </a:extLst>
+                </a:gridCol>
+                <a:gridCol w="857250">
+                  <a:extLst>
+                    <a:ext uri="{9D8B030D-6E8A-4147-A177-3AD203B41FA5}">
+                      <a16:colId xmlns:a16="http://schemas.microsoft.com/office/drawing/2014/main" val="3335203411"/>
+                    </a:ext>
+                  </a:extLst>
+                </a:gridCol>
+                <a:gridCol w="1200150">
+                  <a:extLst>
+                    <a:ext uri="{9D8B030D-6E8A-4147-A177-3AD203B41FA5}">
+                      <a16:colId xmlns:a16="http://schemas.microsoft.com/office/drawing/2014/main" val="942223818"/>
+                    </a:ext>
+                  </a:extLst>
+                </a:gridCol>
+                <a:gridCol w="1143000">
+                  <a:extLst>
+                    <a:ext uri="{9D8B030D-6E8A-4147-A177-3AD203B41FA5}">
+                      <a16:colId xmlns:a16="http://schemas.microsoft.com/office/drawing/2014/main" val="353362477"/>
+                    </a:ext>
+                  </a:extLst>
+                </a:gridCol>
+                <a:gridCol w="514350">
+                  <a:extLst>
+                    <a:ext uri="{9D8B030D-6E8A-4147-A177-3AD203B41FA5}">
+                      <a16:colId xmlns:a16="http://schemas.microsoft.com/office/drawing/2014/main" val="3725175937"/>
+                    </a:ext>
+                  </a:extLst>
+                </a:gridCol>
+              </a:tblGrid>
+              <a:tr h="616585">
+                <a:tc>
+                  <a:txBody>
+                    <a:bodyPr/>
+                    <a:lstStyle/>
+                    <a:p>
+                      <a:pPr marL="0" marR="0">
+                        <a:lnSpc>
+                          <a:spcPct val="150000"/>
+                        </a:lnSpc>
+                        <a:spcBef>
+                          <a:spcPts val="0"/>
+                        </a:spcBef>
+                        <a:spcAft>
+                          <a:spcPts val="0"/>
+                        </a:spcAft>
+                      </a:pPr>
+                      <a:r>
+                        <a:rPr lang="en-US" sz="1100">
+                          <a:effectLst/>
+                        </a:rPr>
+                        <a:t>Test Scenario</a:t>
+                      </a:r>
+                      <a:endParaRPr lang="en-US" sz="1100">
+                        <a:effectLst/>
+                        <a:latin typeface="Calibri" panose="020F0502020204030204" pitchFamily="34" charset="0"/>
+                        <a:ea typeface="Calibri" panose="020F0502020204030204" pitchFamily="34" charset="0"/>
+                        <a:cs typeface="Times New Roman" panose="02020603050405020304" pitchFamily="18" charset="0"/>
+                      </a:endParaRPr>
+                    </a:p>
+                  </a:txBody>
+                  <a:tcPr marL="68580" marR="68580" marT="0" marB="0"/>
+                </a:tc>
+                <a:tc>
+                  <a:txBody>
+                    <a:bodyPr/>
+                    <a:lstStyle/>
+                    <a:p>
+                      <a:pPr marL="0" marR="0">
+                        <a:lnSpc>
+                          <a:spcPct val="150000"/>
+                        </a:lnSpc>
+                        <a:spcBef>
+                          <a:spcPts val="0"/>
+                        </a:spcBef>
+                        <a:spcAft>
+                          <a:spcPts val="0"/>
+                        </a:spcAft>
+                      </a:pPr>
+                      <a:r>
+                        <a:rPr lang="en-US" sz="1100">
+                          <a:effectLst/>
+                        </a:rPr>
+                        <a:t>Test-Case ID</a:t>
+                      </a:r>
+                      <a:endParaRPr lang="en-US" sz="1100">
+                        <a:effectLst/>
+                        <a:latin typeface="Calibri" panose="020F0502020204030204" pitchFamily="34" charset="0"/>
+                        <a:ea typeface="Calibri" panose="020F0502020204030204" pitchFamily="34" charset="0"/>
+                        <a:cs typeface="Times New Roman" panose="02020603050405020304" pitchFamily="18" charset="0"/>
+                      </a:endParaRPr>
+                    </a:p>
+                  </a:txBody>
+                  <a:tcPr marL="68580" marR="68580" marT="0" marB="0"/>
+                </a:tc>
+                <a:tc>
+                  <a:txBody>
+                    <a:bodyPr/>
+                    <a:lstStyle/>
+                    <a:p>
+                      <a:pPr marL="0" marR="0">
+                        <a:lnSpc>
+                          <a:spcPct val="150000"/>
+                        </a:lnSpc>
+                        <a:spcBef>
+                          <a:spcPts val="0"/>
+                        </a:spcBef>
+                        <a:spcAft>
+                          <a:spcPts val="0"/>
+                        </a:spcAft>
+                      </a:pPr>
+                      <a:r>
+                        <a:rPr lang="en-US" sz="1100">
+                          <a:effectLst/>
+                        </a:rPr>
+                        <a:t>Test Case</a:t>
+                      </a:r>
+                      <a:endParaRPr lang="en-US" sz="1100">
+                        <a:effectLst/>
+                        <a:latin typeface="Calibri" panose="020F0502020204030204" pitchFamily="34" charset="0"/>
+                        <a:ea typeface="Calibri" panose="020F0502020204030204" pitchFamily="34" charset="0"/>
+                        <a:cs typeface="Times New Roman" panose="02020603050405020304" pitchFamily="18" charset="0"/>
+                      </a:endParaRPr>
+                    </a:p>
+                  </a:txBody>
+                  <a:tcPr marL="68580" marR="68580" marT="0" marB="0"/>
+                </a:tc>
+                <a:tc>
+                  <a:txBody>
+                    <a:bodyPr/>
+                    <a:lstStyle/>
+                    <a:p>
+                      <a:pPr marL="0" marR="0">
+                        <a:lnSpc>
+                          <a:spcPct val="150000"/>
+                        </a:lnSpc>
+                        <a:spcBef>
+                          <a:spcPts val="0"/>
+                        </a:spcBef>
+                        <a:spcAft>
+                          <a:spcPts val="0"/>
+                        </a:spcAft>
+                      </a:pPr>
+                      <a:r>
+                        <a:rPr lang="en-US" sz="1100">
+                          <a:effectLst/>
+                        </a:rPr>
+                        <a:t>Test-Data</a:t>
+                      </a:r>
+                      <a:endParaRPr lang="en-US" sz="1100">
+                        <a:effectLst/>
+                        <a:latin typeface="Calibri" panose="020F0502020204030204" pitchFamily="34" charset="0"/>
+                        <a:ea typeface="Calibri" panose="020F0502020204030204" pitchFamily="34" charset="0"/>
+                        <a:cs typeface="Times New Roman" panose="02020603050405020304" pitchFamily="18" charset="0"/>
+                      </a:endParaRPr>
+                    </a:p>
+                  </a:txBody>
+                  <a:tcPr marL="68580" marR="68580" marT="0" marB="0"/>
+                </a:tc>
+                <a:tc>
+                  <a:txBody>
+                    <a:bodyPr/>
+                    <a:lstStyle/>
+                    <a:p>
+                      <a:pPr marL="0" marR="0">
+                        <a:lnSpc>
+                          <a:spcPct val="150000"/>
+                        </a:lnSpc>
+                        <a:spcBef>
+                          <a:spcPts val="0"/>
+                        </a:spcBef>
+                        <a:spcAft>
+                          <a:spcPts val="0"/>
+                        </a:spcAft>
+                      </a:pPr>
+                      <a:r>
+                        <a:rPr lang="en-US" sz="1100">
+                          <a:effectLst/>
+                        </a:rPr>
+                        <a:t>Expected Output</a:t>
+                      </a:r>
+                      <a:endParaRPr lang="en-US" sz="1100">
+                        <a:effectLst/>
+                        <a:latin typeface="Calibri" panose="020F0502020204030204" pitchFamily="34" charset="0"/>
+                        <a:ea typeface="Calibri" panose="020F0502020204030204" pitchFamily="34" charset="0"/>
+                        <a:cs typeface="Times New Roman" panose="02020603050405020304" pitchFamily="18" charset="0"/>
+                      </a:endParaRPr>
+                    </a:p>
+                  </a:txBody>
+                  <a:tcPr marL="68580" marR="68580" marT="0" marB="0"/>
+                </a:tc>
+                <a:tc>
+                  <a:txBody>
+                    <a:bodyPr/>
+                    <a:lstStyle/>
+                    <a:p>
+                      <a:pPr marL="0" marR="0">
+                        <a:lnSpc>
+                          <a:spcPct val="150000"/>
+                        </a:lnSpc>
+                        <a:spcBef>
+                          <a:spcPts val="0"/>
+                        </a:spcBef>
+                        <a:spcAft>
+                          <a:spcPts val="0"/>
+                        </a:spcAft>
+                      </a:pPr>
+                      <a:r>
+                        <a:rPr lang="en-US" sz="1100">
+                          <a:effectLst/>
+                        </a:rPr>
+                        <a:t>Actual Output</a:t>
+                      </a:r>
+                      <a:endParaRPr lang="en-US" sz="1100">
+                        <a:effectLst/>
+                        <a:latin typeface="Calibri" panose="020F0502020204030204" pitchFamily="34" charset="0"/>
+                        <a:ea typeface="Calibri" panose="020F0502020204030204" pitchFamily="34" charset="0"/>
+                        <a:cs typeface="Times New Roman" panose="02020603050405020304" pitchFamily="18" charset="0"/>
+                      </a:endParaRPr>
+                    </a:p>
+                  </a:txBody>
+                  <a:tcPr marL="68580" marR="68580" marT="0" marB="0"/>
+                </a:tc>
+                <a:tc>
+                  <a:txBody>
+                    <a:bodyPr/>
+                    <a:lstStyle/>
+                    <a:p>
+                      <a:pPr marL="0" marR="0">
+                        <a:lnSpc>
+                          <a:spcPct val="150000"/>
+                        </a:lnSpc>
+                        <a:spcBef>
+                          <a:spcPts val="0"/>
+                        </a:spcBef>
+                        <a:spcAft>
+                          <a:spcPts val="0"/>
+                        </a:spcAft>
+                      </a:pPr>
+                      <a:r>
+                        <a:rPr lang="en-US" sz="1100">
+                          <a:effectLst/>
+                        </a:rPr>
+                        <a:t>Status</a:t>
+                      </a:r>
+                      <a:endParaRPr lang="en-US" sz="1100">
+                        <a:effectLst/>
+                        <a:latin typeface="Calibri" panose="020F0502020204030204" pitchFamily="34" charset="0"/>
+                        <a:ea typeface="Calibri" panose="020F0502020204030204" pitchFamily="34" charset="0"/>
+                        <a:cs typeface="Times New Roman" panose="02020603050405020304" pitchFamily="18" charset="0"/>
+                      </a:endParaRPr>
+                    </a:p>
+                  </a:txBody>
+                  <a:tcPr marL="68580" marR="68580" marT="0" marB="0"/>
+                </a:tc>
+                <a:extLst>
+                  <a:ext uri="{0D108BD9-81ED-4DB2-BD59-A6C34878D82A}">
+                    <a16:rowId xmlns:a16="http://schemas.microsoft.com/office/drawing/2014/main" val="2281835774"/>
+                  </a:ext>
+                </a:extLst>
+              </a:tr>
+              <a:tr h="0">
+                <a:tc>
+                  <a:txBody>
+                    <a:bodyPr/>
+                    <a:lstStyle/>
+                    <a:p>
+                      <a:pPr marL="0" marR="0">
+                        <a:lnSpc>
+                          <a:spcPct val="150000"/>
+                        </a:lnSpc>
+                        <a:spcBef>
+                          <a:spcPts val="0"/>
+                        </a:spcBef>
+                        <a:spcAft>
+                          <a:spcPts val="0"/>
+                        </a:spcAft>
+                      </a:pPr>
+                      <a:r>
+                        <a:rPr lang="en-US" sz="1100">
+                          <a:effectLst/>
+                        </a:rPr>
+                        <a:t>TC_00_03</a:t>
+                      </a:r>
+                      <a:endParaRPr lang="en-US" sz="1100">
+                        <a:effectLst/>
+                        <a:latin typeface="Calibri" panose="020F0502020204030204" pitchFamily="34" charset="0"/>
+                        <a:ea typeface="Calibri" panose="020F0502020204030204" pitchFamily="34" charset="0"/>
+                        <a:cs typeface="Times New Roman" panose="02020603050405020304" pitchFamily="18" charset="0"/>
+                      </a:endParaRPr>
+                    </a:p>
+                  </a:txBody>
+                  <a:tcPr marL="68580" marR="68580" marT="0" marB="0"/>
+                </a:tc>
+                <a:tc>
+                  <a:txBody>
+                    <a:bodyPr/>
+                    <a:lstStyle/>
+                    <a:p>
+                      <a:pPr marL="0" marR="0">
+                        <a:lnSpc>
+                          <a:spcPct val="150000"/>
+                        </a:lnSpc>
+                        <a:spcBef>
+                          <a:spcPts val="0"/>
+                        </a:spcBef>
+                        <a:spcAft>
+                          <a:spcPts val="0"/>
+                        </a:spcAft>
+                      </a:pPr>
+                      <a:r>
+                        <a:rPr lang="en-US" sz="1100">
+                          <a:effectLst/>
+                        </a:rPr>
+                        <a:t>TC_001</a:t>
+                      </a:r>
+                      <a:endParaRPr lang="en-US" sz="1100">
+                        <a:effectLst/>
+                        <a:latin typeface="Calibri" panose="020F0502020204030204" pitchFamily="34" charset="0"/>
+                        <a:ea typeface="Calibri" panose="020F0502020204030204" pitchFamily="34" charset="0"/>
+                        <a:cs typeface="Times New Roman" panose="02020603050405020304" pitchFamily="18" charset="0"/>
+                      </a:endParaRPr>
+                    </a:p>
+                  </a:txBody>
+                  <a:tcPr marL="68580" marR="68580" marT="0" marB="0"/>
+                </a:tc>
+                <a:tc>
+                  <a:txBody>
+                    <a:bodyPr/>
+                    <a:lstStyle/>
+                    <a:p>
+                      <a:pPr marL="0" marR="0">
+                        <a:lnSpc>
+                          <a:spcPct val="150000"/>
+                        </a:lnSpc>
+                        <a:spcBef>
+                          <a:spcPts val="0"/>
+                        </a:spcBef>
+                        <a:spcAft>
+                          <a:spcPts val="0"/>
+                        </a:spcAft>
+                      </a:pPr>
+                      <a:r>
+                        <a:rPr lang="en-US" sz="1100">
+                          <a:effectLst/>
+                        </a:rPr>
+                        <a:t>Select seat</a:t>
+                      </a:r>
+                      <a:endParaRPr lang="en-US" sz="1100">
+                        <a:effectLst/>
+                        <a:latin typeface="Calibri" panose="020F0502020204030204" pitchFamily="34" charset="0"/>
+                        <a:ea typeface="Calibri" panose="020F0502020204030204" pitchFamily="34" charset="0"/>
+                        <a:cs typeface="Times New Roman" panose="02020603050405020304" pitchFamily="18" charset="0"/>
+                      </a:endParaRPr>
+                    </a:p>
+                  </a:txBody>
+                  <a:tcPr marL="68580" marR="68580" marT="0" marB="0"/>
+                </a:tc>
+                <a:tc>
+                  <a:txBody>
+                    <a:bodyPr/>
+                    <a:lstStyle/>
+                    <a:p>
+                      <a:pPr marL="0" marR="0">
+                        <a:lnSpc>
+                          <a:spcPct val="150000"/>
+                        </a:lnSpc>
+                        <a:spcBef>
+                          <a:spcPts val="0"/>
+                        </a:spcBef>
+                        <a:spcAft>
+                          <a:spcPts val="0"/>
+                        </a:spcAft>
+                      </a:pPr>
+                      <a:r>
+                        <a:rPr lang="en-US" sz="1100">
+                          <a:effectLst/>
+                        </a:rPr>
+                        <a:t>Click a seat</a:t>
+                      </a:r>
+                      <a:endParaRPr lang="en-US" sz="1100">
+                        <a:effectLst/>
+                        <a:latin typeface="Calibri" panose="020F0502020204030204" pitchFamily="34" charset="0"/>
+                        <a:ea typeface="Calibri" panose="020F0502020204030204" pitchFamily="34" charset="0"/>
+                        <a:cs typeface="Times New Roman" panose="02020603050405020304" pitchFamily="18" charset="0"/>
+                      </a:endParaRPr>
+                    </a:p>
+                  </a:txBody>
+                  <a:tcPr marL="68580" marR="68580" marT="0" marB="0"/>
+                </a:tc>
+                <a:tc>
+                  <a:txBody>
+                    <a:bodyPr/>
+                    <a:lstStyle/>
+                    <a:p>
+                      <a:pPr marL="0" marR="0">
+                        <a:lnSpc>
+                          <a:spcPct val="150000"/>
+                        </a:lnSpc>
+                        <a:spcBef>
+                          <a:spcPts val="0"/>
+                        </a:spcBef>
+                        <a:spcAft>
+                          <a:spcPts val="0"/>
+                        </a:spcAft>
+                      </a:pPr>
+                      <a:r>
+                        <a:rPr lang="en-US" sz="1100">
+                          <a:effectLst/>
+                        </a:rPr>
+                        <a:t>Selected seats appeared in green color</a:t>
+                      </a:r>
+                      <a:endParaRPr lang="en-US" sz="1100">
+                        <a:effectLst/>
+                        <a:latin typeface="Calibri" panose="020F0502020204030204" pitchFamily="34" charset="0"/>
+                        <a:ea typeface="Calibri" panose="020F0502020204030204" pitchFamily="34" charset="0"/>
+                        <a:cs typeface="Times New Roman" panose="02020603050405020304" pitchFamily="18" charset="0"/>
+                      </a:endParaRPr>
+                    </a:p>
+                  </a:txBody>
+                  <a:tcPr marL="68580" marR="68580" marT="0" marB="0"/>
+                </a:tc>
+                <a:tc>
+                  <a:txBody>
+                    <a:bodyPr/>
+                    <a:lstStyle/>
+                    <a:p>
+                      <a:pPr marL="0" marR="0">
+                        <a:lnSpc>
+                          <a:spcPct val="150000"/>
+                        </a:lnSpc>
+                        <a:spcBef>
+                          <a:spcPts val="0"/>
+                        </a:spcBef>
+                        <a:spcAft>
+                          <a:spcPts val="0"/>
+                        </a:spcAft>
+                      </a:pPr>
+                      <a:r>
+                        <a:rPr lang="en-US" sz="1100">
+                          <a:effectLst/>
+                        </a:rPr>
+                        <a:t>The selected seat appears in green color</a:t>
+                      </a:r>
+                      <a:endParaRPr lang="en-US" sz="1100">
+                        <a:effectLst/>
+                        <a:latin typeface="Calibri" panose="020F0502020204030204" pitchFamily="34" charset="0"/>
+                        <a:ea typeface="Calibri" panose="020F0502020204030204" pitchFamily="34" charset="0"/>
+                        <a:cs typeface="Times New Roman" panose="02020603050405020304" pitchFamily="18" charset="0"/>
+                      </a:endParaRPr>
+                    </a:p>
+                  </a:txBody>
+                  <a:tcPr marL="68580" marR="68580" marT="0" marB="0"/>
+                </a:tc>
+                <a:tc>
+                  <a:txBody>
+                    <a:bodyPr/>
+                    <a:lstStyle/>
+                    <a:p>
+                      <a:pPr marL="0" marR="0">
+                        <a:lnSpc>
+                          <a:spcPct val="150000"/>
+                        </a:lnSpc>
+                        <a:spcBef>
+                          <a:spcPts val="0"/>
+                        </a:spcBef>
+                        <a:spcAft>
+                          <a:spcPts val="0"/>
+                        </a:spcAft>
+                      </a:pPr>
+                      <a:r>
+                        <a:rPr lang="en-US" sz="1100">
+                          <a:effectLst/>
+                        </a:rPr>
+                        <a:t>True</a:t>
+                      </a:r>
+                      <a:endParaRPr lang="en-US" sz="1100">
+                        <a:effectLst/>
+                        <a:latin typeface="Calibri" panose="020F0502020204030204" pitchFamily="34" charset="0"/>
+                        <a:ea typeface="Calibri" panose="020F0502020204030204" pitchFamily="34" charset="0"/>
+                        <a:cs typeface="Times New Roman" panose="02020603050405020304" pitchFamily="18" charset="0"/>
+                      </a:endParaRPr>
+                    </a:p>
+                  </a:txBody>
+                  <a:tcPr marL="68580" marR="68580" marT="0" marB="0"/>
+                </a:tc>
+                <a:extLst>
+                  <a:ext uri="{0D108BD9-81ED-4DB2-BD59-A6C34878D82A}">
+                    <a16:rowId xmlns:a16="http://schemas.microsoft.com/office/drawing/2014/main" val="1160984400"/>
+                  </a:ext>
+                </a:extLst>
+              </a:tr>
+              <a:tr h="0">
+                <a:tc>
+                  <a:txBody>
+                    <a:bodyPr/>
+                    <a:lstStyle/>
+                    <a:p>
+                      <a:pPr marL="0" marR="0">
+                        <a:lnSpc>
+                          <a:spcPct val="150000"/>
+                        </a:lnSpc>
+                        <a:spcBef>
+                          <a:spcPts val="0"/>
+                        </a:spcBef>
+                        <a:spcAft>
+                          <a:spcPts val="0"/>
+                        </a:spcAft>
+                      </a:pPr>
+                      <a:r>
+                        <a:rPr lang="en-US" sz="1100">
+                          <a:effectLst/>
+                        </a:rPr>
+                        <a:t> </a:t>
+                      </a:r>
+                      <a:endParaRPr lang="en-US" sz="1100">
+                        <a:effectLst/>
+                        <a:latin typeface="Calibri" panose="020F0502020204030204" pitchFamily="34" charset="0"/>
+                        <a:ea typeface="Calibri" panose="020F0502020204030204" pitchFamily="34" charset="0"/>
+                        <a:cs typeface="Times New Roman" panose="02020603050405020304" pitchFamily="18" charset="0"/>
+                      </a:endParaRPr>
+                    </a:p>
+                  </a:txBody>
+                  <a:tcPr marL="68580" marR="68580" marT="0" marB="0"/>
+                </a:tc>
+                <a:tc>
+                  <a:txBody>
+                    <a:bodyPr/>
+                    <a:lstStyle/>
+                    <a:p>
+                      <a:pPr marL="0" marR="0">
+                        <a:lnSpc>
+                          <a:spcPct val="150000"/>
+                        </a:lnSpc>
+                        <a:spcBef>
+                          <a:spcPts val="0"/>
+                        </a:spcBef>
+                        <a:spcAft>
+                          <a:spcPts val="0"/>
+                        </a:spcAft>
+                      </a:pPr>
+                      <a:r>
+                        <a:rPr lang="en-US" sz="1100">
+                          <a:effectLst/>
+                        </a:rPr>
+                        <a:t>TC_002</a:t>
+                      </a:r>
+                      <a:endParaRPr lang="en-US" sz="1100">
+                        <a:effectLst/>
+                        <a:latin typeface="Calibri" panose="020F0502020204030204" pitchFamily="34" charset="0"/>
+                        <a:ea typeface="Calibri" panose="020F0502020204030204" pitchFamily="34" charset="0"/>
+                        <a:cs typeface="Times New Roman" panose="02020603050405020304" pitchFamily="18" charset="0"/>
+                      </a:endParaRPr>
+                    </a:p>
+                  </a:txBody>
+                  <a:tcPr marL="68580" marR="68580" marT="0" marB="0"/>
+                </a:tc>
+                <a:tc>
+                  <a:txBody>
+                    <a:bodyPr/>
+                    <a:lstStyle/>
+                    <a:p>
+                      <a:pPr marL="0" marR="0">
+                        <a:lnSpc>
+                          <a:spcPct val="150000"/>
+                        </a:lnSpc>
+                        <a:spcBef>
+                          <a:spcPts val="0"/>
+                        </a:spcBef>
+                        <a:spcAft>
+                          <a:spcPts val="0"/>
+                        </a:spcAft>
+                      </a:pPr>
+                      <a:r>
+                        <a:rPr lang="en-US" sz="1100">
+                          <a:effectLst/>
+                        </a:rPr>
+                        <a:t>Again select the same seat</a:t>
+                      </a:r>
+                      <a:endParaRPr lang="en-US" sz="1100">
+                        <a:effectLst/>
+                        <a:latin typeface="Calibri" panose="020F0502020204030204" pitchFamily="34" charset="0"/>
+                        <a:ea typeface="Calibri" panose="020F0502020204030204" pitchFamily="34" charset="0"/>
+                        <a:cs typeface="Times New Roman" panose="02020603050405020304" pitchFamily="18" charset="0"/>
+                      </a:endParaRPr>
+                    </a:p>
+                  </a:txBody>
+                  <a:tcPr marL="68580" marR="68580" marT="0" marB="0"/>
+                </a:tc>
+                <a:tc>
+                  <a:txBody>
+                    <a:bodyPr/>
+                    <a:lstStyle/>
+                    <a:p>
+                      <a:pPr marL="0" marR="0">
+                        <a:lnSpc>
+                          <a:spcPct val="150000"/>
+                        </a:lnSpc>
+                        <a:spcBef>
+                          <a:spcPts val="0"/>
+                        </a:spcBef>
+                        <a:spcAft>
+                          <a:spcPts val="0"/>
+                        </a:spcAft>
+                      </a:pPr>
+                      <a:r>
+                        <a:rPr lang="en-US" sz="1100" dirty="0">
+                          <a:effectLst/>
+                        </a:rPr>
+                        <a:t>Click the same seat</a:t>
+                      </a:r>
+                      <a:endParaRPr lang="en-US" sz="1100" dirty="0">
+                        <a:effectLst/>
+                        <a:latin typeface="Calibri" panose="020F0502020204030204" pitchFamily="34" charset="0"/>
+                        <a:ea typeface="Calibri" panose="020F0502020204030204" pitchFamily="34" charset="0"/>
+                        <a:cs typeface="Times New Roman" panose="02020603050405020304" pitchFamily="18" charset="0"/>
+                      </a:endParaRPr>
+                    </a:p>
+                  </a:txBody>
+                  <a:tcPr marL="68580" marR="68580" marT="0" marB="0"/>
+                </a:tc>
+                <a:tc>
+                  <a:txBody>
+                    <a:bodyPr/>
+                    <a:lstStyle/>
+                    <a:p>
+                      <a:pPr marL="0" marR="0">
+                        <a:lnSpc>
+                          <a:spcPct val="150000"/>
+                        </a:lnSpc>
+                        <a:spcBef>
+                          <a:spcPts val="0"/>
+                        </a:spcBef>
+                        <a:spcAft>
+                          <a:spcPts val="0"/>
+                        </a:spcAft>
+                      </a:pPr>
+                      <a:r>
+                        <a:rPr lang="en-US" sz="1100">
+                          <a:effectLst/>
+                        </a:rPr>
+                        <a:t>The seat appears in grey color</a:t>
+                      </a:r>
+                      <a:endParaRPr lang="en-US" sz="1100">
+                        <a:effectLst/>
+                        <a:latin typeface="Calibri" panose="020F0502020204030204" pitchFamily="34" charset="0"/>
+                        <a:ea typeface="Calibri" panose="020F0502020204030204" pitchFamily="34" charset="0"/>
+                        <a:cs typeface="Times New Roman" panose="02020603050405020304" pitchFamily="18" charset="0"/>
+                      </a:endParaRPr>
+                    </a:p>
+                  </a:txBody>
+                  <a:tcPr marL="68580" marR="68580" marT="0" marB="0"/>
+                </a:tc>
+                <a:tc>
+                  <a:txBody>
+                    <a:bodyPr/>
+                    <a:lstStyle/>
+                    <a:p>
+                      <a:pPr marL="0" marR="0">
+                        <a:lnSpc>
+                          <a:spcPct val="150000"/>
+                        </a:lnSpc>
+                        <a:spcBef>
+                          <a:spcPts val="0"/>
+                        </a:spcBef>
+                        <a:spcAft>
+                          <a:spcPts val="0"/>
+                        </a:spcAft>
+                      </a:pPr>
+                      <a:r>
+                        <a:rPr lang="en-US" sz="1100">
+                          <a:effectLst/>
+                        </a:rPr>
+                        <a:t>Once selected seat, cannot be selected again.</a:t>
+                      </a:r>
+                      <a:endParaRPr lang="en-US" sz="1100">
+                        <a:effectLst/>
+                        <a:latin typeface="Calibri" panose="020F0502020204030204" pitchFamily="34" charset="0"/>
+                        <a:ea typeface="Calibri" panose="020F0502020204030204" pitchFamily="34" charset="0"/>
+                        <a:cs typeface="Times New Roman" panose="02020603050405020304" pitchFamily="18" charset="0"/>
+                      </a:endParaRPr>
+                    </a:p>
+                  </a:txBody>
+                  <a:tcPr marL="68580" marR="68580" marT="0" marB="0"/>
+                </a:tc>
+                <a:tc>
+                  <a:txBody>
+                    <a:bodyPr/>
+                    <a:lstStyle/>
+                    <a:p>
+                      <a:pPr marL="0" marR="0">
+                        <a:lnSpc>
+                          <a:spcPct val="150000"/>
+                        </a:lnSpc>
+                        <a:spcBef>
+                          <a:spcPts val="0"/>
+                        </a:spcBef>
+                        <a:spcAft>
+                          <a:spcPts val="0"/>
+                        </a:spcAft>
+                      </a:pPr>
+                      <a:r>
+                        <a:rPr lang="en-US" sz="1100" dirty="0">
+                          <a:effectLst/>
+                        </a:rPr>
+                        <a:t>True</a:t>
+                      </a:r>
+                      <a:endParaRPr lang="en-US" sz="1100" dirty="0">
+                        <a:effectLst/>
+                        <a:latin typeface="Calibri" panose="020F0502020204030204" pitchFamily="34" charset="0"/>
+                        <a:ea typeface="Calibri" panose="020F0502020204030204" pitchFamily="34" charset="0"/>
+                        <a:cs typeface="Times New Roman" panose="02020603050405020304" pitchFamily="18" charset="0"/>
+                      </a:endParaRPr>
+                    </a:p>
+                  </a:txBody>
+                  <a:tcPr marL="68580" marR="68580" marT="0" marB="0"/>
+                </a:tc>
+                <a:extLst>
+                  <a:ext uri="{0D108BD9-81ED-4DB2-BD59-A6C34878D82A}">
+                    <a16:rowId xmlns:a16="http://schemas.microsoft.com/office/drawing/2014/main" val="7811953"/>
+                  </a:ext>
+                </a:extLst>
+              </a:tr>
+            </a:tbl>
+          </a:graphicData>
+        </a:graphic>
+      </p:graphicFrame>
       <p:sp>
         <p:nvSpPr>
-          <p:cNvPr id="3" name="TextBox 2"/>
-          <p:cNvSpPr txBox="1"/>
+          <p:cNvPr id="4" name="Rectangle 1"/>
+          <p:cNvSpPr>
+            <a:spLocks noChangeArrowheads="1"/>
+          </p:cNvSpPr>
           <p:nvPr/>
         </p:nvSpPr>
-        <p:spPr>
+        <p:spPr bwMode="auto">
           <a:xfrm>
-            <a:off x="1859944" y="2088292"/>
-            <a:ext cx="7216349" cy="2585323"/>
+            <a:off x="1452563" y="1285460"/>
+            <a:ext cx="2522537" cy="677108"/>
           </a:xfrm>
           <a:prstGeom prst="rect">
             <a:avLst/>
           </a:prstGeom>
           <a:noFill/>
+          <a:ln>
+            <a:noFill/>
+          </a:ln>
+          <a:effectLst/>
+          <a:extLst>
+            <a:ext uri="{909E8E84-426E-40DD-AFC4-6F175D3DCCD1}">
+              <a14:hiddenFill xmlns:a14="http://schemas.microsoft.com/office/drawing/2010/main">
+                <a:solidFill>
+                  <a:schemeClr val="accent1"/>
+                </a:solidFill>
+              </a14:hiddenFill>
+            </a:ext>
+            <a:ext uri="{91240B29-F687-4F45-9708-019B960494DF}">
+              <a14:hiddenLine xmlns:a14="http://schemas.microsoft.com/office/drawing/2010/main" w="9525">
+                <a:solidFill>
+                  <a:schemeClr val="tx1"/>
+                </a:solidFill>
+                <a:miter lim="800000"/>
+                <a:headEnd/>
+                <a:tailEnd/>
+              </a14:hiddenLine>
+            </a:ext>
+            <a:ext uri="{AF507438-7753-43E0-B8FC-AC1667EBCBE1}">
+              <a14:hiddenEffects xmlns:a14="http://schemas.microsoft.com/office/drawing/2010/main">
+                <a:effectLst>
+                  <a:outerShdw dist="35921" dir="2700000" algn="ctr" rotWithShape="0">
+                    <a:schemeClr val="bg2"/>
+                  </a:outerShdw>
+                </a:effectLst>
+              </a14:hiddenEffects>
+            </a:ext>
+          </a:extLst>
         </p:spPr>
         <p:txBody>
-          <a:bodyPr wrap="square" rtlCol="0">
+          <a:bodyPr vert="horz" wrap="square" lIns="91440" tIns="45720" rIns="91440" bIns="45720" numCol="1" anchor="ctr" anchorCtr="0" compatLnSpc="1">
+            <a:prstTxWarp prst="textNoShape">
+              <a:avLst/>
+            </a:prstTxWarp>
             <a:spAutoFit/>
           </a:bodyPr>
-          <a:lstStyle/>
-          <a:p>
-            <a:r>
-              <a:rPr lang="en-US" sz="2400" b="1" dirty="0" smtClean="0">
+          <a:lstStyle>
+            <a:lvl1pPr eaLnBrk="0" fontAlgn="base" hangingPunct="0">
+              <a:spcBef>
+                <a:spcPct val="0"/>
+              </a:spcBef>
+              <a:spcAft>
+                <a:spcPct val="0"/>
+              </a:spcAft>
+              <a:defRPr>
+                <a:solidFill>
+                  <a:schemeClr val="tx1"/>
+                </a:solidFill>
+                <a:latin typeface="Arial" panose="020B0604020202020204" pitchFamily="34" charset="0"/>
+              </a:defRPr>
+            </a:lvl1pPr>
+            <a:lvl2pPr eaLnBrk="0" fontAlgn="base" hangingPunct="0">
+              <a:spcBef>
+                <a:spcPct val="0"/>
+              </a:spcBef>
+              <a:spcAft>
+                <a:spcPct val="0"/>
+              </a:spcAft>
+              <a:defRPr>
+                <a:solidFill>
+                  <a:schemeClr val="tx1"/>
+                </a:solidFill>
+                <a:latin typeface="Arial" panose="020B0604020202020204" pitchFamily="34" charset="0"/>
+              </a:defRPr>
+            </a:lvl2pPr>
+            <a:lvl3pPr eaLnBrk="0" fontAlgn="base" hangingPunct="0">
+              <a:spcBef>
+                <a:spcPct val="0"/>
+              </a:spcBef>
+              <a:spcAft>
+                <a:spcPct val="0"/>
+              </a:spcAft>
+              <a:defRPr>
+                <a:solidFill>
+                  <a:schemeClr val="tx1"/>
+                </a:solidFill>
+                <a:latin typeface="Arial" panose="020B0604020202020204" pitchFamily="34" charset="0"/>
+              </a:defRPr>
+            </a:lvl3pPr>
+            <a:lvl4pPr eaLnBrk="0" fontAlgn="base" hangingPunct="0">
+              <a:spcBef>
+                <a:spcPct val="0"/>
+              </a:spcBef>
+              <a:spcAft>
+                <a:spcPct val="0"/>
+              </a:spcAft>
+              <a:defRPr>
+                <a:solidFill>
+                  <a:schemeClr val="tx1"/>
+                </a:solidFill>
+                <a:latin typeface="Arial" panose="020B0604020202020204" pitchFamily="34" charset="0"/>
+              </a:defRPr>
+            </a:lvl4pPr>
+            <a:lvl5pPr eaLnBrk="0" fontAlgn="base" hangingPunct="0">
+              <a:spcBef>
+                <a:spcPct val="0"/>
+              </a:spcBef>
+              <a:spcAft>
+                <a:spcPct val="0"/>
+              </a:spcAft>
+              <a:defRPr>
+                <a:solidFill>
+                  <a:schemeClr val="tx1"/>
+                </a:solidFill>
+                <a:latin typeface="Arial" panose="020B0604020202020204" pitchFamily="34" charset="0"/>
+              </a:defRPr>
+            </a:lvl5pPr>
+            <a:lvl6pPr eaLnBrk="0" fontAlgn="base" hangingPunct="0">
+              <a:spcBef>
+                <a:spcPct val="0"/>
+              </a:spcBef>
+              <a:spcAft>
+                <a:spcPct val="0"/>
+              </a:spcAft>
+              <a:defRPr>
+                <a:solidFill>
+                  <a:schemeClr val="tx1"/>
+                </a:solidFill>
+                <a:latin typeface="Arial" panose="020B0604020202020204" pitchFamily="34" charset="0"/>
+              </a:defRPr>
+            </a:lvl6pPr>
+            <a:lvl7pPr eaLnBrk="0" fontAlgn="base" hangingPunct="0">
+              <a:spcBef>
+                <a:spcPct val="0"/>
+              </a:spcBef>
+              <a:spcAft>
+                <a:spcPct val="0"/>
+              </a:spcAft>
+              <a:defRPr>
+                <a:solidFill>
+                  <a:schemeClr val="tx1"/>
+                </a:solidFill>
+                <a:latin typeface="Arial" panose="020B0604020202020204" pitchFamily="34" charset="0"/>
+              </a:defRPr>
+            </a:lvl7pPr>
+            <a:lvl8pPr eaLnBrk="0" fontAlgn="base" hangingPunct="0">
+              <a:spcBef>
+                <a:spcPct val="0"/>
+              </a:spcBef>
+              <a:spcAft>
+                <a:spcPct val="0"/>
+              </a:spcAft>
+              <a:defRPr>
+                <a:solidFill>
+                  <a:schemeClr val="tx1"/>
+                </a:solidFill>
+                <a:latin typeface="Arial" panose="020B0604020202020204" pitchFamily="34" charset="0"/>
+              </a:defRPr>
+            </a:lvl8pPr>
+            <a:lvl9pPr eaLnBrk="0" fontAlgn="base" hangingPunct="0">
+              <a:spcBef>
+                <a:spcPct val="0"/>
+              </a:spcBef>
+              <a:spcAft>
+                <a:spcPct val="0"/>
+              </a:spcAft>
+              <a:defRPr>
+                <a:solidFill>
+                  <a:schemeClr val="tx1"/>
+                </a:solidFill>
+                <a:latin typeface="Arial" panose="020B0604020202020204" pitchFamily="34" charset="0"/>
+              </a:defRPr>
+            </a:lvl9pPr>
+          </a:lstStyle>
+          <a:p>
+            <a:pPr marL="0" marR="0" lvl="0" indent="0" algn="l" defTabSz="914400" rtl="0" eaLnBrk="0" fontAlgn="base" latinLnBrk="0" hangingPunct="0">
+              <a:lnSpc>
+                <a:spcPct val="100000"/>
+              </a:lnSpc>
+              <a:spcBef>
+                <a:spcPct val="0"/>
+              </a:spcBef>
+              <a:spcAft>
+                <a:spcPct val="0"/>
+              </a:spcAft>
+              <a:buClrTx/>
+              <a:buSzTx/>
+              <a:buFontTx/>
+              <a:buNone/>
+              <a:tabLst/>
+            </a:pPr>
+            <a:r>
+              <a:rPr kumimoji="0" lang="en-US" altLang="en-US" sz="2000" b="1" i="0" u="none" strike="noStrike" cap="none" normalizeH="0" baseline="0" dirty="0" smtClean="0">
+                <a:ln>
+                  <a:noFill/>
+                </a:ln>
+                <a:solidFill>
+                  <a:schemeClr val="tx1"/>
+                </a:solidFill>
+                <a:effectLst/>
                 <a:latin typeface="Times New Roman" panose="02020603050405020304" pitchFamily="18" charset="0"/>
+                <a:ea typeface="Calibri" panose="020F0502020204030204" pitchFamily="34" charset="0"/>
                 <a:cs typeface="Times New Roman" panose="02020603050405020304" pitchFamily="18" charset="0"/>
               </a:rPr>
-              <a:t>                Future Enhancements</a:t>
-            </a:r>
-          </a:p>
-          <a:p>
-            <a:endParaRPr lang="en-US" sz="2400" b="1" dirty="0">
+              <a:t>Selecting Seat</a:t>
+            </a:r>
+            <a:endParaRPr kumimoji="0" lang="en-US" altLang="en-US" sz="2000" b="1" i="0" u="none" strike="noStrike" cap="none" normalizeH="0" baseline="0" dirty="0" smtClean="0">
+              <a:ln>
+                <a:noFill/>
+              </a:ln>
+              <a:solidFill>
+                <a:schemeClr val="tx1"/>
+              </a:solidFill>
+              <a:effectLst/>
               <a:latin typeface="Times New Roman" panose="02020603050405020304" pitchFamily="18" charset="0"/>
               <a:cs typeface="Times New Roman" panose="02020603050405020304" pitchFamily="18" charset="0"/>
             </a:endParaRPr>
           </a:p>
           <a:p>
-            <a:pPr marL="285750" indent="-285750">
-              <a:buFont typeface="Arial" panose="020B0604020202020204" pitchFamily="34" charset="0"/>
-              <a:buChar char="•"/>
+            <a:pPr marL="0" marR="0" lvl="0" indent="0" algn="l" defTabSz="914400" rtl="0" eaLnBrk="0" fontAlgn="base" latinLnBrk="0" hangingPunct="0">
+              <a:lnSpc>
+                <a:spcPct val="100000"/>
+              </a:lnSpc>
+              <a:spcBef>
+                <a:spcPct val="0"/>
+              </a:spcBef>
+              <a:spcAft>
+                <a:spcPct val="0"/>
+              </a:spcAft>
+              <a:buClrTx/>
+              <a:buSzTx/>
+              <a:buFontTx/>
+              <a:buNone/>
+              <a:tabLst/>
             </a:pPr>
-            <a:r>
-              <a:rPr lang="en-US" dirty="0">
-                <a:latin typeface="Times New Roman" panose="02020603050405020304" pitchFamily="18" charset="0"/>
-                <a:cs typeface="Times New Roman" panose="02020603050405020304" pitchFamily="18" charset="0"/>
-              </a:rPr>
-              <a:t>We can assign QR codes to the tickets.</a:t>
-            </a:r>
-          </a:p>
-          <a:p>
-            <a:r>
-              <a:rPr lang="en-US" dirty="0" smtClean="0">
-                <a:latin typeface="Times New Roman" panose="02020603050405020304" pitchFamily="18" charset="0"/>
-                <a:cs typeface="Times New Roman" panose="02020603050405020304" pitchFamily="18" charset="0"/>
-              </a:rPr>
-              <a:t> </a:t>
-            </a:r>
-          </a:p>
-          <a:p>
-            <a:pPr marL="285750" indent="-285750">
-              <a:buFont typeface="Arial" panose="020B0604020202020204" pitchFamily="34" charset="0"/>
-              <a:buChar char="•"/>
-            </a:pPr>
-            <a:r>
-              <a:rPr lang="en-US" dirty="0" smtClean="0">
-                <a:latin typeface="Times New Roman" panose="02020603050405020304" pitchFamily="18" charset="0"/>
-                <a:cs typeface="Times New Roman" panose="02020603050405020304" pitchFamily="18" charset="0"/>
-              </a:rPr>
-              <a:t>We </a:t>
-            </a:r>
-            <a:r>
-              <a:rPr lang="en-US" dirty="0">
-                <a:latin typeface="Times New Roman" panose="02020603050405020304" pitchFamily="18" charset="0"/>
-                <a:cs typeface="Times New Roman" panose="02020603050405020304" pitchFamily="18" charset="0"/>
-              </a:rPr>
-              <a:t>can add more Halls to show different movies at a time.</a:t>
-            </a:r>
-          </a:p>
-          <a:p>
-            <a:pPr marL="285750" indent="-285750">
-              <a:buFont typeface="Arial" panose="020B0604020202020204" pitchFamily="34" charset="0"/>
-              <a:buChar char="•"/>
-            </a:pPr>
-            <a:endParaRPr lang="en-US" dirty="0"/>
-          </a:p>
-          <a:p>
-            <a:pPr marL="285750" indent="-285750">
-              <a:buFont typeface="Arial" panose="020B0604020202020204" pitchFamily="34" charset="0"/>
-              <a:buChar char="•"/>
-            </a:pPr>
-            <a:endParaRPr lang="en-US" dirty="0">
-              <a:latin typeface="Times New Roman" panose="02020603050405020304" pitchFamily="18" charset="0"/>
-              <a:cs typeface="Times New Roman" panose="02020603050405020304" pitchFamily="18" charset="0"/>
-            </a:endParaRPr>
-          </a:p>
-          <a:p>
-            <a:endParaRPr lang="en-US" sz="2400" b="1" dirty="0">
-              <a:latin typeface="Times New Roman" panose="02020603050405020304" pitchFamily="18" charset="0"/>
-              <a:cs typeface="Times New Roman" panose="02020603050405020304" pitchFamily="18" charset="0"/>
+            <a:endParaRPr kumimoji="0" lang="en-US" altLang="en-US" sz="1800" b="0" i="0" u="none" strike="noStrike" cap="none" normalizeH="0" baseline="0" dirty="0" smtClean="0">
+              <a:ln>
+                <a:noFill/>
+              </a:ln>
+              <a:solidFill>
+                <a:schemeClr val="tx1"/>
+              </a:solidFill>
+              <a:effectLst/>
+              <a:latin typeface="Arial" panose="020B0604020202020204" pitchFamily="34" charset="0"/>
             </a:endParaRPr>
           </a:p>
         </p:txBody>
@@ -13702,20 +14787,13 @@
     </p:spTree>
     <p:extLst>
       <p:ext uri="{BB962C8B-B14F-4D97-AF65-F5344CB8AC3E}">
-        <p14:creationId xmlns:p14="http://schemas.microsoft.com/office/powerpoint/2010/main" val="1928691439"/>
+        <p14:creationId xmlns:p14="http://schemas.microsoft.com/office/powerpoint/2010/main" val="3217822499"/>
       </p:ext>
     </p:extLst>
   </p:cSld>
   <p:clrMapOvr>
     <a:masterClrMapping/>
   </p:clrMapOvr>
-  <p:timing>
-    <p:tnLst>
-      <p:par>
-        <p:cTn id="1" dur="indefinite" restart="never" nodeType="tmRoot"/>
-      </p:par>
-    </p:tnLst>
-  </p:timing>
 </p:sld>
 </file>
 
@@ -13767,8 +14845,8 @@
         </p:nvSpPr>
         <p:spPr>
           <a:xfrm>
-            <a:off x="3708400" y="2844800"/>
-            <a:ext cx="6438900" cy="523220"/>
+            <a:off x="1859944" y="2088292"/>
+            <a:ext cx="7216349" cy="2585323"/>
           </a:xfrm>
           <a:prstGeom prst="rect">
             <a:avLst/>
@@ -13782,13 +14860,80 @@
           <a:lstStyle/>
           <a:p>
             <a:r>
-              <a:rPr lang="en-US" sz="2800" dirty="0" smtClean="0">
+              <a:rPr lang="en-US" sz="2400" b="1" dirty="0" smtClean="0">
                 <a:latin typeface="Times New Roman" panose="02020603050405020304" pitchFamily="18" charset="0"/>
                 <a:cs typeface="Times New Roman" panose="02020603050405020304" pitchFamily="18" charset="0"/>
               </a:rPr>
-              <a:t>Any Queries?</a:t>
-            </a:r>
-            <a:endParaRPr lang="en-US" sz="2800" dirty="0">
+              <a:t>                Future Enhancements</a:t>
+            </a:r>
+          </a:p>
+          <a:p>
+            <a:endParaRPr lang="en-US" sz="2400" b="1" dirty="0">
+              <a:latin typeface="Times New Roman" panose="02020603050405020304" pitchFamily="18" charset="0"/>
+              <a:cs typeface="Times New Roman" panose="02020603050405020304" pitchFamily="18" charset="0"/>
+            </a:endParaRPr>
+          </a:p>
+          <a:p>
+            <a:pPr marL="285750" indent="-285750">
+              <a:buFont typeface="Arial" panose="020B0604020202020204" pitchFamily="34" charset="0"/>
+              <a:buChar char="•"/>
+            </a:pPr>
+            <a:r>
+              <a:rPr lang="en-US" dirty="0">
+                <a:latin typeface="Times New Roman" panose="02020603050405020304" pitchFamily="18" charset="0"/>
+                <a:cs typeface="Times New Roman" panose="02020603050405020304" pitchFamily="18" charset="0"/>
+              </a:rPr>
+              <a:t>We can assign QR codes to the tickets.</a:t>
+            </a:r>
+          </a:p>
+          <a:p>
+            <a:r>
+              <a:rPr lang="en-US" dirty="0" smtClean="0">
+                <a:latin typeface="Times New Roman" panose="02020603050405020304" pitchFamily="18" charset="0"/>
+                <a:cs typeface="Times New Roman" panose="02020603050405020304" pitchFamily="18" charset="0"/>
+              </a:rPr>
+              <a:t> </a:t>
+            </a:r>
+          </a:p>
+          <a:p>
+            <a:pPr marL="285750" indent="-285750">
+              <a:buFont typeface="Arial" panose="020B0604020202020204" pitchFamily="34" charset="0"/>
+              <a:buChar char="•"/>
+            </a:pPr>
+            <a:r>
+              <a:rPr lang="en-US" dirty="0" smtClean="0">
+                <a:latin typeface="Times New Roman" panose="02020603050405020304" pitchFamily="18" charset="0"/>
+                <a:cs typeface="Times New Roman" panose="02020603050405020304" pitchFamily="18" charset="0"/>
+              </a:rPr>
+              <a:t>We </a:t>
+            </a:r>
+            <a:r>
+              <a:rPr lang="en-US" dirty="0">
+                <a:latin typeface="Times New Roman" panose="02020603050405020304" pitchFamily="18" charset="0"/>
+                <a:cs typeface="Times New Roman" panose="02020603050405020304" pitchFamily="18" charset="0"/>
+              </a:rPr>
+              <a:t>can add more Halls to show different movies at a time.</a:t>
+            </a:r>
+          </a:p>
+          <a:p>
+            <a:pPr marL="285750" indent="-285750">
+              <a:buFont typeface="Arial" panose="020B0604020202020204" pitchFamily="34" charset="0"/>
+              <a:buChar char="•"/>
+            </a:pPr>
+            <a:endParaRPr lang="en-US" dirty="0"/>
+          </a:p>
+          <a:p>
+            <a:pPr marL="285750" indent="-285750">
+              <a:buFont typeface="Arial" panose="020B0604020202020204" pitchFamily="34" charset="0"/>
+              <a:buChar char="•"/>
+            </a:pPr>
+            <a:endParaRPr lang="en-US" dirty="0">
+              <a:latin typeface="Times New Roman" panose="02020603050405020304" pitchFamily="18" charset="0"/>
+              <a:cs typeface="Times New Roman" panose="02020603050405020304" pitchFamily="18" charset="0"/>
+            </a:endParaRPr>
+          </a:p>
+          <a:p>
+            <a:endParaRPr lang="en-US" sz="2400" b="1" dirty="0">
               <a:latin typeface="Times New Roman" panose="02020603050405020304" pitchFamily="18" charset="0"/>
               <a:cs typeface="Times New Roman" panose="02020603050405020304" pitchFamily="18" charset="0"/>
             </a:endParaRPr>
@@ -13798,7 +14943,7 @@
     </p:spTree>
     <p:extLst>
       <p:ext uri="{BB962C8B-B14F-4D97-AF65-F5344CB8AC3E}">
-        <p14:creationId xmlns:p14="http://schemas.microsoft.com/office/powerpoint/2010/main" val="1672832731"/>
+        <p14:creationId xmlns:p14="http://schemas.microsoft.com/office/powerpoint/2010/main" val="1928691439"/>
       </p:ext>
     </p:extLst>
   </p:cSld>
@@ -13863,8 +15008,8 @@
         </p:nvSpPr>
         <p:spPr>
           <a:xfrm>
-            <a:off x="2879124" y="2570205"/>
-            <a:ext cx="4794422" cy="923330"/>
+            <a:off x="3708400" y="2844800"/>
+            <a:ext cx="6438900" cy="523220"/>
           </a:xfrm>
           <a:prstGeom prst="rect">
             <a:avLst/>
@@ -13878,13 +15023,13 @@
           <a:lstStyle/>
           <a:p>
             <a:r>
-              <a:rPr lang="en-US" sz="5400" dirty="0" smtClean="0">
+              <a:rPr lang="en-US" sz="2800" dirty="0" smtClean="0">
                 <a:latin typeface="Times New Roman" panose="02020603050405020304" pitchFamily="18" charset="0"/>
                 <a:cs typeface="Times New Roman" panose="02020603050405020304" pitchFamily="18" charset="0"/>
               </a:rPr>
-              <a:t>Thank you!</a:t>
-            </a:r>
-            <a:endParaRPr lang="en-US" sz="5400" dirty="0">
+              <a:t>Any Queries?</a:t>
+            </a:r>
+            <a:endParaRPr lang="en-US" sz="2800" dirty="0">
               <a:latin typeface="Times New Roman" panose="02020603050405020304" pitchFamily="18" charset="0"/>
               <a:cs typeface="Times New Roman" panose="02020603050405020304" pitchFamily="18" charset="0"/>
             </a:endParaRPr>
@@ -13894,13 +15039,20 @@
     </p:spTree>
     <p:extLst>
       <p:ext uri="{BB962C8B-B14F-4D97-AF65-F5344CB8AC3E}">
-        <p14:creationId xmlns:p14="http://schemas.microsoft.com/office/powerpoint/2010/main" val="3573152766"/>
+        <p14:creationId xmlns:p14="http://schemas.microsoft.com/office/powerpoint/2010/main" val="1672832731"/>
       </p:ext>
     </p:extLst>
   </p:cSld>
   <p:clrMapOvr>
     <a:masterClrMapping/>
   </p:clrMapOvr>
+  <p:timing>
+    <p:tnLst>
+      <p:par>
+        <p:cTn id="1" dur="indefinite" restart="never" nodeType="tmRoot"/>
+      </p:par>
+    </p:tnLst>
+  </p:timing>
 </p:sld>
 </file>
 
@@ -13946,14 +15098,133 @@
       </p:sp>
       <p:sp>
         <p:nvSpPr>
+          <p:cNvPr id="3" name="Rectangle 2"/>
+          <p:cNvSpPr/>
+          <p:nvPr/>
+        </p:nvSpPr>
+        <p:spPr>
+          <a:xfrm>
+            <a:off x="1069115" y="1864032"/>
+            <a:ext cx="8316098" cy="2462213"/>
+          </a:xfrm>
+          <a:prstGeom prst="rect">
+            <a:avLst/>
+          </a:prstGeom>
+        </p:spPr>
+        <p:txBody>
+          <a:bodyPr wrap="square">
+            <a:spAutoFit/>
+          </a:bodyPr>
+          <a:lstStyle/>
+          <a:p>
+            <a:pPr algn="ctr"/>
+            <a:r>
+              <a:rPr lang="en-US" sz="3200" b="1" dirty="0" smtClean="0">
+                <a:latin typeface="Times New Roman" panose="02020603050405020304" pitchFamily="18" charset="0"/>
+                <a:cs typeface="Times New Roman" panose="02020603050405020304" pitchFamily="18" charset="0"/>
+              </a:rPr>
+              <a:t>Background Study</a:t>
+            </a:r>
+          </a:p>
+          <a:p>
+            <a:endParaRPr lang="en-US" sz="3200" b="1" dirty="0" smtClean="0">
+              <a:latin typeface="Times New Roman" panose="02020603050405020304" pitchFamily="18" charset="0"/>
+              <a:cs typeface="Times New Roman" panose="02020603050405020304" pitchFamily="18" charset="0"/>
+            </a:endParaRPr>
+          </a:p>
+          <a:p>
+            <a:r>
+              <a:rPr lang="en-US" dirty="0" smtClean="0">
+                <a:latin typeface="Times New Roman" panose="02020603050405020304" pitchFamily="18" charset="0"/>
+                <a:cs typeface="Times New Roman" panose="02020603050405020304" pitchFamily="18" charset="0"/>
+              </a:rPr>
+              <a:t>Traditional methods were used to buy tickets which was more time-consuming and low possibility of getting the seats of their choice.</a:t>
+            </a:r>
+          </a:p>
+          <a:p>
+            <a:endParaRPr lang="en-US" dirty="0" smtClean="0">
+              <a:latin typeface="Times New Roman" panose="02020603050405020304" pitchFamily="18" charset="0"/>
+              <a:cs typeface="Times New Roman" panose="02020603050405020304" pitchFamily="18" charset="0"/>
+            </a:endParaRPr>
+          </a:p>
+          <a:p>
+            <a:r>
+              <a:rPr lang="en-US" dirty="0" smtClean="0">
+                <a:latin typeface="Times New Roman" panose="02020603050405020304" pitchFamily="18" charset="0"/>
+                <a:cs typeface="Times New Roman" panose="02020603050405020304" pitchFamily="18" charset="0"/>
+              </a:rPr>
+              <a:t>QFX is one of the leading examples that has been providing services to purchase movie tickets online with online payment.</a:t>
+            </a:r>
+            <a:endParaRPr lang="en-US" dirty="0">
+              <a:latin typeface="Times New Roman" panose="02020603050405020304" pitchFamily="18" charset="0"/>
+              <a:cs typeface="Times New Roman" panose="02020603050405020304" pitchFamily="18" charset="0"/>
+            </a:endParaRPr>
+          </a:p>
+        </p:txBody>
+      </p:sp>
+    </p:spTree>
+    <p:extLst>
+      <p:ext uri="{BB962C8B-B14F-4D97-AF65-F5344CB8AC3E}">
+        <p14:creationId xmlns:p14="http://schemas.microsoft.com/office/powerpoint/2010/main" val="1981562616"/>
+      </p:ext>
+    </p:extLst>
+  </p:cSld>
+  <p:clrMapOvr>
+    <a:masterClrMapping/>
+  </p:clrMapOvr>
+</p:sld>
+</file>
+
+<file path=ppt/slides/slide30.xml><?xml version="1.0" encoding="utf-8"?>
+<p:sld xmlns:a="http://schemas.openxmlformats.org/drawingml/2006/main" xmlns:r="http://schemas.openxmlformats.org/officeDocument/2006/relationships" xmlns:p="http://schemas.openxmlformats.org/presentationml/2006/main">
+  <p:cSld>
+    <p:spTree>
+      <p:nvGrpSpPr>
+        <p:cNvPr id="1" name=""/>
+        <p:cNvGrpSpPr/>
+        <p:nvPr/>
+      </p:nvGrpSpPr>
+      <p:grpSpPr>
+        <a:xfrm>
+          <a:off x="0" y="0"/>
+          <a:ext cx="0" cy="0"/>
+          <a:chOff x="0" y="0"/>
+          <a:chExt cx="0" cy="0"/>
+        </a:xfrm>
+      </p:grpSpPr>
+      <p:sp>
+        <p:nvSpPr>
+          <p:cNvPr id="2" name="Slide Number Placeholder 1"/>
+          <p:cNvSpPr>
+            <a:spLocks noGrp="1"/>
+          </p:cNvSpPr>
+          <p:nvPr>
+            <p:ph type="sldNum" sz="quarter" idx="12"/>
+          </p:nvPr>
+        </p:nvSpPr>
+        <p:spPr/>
+        <p:txBody>
+          <a:bodyPr/>
+          <a:lstStyle/>
+          <a:p>
+            <a:fld id="{65049433-76A0-465F-B9A5-46A311B0921A}" type="slidenum">
+              <a:rPr lang="en-US" smtClean="0"/>
+              <a:t>30</a:t>
+            </a:fld>
+            <a:endParaRPr lang="en-US"/>
+          </a:p>
+        </p:txBody>
+      </p:sp>
+      <p:sp>
+        <p:nvSpPr>
           <p:cNvPr id="3" name="TextBox 2"/>
           <p:cNvSpPr txBox="1"/>
           <p:nvPr/>
         </p:nvSpPr>
         <p:spPr>
           <a:xfrm>
-            <a:off x="1342767" y="854676"/>
-            <a:ext cx="7201244" cy="3139321"/>
+            <a:off x="2879124" y="2570205"/>
+            <a:ext cx="4794422" cy="923330"/>
           </a:xfrm>
           <a:prstGeom prst="rect">
             <a:avLst/>
@@ -13967,237 +15238,29 @@
           <a:lstStyle/>
           <a:p>
             <a:r>
-              <a:rPr lang="en-US" sz="1600" b="1" dirty="0" smtClean="0">
+              <a:rPr lang="en-US" sz="5400" dirty="0" smtClean="0">
                 <a:latin typeface="Times New Roman" panose="02020603050405020304" pitchFamily="18" charset="0"/>
                 <a:cs typeface="Times New Roman" panose="02020603050405020304" pitchFamily="18" charset="0"/>
               </a:rPr>
-              <a:t>  </a:t>
-            </a:r>
-            <a:r>
-              <a:rPr lang="en-US" sz="2400" b="1" dirty="0" smtClean="0">
-                <a:latin typeface="Times New Roman" panose="02020603050405020304" pitchFamily="18" charset="0"/>
-                <a:cs typeface="Times New Roman" panose="02020603050405020304" pitchFamily="18" charset="0"/>
-              </a:rPr>
-              <a:t>Problem Statement</a:t>
-            </a:r>
-          </a:p>
-          <a:p>
-            <a:endParaRPr lang="en-US" b="1" dirty="0" smtClean="0">
+              <a:t>Thank you!</a:t>
+            </a:r>
+            <a:endParaRPr lang="en-US" sz="5400" dirty="0">
               <a:latin typeface="Times New Roman" panose="02020603050405020304" pitchFamily="18" charset="0"/>
               <a:cs typeface="Times New Roman" panose="02020603050405020304" pitchFamily="18" charset="0"/>
             </a:endParaRPr>
-          </a:p>
-          <a:p>
-            <a:endParaRPr lang="en-US" sz="1600" b="1" dirty="0">
-              <a:latin typeface="Times New Roman" panose="02020603050405020304" pitchFamily="18" charset="0"/>
-              <a:cs typeface="Times New Roman" panose="02020603050405020304" pitchFamily="18" charset="0"/>
-            </a:endParaRPr>
-          </a:p>
-          <a:p>
-            <a:pPr marL="285750" indent="-285750">
-              <a:buFontTx/>
-              <a:buChar char="-"/>
-            </a:pPr>
-            <a:r>
-              <a:rPr lang="en-US" dirty="0" smtClean="0">
-                <a:latin typeface="Times New Roman" panose="02020603050405020304" pitchFamily="18" charset="0"/>
-                <a:cs typeface="Times New Roman" panose="02020603050405020304" pitchFamily="18" charset="0"/>
-              </a:rPr>
-              <a:t>Purchasing </a:t>
-            </a:r>
-            <a:r>
-              <a:rPr lang="en-US" dirty="0">
-                <a:latin typeface="Times New Roman" panose="02020603050405020304" pitchFamily="18" charset="0"/>
-                <a:cs typeface="Times New Roman" panose="02020603050405020304" pitchFamily="18" charset="0"/>
-              </a:rPr>
-              <a:t>movie tickets by standing in queues consumes significant time</a:t>
-            </a:r>
-            <a:r>
-              <a:rPr lang="en-US" dirty="0" smtClean="0">
-                <a:latin typeface="Times New Roman" panose="02020603050405020304" pitchFamily="18" charset="0"/>
-                <a:cs typeface="Times New Roman" panose="02020603050405020304" pitchFamily="18" charset="0"/>
-              </a:rPr>
-              <a:t>.</a:t>
-            </a:r>
-          </a:p>
-          <a:p>
-            <a:endParaRPr lang="en-US" dirty="0">
-              <a:latin typeface="Times New Roman" panose="02020603050405020304" pitchFamily="18" charset="0"/>
-              <a:cs typeface="Times New Roman" panose="02020603050405020304" pitchFamily="18" charset="0"/>
-            </a:endParaRPr>
-          </a:p>
-          <a:p>
-            <a:pPr marL="285750" indent="-285750">
-              <a:buFontTx/>
-              <a:buChar char="-"/>
-            </a:pPr>
-            <a:r>
-              <a:rPr lang="en-US" dirty="0" smtClean="0">
-                <a:latin typeface="Times New Roman" panose="02020603050405020304" pitchFamily="18" charset="0"/>
-                <a:cs typeface="Times New Roman" panose="02020603050405020304" pitchFamily="18" charset="0"/>
-              </a:rPr>
-              <a:t>Customers </a:t>
-            </a:r>
-            <a:r>
-              <a:rPr lang="en-US" dirty="0">
-                <a:latin typeface="Times New Roman" panose="02020603050405020304" pitchFamily="18" charset="0"/>
-                <a:cs typeface="Times New Roman" panose="02020603050405020304" pitchFamily="18" charset="0"/>
-              </a:rPr>
-              <a:t>are unable to preselect their seats in advance</a:t>
-            </a:r>
-            <a:r>
-              <a:rPr lang="en-US" dirty="0" smtClean="0">
-                <a:latin typeface="Times New Roman" panose="02020603050405020304" pitchFamily="18" charset="0"/>
-                <a:cs typeface="Times New Roman" panose="02020603050405020304" pitchFamily="18" charset="0"/>
-              </a:rPr>
-              <a:t>.</a:t>
-            </a:r>
-          </a:p>
-          <a:p>
-            <a:endParaRPr lang="en-US" dirty="0">
-              <a:latin typeface="Times New Roman" panose="02020603050405020304" pitchFamily="18" charset="0"/>
-              <a:cs typeface="Times New Roman" panose="02020603050405020304" pitchFamily="18" charset="0"/>
-            </a:endParaRPr>
-          </a:p>
-          <a:p>
-            <a:r>
-              <a:rPr lang="en-US" sz="1600" dirty="0" smtClean="0">
-                <a:latin typeface="Times New Roman" panose="02020603050405020304" pitchFamily="18" charset="0"/>
-                <a:cs typeface="Times New Roman" panose="02020603050405020304" pitchFamily="18" charset="0"/>
-              </a:rPr>
-              <a:t>- </a:t>
-            </a:r>
-            <a:r>
-              <a:rPr lang="en-US" dirty="0">
-                <a:latin typeface="Times New Roman" panose="02020603050405020304" pitchFamily="18" charset="0"/>
-                <a:cs typeface="Times New Roman" panose="02020603050405020304" pitchFamily="18" charset="0"/>
-              </a:rPr>
-              <a:t>Customers are unaware of the movie showtime.</a:t>
-            </a:r>
-          </a:p>
-          <a:p>
-            <a:pPr lvl="0"/>
-            <a:endParaRPr lang="en-US" sz="1600" dirty="0" smtClean="0">
-              <a:latin typeface="Times New Roman" panose="02020603050405020304" pitchFamily="18" charset="0"/>
-              <a:cs typeface="Times New Roman" panose="02020603050405020304" pitchFamily="18" charset="0"/>
-            </a:endParaRPr>
-          </a:p>
-          <a:p>
-            <a:endParaRPr lang="en-US" sz="1600" b="1" dirty="0">
-              <a:latin typeface="Times New Roman" panose="02020603050405020304" pitchFamily="18" charset="0"/>
-              <a:cs typeface="Times New Roman" panose="02020603050405020304" pitchFamily="18" charset="0"/>
-            </a:endParaRPr>
-          </a:p>
-        </p:txBody>
-      </p:sp>
-      <p:sp>
-        <p:nvSpPr>
-          <p:cNvPr id="4" name="Rectangle 3"/>
-          <p:cNvSpPr/>
-          <p:nvPr/>
-        </p:nvSpPr>
-        <p:spPr>
-          <a:xfrm>
-            <a:off x="1342767" y="3884498"/>
-            <a:ext cx="6874476" cy="2092881"/>
-          </a:xfrm>
-          <a:prstGeom prst="rect">
-            <a:avLst/>
-          </a:prstGeom>
-        </p:spPr>
-        <p:txBody>
-          <a:bodyPr wrap="square">
-            <a:spAutoFit/>
-          </a:bodyPr>
-          <a:lstStyle/>
-          <a:p>
-            <a:r>
-              <a:rPr lang="en-US" sz="1400" b="1" dirty="0">
-                <a:latin typeface="Times New Roman" panose="02020603050405020304" pitchFamily="18" charset="0"/>
-                <a:cs typeface="Times New Roman" panose="02020603050405020304" pitchFamily="18" charset="0"/>
-              </a:rPr>
-              <a:t> </a:t>
-            </a:r>
-            <a:r>
-              <a:rPr lang="en-US" sz="2000" b="1" dirty="0">
-                <a:latin typeface="Times New Roman" panose="02020603050405020304" pitchFamily="18" charset="0"/>
-                <a:cs typeface="Times New Roman" panose="02020603050405020304" pitchFamily="18" charset="0"/>
-              </a:rPr>
-              <a:t>Objectives</a:t>
-            </a:r>
-          </a:p>
-          <a:p>
-            <a:endParaRPr lang="en-US" sz="2000" b="1" dirty="0">
-              <a:latin typeface="Times New Roman" panose="02020603050405020304" pitchFamily="18" charset="0"/>
-              <a:cs typeface="Times New Roman" panose="02020603050405020304" pitchFamily="18" charset="0"/>
-            </a:endParaRPr>
-          </a:p>
-          <a:p>
-            <a:endParaRPr lang="en-US" b="1" dirty="0">
-              <a:latin typeface="Times New Roman" panose="02020603050405020304" pitchFamily="18" charset="0"/>
-              <a:cs typeface="Times New Roman" panose="02020603050405020304" pitchFamily="18" charset="0"/>
-            </a:endParaRPr>
-          </a:p>
-          <a:p>
-            <a:pPr lvl="0"/>
-            <a:r>
-              <a:rPr lang="en-US" dirty="0" smtClean="0">
-                <a:latin typeface="Times New Roman" panose="02020603050405020304" pitchFamily="18" charset="0"/>
-                <a:cs typeface="Times New Roman" panose="02020603050405020304" pitchFamily="18" charset="0"/>
-              </a:rPr>
-              <a:t>-</a:t>
-            </a:r>
-            <a:r>
-              <a:rPr lang="en-US" dirty="0">
-                <a:latin typeface="Times New Roman" panose="02020603050405020304" pitchFamily="18" charset="0"/>
-                <a:cs typeface="Times New Roman" panose="02020603050405020304" pitchFamily="18" charset="0"/>
-              </a:rPr>
-              <a:t>To enable customers to purchase movie tickets along with their favorable showtime.</a:t>
-            </a:r>
-          </a:p>
-          <a:p>
-            <a:pPr lvl="0"/>
-            <a:endParaRPr lang="en-US" dirty="0">
-              <a:latin typeface="Times New Roman" panose="02020603050405020304" pitchFamily="18" charset="0"/>
-              <a:cs typeface="Times New Roman" panose="02020603050405020304" pitchFamily="18" charset="0"/>
-            </a:endParaRPr>
-          </a:p>
-          <a:p>
-            <a:pPr lvl="0"/>
-            <a:r>
-              <a:rPr lang="en-US" dirty="0" smtClean="0">
-                <a:latin typeface="Times New Roman" panose="02020603050405020304" pitchFamily="18" charset="0"/>
-                <a:cs typeface="Times New Roman" panose="02020603050405020304" pitchFamily="18" charset="0"/>
-              </a:rPr>
-              <a:t>-</a:t>
-            </a:r>
-            <a:r>
-              <a:rPr lang="en-US" dirty="0">
-                <a:latin typeface="Times New Roman" panose="02020603050405020304" pitchFamily="18" charset="0"/>
-                <a:cs typeface="Times New Roman" panose="02020603050405020304" pitchFamily="18" charset="0"/>
-              </a:rPr>
-              <a:t>To allow customers to select seats of their choice</a:t>
-            </a:r>
           </a:p>
         </p:txBody>
       </p:sp>
     </p:spTree>
     <p:extLst>
       <p:ext uri="{BB962C8B-B14F-4D97-AF65-F5344CB8AC3E}">
-        <p14:creationId xmlns:p14="http://schemas.microsoft.com/office/powerpoint/2010/main" val="852504935"/>
+        <p14:creationId xmlns:p14="http://schemas.microsoft.com/office/powerpoint/2010/main" val="3573152766"/>
       </p:ext>
     </p:extLst>
   </p:cSld>
   <p:clrMapOvr>
     <a:masterClrMapping/>
   </p:clrMapOvr>
-  <p:timing>
-    <p:tnLst>
-      <p:par>
-        <p:cTn id="1" dur="indefinite" restart="never" nodeType="tmRoot"/>
-      </p:par>
-    </p:tnLst>
-  </p:timing>
 </p:sld>
 </file>
 
@@ -14249,8 +15312,8 @@
         </p:nvSpPr>
         <p:spPr>
           <a:xfrm>
-            <a:off x="2045043" y="861575"/>
-            <a:ext cx="4831492" cy="830997"/>
+            <a:off x="1342767" y="854676"/>
+            <a:ext cx="7201244" cy="3139321"/>
           </a:xfrm>
           <a:prstGeom prst="rect">
             <a:avLst/>
@@ -14264,11 +15327,163 @@
           <a:lstStyle/>
           <a:p>
             <a:r>
-              <a:rPr lang="en-US" sz="2800" b="1" dirty="0" smtClean="0">
+              <a:rPr lang="en-US" sz="1600" b="1" dirty="0" smtClean="0">
                 <a:latin typeface="Times New Roman" panose="02020603050405020304" pitchFamily="18" charset="0"/>
                 <a:cs typeface="Times New Roman" panose="02020603050405020304" pitchFamily="18" charset="0"/>
               </a:rPr>
-              <a:t>Scope and Limitation</a:t>
+              <a:t>  </a:t>
+            </a:r>
+            <a:r>
+              <a:rPr lang="en-US" sz="2400" b="1" dirty="0" smtClean="0">
+                <a:latin typeface="Times New Roman" panose="02020603050405020304" pitchFamily="18" charset="0"/>
+                <a:cs typeface="Times New Roman" panose="02020603050405020304" pitchFamily="18" charset="0"/>
+              </a:rPr>
+              <a:t>Problem Statement</a:t>
+            </a:r>
+          </a:p>
+          <a:p>
+            <a:endParaRPr lang="en-US" b="1" dirty="0" smtClean="0">
+              <a:latin typeface="Times New Roman" panose="02020603050405020304" pitchFamily="18" charset="0"/>
+              <a:cs typeface="Times New Roman" panose="02020603050405020304" pitchFamily="18" charset="0"/>
+            </a:endParaRPr>
+          </a:p>
+          <a:p>
+            <a:endParaRPr lang="en-US" sz="1600" b="1" dirty="0">
+              <a:latin typeface="Times New Roman" panose="02020603050405020304" pitchFamily="18" charset="0"/>
+              <a:cs typeface="Times New Roman" panose="02020603050405020304" pitchFamily="18" charset="0"/>
+            </a:endParaRPr>
+          </a:p>
+          <a:p>
+            <a:pPr marL="285750" indent="-285750">
+              <a:buFontTx/>
+              <a:buChar char="-"/>
+            </a:pPr>
+            <a:r>
+              <a:rPr lang="en-US" dirty="0" smtClean="0">
+                <a:latin typeface="Times New Roman" panose="02020603050405020304" pitchFamily="18" charset="0"/>
+                <a:cs typeface="Times New Roman" panose="02020603050405020304" pitchFamily="18" charset="0"/>
+              </a:rPr>
+              <a:t>Purchasing </a:t>
+            </a:r>
+            <a:r>
+              <a:rPr lang="en-US" dirty="0">
+                <a:latin typeface="Times New Roman" panose="02020603050405020304" pitchFamily="18" charset="0"/>
+                <a:cs typeface="Times New Roman" panose="02020603050405020304" pitchFamily="18" charset="0"/>
+              </a:rPr>
+              <a:t>movie tickets by standing in queues consumes significant time</a:t>
+            </a:r>
+            <a:r>
+              <a:rPr lang="en-US" dirty="0" smtClean="0">
+                <a:latin typeface="Times New Roman" panose="02020603050405020304" pitchFamily="18" charset="0"/>
+                <a:cs typeface="Times New Roman" panose="02020603050405020304" pitchFamily="18" charset="0"/>
+              </a:rPr>
+              <a:t>.</a:t>
+            </a:r>
+          </a:p>
+          <a:p>
+            <a:endParaRPr lang="en-US" dirty="0">
+              <a:latin typeface="Times New Roman" panose="02020603050405020304" pitchFamily="18" charset="0"/>
+              <a:cs typeface="Times New Roman" panose="02020603050405020304" pitchFamily="18" charset="0"/>
+            </a:endParaRPr>
+          </a:p>
+          <a:p>
+            <a:pPr marL="285750" indent="-285750">
+              <a:buFontTx/>
+              <a:buChar char="-"/>
+            </a:pPr>
+            <a:r>
+              <a:rPr lang="en-US" dirty="0" smtClean="0">
+                <a:latin typeface="Times New Roman" panose="02020603050405020304" pitchFamily="18" charset="0"/>
+                <a:cs typeface="Times New Roman" panose="02020603050405020304" pitchFamily="18" charset="0"/>
+              </a:rPr>
+              <a:t>Customers </a:t>
+            </a:r>
+            <a:r>
+              <a:rPr lang="en-US" dirty="0">
+                <a:latin typeface="Times New Roman" panose="02020603050405020304" pitchFamily="18" charset="0"/>
+                <a:cs typeface="Times New Roman" panose="02020603050405020304" pitchFamily="18" charset="0"/>
+              </a:rPr>
+              <a:t>are unable to preselect their seats in advance</a:t>
+            </a:r>
+            <a:r>
+              <a:rPr lang="en-US" dirty="0" smtClean="0">
+                <a:latin typeface="Times New Roman" panose="02020603050405020304" pitchFamily="18" charset="0"/>
+                <a:cs typeface="Times New Roman" panose="02020603050405020304" pitchFamily="18" charset="0"/>
+              </a:rPr>
+              <a:t>.</a:t>
+            </a:r>
+          </a:p>
+          <a:p>
+            <a:endParaRPr lang="en-US" dirty="0">
+              <a:latin typeface="Times New Roman" panose="02020603050405020304" pitchFamily="18" charset="0"/>
+              <a:cs typeface="Times New Roman" panose="02020603050405020304" pitchFamily="18" charset="0"/>
+            </a:endParaRPr>
+          </a:p>
+          <a:p>
+            <a:r>
+              <a:rPr lang="en-US" sz="1600" dirty="0" smtClean="0">
+                <a:latin typeface="Times New Roman" panose="02020603050405020304" pitchFamily="18" charset="0"/>
+                <a:cs typeface="Times New Roman" panose="02020603050405020304" pitchFamily="18" charset="0"/>
+              </a:rPr>
+              <a:t>- </a:t>
+            </a:r>
+            <a:r>
+              <a:rPr lang="en-US" dirty="0">
+                <a:latin typeface="Times New Roman" panose="02020603050405020304" pitchFamily="18" charset="0"/>
+                <a:cs typeface="Times New Roman" panose="02020603050405020304" pitchFamily="18" charset="0"/>
+              </a:rPr>
+              <a:t>Customers are unaware of the movie showtime.</a:t>
+            </a:r>
+          </a:p>
+          <a:p>
+            <a:pPr lvl="0"/>
+            <a:endParaRPr lang="en-US" sz="1600" dirty="0" smtClean="0">
+              <a:latin typeface="Times New Roman" panose="02020603050405020304" pitchFamily="18" charset="0"/>
+              <a:cs typeface="Times New Roman" panose="02020603050405020304" pitchFamily="18" charset="0"/>
+            </a:endParaRPr>
+          </a:p>
+          <a:p>
+            <a:endParaRPr lang="en-US" sz="1600" b="1" dirty="0">
+              <a:latin typeface="Times New Roman" panose="02020603050405020304" pitchFamily="18" charset="0"/>
+              <a:cs typeface="Times New Roman" panose="02020603050405020304" pitchFamily="18" charset="0"/>
+            </a:endParaRPr>
+          </a:p>
+        </p:txBody>
+      </p:sp>
+      <p:sp>
+        <p:nvSpPr>
+          <p:cNvPr id="4" name="Rectangle 3"/>
+          <p:cNvSpPr/>
+          <p:nvPr/>
+        </p:nvSpPr>
+        <p:spPr>
+          <a:xfrm>
+            <a:off x="1342767" y="3884498"/>
+            <a:ext cx="6874476" cy="2092881"/>
+          </a:xfrm>
+          <a:prstGeom prst="rect">
+            <a:avLst/>
+          </a:prstGeom>
+        </p:spPr>
+        <p:txBody>
+          <a:bodyPr wrap="square">
+            <a:spAutoFit/>
+          </a:bodyPr>
+          <a:lstStyle/>
+          <a:p>
+            <a:r>
+              <a:rPr lang="en-US" sz="1400" b="1" dirty="0">
+                <a:latin typeface="Times New Roman" panose="02020603050405020304" pitchFamily="18" charset="0"/>
+                <a:cs typeface="Times New Roman" panose="02020603050405020304" pitchFamily="18" charset="0"/>
+              </a:rPr>
+              <a:t> </a:t>
+            </a:r>
+            <a:r>
+              <a:rPr lang="en-US" sz="2000" b="1" dirty="0">
+                <a:latin typeface="Times New Roman" panose="02020603050405020304" pitchFamily="18" charset="0"/>
+                <a:cs typeface="Times New Roman" panose="02020603050405020304" pitchFamily="18" charset="0"/>
+              </a:rPr>
+              <a:t>Objectives</a:t>
             </a:r>
           </a:p>
           <a:p>
@@ -14277,99 +15492,51 @@
               <a:cs typeface="Times New Roman" panose="02020603050405020304" pitchFamily="18" charset="0"/>
             </a:endParaRPr>
           </a:p>
-        </p:txBody>
-      </p:sp>
-      <p:sp>
-        <p:nvSpPr>
-          <p:cNvPr id="4" name="TextBox 3"/>
-          <p:cNvSpPr txBox="1"/>
-          <p:nvPr/>
-        </p:nvSpPr>
-        <p:spPr>
-          <a:xfrm>
-            <a:off x="1025609" y="1837320"/>
-            <a:ext cx="8427309" cy="1231106"/>
-          </a:xfrm>
-          <a:prstGeom prst="rect">
-            <a:avLst/>
-          </a:prstGeom>
-          <a:noFill/>
-        </p:spPr>
-        <p:txBody>
-          <a:bodyPr wrap="square" rtlCol="0">
-            <a:spAutoFit/>
-          </a:bodyPr>
-          <a:lstStyle/>
-          <a:p>
-            <a:r>
-              <a:rPr lang="en-US" sz="2000" b="1" dirty="0" smtClean="0">
+          <a:p>
+            <a:endParaRPr lang="en-US" b="1" dirty="0">
+              <a:latin typeface="Times New Roman" panose="02020603050405020304" pitchFamily="18" charset="0"/>
+              <a:cs typeface="Times New Roman" panose="02020603050405020304" pitchFamily="18" charset="0"/>
+            </a:endParaRPr>
+          </a:p>
+          <a:p>
+            <a:pPr lvl="0"/>
+            <a:r>
+              <a:rPr lang="en-US" dirty="0" smtClean="0">
                 <a:latin typeface="Times New Roman" panose="02020603050405020304" pitchFamily="18" charset="0"/>
                 <a:cs typeface="Times New Roman" panose="02020603050405020304" pitchFamily="18" charset="0"/>
               </a:rPr>
-              <a:t>Scope</a:t>
-            </a:r>
-          </a:p>
-          <a:p>
-            <a:endParaRPr lang="en-US" dirty="0" smtClean="0"/>
-          </a:p>
-          <a:p>
+              <a:t>-</a:t>
+            </a:r>
             <a:r>
               <a:rPr lang="en-US" dirty="0">
                 <a:latin typeface="Times New Roman" panose="02020603050405020304" pitchFamily="18" charset="0"/>
                 <a:cs typeface="Times New Roman" panose="02020603050405020304" pitchFamily="18" charset="0"/>
               </a:rPr>
-              <a:t>Our system is concerned with effortlessly browsing a diverse catalog of movies, selecting preferred showtimes, and completing online payments for booked seats. </a:t>
-            </a:r>
-            <a:endParaRPr lang="en-US" sz="1600" dirty="0">
+              <a:t>To enable customers to purchase movie tickets along with their favorable showtime.</a:t>
+            </a:r>
+          </a:p>
+          <a:p>
+            <a:pPr lvl="0"/>
+            <a:endParaRPr lang="en-US" dirty="0">
               <a:latin typeface="Times New Roman" panose="02020603050405020304" pitchFamily="18" charset="0"/>
               <a:cs typeface="Times New Roman" panose="02020603050405020304" pitchFamily="18" charset="0"/>
             </a:endParaRPr>
           </a:p>
-        </p:txBody>
-      </p:sp>
-      <p:sp>
-        <p:nvSpPr>
-          <p:cNvPr id="5" name="TextBox 4"/>
-          <p:cNvSpPr txBox="1"/>
-          <p:nvPr/>
-        </p:nvSpPr>
-        <p:spPr>
-          <a:xfrm>
-            <a:off x="1025610" y="3939341"/>
-            <a:ext cx="7722973" cy="1231106"/>
-          </a:xfrm>
-          <a:prstGeom prst="rect">
-            <a:avLst/>
-          </a:prstGeom>
-          <a:noFill/>
-        </p:spPr>
-        <p:txBody>
-          <a:bodyPr wrap="square" rtlCol="0">
-            <a:spAutoFit/>
-          </a:bodyPr>
-          <a:lstStyle/>
-          <a:p>
-            <a:r>
-              <a:rPr lang="en-US" sz="2000" b="1" dirty="0" smtClean="0">
+          <a:p>
+            <a:pPr lvl="0"/>
+            <a:r>
+              <a:rPr lang="en-US" dirty="0" smtClean="0">
                 <a:latin typeface="Times New Roman" panose="02020603050405020304" pitchFamily="18" charset="0"/>
                 <a:cs typeface="Times New Roman" panose="02020603050405020304" pitchFamily="18" charset="0"/>
               </a:rPr>
-              <a:t>Limitation</a:t>
-            </a:r>
-          </a:p>
-          <a:p>
-            <a:endParaRPr lang="en-US" dirty="0" smtClean="0">
-              <a:latin typeface="Times New Roman" panose="02020603050405020304" pitchFamily="18" charset="0"/>
-              <a:cs typeface="Times New Roman" panose="02020603050405020304" pitchFamily="18" charset="0"/>
-            </a:endParaRPr>
-          </a:p>
-          <a:p>
+              <a:t>-</a:t>
+            </a:r>
             <a:r>
               <a:rPr lang="en-US" dirty="0">
                 <a:latin typeface="Times New Roman" panose="02020603050405020304" pitchFamily="18" charset="0"/>
                 <a:cs typeface="Times New Roman" panose="02020603050405020304" pitchFamily="18" charset="0"/>
               </a:rPr>
-              <a:t>The significant limitation of our system is the reliance on a single theatre for showing movies.</a:t>
+              <a:t>To allow customers to select seats of their choice</a:t>
             </a:r>
           </a:p>
         </p:txBody>
@@ -14377,7 +15544,7 @@
     </p:spTree>
     <p:extLst>
       <p:ext uri="{BB962C8B-B14F-4D97-AF65-F5344CB8AC3E}">
-        <p14:creationId xmlns:p14="http://schemas.microsoft.com/office/powerpoint/2010/main" val="4064428817"/>
+        <p14:creationId xmlns:p14="http://schemas.microsoft.com/office/powerpoint/2010/main" val="852504935"/>
       </p:ext>
     </p:extLst>
   </p:cSld>
@@ -14430,20 +15597,20 @@
               <a:rPr lang="en-US" smtClean="0"/>
               <a:t>5</a:t>
             </a:fld>
-            <a:endParaRPr lang="en-US"/>
+            <a:endParaRPr lang="en-US" dirty="0"/>
           </a:p>
         </p:txBody>
       </p:sp>
       <p:sp>
         <p:nvSpPr>
-          <p:cNvPr id="30" name="TextBox 29"/>
+          <p:cNvPr id="3" name="TextBox 2"/>
           <p:cNvSpPr txBox="1"/>
           <p:nvPr/>
         </p:nvSpPr>
         <p:spPr>
           <a:xfrm>
-            <a:off x="942802" y="579795"/>
-            <a:ext cx="7324898" cy="1200329"/>
+            <a:off x="877329" y="988540"/>
+            <a:ext cx="9057503" cy="4893647"/>
           </a:xfrm>
           <a:prstGeom prst="rect">
             <a:avLst/>
@@ -14461,14 +15628,8 @@
                 <a:latin typeface="Times New Roman" panose="02020603050405020304" pitchFamily="18" charset="0"/>
                 <a:cs typeface="Times New Roman" panose="02020603050405020304" pitchFamily="18" charset="0"/>
               </a:rPr>
-              <a:t>                             System Analysis</a:t>
-            </a:r>
-          </a:p>
-          <a:p>
-            <a:endParaRPr lang="en-US" sz="2400" b="1" dirty="0" smtClean="0">
-              <a:latin typeface="Times New Roman" panose="02020603050405020304" pitchFamily="18" charset="0"/>
-              <a:cs typeface="Times New Roman" panose="02020603050405020304" pitchFamily="18" charset="0"/>
-            </a:endParaRPr>
+              <a:t>     Functional Requirement</a:t>
+            </a:r>
           </a:p>
           <a:p>
             <a:endParaRPr lang="en-US" sz="2400" b="1" dirty="0">
@@ -14476,76 +15637,187 @@
               <a:cs typeface="Times New Roman" panose="02020603050405020304" pitchFamily="18" charset="0"/>
             </a:endParaRPr>
           </a:p>
-        </p:txBody>
-      </p:sp>
-      <p:sp>
-        <p:nvSpPr>
-          <p:cNvPr id="32" name="TextBox 31"/>
-          <p:cNvSpPr txBox="1"/>
-          <p:nvPr/>
-        </p:nvSpPr>
-        <p:spPr>
-          <a:xfrm>
-            <a:off x="3407675" y="5916147"/>
-            <a:ext cx="2395151" cy="307777"/>
-          </a:xfrm>
-          <a:prstGeom prst="rect">
-            <a:avLst/>
-          </a:prstGeom>
-          <a:noFill/>
-        </p:spPr>
-        <p:txBody>
-          <a:bodyPr wrap="square" rtlCol="0">
-            <a:spAutoFit/>
-          </a:bodyPr>
-          <a:lstStyle/>
-          <a:p>
-            <a:r>
-              <a:rPr lang="en-US" sz="1400" dirty="0" smtClean="0">
+          <a:p>
+            <a:pPr marL="285750" indent="-285750">
+              <a:buFont typeface="Arial" panose="020B0604020202020204" pitchFamily="34" charset="0"/>
+              <a:buChar char="•"/>
+            </a:pPr>
+            <a:r>
+              <a:rPr lang="en-US" dirty="0">
                 <a:latin typeface="Times New Roman" panose="02020603050405020304" pitchFamily="18" charset="0"/>
                 <a:cs typeface="Times New Roman" panose="02020603050405020304" pitchFamily="18" charset="0"/>
               </a:rPr>
-              <a:t>Fig : Iterative waterfall model</a:t>
-            </a:r>
-            <a:endParaRPr lang="en-US" sz="1400" dirty="0">
+              <a:t>Customers can </a:t>
+            </a:r>
+            <a:r>
+              <a:rPr lang="en-US" dirty="0" smtClean="0">
+                <a:latin typeface="Times New Roman" panose="02020603050405020304" pitchFamily="18" charset="0"/>
+                <a:cs typeface="Times New Roman" panose="02020603050405020304" pitchFamily="18" charset="0"/>
+              </a:rPr>
+              <a:t>log in </a:t>
+            </a:r>
+            <a:r>
+              <a:rPr lang="en-US" dirty="0">
+                <a:latin typeface="Times New Roman" panose="02020603050405020304" pitchFamily="18" charset="0"/>
+                <a:cs typeface="Times New Roman" panose="02020603050405020304" pitchFamily="18" charset="0"/>
+              </a:rPr>
+              <a:t>with valid credentials</a:t>
+            </a:r>
+            <a:r>
+              <a:rPr lang="en-US" dirty="0" smtClean="0">
+                <a:latin typeface="Times New Roman" panose="02020603050405020304" pitchFamily="18" charset="0"/>
+                <a:cs typeface="Times New Roman" panose="02020603050405020304" pitchFamily="18" charset="0"/>
+              </a:rPr>
+              <a:t>.</a:t>
+            </a:r>
+          </a:p>
+          <a:p>
+            <a:endParaRPr lang="en-US" dirty="0">
               <a:latin typeface="Times New Roman" panose="02020603050405020304" pitchFamily="18" charset="0"/>
               <a:cs typeface="Times New Roman" panose="02020603050405020304" pitchFamily="18" charset="0"/>
             </a:endParaRPr>
           </a:p>
+          <a:p>
+            <a:pPr marL="285750" indent="-285750">
+              <a:buFont typeface="Arial" panose="020B0604020202020204" pitchFamily="34" charset="0"/>
+              <a:buChar char="•"/>
+            </a:pPr>
+            <a:r>
+              <a:rPr lang="en-US" dirty="0">
+                <a:latin typeface="Times New Roman" panose="02020603050405020304" pitchFamily="18" charset="0"/>
+                <a:cs typeface="Times New Roman" panose="02020603050405020304" pitchFamily="18" charset="0"/>
+              </a:rPr>
+              <a:t>The system enables users to browse movies, pick a showtime, and book their preferred seat</a:t>
+            </a:r>
+            <a:r>
+              <a:rPr lang="en-US" dirty="0" smtClean="0">
+                <a:latin typeface="Times New Roman" panose="02020603050405020304" pitchFamily="18" charset="0"/>
+                <a:cs typeface="Times New Roman" panose="02020603050405020304" pitchFamily="18" charset="0"/>
+              </a:rPr>
+              <a:t>.</a:t>
+            </a:r>
+          </a:p>
+          <a:p>
+            <a:endParaRPr lang="en-US" dirty="0">
+              <a:latin typeface="Times New Roman" panose="02020603050405020304" pitchFamily="18" charset="0"/>
+              <a:cs typeface="Times New Roman" panose="02020603050405020304" pitchFamily="18" charset="0"/>
+            </a:endParaRPr>
+          </a:p>
+          <a:p>
+            <a:pPr marL="285750" indent="-285750">
+              <a:buFont typeface="Arial" panose="020B0604020202020204" pitchFamily="34" charset="0"/>
+              <a:buChar char="•"/>
+            </a:pPr>
+            <a:r>
+              <a:rPr lang="en-US" dirty="0">
+                <a:latin typeface="Times New Roman" panose="02020603050405020304" pitchFamily="18" charset="0"/>
+                <a:cs typeface="Times New Roman" panose="02020603050405020304" pitchFamily="18" charset="0"/>
+              </a:rPr>
+              <a:t>The system will maintain a record of all the bookings made by the users</a:t>
+            </a:r>
+            <a:r>
+              <a:rPr lang="en-US" dirty="0" smtClean="0">
+                <a:latin typeface="Times New Roman" panose="02020603050405020304" pitchFamily="18" charset="0"/>
+                <a:cs typeface="Times New Roman" panose="02020603050405020304" pitchFamily="18" charset="0"/>
+              </a:rPr>
+              <a:t>.</a:t>
+            </a:r>
+            <a:endParaRPr lang="en-US" dirty="0">
+              <a:latin typeface="Times New Roman" panose="02020603050405020304" pitchFamily="18" charset="0"/>
+              <a:cs typeface="Times New Roman" panose="02020603050405020304" pitchFamily="18" charset="0"/>
+            </a:endParaRPr>
+          </a:p>
+          <a:p>
+            <a:endParaRPr lang="en-US" dirty="0" smtClean="0">
+              <a:latin typeface="Times New Roman" panose="02020603050405020304" pitchFamily="18" charset="0"/>
+              <a:cs typeface="Times New Roman" panose="02020603050405020304" pitchFamily="18" charset="0"/>
+            </a:endParaRPr>
+          </a:p>
+          <a:p>
+            <a:endParaRPr lang="en-US" dirty="0">
+              <a:latin typeface="Times New Roman" panose="02020603050405020304" pitchFamily="18" charset="0"/>
+              <a:cs typeface="Times New Roman" panose="02020603050405020304" pitchFamily="18" charset="0"/>
+            </a:endParaRPr>
+          </a:p>
+          <a:p>
+            <a:r>
+              <a:rPr lang="en-US" b="1" dirty="0" smtClean="0">
+                <a:latin typeface="Times New Roman" panose="02020603050405020304" pitchFamily="18" charset="0"/>
+                <a:cs typeface="Times New Roman" panose="02020603050405020304" pitchFamily="18" charset="0"/>
+              </a:rPr>
+              <a:t>       </a:t>
+            </a:r>
+            <a:r>
+              <a:rPr lang="en-US" sz="2400" b="1" dirty="0" smtClean="0">
+                <a:latin typeface="Times New Roman" panose="02020603050405020304" pitchFamily="18" charset="0"/>
+                <a:cs typeface="Times New Roman" panose="02020603050405020304" pitchFamily="18" charset="0"/>
+              </a:rPr>
+              <a:t>Non Functional Requirement</a:t>
+            </a:r>
+          </a:p>
+          <a:p>
+            <a:endParaRPr lang="en-US" sz="2400" b="1" dirty="0">
+              <a:latin typeface="Times New Roman" panose="02020603050405020304" pitchFamily="18" charset="0"/>
+              <a:cs typeface="Times New Roman" panose="02020603050405020304" pitchFamily="18" charset="0"/>
+            </a:endParaRPr>
+          </a:p>
+          <a:p>
+            <a:pPr marL="285750" indent="-285750">
+              <a:buFont typeface="Arial" panose="020B0604020202020204" pitchFamily="34" charset="0"/>
+              <a:buChar char="•"/>
+            </a:pPr>
+            <a:r>
+              <a:rPr lang="en-US" dirty="0" smtClean="0">
+                <a:latin typeface="Times New Roman" panose="02020603050405020304" pitchFamily="18" charset="0"/>
+                <a:cs typeface="Times New Roman" panose="02020603050405020304" pitchFamily="18" charset="0"/>
+              </a:rPr>
+              <a:t>Security</a:t>
+            </a:r>
+          </a:p>
+          <a:p>
+            <a:endParaRPr lang="en-US" dirty="0" smtClean="0">
+              <a:latin typeface="Times New Roman" panose="02020603050405020304" pitchFamily="18" charset="0"/>
+              <a:cs typeface="Times New Roman" panose="02020603050405020304" pitchFamily="18" charset="0"/>
+            </a:endParaRPr>
+          </a:p>
+          <a:p>
+            <a:pPr marL="285750" indent="-285750">
+              <a:buFont typeface="Arial" panose="020B0604020202020204" pitchFamily="34" charset="0"/>
+              <a:buChar char="•"/>
+            </a:pPr>
+            <a:r>
+              <a:rPr lang="en-US" dirty="0" smtClean="0">
+                <a:latin typeface="Times New Roman" panose="02020603050405020304" pitchFamily="18" charset="0"/>
+                <a:cs typeface="Times New Roman" panose="02020603050405020304" pitchFamily="18" charset="0"/>
+              </a:rPr>
+              <a:t>Usability</a:t>
+            </a:r>
+          </a:p>
+          <a:p>
+            <a:endParaRPr lang="en-US" dirty="0" smtClean="0">
+              <a:latin typeface="Times New Roman" panose="02020603050405020304" pitchFamily="18" charset="0"/>
+              <a:cs typeface="Times New Roman" panose="02020603050405020304" pitchFamily="18" charset="0"/>
+            </a:endParaRPr>
+          </a:p>
+          <a:p>
+            <a:pPr marL="285750" indent="-285750">
+              <a:buFont typeface="Arial" panose="020B0604020202020204" pitchFamily="34" charset="0"/>
+              <a:buChar char="•"/>
+            </a:pPr>
+            <a:r>
+              <a:rPr lang="en-US" dirty="0" smtClean="0">
+                <a:latin typeface="Times New Roman" panose="02020603050405020304" pitchFamily="18" charset="0"/>
+                <a:cs typeface="Times New Roman" panose="02020603050405020304" pitchFamily="18" charset="0"/>
+              </a:rPr>
+              <a:t>Performance</a:t>
+            </a:r>
+          </a:p>
         </p:txBody>
       </p:sp>
-      <p:pic>
-        <p:nvPicPr>
-          <p:cNvPr id="6" name="Picture 5"/>
-          <p:cNvPicPr/>
-          <p:nvPr/>
-        </p:nvPicPr>
-        <p:blipFill>
-          <a:blip r:embed="rId2">
-            <a:extLst>
-              <a:ext uri="{28A0092B-C50C-407E-A947-70E740481C1C}">
-                <a14:useLocalDpi xmlns:a14="http://schemas.microsoft.com/office/drawing/2010/main" val="0"/>
-              </a:ext>
-            </a:extLst>
-          </a:blip>
-          <a:stretch>
-            <a:fillRect/>
-          </a:stretch>
-        </p:blipFill>
-        <p:spPr>
-          <a:xfrm>
-            <a:off x="1686096" y="1417253"/>
-            <a:ext cx="6346825" cy="3995006"/>
-          </a:xfrm>
-          <a:prstGeom prst="rect">
-            <a:avLst/>
-          </a:prstGeom>
-        </p:spPr>
-      </p:pic>
     </p:spTree>
     <p:extLst>
       <p:ext uri="{BB962C8B-B14F-4D97-AF65-F5344CB8AC3E}">
-        <p14:creationId xmlns:p14="http://schemas.microsoft.com/office/powerpoint/2010/main" val="3927302157"/>
+        <p14:creationId xmlns:p14="http://schemas.microsoft.com/office/powerpoint/2010/main" val="3529566750"/>
       </p:ext>
     </p:extLst>
   </p:cSld>
@@ -14598,7 +15870,7 @@
               <a:rPr lang="en-US" smtClean="0"/>
               <a:t>6</a:t>
             </a:fld>
-            <a:endParaRPr lang="en-US" dirty="0"/>
+            <a:endParaRPr lang="en-US"/>
           </a:p>
         </p:txBody>
       </p:sp>
@@ -14610,8 +15882,8 @@
         </p:nvSpPr>
         <p:spPr>
           <a:xfrm>
-            <a:off x="877329" y="988540"/>
-            <a:ext cx="9057503" cy="4893647"/>
+            <a:off x="518984" y="963049"/>
+            <a:ext cx="9057502" cy="5078313"/>
           </a:xfrm>
           <a:prstGeom prst="rect">
             <a:avLst/>
@@ -14629,7 +15901,44 @@
                 <a:latin typeface="Times New Roman" panose="02020603050405020304" pitchFamily="18" charset="0"/>
                 <a:cs typeface="Times New Roman" panose="02020603050405020304" pitchFamily="18" charset="0"/>
               </a:rPr>
-              <a:t>     Functional Requirement</a:t>
+              <a:t>                                                Feasibility Study</a:t>
+            </a:r>
+          </a:p>
+          <a:p>
+            <a:endParaRPr lang="en-US" sz="2400" b="1" dirty="0" smtClean="0">
+              <a:latin typeface="Times New Roman" panose="02020603050405020304" pitchFamily="18" charset="0"/>
+              <a:cs typeface="Times New Roman" panose="02020603050405020304" pitchFamily="18" charset="0"/>
+            </a:endParaRPr>
+          </a:p>
+          <a:p>
+            <a:r>
+              <a:rPr lang="en-US" b="1" u="sng" dirty="0" smtClean="0">
+                <a:latin typeface="Times New Roman" panose="02020603050405020304" pitchFamily="18" charset="0"/>
+                <a:cs typeface="Times New Roman" panose="02020603050405020304" pitchFamily="18" charset="0"/>
+              </a:rPr>
+              <a:t>Technical</a:t>
+            </a:r>
+          </a:p>
+          <a:p>
+            <a:endParaRPr lang="en-US" dirty="0">
+              <a:latin typeface="Times New Roman" panose="02020603050405020304" pitchFamily="18" charset="0"/>
+              <a:cs typeface="Times New Roman" panose="02020603050405020304" pitchFamily="18" charset="0"/>
+            </a:endParaRPr>
+          </a:p>
+          <a:p>
+            <a:r>
+              <a:rPr lang="en-US" dirty="0">
+                <a:latin typeface="Times New Roman" panose="02020603050405020304" pitchFamily="18" charset="0"/>
+                <a:cs typeface="Times New Roman" panose="02020603050405020304" pitchFamily="18" charset="0"/>
+              </a:rPr>
+              <a:t>The system was developed using HTML, PHP, CSS, and Javascript, which were all sufficient to meet the </a:t>
+            </a:r>
+            <a:r>
+              <a:rPr lang="en-US" dirty="0" smtClean="0">
+                <a:latin typeface="Times New Roman" panose="02020603050405020304" pitchFamily="18" charset="0"/>
+                <a:cs typeface="Times New Roman" panose="02020603050405020304" pitchFamily="18" charset="0"/>
+              </a:rPr>
+              <a:t>needs</a:t>
             </a:r>
           </a:p>
           <a:p>
@@ -14639,186 +15948,84 @@
             </a:endParaRPr>
           </a:p>
           <a:p>
-            <a:pPr marL="285750" indent="-285750">
-              <a:buFont typeface="Arial" panose="020B0604020202020204" pitchFamily="34" charset="0"/>
-              <a:buChar char="•"/>
-            </a:pPr>
-            <a:r>
-              <a:rPr lang="en-US" dirty="0">
+            <a:r>
+              <a:rPr lang="en-US" b="1" u="sng" dirty="0" smtClean="0">
                 <a:latin typeface="Times New Roman" panose="02020603050405020304" pitchFamily="18" charset="0"/>
                 <a:cs typeface="Times New Roman" panose="02020603050405020304" pitchFamily="18" charset="0"/>
               </a:rPr>
-              <a:t>Customers can </a:t>
-            </a:r>
+              <a:t>Economic</a:t>
+            </a:r>
+          </a:p>
+          <a:p>
+            <a:endParaRPr lang="en-US" dirty="0" smtClean="0">
+              <a:latin typeface="Times New Roman" panose="02020603050405020304" pitchFamily="18" charset="0"/>
+              <a:cs typeface="Times New Roman" panose="02020603050405020304" pitchFamily="18" charset="0"/>
+            </a:endParaRPr>
+          </a:p>
+          <a:p>
             <a:r>
               <a:rPr lang="en-US" dirty="0" smtClean="0">
                 <a:latin typeface="Times New Roman" panose="02020603050405020304" pitchFamily="18" charset="0"/>
                 <a:cs typeface="Times New Roman" panose="02020603050405020304" pitchFamily="18" charset="0"/>
               </a:rPr>
-              <a:t>log in </a:t>
-            </a:r>
-            <a:r>
-              <a:rPr lang="en-US" dirty="0">
+              <a:t>The system was created entirely from free resources; no outside purchases were necessary</a:t>
+            </a:r>
+          </a:p>
+          <a:p>
+            <a:endParaRPr lang="en-US" sz="2400" b="1" dirty="0" smtClean="0">
+              <a:latin typeface="Times New Roman" panose="02020603050405020304" pitchFamily="18" charset="0"/>
+              <a:cs typeface="Times New Roman" panose="02020603050405020304" pitchFamily="18" charset="0"/>
+            </a:endParaRPr>
+          </a:p>
+          <a:p>
+            <a:r>
+              <a:rPr lang="en-US" b="1" u="sng" dirty="0" smtClean="0">
                 <a:latin typeface="Times New Roman" panose="02020603050405020304" pitchFamily="18" charset="0"/>
                 <a:cs typeface="Times New Roman" panose="02020603050405020304" pitchFamily="18" charset="0"/>
               </a:rPr>
-              <a:t>with valid credentials</a:t>
-            </a:r>
+              <a:t>Operational</a:t>
+            </a:r>
+          </a:p>
+          <a:p>
+            <a:endParaRPr lang="en-US" dirty="0" smtClean="0">
+              <a:latin typeface="Times New Roman" panose="02020603050405020304" pitchFamily="18" charset="0"/>
+              <a:cs typeface="Times New Roman" panose="02020603050405020304" pitchFamily="18" charset="0"/>
+            </a:endParaRPr>
+          </a:p>
+          <a:p>
             <a:r>
               <a:rPr lang="en-US" dirty="0" smtClean="0">
                 <a:latin typeface="Times New Roman" panose="02020603050405020304" pitchFamily="18" charset="0"/>
                 <a:cs typeface="Times New Roman" panose="02020603050405020304" pitchFamily="18" charset="0"/>
               </a:rPr>
-              <a:t>.</a:t>
-            </a:r>
-          </a:p>
-          <a:p>
-            <a:endParaRPr lang="en-US" dirty="0">
+              <a:t>The system’s simple UI makes it easier to use. </a:t>
+            </a:r>
+          </a:p>
+          <a:p>
+            <a:endParaRPr lang="en-US" sz="2400" b="1" dirty="0">
               <a:latin typeface="Times New Roman" panose="02020603050405020304" pitchFamily="18" charset="0"/>
               <a:cs typeface="Times New Roman" panose="02020603050405020304" pitchFamily="18" charset="0"/>
             </a:endParaRPr>
           </a:p>
           <a:p>
-            <a:pPr marL="285750" indent="-285750">
-              <a:buFont typeface="Arial" panose="020B0604020202020204" pitchFamily="34" charset="0"/>
-              <a:buChar char="•"/>
-            </a:pPr>
-            <a:r>
-              <a:rPr lang="en-US" dirty="0">
-                <a:latin typeface="Times New Roman" panose="02020603050405020304" pitchFamily="18" charset="0"/>
-                <a:cs typeface="Times New Roman" panose="02020603050405020304" pitchFamily="18" charset="0"/>
-              </a:rPr>
-              <a:t>The system enables users to browse movies, pick a showtime, and book their preferred seat</a:t>
-            </a:r>
-            <a:r>
-              <a:rPr lang="en-US" dirty="0" smtClean="0">
-                <a:latin typeface="Times New Roman" panose="02020603050405020304" pitchFamily="18" charset="0"/>
-                <a:cs typeface="Times New Roman" panose="02020603050405020304" pitchFamily="18" charset="0"/>
-              </a:rPr>
-              <a:t>.</a:t>
-            </a:r>
-          </a:p>
-          <a:p>
-            <a:endParaRPr lang="en-US" dirty="0">
-              <a:latin typeface="Times New Roman" panose="02020603050405020304" pitchFamily="18" charset="0"/>
-              <a:cs typeface="Times New Roman" panose="02020603050405020304" pitchFamily="18" charset="0"/>
-            </a:endParaRPr>
-          </a:p>
-          <a:p>
-            <a:pPr marL="285750" indent="-285750">
-              <a:buFont typeface="Arial" panose="020B0604020202020204" pitchFamily="34" charset="0"/>
-              <a:buChar char="•"/>
-            </a:pPr>
-            <a:r>
-              <a:rPr lang="en-US" dirty="0">
-                <a:latin typeface="Times New Roman" panose="02020603050405020304" pitchFamily="18" charset="0"/>
-                <a:cs typeface="Times New Roman" panose="02020603050405020304" pitchFamily="18" charset="0"/>
-              </a:rPr>
-              <a:t>The system will maintain a record of all the bookings made by the users</a:t>
-            </a:r>
-            <a:r>
-              <a:rPr lang="en-US" dirty="0" smtClean="0">
-                <a:latin typeface="Times New Roman" panose="02020603050405020304" pitchFamily="18" charset="0"/>
-                <a:cs typeface="Times New Roman" panose="02020603050405020304" pitchFamily="18" charset="0"/>
-              </a:rPr>
-              <a:t>.</a:t>
-            </a:r>
-            <a:endParaRPr lang="en-US" dirty="0">
-              <a:latin typeface="Times New Roman" panose="02020603050405020304" pitchFamily="18" charset="0"/>
-              <a:cs typeface="Times New Roman" panose="02020603050405020304" pitchFamily="18" charset="0"/>
-            </a:endParaRPr>
-          </a:p>
-          <a:p>
-            <a:endParaRPr lang="en-US" dirty="0" smtClean="0">
-              <a:latin typeface="Times New Roman" panose="02020603050405020304" pitchFamily="18" charset="0"/>
-              <a:cs typeface="Times New Roman" panose="02020603050405020304" pitchFamily="18" charset="0"/>
-            </a:endParaRPr>
-          </a:p>
-          <a:p>
-            <a:endParaRPr lang="en-US" dirty="0">
-              <a:latin typeface="Times New Roman" panose="02020603050405020304" pitchFamily="18" charset="0"/>
-              <a:cs typeface="Times New Roman" panose="02020603050405020304" pitchFamily="18" charset="0"/>
-            </a:endParaRPr>
-          </a:p>
-          <a:p>
-            <a:r>
-              <a:rPr lang="en-US" b="1" dirty="0" smtClean="0">
-                <a:latin typeface="Times New Roman" panose="02020603050405020304" pitchFamily="18" charset="0"/>
-                <a:cs typeface="Times New Roman" panose="02020603050405020304" pitchFamily="18" charset="0"/>
-              </a:rPr>
-              <a:t>       </a:t>
-            </a:r>
             <a:r>
               <a:rPr lang="en-US" sz="2400" b="1" dirty="0" smtClean="0">
                 <a:latin typeface="Times New Roman" panose="02020603050405020304" pitchFamily="18" charset="0"/>
                 <a:cs typeface="Times New Roman" panose="02020603050405020304" pitchFamily="18" charset="0"/>
               </a:rPr>
-              <a:t>Non Functional Requirement</a:t>
-            </a:r>
-          </a:p>
-          <a:p>
+              <a:t>	</a:t>
+            </a:r>
             <a:endParaRPr lang="en-US" sz="2400" b="1" dirty="0">
               <a:latin typeface="Times New Roman" panose="02020603050405020304" pitchFamily="18" charset="0"/>
               <a:cs typeface="Times New Roman" panose="02020603050405020304" pitchFamily="18" charset="0"/>
             </a:endParaRPr>
-          </a:p>
-          <a:p>
-            <a:pPr marL="285750" indent="-285750">
-              <a:buFont typeface="Arial" panose="020B0604020202020204" pitchFamily="34" charset="0"/>
-              <a:buChar char="•"/>
-            </a:pPr>
-            <a:r>
-              <a:rPr lang="en-US" dirty="0" smtClean="0">
-                <a:latin typeface="Times New Roman" panose="02020603050405020304" pitchFamily="18" charset="0"/>
-                <a:cs typeface="Times New Roman" panose="02020603050405020304" pitchFamily="18" charset="0"/>
-              </a:rPr>
-              <a:t>Security</a:t>
-            </a:r>
-          </a:p>
-          <a:p>
-            <a:endParaRPr lang="en-US" dirty="0" smtClean="0">
-              <a:latin typeface="Times New Roman" panose="02020603050405020304" pitchFamily="18" charset="0"/>
-              <a:cs typeface="Times New Roman" panose="02020603050405020304" pitchFamily="18" charset="0"/>
-            </a:endParaRPr>
-          </a:p>
-          <a:p>
-            <a:pPr marL="285750" indent="-285750">
-              <a:buFont typeface="Arial" panose="020B0604020202020204" pitchFamily="34" charset="0"/>
-              <a:buChar char="•"/>
-            </a:pPr>
-            <a:r>
-              <a:rPr lang="en-US" dirty="0" smtClean="0">
-                <a:latin typeface="Times New Roman" panose="02020603050405020304" pitchFamily="18" charset="0"/>
-                <a:cs typeface="Times New Roman" panose="02020603050405020304" pitchFamily="18" charset="0"/>
-              </a:rPr>
-              <a:t>Usability</a:t>
-            </a:r>
-          </a:p>
-          <a:p>
-            <a:endParaRPr lang="en-US" dirty="0" smtClean="0">
-              <a:latin typeface="Times New Roman" panose="02020603050405020304" pitchFamily="18" charset="0"/>
-              <a:cs typeface="Times New Roman" panose="02020603050405020304" pitchFamily="18" charset="0"/>
-            </a:endParaRPr>
-          </a:p>
-          <a:p>
-            <a:pPr marL="285750" indent="-285750">
-              <a:buFont typeface="Arial" panose="020B0604020202020204" pitchFamily="34" charset="0"/>
-              <a:buChar char="•"/>
-            </a:pPr>
-            <a:r>
-              <a:rPr lang="en-US" dirty="0" smtClean="0">
-                <a:latin typeface="Times New Roman" panose="02020603050405020304" pitchFamily="18" charset="0"/>
-                <a:cs typeface="Times New Roman" panose="02020603050405020304" pitchFamily="18" charset="0"/>
-              </a:rPr>
-              <a:t>Performance</a:t>
-            </a:r>
           </a:p>
         </p:txBody>
       </p:sp>
     </p:spTree>
     <p:extLst>
       <p:ext uri="{BB962C8B-B14F-4D97-AF65-F5344CB8AC3E}">
-        <p14:creationId xmlns:p14="http://schemas.microsoft.com/office/powerpoint/2010/main" val="3529566750"/>
+        <p14:creationId xmlns:p14="http://schemas.microsoft.com/office/powerpoint/2010/main" val="3462574175"/>
       </p:ext>
     </p:extLst>
   </p:cSld>
@@ -14877,382 +16084,6 @@
       </p:sp>
       <p:sp>
         <p:nvSpPr>
-          <p:cNvPr id="4" name="TextBox 3"/>
-          <p:cNvSpPr txBox="1"/>
-          <p:nvPr/>
-        </p:nvSpPr>
-        <p:spPr>
-          <a:xfrm>
-            <a:off x="1504435" y="348822"/>
-            <a:ext cx="5867400" cy="369332"/>
-          </a:xfrm>
-          <a:prstGeom prst="rect">
-            <a:avLst/>
-          </a:prstGeom>
-          <a:noFill/>
-        </p:spPr>
-        <p:txBody>
-          <a:bodyPr wrap="square" rtlCol="0">
-            <a:spAutoFit/>
-          </a:bodyPr>
-          <a:lstStyle/>
-          <a:p>
-            <a:r>
-              <a:rPr lang="en-US" b="1" dirty="0" smtClean="0">
-                <a:latin typeface="Times New Roman" panose="02020603050405020304" pitchFamily="18" charset="0"/>
-                <a:cs typeface="Times New Roman" panose="02020603050405020304" pitchFamily="18" charset="0"/>
-              </a:rPr>
-              <a:t>                                          Use Case Diagram</a:t>
-            </a:r>
-            <a:endParaRPr lang="en-US" b="1" dirty="0">
-              <a:latin typeface="Times New Roman" panose="02020603050405020304" pitchFamily="18" charset="0"/>
-              <a:cs typeface="Times New Roman" panose="02020603050405020304" pitchFamily="18" charset="0"/>
-            </a:endParaRPr>
-          </a:p>
-        </p:txBody>
-      </p:sp>
-      <p:sp>
-        <p:nvSpPr>
-          <p:cNvPr id="7" name="Rectangle 6"/>
-          <p:cNvSpPr/>
-          <p:nvPr/>
-        </p:nvSpPr>
-        <p:spPr>
-          <a:xfrm>
-            <a:off x="4089100" y="6252598"/>
-            <a:ext cx="1912703" cy="307777"/>
-          </a:xfrm>
-          <a:prstGeom prst="rect">
-            <a:avLst/>
-          </a:prstGeom>
-        </p:spPr>
-        <p:txBody>
-          <a:bodyPr wrap="none">
-            <a:spAutoFit/>
-          </a:bodyPr>
-          <a:lstStyle/>
-          <a:p>
-            <a:r>
-              <a:rPr lang="en-US" sz="1400" dirty="0">
-                <a:latin typeface="Times New Roman" panose="02020603050405020304" pitchFamily="18" charset="0"/>
-                <a:cs typeface="Times New Roman" panose="02020603050405020304" pitchFamily="18" charset="0"/>
-              </a:rPr>
-              <a:t>Fig </a:t>
-            </a:r>
-            <a:r>
-              <a:rPr lang="en-US" sz="1400" dirty="0" smtClean="0">
-                <a:latin typeface="Times New Roman" panose="02020603050405020304" pitchFamily="18" charset="0"/>
-                <a:cs typeface="Times New Roman" panose="02020603050405020304" pitchFamily="18" charset="0"/>
-              </a:rPr>
-              <a:t>: Use Case Diagram</a:t>
-            </a:r>
-            <a:endParaRPr lang="en-US" sz="1400" dirty="0">
-              <a:latin typeface="Times New Roman" panose="02020603050405020304" pitchFamily="18" charset="0"/>
-              <a:cs typeface="Times New Roman" panose="02020603050405020304" pitchFamily="18" charset="0"/>
-            </a:endParaRPr>
-          </a:p>
-        </p:txBody>
-      </p:sp>
-      <p:pic>
-        <p:nvPicPr>
-          <p:cNvPr id="3" name="Picture 2"/>
-          <p:cNvPicPr>
-            <a:picLocks noChangeAspect="1"/>
-          </p:cNvPicPr>
-          <p:nvPr/>
-        </p:nvPicPr>
-        <p:blipFill>
-          <a:blip r:embed="rId2">
-            <a:extLst>
-              <a:ext uri="{28A0092B-C50C-407E-A947-70E740481C1C}">
-                <a14:useLocalDpi xmlns:a14="http://schemas.microsoft.com/office/drawing/2010/main" val="0"/>
-              </a:ext>
-            </a:extLst>
-          </a:blip>
-          <a:stretch>
-            <a:fillRect/>
-          </a:stretch>
-        </p:blipFill>
-        <p:spPr>
-          <a:xfrm>
-            <a:off x="1912079" y="1050325"/>
-            <a:ext cx="6206310" cy="4870102"/>
-          </a:xfrm>
-          <a:prstGeom prst="rect">
-            <a:avLst/>
-          </a:prstGeom>
-        </p:spPr>
-      </p:pic>
-    </p:spTree>
-    <p:extLst>
-      <p:ext uri="{BB962C8B-B14F-4D97-AF65-F5344CB8AC3E}">
-        <p14:creationId xmlns:p14="http://schemas.microsoft.com/office/powerpoint/2010/main" val="4182082794"/>
-      </p:ext>
-    </p:extLst>
-  </p:cSld>
-  <p:clrMapOvr>
-    <a:masterClrMapping/>
-  </p:clrMapOvr>
-  <p:timing>
-    <p:tnLst>
-      <p:par>
-        <p:cTn id="1" dur="indefinite" restart="never" nodeType="tmRoot"/>
-      </p:par>
-    </p:tnLst>
-  </p:timing>
-</p:sld>
-</file>
-
-<file path=ppt/slides/slide8.xml><?xml version="1.0" encoding="utf-8"?>
-<p:sld xmlns:a="http://schemas.openxmlformats.org/drawingml/2006/main" xmlns:r="http://schemas.openxmlformats.org/officeDocument/2006/relationships" xmlns:p="http://schemas.openxmlformats.org/presentationml/2006/main">
-  <p:cSld>
-    <p:spTree>
-      <p:nvGrpSpPr>
-        <p:cNvPr id="1" name=""/>
-        <p:cNvGrpSpPr/>
-        <p:nvPr/>
-      </p:nvGrpSpPr>
-      <p:grpSpPr>
-        <a:xfrm>
-          <a:off x="0" y="0"/>
-          <a:ext cx="0" cy="0"/>
-          <a:chOff x="0" y="0"/>
-          <a:chExt cx="0" cy="0"/>
-        </a:xfrm>
-      </p:grpSpPr>
-      <p:sp>
-        <p:nvSpPr>
-          <p:cNvPr id="2" name="Slide Number Placeholder 1"/>
-          <p:cNvSpPr>
-            <a:spLocks noGrp="1"/>
-          </p:cNvSpPr>
-          <p:nvPr>
-            <p:ph type="sldNum" sz="quarter" idx="12"/>
-          </p:nvPr>
-        </p:nvSpPr>
-        <p:spPr/>
-        <p:txBody>
-          <a:bodyPr/>
-          <a:lstStyle/>
-          <a:p>
-            <a:fld id="{65049433-76A0-465F-B9A5-46A311B0921A}" type="slidenum">
-              <a:rPr lang="en-US" smtClean="0"/>
-              <a:t>8</a:t>
-            </a:fld>
-            <a:endParaRPr lang="en-US"/>
-          </a:p>
-        </p:txBody>
-      </p:sp>
-      <p:sp>
-        <p:nvSpPr>
-          <p:cNvPr id="3" name="TextBox 2"/>
-          <p:cNvSpPr txBox="1"/>
-          <p:nvPr/>
-        </p:nvSpPr>
-        <p:spPr>
-          <a:xfrm>
-            <a:off x="333633" y="1482812"/>
-            <a:ext cx="9057502" cy="5078313"/>
-          </a:xfrm>
-          <a:prstGeom prst="rect">
-            <a:avLst/>
-          </a:prstGeom>
-          <a:noFill/>
-        </p:spPr>
-        <p:txBody>
-          <a:bodyPr wrap="square" rtlCol="0">
-            <a:spAutoFit/>
-          </a:bodyPr>
-          <a:lstStyle/>
-          <a:p>
-            <a:r>
-              <a:rPr lang="en-US" sz="2400" b="1" dirty="0" smtClean="0">
-                <a:latin typeface="Times New Roman" panose="02020603050405020304" pitchFamily="18" charset="0"/>
-                <a:cs typeface="Times New Roman" panose="02020603050405020304" pitchFamily="18" charset="0"/>
-              </a:rPr>
-              <a:t>                                                Feasibility Study</a:t>
-            </a:r>
-          </a:p>
-          <a:p>
-            <a:endParaRPr lang="en-US" sz="2400" b="1" dirty="0" smtClean="0">
-              <a:latin typeface="Times New Roman" panose="02020603050405020304" pitchFamily="18" charset="0"/>
-              <a:cs typeface="Times New Roman" panose="02020603050405020304" pitchFamily="18" charset="0"/>
-            </a:endParaRPr>
-          </a:p>
-          <a:p>
-            <a:r>
-              <a:rPr lang="en-US" b="1" u="sng" dirty="0" smtClean="0">
-                <a:latin typeface="Times New Roman" panose="02020603050405020304" pitchFamily="18" charset="0"/>
-                <a:cs typeface="Times New Roman" panose="02020603050405020304" pitchFamily="18" charset="0"/>
-              </a:rPr>
-              <a:t>Technical</a:t>
-            </a:r>
-          </a:p>
-          <a:p>
-            <a:endParaRPr lang="en-US" dirty="0">
-              <a:latin typeface="Times New Roman" panose="02020603050405020304" pitchFamily="18" charset="0"/>
-              <a:cs typeface="Times New Roman" panose="02020603050405020304" pitchFamily="18" charset="0"/>
-            </a:endParaRPr>
-          </a:p>
-          <a:p>
-            <a:r>
-              <a:rPr lang="en-US" dirty="0">
-                <a:latin typeface="Times New Roman" panose="02020603050405020304" pitchFamily="18" charset="0"/>
-                <a:cs typeface="Times New Roman" panose="02020603050405020304" pitchFamily="18" charset="0"/>
-              </a:rPr>
-              <a:t>The system was developed using HTML, PHP, CSS, and Javascript, which were all sufficient to meet the </a:t>
-            </a:r>
-            <a:r>
-              <a:rPr lang="en-US" dirty="0" smtClean="0">
-                <a:latin typeface="Times New Roman" panose="02020603050405020304" pitchFamily="18" charset="0"/>
-                <a:cs typeface="Times New Roman" panose="02020603050405020304" pitchFamily="18" charset="0"/>
-              </a:rPr>
-              <a:t>needs</a:t>
-            </a:r>
-          </a:p>
-          <a:p>
-            <a:endParaRPr lang="en-US" sz="2400" b="1" dirty="0">
-              <a:latin typeface="Times New Roman" panose="02020603050405020304" pitchFamily="18" charset="0"/>
-              <a:cs typeface="Times New Roman" panose="02020603050405020304" pitchFamily="18" charset="0"/>
-            </a:endParaRPr>
-          </a:p>
-          <a:p>
-            <a:r>
-              <a:rPr lang="en-US" b="1" u="sng" dirty="0" smtClean="0">
-                <a:latin typeface="Times New Roman" panose="02020603050405020304" pitchFamily="18" charset="0"/>
-                <a:cs typeface="Times New Roman" panose="02020603050405020304" pitchFamily="18" charset="0"/>
-              </a:rPr>
-              <a:t>Economic</a:t>
-            </a:r>
-          </a:p>
-          <a:p>
-            <a:endParaRPr lang="en-US" dirty="0" smtClean="0">
-              <a:latin typeface="Times New Roman" panose="02020603050405020304" pitchFamily="18" charset="0"/>
-              <a:cs typeface="Times New Roman" panose="02020603050405020304" pitchFamily="18" charset="0"/>
-            </a:endParaRPr>
-          </a:p>
-          <a:p>
-            <a:r>
-              <a:rPr lang="en-US" dirty="0" smtClean="0">
-                <a:latin typeface="Times New Roman" panose="02020603050405020304" pitchFamily="18" charset="0"/>
-                <a:cs typeface="Times New Roman" panose="02020603050405020304" pitchFamily="18" charset="0"/>
-              </a:rPr>
-              <a:t>The system was created entirely from free resources; no outside purchases were necessary</a:t>
-            </a:r>
-          </a:p>
-          <a:p>
-            <a:endParaRPr lang="en-US" sz="2400" b="1" dirty="0" smtClean="0">
-              <a:latin typeface="Times New Roman" panose="02020603050405020304" pitchFamily="18" charset="0"/>
-              <a:cs typeface="Times New Roman" panose="02020603050405020304" pitchFamily="18" charset="0"/>
-            </a:endParaRPr>
-          </a:p>
-          <a:p>
-            <a:r>
-              <a:rPr lang="en-US" b="1" u="sng" dirty="0" smtClean="0">
-                <a:latin typeface="Times New Roman" panose="02020603050405020304" pitchFamily="18" charset="0"/>
-                <a:cs typeface="Times New Roman" panose="02020603050405020304" pitchFamily="18" charset="0"/>
-              </a:rPr>
-              <a:t>Operational</a:t>
-            </a:r>
-          </a:p>
-          <a:p>
-            <a:endParaRPr lang="en-US" dirty="0" smtClean="0">
-              <a:latin typeface="Times New Roman" panose="02020603050405020304" pitchFamily="18" charset="0"/>
-              <a:cs typeface="Times New Roman" panose="02020603050405020304" pitchFamily="18" charset="0"/>
-            </a:endParaRPr>
-          </a:p>
-          <a:p>
-            <a:r>
-              <a:rPr lang="en-US" dirty="0" smtClean="0">
-                <a:latin typeface="Times New Roman" panose="02020603050405020304" pitchFamily="18" charset="0"/>
-                <a:cs typeface="Times New Roman" panose="02020603050405020304" pitchFamily="18" charset="0"/>
-              </a:rPr>
-              <a:t>The system’s simple UI makes it easier to use. </a:t>
-            </a:r>
-          </a:p>
-          <a:p>
-            <a:endParaRPr lang="en-US" sz="2400" b="1" dirty="0">
-              <a:latin typeface="Times New Roman" panose="02020603050405020304" pitchFamily="18" charset="0"/>
-              <a:cs typeface="Times New Roman" panose="02020603050405020304" pitchFamily="18" charset="0"/>
-            </a:endParaRPr>
-          </a:p>
-          <a:p>
-            <a:r>
-              <a:rPr lang="en-US" sz="2400" b="1" dirty="0" smtClean="0">
-                <a:latin typeface="Times New Roman" panose="02020603050405020304" pitchFamily="18" charset="0"/>
-                <a:cs typeface="Times New Roman" panose="02020603050405020304" pitchFamily="18" charset="0"/>
-              </a:rPr>
-              <a:t>	</a:t>
-            </a:r>
-            <a:endParaRPr lang="en-US" sz="2400" b="1" dirty="0">
-              <a:latin typeface="Times New Roman" panose="02020603050405020304" pitchFamily="18" charset="0"/>
-              <a:cs typeface="Times New Roman" panose="02020603050405020304" pitchFamily="18" charset="0"/>
-            </a:endParaRPr>
-          </a:p>
-        </p:txBody>
-      </p:sp>
-    </p:spTree>
-    <p:extLst>
-      <p:ext uri="{BB962C8B-B14F-4D97-AF65-F5344CB8AC3E}">
-        <p14:creationId xmlns:p14="http://schemas.microsoft.com/office/powerpoint/2010/main" val="3462574175"/>
-      </p:ext>
-    </p:extLst>
-  </p:cSld>
-  <p:clrMapOvr>
-    <a:masterClrMapping/>
-  </p:clrMapOvr>
-  <p:timing>
-    <p:tnLst>
-      <p:par>
-        <p:cTn id="1" dur="indefinite" restart="never" nodeType="tmRoot"/>
-      </p:par>
-    </p:tnLst>
-  </p:timing>
-</p:sld>
-</file>
-
-<file path=ppt/slides/slide9.xml><?xml version="1.0" encoding="utf-8"?>
-<p:sld xmlns:a="http://schemas.openxmlformats.org/drawingml/2006/main" xmlns:r="http://schemas.openxmlformats.org/officeDocument/2006/relationships" xmlns:p="http://schemas.openxmlformats.org/presentationml/2006/main">
-  <p:cSld>
-    <p:spTree>
-      <p:nvGrpSpPr>
-        <p:cNvPr id="1" name=""/>
-        <p:cNvGrpSpPr/>
-        <p:nvPr/>
-      </p:nvGrpSpPr>
-      <p:grpSpPr>
-        <a:xfrm>
-          <a:off x="0" y="0"/>
-          <a:ext cx="0" cy="0"/>
-          <a:chOff x="0" y="0"/>
-          <a:chExt cx="0" cy="0"/>
-        </a:xfrm>
-      </p:grpSpPr>
-      <p:sp>
-        <p:nvSpPr>
-          <p:cNvPr id="2" name="Slide Number Placeholder 1"/>
-          <p:cNvSpPr>
-            <a:spLocks noGrp="1"/>
-          </p:cNvSpPr>
-          <p:nvPr>
-            <p:ph type="sldNum" sz="quarter" idx="12"/>
-          </p:nvPr>
-        </p:nvSpPr>
-        <p:spPr/>
-        <p:txBody>
-          <a:bodyPr/>
-          <a:lstStyle/>
-          <a:p>
-            <a:fld id="{65049433-76A0-465F-B9A5-46A311B0921A}" type="slidenum">
-              <a:rPr lang="en-US" smtClean="0"/>
-              <a:t>9</a:t>
-            </a:fld>
-            <a:endParaRPr lang="en-US"/>
-          </a:p>
-        </p:txBody>
-      </p:sp>
-      <p:sp>
-        <p:nvSpPr>
           <p:cNvPr id="3" name="Rectangle 2"/>
           <p:cNvSpPr/>
           <p:nvPr/>
@@ -15303,14 +16134,14 @@
           <p:nvPr>
             <p:extLst>
               <p:ext uri="{D42A27DB-BD31-4B8C-83A1-F6EECF244321}">
-                <p14:modId xmlns:p14="http://schemas.microsoft.com/office/powerpoint/2010/main" val="220456569"/>
+                <p14:modId xmlns:p14="http://schemas.microsoft.com/office/powerpoint/2010/main" val="708837490"/>
               </p:ext>
             </p:extLst>
           </p:nvPr>
         </p:nvGraphicFramePr>
         <p:xfrm>
-          <a:off x="2021057" y="1130301"/>
-          <a:ext cx="6096000" cy="4432297"/>
+          <a:off x="2021056" y="1130301"/>
+          <a:ext cx="6894343" cy="4432297"/>
         </p:xfrm>
         <a:graphic>
           <a:graphicData uri="http://schemas.openxmlformats.org/drawingml/2006/table">
@@ -15319,70 +16150,70 @@
                 <a:tableStyleId>{5C22544A-7EE6-4342-B048-85BDC9FD1C3A}</a:tableStyleId>
               </a:tblPr>
               <a:tblGrid>
-                <a:gridCol w="1273688">
+                <a:gridCol w="1440492">
                   <a:extLst>
                     <a:ext uri="{9D8B030D-6E8A-4147-A177-3AD203B41FA5}">
                       <a16:colId xmlns:a16="http://schemas.microsoft.com/office/drawing/2014/main" val="3402699824"/>
                     </a:ext>
                   </a:extLst>
                 </a:gridCol>
-                <a:gridCol w="535279">
+                <a:gridCol w="605380">
                   <a:extLst>
                     <a:ext uri="{9D8B030D-6E8A-4147-A177-3AD203B41FA5}">
                       <a16:colId xmlns:a16="http://schemas.microsoft.com/office/drawing/2014/main" val="920859455"/>
                     </a:ext>
                   </a:extLst>
                 </a:gridCol>
-                <a:gridCol w="535279">
+                <a:gridCol w="605380">
                   <a:extLst>
                     <a:ext uri="{9D8B030D-6E8A-4147-A177-3AD203B41FA5}">
                       <a16:colId xmlns:a16="http://schemas.microsoft.com/office/drawing/2014/main" val="1270128991"/>
                     </a:ext>
                   </a:extLst>
                 </a:gridCol>
-                <a:gridCol w="535279">
+                <a:gridCol w="605380">
                   <a:extLst>
                     <a:ext uri="{9D8B030D-6E8A-4147-A177-3AD203B41FA5}">
                       <a16:colId xmlns:a16="http://schemas.microsoft.com/office/drawing/2014/main" val="169332410"/>
                     </a:ext>
                   </a:extLst>
                 </a:gridCol>
-                <a:gridCol w="535279">
+                <a:gridCol w="605380">
                   <a:extLst>
                     <a:ext uri="{9D8B030D-6E8A-4147-A177-3AD203B41FA5}">
                       <a16:colId xmlns:a16="http://schemas.microsoft.com/office/drawing/2014/main" val="1024784913"/>
                     </a:ext>
                   </a:extLst>
                 </a:gridCol>
-                <a:gridCol w="535279">
+                <a:gridCol w="605380">
                   <a:extLst>
                     <a:ext uri="{9D8B030D-6E8A-4147-A177-3AD203B41FA5}">
                       <a16:colId xmlns:a16="http://schemas.microsoft.com/office/drawing/2014/main" val="3833796144"/>
                     </a:ext>
                   </a:extLst>
                 </a:gridCol>
-                <a:gridCol w="535964">
+                <a:gridCol w="606155">
                   <a:extLst>
                     <a:ext uri="{9D8B030D-6E8A-4147-A177-3AD203B41FA5}">
                       <a16:colId xmlns:a16="http://schemas.microsoft.com/office/drawing/2014/main" val="350380063"/>
                     </a:ext>
                   </a:extLst>
                 </a:gridCol>
-                <a:gridCol w="536651">
+                <a:gridCol w="606932">
                   <a:extLst>
                     <a:ext uri="{9D8B030D-6E8A-4147-A177-3AD203B41FA5}">
                       <a16:colId xmlns:a16="http://schemas.microsoft.com/office/drawing/2014/main" val="2259439616"/>
                     </a:ext>
                   </a:extLst>
                 </a:gridCol>
-                <a:gridCol w="536651">
+                <a:gridCol w="606932">
                   <a:extLst>
                     <a:ext uri="{9D8B030D-6E8A-4147-A177-3AD203B41FA5}">
                       <a16:colId xmlns:a16="http://schemas.microsoft.com/office/drawing/2014/main" val="2010552988"/>
                     </a:ext>
                   </a:extLst>
                 </a:gridCol>
-                <a:gridCol w="536651">
+                <a:gridCol w="606932">
                   <a:extLst>
                     <a:ext uri="{9D8B030D-6E8A-4147-A177-3AD203B41FA5}">
                       <a16:colId xmlns:a16="http://schemas.microsoft.com/office/drawing/2014/main" val="816671326"/>
@@ -17264,12 +18095,12 @@
                         </a:spcAft>
                       </a:pPr>
                       <a:r>
-                        <a:rPr lang="en-US" sz="700">
+                        <a:rPr lang="en-US" sz="700" dirty="0">
                           <a:effectLst/>
                         </a:rPr>
                         <a:t> </a:t>
                       </a:r>
-                      <a:endParaRPr lang="en-US" sz="700">
+                      <a:endParaRPr lang="en-US" sz="700" dirty="0">
                         <a:effectLst/>
                         <a:latin typeface="Calibri" panose="020F0502020204030204" pitchFamily="34" charset="0"/>
                         <a:ea typeface="Calibri" panose="020F0502020204030204" pitchFamily="34" charset="0"/>
@@ -18275,38 +19106,6 @@
                         </a:spcAft>
                       </a:pPr>
                       <a:r>
-                        <a:rPr lang="en-US" sz="700">
-                          <a:effectLst/>
-                        </a:rPr>
-                        <a:t> </a:t>
-                      </a:r>
-                      <a:endParaRPr lang="en-US" sz="700">
-                        <a:effectLst/>
-                        <a:latin typeface="Calibri" panose="020F0502020204030204" pitchFamily="34" charset="0"/>
-                        <a:ea typeface="Calibri" panose="020F0502020204030204" pitchFamily="34" charset="0"/>
-                        <a:cs typeface="Times New Roman" panose="02020603050405020304" pitchFamily="18" charset="0"/>
-                      </a:endParaRPr>
-                    </a:p>
-                  </a:txBody>
-                  <a:tcPr marL="41587" marR="41587" marT="0" marB="0"/>
-                </a:tc>
-                <a:tc>
-                  <a:txBody>
-                    <a:bodyPr/>
-                    <a:lstStyle/>
-                    <a:p>
-                      <a:pPr marL="0" marR="0">
-                        <a:lnSpc>
-                          <a:spcPct val="150000"/>
-                        </a:lnSpc>
-                        <a:spcBef>
-                          <a:spcPts val="0"/>
-                        </a:spcBef>
-                        <a:spcAft>
-                          <a:spcPts val="0"/>
-                        </a:spcAft>
-                      </a:pPr>
-                      <a:r>
                         <a:rPr lang="en-US" sz="700" dirty="0">
                           <a:effectLst/>
                         </a:rPr>
@@ -18343,38 +19142,6 @@
                         </a:spcAft>
                       </a:pPr>
                       <a:r>
-                        <a:rPr lang="en-US" sz="700">
-                          <a:effectLst/>
-                        </a:rPr>
-                        <a:t> </a:t>
-                      </a:r>
-                      <a:endParaRPr lang="en-US" sz="700">
-                        <a:effectLst/>
-                        <a:latin typeface="Calibri" panose="020F0502020204030204" pitchFamily="34" charset="0"/>
-                        <a:ea typeface="Calibri" panose="020F0502020204030204" pitchFamily="34" charset="0"/>
-                        <a:cs typeface="Times New Roman" panose="02020603050405020304" pitchFamily="18" charset="0"/>
-                      </a:endParaRPr>
-                    </a:p>
-                  </a:txBody>
-                  <a:tcPr marL="41587" marR="41587" marT="0" marB="0"/>
-                </a:tc>
-                <a:tc>
-                  <a:txBody>
-                    <a:bodyPr/>
-                    <a:lstStyle/>
-                    <a:p>
-                      <a:pPr marL="0" marR="0">
-                        <a:lnSpc>
-                          <a:spcPct val="150000"/>
-                        </a:lnSpc>
-                        <a:spcBef>
-                          <a:spcPts val="0"/>
-                        </a:spcBef>
-                        <a:spcAft>
-                          <a:spcPts val="0"/>
-                        </a:spcAft>
-                      </a:pPr>
-                      <a:r>
                         <a:rPr lang="en-US" sz="700" dirty="0">
                           <a:effectLst/>
                         </a:rPr>
@@ -18447,12 +19214,12 @@
                         </a:spcAft>
                       </a:pPr>
                       <a:r>
-                        <a:rPr lang="en-US" sz="700">
+                        <a:rPr lang="en-US" sz="700" dirty="0">
                           <a:effectLst/>
                         </a:rPr>
                         <a:t> </a:t>
                       </a:r>
-                      <a:endParaRPr lang="en-US" sz="700">
+                      <a:endParaRPr lang="en-US" sz="700" dirty="0">
                         <a:effectLst/>
                         <a:latin typeface="Calibri" panose="020F0502020204030204" pitchFamily="34" charset="0"/>
                         <a:ea typeface="Calibri" panose="020F0502020204030204" pitchFamily="34" charset="0"/>
@@ -18460,7 +19227,11 @@
                       </a:endParaRPr>
                     </a:p>
                   </a:txBody>
-                  <a:tcPr marL="41587" marR="41587" marT="0" marB="0"/>
+                  <a:tcPr marL="41587" marR="41587" marT="0" marB="0">
+                    <a:solidFill>
+                      <a:schemeClr val="accent1"/>
+                    </a:solidFill>
+                  </a:tcPr>
                 </a:tc>
                 <a:tc>
                   <a:txBody>
@@ -18479,12 +19250,12 @@
                         </a:spcAft>
                       </a:pPr>
                       <a:r>
-                        <a:rPr lang="en-US" sz="700">
+                        <a:rPr lang="en-US" sz="700" dirty="0">
                           <a:effectLst/>
                         </a:rPr>
                         <a:t> </a:t>
                       </a:r>
-                      <a:endParaRPr lang="en-US" sz="700">
+                      <a:endParaRPr lang="en-US" sz="700" dirty="0">
                         <a:effectLst/>
                         <a:latin typeface="Calibri" panose="020F0502020204030204" pitchFamily="34" charset="0"/>
                         <a:ea typeface="Calibri" panose="020F0502020204030204" pitchFamily="34" charset="0"/>
@@ -18492,7 +19263,83 @@
                       </a:endParaRPr>
                     </a:p>
                   </a:txBody>
-                  <a:tcPr marL="41587" marR="41587" marT="0" marB="0"/>
+                  <a:tcPr marL="41587" marR="41587" marT="0" marB="0">
+                    <a:solidFill>
+                      <a:schemeClr val="accent1"/>
+                    </a:solidFill>
+                  </a:tcPr>
+                </a:tc>
+                <a:tc>
+                  <a:txBody>
+                    <a:bodyPr/>
+                    <a:lstStyle/>
+                    <a:p>
+                      <a:pPr marL="0" marR="0">
+                        <a:lnSpc>
+                          <a:spcPct val="150000"/>
+                        </a:lnSpc>
+                        <a:spcBef>
+                          <a:spcPts val="0"/>
+                        </a:spcBef>
+                        <a:spcAft>
+                          <a:spcPts val="0"/>
+                        </a:spcAft>
+                      </a:pPr>
+                      <a:r>
+                        <a:rPr lang="en-US" sz="700" dirty="0">
+                          <a:effectLst/>
+                        </a:rPr>
+                        <a:t> </a:t>
+                      </a:r>
+                      <a:endParaRPr lang="en-US" sz="700" dirty="0">
+                        <a:effectLst/>
+                        <a:latin typeface="Calibri" panose="020F0502020204030204" pitchFamily="34" charset="0"/>
+                        <a:ea typeface="Calibri" panose="020F0502020204030204" pitchFamily="34" charset="0"/>
+                        <a:cs typeface="Times New Roman" panose="02020603050405020304" pitchFamily="18" charset="0"/>
+                      </a:endParaRPr>
+                    </a:p>
+                  </a:txBody>
+                  <a:tcPr marL="41587" marR="41587" marT="0" marB="0">
+                    <a:solidFill>
+                      <a:schemeClr val="accent1"/>
+                    </a:solidFill>
+                  </a:tcPr>
+                </a:tc>
+                <a:tc>
+                  <a:txBody>
+                    <a:bodyPr/>
+                    <a:lstStyle/>
+                    <a:p>
+                      <a:pPr marL="0" marR="0">
+                        <a:lnSpc>
+                          <a:spcPct val="150000"/>
+                        </a:lnSpc>
+                        <a:spcBef>
+                          <a:spcPts val="0"/>
+                        </a:spcBef>
+                        <a:spcAft>
+                          <a:spcPts val="0"/>
+                        </a:spcAft>
+                      </a:pPr>
+                      <a:r>
+                        <a:rPr lang="en-US" sz="700" dirty="0">
+                          <a:effectLst/>
+                        </a:rPr>
+                        <a:t> </a:t>
+                      </a:r>
+                      <a:endParaRPr lang="en-US" sz="700" dirty="0">
+                        <a:effectLst/>
+                        <a:latin typeface="Calibri" panose="020F0502020204030204" pitchFamily="34" charset="0"/>
+                        <a:ea typeface="Calibri" panose="020F0502020204030204" pitchFamily="34" charset="0"/>
+                        <a:cs typeface="Times New Roman" panose="02020603050405020304" pitchFamily="18" charset="0"/>
+                      </a:endParaRPr>
+                    </a:p>
+                  </a:txBody>
+                  <a:tcPr marL="41587" marR="41587" marT="0" marB="0">
+                    <a:solidFill>
+                      <a:schemeClr val="accent1"/>
+                    </a:solidFill>
+                  </a:tcPr>
                 </a:tc>
                 <a:tc>
                   <a:txBody>
@@ -18649,6 +19496,470 @@
   <p:clrMapOvr>
     <a:masterClrMapping/>
   </p:clrMapOvr>
+  <p:timing>
+    <p:tnLst>
+      <p:par>
+        <p:cTn id="1" dur="indefinite" restart="never" nodeType="tmRoot"/>
+      </p:par>
+    </p:tnLst>
+  </p:timing>
+</p:sld>
+</file>
+
+<file path=ppt/slides/slide8.xml><?xml version="1.0" encoding="utf-8"?>
+<p:sld xmlns:a="http://schemas.openxmlformats.org/drawingml/2006/main" xmlns:r="http://schemas.openxmlformats.org/officeDocument/2006/relationships" xmlns:p="http://schemas.openxmlformats.org/presentationml/2006/main">
+  <p:cSld>
+    <p:spTree>
+      <p:nvGrpSpPr>
+        <p:cNvPr id="1" name=""/>
+        <p:cNvGrpSpPr/>
+        <p:nvPr/>
+      </p:nvGrpSpPr>
+      <p:grpSpPr>
+        <a:xfrm>
+          <a:off x="0" y="0"/>
+          <a:ext cx="0" cy="0"/>
+          <a:chOff x="0" y="0"/>
+          <a:chExt cx="0" cy="0"/>
+        </a:xfrm>
+      </p:grpSpPr>
+      <p:sp>
+        <p:nvSpPr>
+          <p:cNvPr id="2" name="Slide Number Placeholder 1"/>
+          <p:cNvSpPr>
+            <a:spLocks noGrp="1"/>
+          </p:cNvSpPr>
+          <p:nvPr>
+            <p:ph type="sldNum" sz="quarter" idx="12"/>
+          </p:nvPr>
+        </p:nvSpPr>
+        <p:spPr/>
+        <p:txBody>
+          <a:bodyPr/>
+          <a:lstStyle/>
+          <a:p>
+            <a:fld id="{65049433-76A0-465F-B9A5-46A311B0921A}" type="slidenum">
+              <a:rPr lang="en-US" smtClean="0"/>
+              <a:t>8</a:t>
+            </a:fld>
+            <a:endParaRPr lang="en-US"/>
+          </a:p>
+        </p:txBody>
+      </p:sp>
+      <p:sp>
+        <p:nvSpPr>
+          <p:cNvPr id="3" name="TextBox 2"/>
+          <p:cNvSpPr txBox="1"/>
+          <p:nvPr/>
+        </p:nvSpPr>
+        <p:spPr>
+          <a:xfrm>
+            <a:off x="2306595" y="76001"/>
+            <a:ext cx="3216875" cy="830997"/>
+          </a:xfrm>
+          <a:prstGeom prst="rect">
+            <a:avLst/>
+          </a:prstGeom>
+          <a:noFill/>
+        </p:spPr>
+        <p:txBody>
+          <a:bodyPr wrap="square" rtlCol="0">
+            <a:spAutoFit/>
+          </a:bodyPr>
+          <a:lstStyle/>
+          <a:p>
+            <a:r>
+              <a:rPr lang="en-US" sz="2400" b="1" dirty="0" smtClean="0">
+                <a:latin typeface="Times New Roman" panose="02020603050405020304" pitchFamily="18" charset="0"/>
+                <a:cs typeface="Times New Roman" panose="02020603050405020304" pitchFamily="18" charset="0"/>
+              </a:rPr>
+              <a:t>Data Modeling</a:t>
+            </a:r>
+          </a:p>
+          <a:p>
+            <a:r>
+              <a:rPr lang="en-US" sz="2400" b="1" dirty="0" smtClean="0">
+                <a:latin typeface="Times New Roman" panose="02020603050405020304" pitchFamily="18" charset="0"/>
+                <a:cs typeface="Times New Roman" panose="02020603050405020304" pitchFamily="18" charset="0"/>
+              </a:rPr>
+              <a:t> </a:t>
+            </a:r>
+            <a:endParaRPr lang="en-US" sz="2400" b="1" dirty="0">
+              <a:latin typeface="Times New Roman" panose="02020603050405020304" pitchFamily="18" charset="0"/>
+              <a:cs typeface="Times New Roman" panose="02020603050405020304" pitchFamily="18" charset="0"/>
+            </a:endParaRPr>
+          </a:p>
+        </p:txBody>
+      </p:sp>
+      <p:sp>
+        <p:nvSpPr>
+          <p:cNvPr id="5" name="TextBox 4"/>
+          <p:cNvSpPr txBox="1"/>
+          <p:nvPr/>
+        </p:nvSpPr>
+        <p:spPr>
+          <a:xfrm>
+            <a:off x="3072714" y="6269470"/>
+            <a:ext cx="3744098" cy="307777"/>
+          </a:xfrm>
+          <a:prstGeom prst="rect">
+            <a:avLst/>
+          </a:prstGeom>
+          <a:noFill/>
+        </p:spPr>
+        <p:txBody>
+          <a:bodyPr wrap="square" rtlCol="0">
+            <a:spAutoFit/>
+          </a:bodyPr>
+          <a:lstStyle/>
+          <a:p>
+            <a:r>
+              <a:rPr lang="en-US" sz="1400" dirty="0" smtClean="0">
+                <a:latin typeface="Times New Roman" panose="02020603050405020304" pitchFamily="18" charset="0"/>
+                <a:cs typeface="Times New Roman" panose="02020603050405020304" pitchFamily="18" charset="0"/>
+              </a:rPr>
+              <a:t>       Fig :ER diagram</a:t>
+            </a:r>
+            <a:endParaRPr lang="en-US" sz="1400" dirty="0">
+              <a:latin typeface="Times New Roman" panose="02020603050405020304" pitchFamily="18" charset="0"/>
+              <a:cs typeface="Times New Roman" panose="02020603050405020304" pitchFamily="18" charset="0"/>
+            </a:endParaRPr>
+          </a:p>
+        </p:txBody>
+      </p:sp>
+      <p:pic>
+        <p:nvPicPr>
+          <p:cNvPr id="4" name="Picture 3"/>
+          <p:cNvPicPr>
+            <a:picLocks noChangeAspect="1"/>
+          </p:cNvPicPr>
+          <p:nvPr/>
+        </p:nvPicPr>
+        <p:blipFill>
+          <a:blip r:embed="rId2">
+            <a:extLst>
+              <a:ext uri="{28A0092B-C50C-407E-A947-70E740481C1C}">
+                <a14:useLocalDpi xmlns:a14="http://schemas.microsoft.com/office/drawing/2010/main" val="0"/>
+              </a:ext>
+            </a:extLst>
+          </a:blip>
+          <a:stretch>
+            <a:fillRect/>
+          </a:stretch>
+        </p:blipFill>
+        <p:spPr>
+          <a:xfrm>
+            <a:off x="784910" y="743749"/>
+            <a:ext cx="8489092" cy="5480175"/>
+          </a:xfrm>
+          <a:prstGeom prst="rect">
+            <a:avLst/>
+          </a:prstGeom>
+        </p:spPr>
+      </p:pic>
+    </p:spTree>
+    <p:extLst>
+      <p:ext uri="{BB962C8B-B14F-4D97-AF65-F5344CB8AC3E}">
+        <p14:creationId xmlns:p14="http://schemas.microsoft.com/office/powerpoint/2010/main" val="715370893"/>
+      </p:ext>
+    </p:extLst>
+  </p:cSld>
+  <p:clrMapOvr>
+    <a:masterClrMapping/>
+  </p:clrMapOvr>
+  <p:timing>
+    <p:tnLst>
+      <p:par>
+        <p:cTn id="1" dur="indefinite" restart="never" nodeType="tmRoot"/>
+      </p:par>
+    </p:tnLst>
+  </p:timing>
+</p:sld>
+</file>
+
+<file path=ppt/slides/slide9.xml><?xml version="1.0" encoding="utf-8"?>
+<p:sld xmlns:a="http://schemas.openxmlformats.org/drawingml/2006/main" xmlns:r="http://schemas.openxmlformats.org/officeDocument/2006/relationships" xmlns:p="http://schemas.openxmlformats.org/presentationml/2006/main">
+  <p:cSld>
+    <p:spTree>
+      <p:nvGrpSpPr>
+        <p:cNvPr id="1" name=""/>
+        <p:cNvGrpSpPr/>
+        <p:nvPr/>
+      </p:nvGrpSpPr>
+      <p:grpSpPr>
+        <a:xfrm>
+          <a:off x="0" y="0"/>
+          <a:ext cx="0" cy="0"/>
+          <a:chOff x="0" y="0"/>
+          <a:chExt cx="0" cy="0"/>
+        </a:xfrm>
+      </p:grpSpPr>
+      <p:sp>
+        <p:nvSpPr>
+          <p:cNvPr id="2" name="Slide Number Placeholder 1"/>
+          <p:cNvSpPr>
+            <a:spLocks noGrp="1"/>
+          </p:cNvSpPr>
+          <p:nvPr>
+            <p:ph type="sldNum" sz="quarter" idx="12"/>
+          </p:nvPr>
+        </p:nvSpPr>
+        <p:spPr/>
+        <p:txBody>
+          <a:bodyPr/>
+          <a:lstStyle/>
+          <a:p>
+            <a:fld id="{65049433-76A0-465F-B9A5-46A311B0921A}" type="slidenum">
+              <a:rPr lang="en-US" smtClean="0"/>
+              <a:t>9</a:t>
+            </a:fld>
+            <a:endParaRPr lang="en-US"/>
+          </a:p>
+        </p:txBody>
+      </p:sp>
+      <p:sp>
+        <p:nvSpPr>
+          <p:cNvPr id="3" name="Rectangle 2"/>
+          <p:cNvSpPr/>
+          <p:nvPr/>
+        </p:nvSpPr>
+        <p:spPr>
+          <a:xfrm>
+            <a:off x="827903" y="1005962"/>
+            <a:ext cx="7886328" cy="3927037"/>
+          </a:xfrm>
+          <a:prstGeom prst="rect">
+            <a:avLst/>
+          </a:prstGeom>
+        </p:spPr>
+        <p:txBody>
+          <a:bodyPr wrap="square">
+            <a:spAutoFit/>
+          </a:bodyPr>
+          <a:lstStyle/>
+          <a:p>
+            <a:pPr algn="ctr">
+              <a:lnSpc>
+                <a:spcPct val="107000"/>
+              </a:lnSpc>
+              <a:spcAft>
+                <a:spcPts val="800"/>
+              </a:spcAft>
+            </a:pPr>
+            <a:r>
+              <a:rPr lang="en-US" b="1" dirty="0" smtClean="0">
+                <a:latin typeface="Times New Roman" panose="02020603050405020304" pitchFamily="18" charset="0"/>
+                <a:ea typeface="Calibri" panose="020F0502020204030204" pitchFamily="34" charset="0"/>
+                <a:cs typeface="Times New Roman" panose="02020603050405020304" pitchFamily="18" charset="0"/>
+              </a:rPr>
+              <a:t>Relations</a:t>
+            </a:r>
+          </a:p>
+          <a:p>
+            <a:pPr algn="ctr">
+              <a:lnSpc>
+                <a:spcPct val="107000"/>
+              </a:lnSpc>
+              <a:spcAft>
+                <a:spcPts val="800"/>
+              </a:spcAft>
+            </a:pPr>
+            <a:endParaRPr lang="en-US" sz="1600" dirty="0">
+              <a:latin typeface="Calibri" panose="020F0502020204030204" pitchFamily="34" charset="0"/>
+              <a:ea typeface="Calibri" panose="020F0502020204030204" pitchFamily="34" charset="0"/>
+              <a:cs typeface="Times New Roman" panose="02020603050405020304" pitchFamily="18" charset="0"/>
+            </a:endParaRPr>
+          </a:p>
+          <a:p>
+            <a:pPr>
+              <a:lnSpc>
+                <a:spcPct val="107000"/>
+              </a:lnSpc>
+              <a:spcAft>
+                <a:spcPts val="800"/>
+              </a:spcAft>
+            </a:pPr>
+            <a:r>
+              <a:rPr lang="en-US" dirty="0">
+                <a:latin typeface="Times New Roman" panose="02020603050405020304" pitchFamily="18" charset="0"/>
+                <a:ea typeface="Calibri" panose="020F0502020204030204" pitchFamily="34" charset="0"/>
+                <a:cs typeface="Times New Roman" panose="02020603050405020304" pitchFamily="18" charset="0"/>
+              </a:rPr>
+              <a:t>bookings[id(pk), userID(fk), movieID(fk)]</a:t>
+            </a:r>
+            <a:endParaRPr lang="en-US" sz="1600" dirty="0">
+              <a:latin typeface="Calibri" panose="020F0502020204030204" pitchFamily="34" charset="0"/>
+              <a:ea typeface="Calibri" panose="020F0502020204030204" pitchFamily="34" charset="0"/>
+              <a:cs typeface="Times New Roman" panose="02020603050405020304" pitchFamily="18" charset="0"/>
+            </a:endParaRPr>
+          </a:p>
+          <a:p>
+            <a:pPr>
+              <a:lnSpc>
+                <a:spcPct val="107000"/>
+              </a:lnSpc>
+              <a:spcAft>
+                <a:spcPts val="800"/>
+              </a:spcAft>
+            </a:pPr>
+            <a:r>
+              <a:rPr lang="en-US" dirty="0">
+                <a:latin typeface="Times New Roman" panose="02020603050405020304" pitchFamily="18" charset="0"/>
+                <a:ea typeface="Calibri" panose="020F0502020204030204" pitchFamily="34" charset="0"/>
+                <a:cs typeface="Times New Roman" panose="02020603050405020304" pitchFamily="18" charset="0"/>
+              </a:rPr>
+              <a:t>movies[id(pk)]</a:t>
+            </a:r>
+            <a:endParaRPr lang="en-US" sz="1600" dirty="0">
+              <a:latin typeface="Calibri" panose="020F0502020204030204" pitchFamily="34" charset="0"/>
+              <a:ea typeface="Calibri" panose="020F0502020204030204" pitchFamily="34" charset="0"/>
+              <a:cs typeface="Times New Roman" panose="02020603050405020304" pitchFamily="18" charset="0"/>
+            </a:endParaRPr>
+          </a:p>
+          <a:p>
+            <a:pPr>
+              <a:lnSpc>
+                <a:spcPct val="107000"/>
+              </a:lnSpc>
+              <a:spcAft>
+                <a:spcPts val="800"/>
+              </a:spcAft>
+            </a:pPr>
+            <a:r>
+              <a:rPr lang="en-US" dirty="0">
+                <a:latin typeface="Times New Roman" panose="02020603050405020304" pitchFamily="18" charset="0"/>
+                <a:ea typeface="Calibri" panose="020F0502020204030204" pitchFamily="34" charset="0"/>
+                <a:cs typeface="Times New Roman" panose="02020603050405020304" pitchFamily="18" charset="0"/>
+              </a:rPr>
+              <a:t>movietime[id(pk), movieID(fk), showID(fk)]</a:t>
+            </a:r>
+            <a:endParaRPr lang="en-US" sz="1600" dirty="0">
+              <a:latin typeface="Calibri" panose="020F0502020204030204" pitchFamily="34" charset="0"/>
+              <a:ea typeface="Calibri" panose="020F0502020204030204" pitchFamily="34" charset="0"/>
+              <a:cs typeface="Times New Roman" panose="02020603050405020304" pitchFamily="18" charset="0"/>
+            </a:endParaRPr>
+          </a:p>
+          <a:p>
+            <a:pPr>
+              <a:lnSpc>
+                <a:spcPct val="107000"/>
+              </a:lnSpc>
+              <a:spcAft>
+                <a:spcPts val="800"/>
+              </a:spcAft>
+            </a:pPr>
+            <a:r>
+              <a:rPr lang="en-US" dirty="0">
+                <a:latin typeface="Times New Roman" panose="02020603050405020304" pitchFamily="18" charset="0"/>
+                <a:ea typeface="Calibri" panose="020F0502020204030204" pitchFamily="34" charset="0"/>
+                <a:cs typeface="Times New Roman" panose="02020603050405020304" pitchFamily="18" charset="0"/>
+              </a:rPr>
+              <a:t>notify[id(pk), userID(fk), movieID(fk)]</a:t>
+            </a:r>
+            <a:endParaRPr lang="en-US" sz="1600" dirty="0">
+              <a:latin typeface="Calibri" panose="020F0502020204030204" pitchFamily="34" charset="0"/>
+              <a:ea typeface="Calibri" panose="020F0502020204030204" pitchFamily="34" charset="0"/>
+              <a:cs typeface="Times New Roman" panose="02020603050405020304" pitchFamily="18" charset="0"/>
+            </a:endParaRPr>
+          </a:p>
+          <a:p>
+            <a:pPr>
+              <a:lnSpc>
+                <a:spcPct val="107000"/>
+              </a:lnSpc>
+              <a:spcAft>
+                <a:spcPts val="800"/>
+              </a:spcAft>
+            </a:pPr>
+            <a:r>
+              <a:rPr lang="en-US" dirty="0">
+                <a:latin typeface="Times New Roman" panose="02020603050405020304" pitchFamily="18" charset="0"/>
+                <a:ea typeface="Calibri" panose="020F0502020204030204" pitchFamily="34" charset="0"/>
+                <a:cs typeface="Times New Roman" panose="02020603050405020304" pitchFamily="18" charset="0"/>
+              </a:rPr>
+              <a:t>payments[id(pk), bookingID(fk)]</a:t>
+            </a:r>
+            <a:endParaRPr lang="en-US" sz="1600" dirty="0">
+              <a:latin typeface="Calibri" panose="020F0502020204030204" pitchFamily="34" charset="0"/>
+              <a:ea typeface="Calibri" panose="020F0502020204030204" pitchFamily="34" charset="0"/>
+              <a:cs typeface="Times New Roman" panose="02020603050405020304" pitchFamily="18" charset="0"/>
+            </a:endParaRPr>
+          </a:p>
+          <a:p>
+            <a:pPr>
+              <a:lnSpc>
+                <a:spcPct val="107000"/>
+              </a:lnSpc>
+              <a:spcAft>
+                <a:spcPts val="800"/>
+              </a:spcAft>
+            </a:pPr>
+            <a:r>
+              <a:rPr lang="en-US" dirty="0">
+                <a:latin typeface="Times New Roman" panose="02020603050405020304" pitchFamily="18" charset="0"/>
+                <a:ea typeface="Calibri" panose="020F0502020204030204" pitchFamily="34" charset="0"/>
+                <a:cs typeface="Times New Roman" panose="02020603050405020304" pitchFamily="18" charset="0"/>
+              </a:rPr>
+              <a:t>seats[id(pk), bookingID(fk)]</a:t>
+            </a:r>
+            <a:endParaRPr lang="en-US" sz="1600" dirty="0">
+              <a:latin typeface="Calibri" panose="020F0502020204030204" pitchFamily="34" charset="0"/>
+              <a:ea typeface="Calibri" panose="020F0502020204030204" pitchFamily="34" charset="0"/>
+              <a:cs typeface="Times New Roman" panose="02020603050405020304" pitchFamily="18" charset="0"/>
+            </a:endParaRPr>
+          </a:p>
+          <a:p>
+            <a:pPr>
+              <a:lnSpc>
+                <a:spcPct val="107000"/>
+              </a:lnSpc>
+              <a:spcAft>
+                <a:spcPts val="800"/>
+              </a:spcAft>
+            </a:pPr>
+            <a:r>
+              <a:rPr lang="en-US" dirty="0">
+                <a:latin typeface="Times New Roman" panose="02020603050405020304" pitchFamily="18" charset="0"/>
+                <a:ea typeface="Calibri" panose="020F0502020204030204" pitchFamily="34" charset="0"/>
+                <a:cs typeface="Times New Roman" panose="02020603050405020304" pitchFamily="18" charset="0"/>
+              </a:rPr>
+              <a:t>showtime[id(pk)]</a:t>
+            </a:r>
+            <a:endParaRPr lang="en-US" sz="1600" dirty="0">
+              <a:latin typeface="Calibri" panose="020F0502020204030204" pitchFamily="34" charset="0"/>
+              <a:ea typeface="Calibri" panose="020F0502020204030204" pitchFamily="34" charset="0"/>
+              <a:cs typeface="Times New Roman" panose="02020603050405020304" pitchFamily="18" charset="0"/>
+            </a:endParaRPr>
+          </a:p>
+          <a:p>
+            <a:r>
+              <a:rPr lang="en-US" dirty="0">
+                <a:latin typeface="Times New Roman" panose="02020603050405020304" pitchFamily="18" charset="0"/>
+                <a:ea typeface="Calibri" panose="020F0502020204030204" pitchFamily="34" charset="0"/>
+              </a:rPr>
+              <a:t>users[id(pk)]</a:t>
+            </a:r>
+            <a:endParaRPr lang="en-US" dirty="0"/>
+          </a:p>
+        </p:txBody>
+      </p:sp>
+    </p:spTree>
+    <p:extLst>
+      <p:ext uri="{BB962C8B-B14F-4D97-AF65-F5344CB8AC3E}">
+        <p14:creationId xmlns:p14="http://schemas.microsoft.com/office/powerpoint/2010/main" val="4166976044"/>
+      </p:ext>
+    </p:extLst>
+  </p:cSld>
+  <p:clrMapOvr>
+    <a:masterClrMapping/>
+  </p:clrMapOvr>
+  <p:timing>
+    <p:tnLst>
+      <p:par>
+        <p:cTn id="1" dur="indefinite" restart="never" nodeType="tmRoot"/>
+      </p:par>
+    </p:tnLst>
+  </p:timing>
 </p:sld>
 </file>
 

--- a/documentation/MTB.pptx
+++ b/documentation/MTB.pptx
@@ -13,8 +13,8 @@
   <p:sldIdLst>
     <p:sldId id="256" r:id="rId2"/>
     <p:sldId id="258" r:id="rId3"/>
-    <p:sldId id="315" r:id="rId4"/>
-    <p:sldId id="260" r:id="rId5"/>
+    <p:sldId id="260" r:id="rId4"/>
+    <p:sldId id="321" r:id="rId5"/>
     <p:sldId id="286" r:id="rId6"/>
     <p:sldId id="287" r:id="rId7"/>
     <p:sldId id="307" r:id="rId8"/>
@@ -23,16 +23,16 @@
     <p:sldId id="276" r:id="rId11"/>
     <p:sldId id="277" r:id="rId12"/>
     <p:sldId id="318" r:id="rId13"/>
-    <p:sldId id="290" r:id="rId14"/>
-    <p:sldId id="317" r:id="rId15"/>
-    <p:sldId id="319" r:id="rId16"/>
-    <p:sldId id="296" r:id="rId17"/>
-    <p:sldId id="291" r:id="rId18"/>
-    <p:sldId id="292" r:id="rId19"/>
-    <p:sldId id="293" r:id="rId20"/>
-    <p:sldId id="309" r:id="rId21"/>
-    <p:sldId id="310" r:id="rId22"/>
-    <p:sldId id="311" r:id="rId23"/>
+    <p:sldId id="317" r:id="rId14"/>
+    <p:sldId id="290" r:id="rId15"/>
+    <p:sldId id="291" r:id="rId16"/>
+    <p:sldId id="292" r:id="rId17"/>
+    <p:sldId id="293" r:id="rId18"/>
+    <p:sldId id="309" r:id="rId19"/>
+    <p:sldId id="310" r:id="rId20"/>
+    <p:sldId id="311" r:id="rId21"/>
+    <p:sldId id="296" r:id="rId22"/>
+    <p:sldId id="319" r:id="rId23"/>
     <p:sldId id="299" r:id="rId24"/>
     <p:sldId id="300" r:id="rId25"/>
     <p:sldId id="312" r:id="rId26"/>
@@ -229,7 +229,7 @@
           <a:p>
             <a:fld id="{795B91AA-03CF-40EF-A301-DC3E14873418}" type="datetimeFigureOut">
               <a:rPr lang="en-US" smtClean="0"/>
-              <a:t>12/10/2023</a:t>
+              <a:t>12/11/2023</a:t>
             </a:fld>
             <a:endParaRPr lang="en-US"/>
           </a:p>
@@ -395,7 +395,7 @@
           <a:p>
             <a:fld id="{A7E3F795-8008-4018-BBC8-446733CA78A5}" type="datetimeFigureOut">
               <a:rPr lang="en-US" smtClean="0"/>
-              <a:t>12/10/2023</a:t>
+              <a:t>12/11/2023</a:t>
             </a:fld>
             <a:endParaRPr lang="en-US"/>
           </a:p>
@@ -459,38 +459,37 @@
           <a:p>
             <a:pPr lvl="0"/>
             <a:r>
-              <a:rPr lang="en-US" smtClean="0"/>
+              <a:rPr lang="en-US"/>
               <a:t>Edit Master text styles</a:t>
             </a:r>
           </a:p>
           <a:p>
             <a:pPr lvl="1"/>
             <a:r>
-              <a:rPr lang="en-US" smtClean="0"/>
+              <a:rPr lang="en-US"/>
               <a:t>Second level</a:t>
             </a:r>
           </a:p>
           <a:p>
             <a:pPr lvl="2"/>
             <a:r>
-              <a:rPr lang="en-US" smtClean="0"/>
+              <a:rPr lang="en-US"/>
               <a:t>Third level</a:t>
             </a:r>
           </a:p>
           <a:p>
             <a:pPr lvl="3"/>
             <a:r>
-              <a:rPr lang="en-US" smtClean="0"/>
+              <a:rPr lang="en-US"/>
               <a:t>Fourth level</a:t>
             </a:r>
           </a:p>
           <a:p>
             <a:pPr lvl="4"/>
             <a:r>
-              <a:rPr lang="en-US" smtClean="0"/>
+              <a:rPr lang="en-US"/>
               <a:t>Fifth level</a:t>
             </a:r>
-            <a:endParaRPr lang="en-US"/>
           </a:p>
         </p:txBody>
       </p:sp>
@@ -1242,7 +1241,7 @@
           </a:lstStyle>
           <a:p>
             <a:r>
-              <a:rPr lang="en-US" smtClean="0"/>
+              <a:rPr lang="en-US"/>
               <a:t>Click to edit Master title style</a:t>
             </a:r>
             <a:endParaRPr lang="en-US" dirty="0"/>
@@ -1362,7 +1361,7 @@
           </a:lstStyle>
           <a:p>
             <a:r>
-              <a:rPr lang="en-US" smtClean="0"/>
+              <a:rPr lang="en-US"/>
               <a:t>Click to edit Master subtitle style</a:t>
             </a:r>
             <a:endParaRPr lang="en-US" dirty="0"/>
@@ -1386,7 +1385,7 @@
           <a:p>
             <a:fld id="{6AC83765-95D4-475D-A7C8-B59A66C8B4B2}" type="datetime1">
               <a:rPr lang="en-US" smtClean="0"/>
-              <a:t>12/10/2023</a:t>
+              <a:t>12/11/2023</a:t>
             </a:fld>
             <a:endParaRPr lang="en-US"/>
           </a:p>
@@ -1491,7 +1490,7 @@
           </a:lstStyle>
           <a:p>
             <a:r>
-              <a:rPr lang="en-US" smtClean="0"/>
+              <a:rPr lang="en-US"/>
               <a:t>Click to edit Master title style</a:t>
             </a:r>
             <a:endParaRPr lang="en-US" dirty="0"/>
@@ -1614,7 +1613,7 @@
           <a:p>
             <a:pPr lvl="0"/>
             <a:r>
-              <a:rPr lang="en-US" smtClean="0"/>
+              <a:rPr lang="en-US"/>
               <a:t>Edit Master text styles</a:t>
             </a:r>
           </a:p>
@@ -1637,7 +1636,7 @@
           <a:p>
             <a:fld id="{63B3467E-70C5-4B7B-8E0E-17E9F963527C}" type="datetime1">
               <a:rPr lang="en-US" smtClean="0"/>
-              <a:t>12/10/2023</a:t>
+              <a:t>12/11/2023</a:t>
             </a:fld>
             <a:endParaRPr lang="en-US"/>
           </a:p>
@@ -1742,7 +1741,7 @@
           </a:lstStyle>
           <a:p>
             <a:r>
-              <a:rPr lang="en-US" smtClean="0"/>
+              <a:rPr lang="en-US"/>
               <a:t>Click to edit Master title style</a:t>
             </a:r>
             <a:endParaRPr lang="en-US" dirty="0"/>
@@ -1806,7 +1805,7 @@
           <a:p>
             <a:pPr lvl="0"/>
             <a:r>
-              <a:rPr lang="en-US" smtClean="0"/>
+              <a:rPr lang="en-US"/>
               <a:t>Edit Master text styles</a:t>
             </a:r>
           </a:p>
@@ -1928,7 +1927,7 @@
           <a:p>
             <a:pPr lvl="0"/>
             <a:r>
-              <a:rPr lang="en-US" smtClean="0"/>
+              <a:rPr lang="en-US"/>
               <a:t>Edit Master text styles</a:t>
             </a:r>
           </a:p>
@@ -1951,7 +1950,7 @@
           <a:p>
             <a:fld id="{5F44376D-1BD3-4559-8FC0-78F9802D97C6}" type="datetime1">
               <a:rPr lang="en-US" smtClean="0"/>
-              <a:t>12/10/2023</a:t>
+              <a:t>12/11/2023</a:t>
             </a:fld>
             <a:endParaRPr lang="en-US"/>
           </a:p>
@@ -2146,7 +2145,7 @@
           </a:lstStyle>
           <a:p>
             <a:r>
-              <a:rPr lang="en-US" smtClean="0"/>
+              <a:rPr lang="en-US"/>
               <a:t>Click to edit Master title style</a:t>
             </a:r>
             <a:endParaRPr lang="en-US" dirty="0"/>
@@ -2269,7 +2268,7 @@
           <a:p>
             <a:pPr lvl="0"/>
             <a:r>
-              <a:rPr lang="en-US" smtClean="0"/>
+              <a:rPr lang="en-US"/>
               <a:t>Edit Master text styles</a:t>
             </a:r>
           </a:p>
@@ -2292,7 +2291,7 @@
           <a:p>
             <a:fld id="{A06FA846-C3C9-4855-9A93-3DF9E3C0CD7D}" type="datetime1">
               <a:rPr lang="en-US" smtClean="0"/>
-              <a:t>12/10/2023</a:t>
+              <a:t>12/11/2023</a:t>
             </a:fld>
             <a:endParaRPr lang="en-US"/>
           </a:p>
@@ -2397,7 +2396,7 @@
           </a:lstStyle>
           <a:p>
             <a:r>
-              <a:rPr lang="en-US" smtClean="0"/>
+              <a:rPr lang="en-US"/>
               <a:t>Click to edit Master title style</a:t>
             </a:r>
             <a:endParaRPr lang="en-US" dirty="0"/>
@@ -2461,7 +2460,7 @@
           <a:p>
             <a:pPr lvl="0"/>
             <a:r>
-              <a:rPr lang="en-US" smtClean="0"/>
+              <a:rPr lang="en-US"/>
               <a:t>Edit Master text styles</a:t>
             </a:r>
           </a:p>
@@ -2583,7 +2582,7 @@
           <a:p>
             <a:pPr lvl="0"/>
             <a:r>
-              <a:rPr lang="en-US" smtClean="0"/>
+              <a:rPr lang="en-US"/>
               <a:t>Edit Master text styles</a:t>
             </a:r>
           </a:p>
@@ -2606,7 +2605,7 @@
           <a:p>
             <a:fld id="{7F02308A-4EEE-4D42-9396-F7D3AE3D935B}" type="datetime1">
               <a:rPr lang="en-US" smtClean="0"/>
-              <a:t>12/10/2023</a:t>
+              <a:t>12/11/2023</a:t>
             </a:fld>
             <a:endParaRPr lang="en-US"/>
           </a:p>
@@ -2793,7 +2792,7 @@
           </a:lstStyle>
           <a:p>
             <a:r>
-              <a:rPr lang="en-US" smtClean="0"/>
+              <a:rPr lang="en-US"/>
               <a:t>Click to edit Master title style</a:t>
             </a:r>
             <a:endParaRPr lang="en-US" dirty="0"/>
@@ -2854,7 +2853,7 @@
           <a:p>
             <a:pPr lvl="0"/>
             <a:r>
-              <a:rPr lang="en-US" smtClean="0"/>
+              <a:rPr lang="en-US"/>
               <a:t>Edit Master text styles</a:t>
             </a:r>
           </a:p>
@@ -2976,7 +2975,7 @@
           <a:p>
             <a:pPr lvl="0"/>
             <a:r>
-              <a:rPr lang="en-US" smtClean="0"/>
+              <a:rPr lang="en-US"/>
               <a:t>Edit Master text styles</a:t>
             </a:r>
           </a:p>
@@ -2999,7 +2998,7 @@
           <a:p>
             <a:fld id="{D4EE04F5-911C-4AD9-8F66-A4819705CF42}" type="datetime1">
               <a:rPr lang="en-US" smtClean="0"/>
-              <a:t>12/10/2023</a:t>
+              <a:t>12/11/2023</a:t>
             </a:fld>
             <a:endParaRPr lang="en-US"/>
           </a:p>
@@ -3093,7 +3092,7 @@
           <a:lstStyle/>
           <a:p>
             <a:r>
-              <a:rPr lang="en-US" smtClean="0"/>
+              <a:rPr lang="en-US"/>
               <a:t>Click to edit Master title style</a:t>
             </a:r>
             <a:endParaRPr lang="en-US" dirty="0"/>
@@ -3117,35 +3116,35 @@
           <a:p>
             <a:pPr lvl="0"/>
             <a:r>
-              <a:rPr lang="en-US" smtClean="0"/>
+              <a:rPr lang="en-US"/>
               <a:t>Edit Master text styles</a:t>
             </a:r>
           </a:p>
           <a:p>
             <a:pPr lvl="1"/>
             <a:r>
-              <a:rPr lang="en-US" smtClean="0"/>
+              <a:rPr lang="en-US"/>
               <a:t>Second level</a:t>
             </a:r>
           </a:p>
           <a:p>
             <a:pPr lvl="2"/>
             <a:r>
-              <a:rPr lang="en-US" smtClean="0"/>
+              <a:rPr lang="en-US"/>
               <a:t>Third level</a:t>
             </a:r>
           </a:p>
           <a:p>
             <a:pPr lvl="3"/>
             <a:r>
-              <a:rPr lang="en-US" smtClean="0"/>
+              <a:rPr lang="en-US"/>
               <a:t>Fourth level</a:t>
             </a:r>
           </a:p>
           <a:p>
             <a:pPr lvl="4"/>
             <a:r>
-              <a:rPr lang="en-US" smtClean="0"/>
+              <a:rPr lang="en-US"/>
               <a:t>Fifth level</a:t>
             </a:r>
             <a:endParaRPr lang="en-US" dirty="0"/>
@@ -3169,7 +3168,7 @@
           <a:p>
             <a:fld id="{C82EBAA7-B1BC-4940-BFE9-88F9CAFD0641}" type="datetime1">
               <a:rPr lang="en-US" smtClean="0"/>
-              <a:t>12/10/2023</a:t>
+              <a:t>12/11/2023</a:t>
             </a:fld>
             <a:endParaRPr lang="en-US"/>
           </a:p>
@@ -3268,7 +3267,7 @@
           <a:lstStyle/>
           <a:p>
             <a:r>
-              <a:rPr lang="en-US" smtClean="0"/>
+              <a:rPr lang="en-US"/>
               <a:t>Click to edit Master title style</a:t>
             </a:r>
             <a:endParaRPr lang="en-US" dirty="0"/>
@@ -3297,35 +3296,35 @@
           <a:p>
             <a:pPr lvl="0"/>
             <a:r>
-              <a:rPr lang="en-US" smtClean="0"/>
+              <a:rPr lang="en-US"/>
               <a:t>Edit Master text styles</a:t>
             </a:r>
           </a:p>
           <a:p>
             <a:pPr lvl="1"/>
             <a:r>
-              <a:rPr lang="en-US" smtClean="0"/>
+              <a:rPr lang="en-US"/>
               <a:t>Second level</a:t>
             </a:r>
           </a:p>
           <a:p>
             <a:pPr lvl="2"/>
             <a:r>
-              <a:rPr lang="en-US" smtClean="0"/>
+              <a:rPr lang="en-US"/>
               <a:t>Third level</a:t>
             </a:r>
           </a:p>
           <a:p>
             <a:pPr lvl="3"/>
             <a:r>
-              <a:rPr lang="en-US" smtClean="0"/>
+              <a:rPr lang="en-US"/>
               <a:t>Fourth level</a:t>
             </a:r>
           </a:p>
           <a:p>
             <a:pPr lvl="4"/>
             <a:r>
-              <a:rPr lang="en-US" smtClean="0"/>
+              <a:rPr lang="en-US"/>
               <a:t>Fifth level</a:t>
             </a:r>
             <a:endParaRPr lang="en-US" dirty="0"/>
@@ -3349,7 +3348,7 @@
           <a:p>
             <a:fld id="{E973C71B-D637-4D0B-9639-A13262834D81}" type="datetime1">
               <a:rPr lang="en-US" smtClean="0"/>
-              <a:t>12/10/2023</a:t>
+              <a:t>12/11/2023</a:t>
             </a:fld>
             <a:endParaRPr lang="en-US"/>
           </a:p>
@@ -3449,7 +3448,7 @@
           </a:lstStyle>
           <a:p>
             <a:r>
-              <a:rPr lang="en-US" smtClean="0"/>
+              <a:rPr lang="en-US"/>
               <a:t>Click to edit Master title style</a:t>
             </a:r>
             <a:endParaRPr lang="en-US" dirty="0"/>
@@ -3473,35 +3472,35 @@
           <a:p>
             <a:pPr lvl="0"/>
             <a:r>
-              <a:rPr lang="en-US" smtClean="0"/>
+              <a:rPr lang="en-US"/>
               <a:t>Edit Master text styles</a:t>
             </a:r>
           </a:p>
           <a:p>
             <a:pPr lvl="1"/>
             <a:r>
-              <a:rPr lang="en-US" smtClean="0"/>
+              <a:rPr lang="en-US"/>
               <a:t>Second level</a:t>
             </a:r>
           </a:p>
           <a:p>
             <a:pPr lvl="2"/>
             <a:r>
-              <a:rPr lang="en-US" smtClean="0"/>
+              <a:rPr lang="en-US"/>
               <a:t>Third level</a:t>
             </a:r>
           </a:p>
           <a:p>
             <a:pPr lvl="3"/>
             <a:r>
-              <a:rPr lang="en-US" smtClean="0"/>
+              <a:rPr lang="en-US"/>
               <a:t>Fourth level</a:t>
             </a:r>
           </a:p>
           <a:p>
             <a:pPr lvl="4"/>
             <a:r>
-              <a:rPr lang="en-US" smtClean="0"/>
+              <a:rPr lang="en-US"/>
               <a:t>Fifth level</a:t>
             </a:r>
             <a:endParaRPr lang="en-US" dirty="0"/>
@@ -3525,7 +3524,7 @@
           <a:p>
             <a:fld id="{3D320886-12C8-47C6-86A2-8CD44E576B67}" type="datetime1">
               <a:rPr lang="en-US" smtClean="0"/>
-              <a:t>12/10/2023</a:t>
+              <a:t>12/11/2023</a:t>
             </a:fld>
             <a:endParaRPr lang="en-US"/>
           </a:p>
@@ -3628,7 +3627,7 @@
           </a:lstStyle>
           <a:p>
             <a:r>
-              <a:rPr lang="en-US" smtClean="0"/>
+              <a:rPr lang="en-US"/>
               <a:t>Click to edit Master title style</a:t>
             </a:r>
             <a:endParaRPr lang="en-US" dirty="0"/>
@@ -3749,7 +3748,7 @@
           <a:p>
             <a:pPr lvl="0"/>
             <a:r>
-              <a:rPr lang="en-US" smtClean="0"/>
+              <a:rPr lang="en-US"/>
               <a:t>Edit Master text styles</a:t>
             </a:r>
           </a:p>
@@ -3772,7 +3771,7 @@
           <a:p>
             <a:fld id="{B75D6FD6-129C-4231-84F7-060C1641EA66}" type="datetime1">
               <a:rPr lang="en-US" smtClean="0"/>
-              <a:t>12/10/2023</a:t>
+              <a:t>12/11/2023</a:t>
             </a:fld>
             <a:endParaRPr lang="en-US"/>
           </a:p>
@@ -3866,7 +3865,7 @@
           <a:lstStyle/>
           <a:p>
             <a:r>
-              <a:rPr lang="en-US" smtClean="0"/>
+              <a:rPr lang="en-US"/>
               <a:t>Click to edit Master title style</a:t>
             </a:r>
             <a:endParaRPr lang="en-US" dirty="0"/>
@@ -3895,35 +3894,35 @@
           <a:p>
             <a:pPr lvl="0"/>
             <a:r>
-              <a:rPr lang="en-US" smtClean="0"/>
+              <a:rPr lang="en-US"/>
               <a:t>Edit Master text styles</a:t>
             </a:r>
           </a:p>
           <a:p>
             <a:pPr lvl="1"/>
             <a:r>
-              <a:rPr lang="en-US" smtClean="0"/>
+              <a:rPr lang="en-US"/>
               <a:t>Second level</a:t>
             </a:r>
           </a:p>
           <a:p>
             <a:pPr lvl="2"/>
             <a:r>
-              <a:rPr lang="en-US" smtClean="0"/>
+              <a:rPr lang="en-US"/>
               <a:t>Third level</a:t>
             </a:r>
           </a:p>
           <a:p>
             <a:pPr lvl="3"/>
             <a:r>
-              <a:rPr lang="en-US" smtClean="0"/>
+              <a:rPr lang="en-US"/>
               <a:t>Fourth level</a:t>
             </a:r>
           </a:p>
           <a:p>
             <a:pPr lvl="4"/>
             <a:r>
-              <a:rPr lang="en-US" smtClean="0"/>
+              <a:rPr lang="en-US"/>
               <a:t>Fifth level</a:t>
             </a:r>
             <a:endParaRPr lang="en-US" dirty="0"/>
@@ -3952,35 +3951,35 @@
           <a:p>
             <a:pPr lvl="0"/>
             <a:r>
-              <a:rPr lang="en-US" smtClean="0"/>
+              <a:rPr lang="en-US"/>
               <a:t>Edit Master text styles</a:t>
             </a:r>
           </a:p>
           <a:p>
             <a:pPr lvl="1"/>
             <a:r>
-              <a:rPr lang="en-US" smtClean="0"/>
+              <a:rPr lang="en-US"/>
               <a:t>Second level</a:t>
             </a:r>
           </a:p>
           <a:p>
             <a:pPr lvl="2"/>
             <a:r>
-              <a:rPr lang="en-US" smtClean="0"/>
+              <a:rPr lang="en-US"/>
               <a:t>Third level</a:t>
             </a:r>
           </a:p>
           <a:p>
             <a:pPr lvl="3"/>
             <a:r>
-              <a:rPr lang="en-US" smtClean="0"/>
+              <a:rPr lang="en-US"/>
               <a:t>Fourth level</a:t>
             </a:r>
           </a:p>
           <a:p>
             <a:pPr lvl="4"/>
             <a:r>
-              <a:rPr lang="en-US" smtClean="0"/>
+              <a:rPr lang="en-US"/>
               <a:t>Fifth level</a:t>
             </a:r>
             <a:endParaRPr lang="en-US" dirty="0"/>
@@ -4004,7 +4003,7 @@
           <a:p>
             <a:fld id="{5EA10289-740C-4A82-857A-ED705BD63A3F}" type="datetime1">
               <a:rPr lang="en-US" smtClean="0"/>
-              <a:t>12/10/2023</a:t>
+              <a:t>12/11/2023</a:t>
             </a:fld>
             <a:endParaRPr lang="en-US"/>
           </a:p>
@@ -4102,7 +4101,7 @@
           </a:lstStyle>
           <a:p>
             <a:r>
-              <a:rPr lang="en-US" smtClean="0"/>
+              <a:rPr lang="en-US"/>
               <a:t>Click to edit Master title style</a:t>
             </a:r>
             <a:endParaRPr lang="en-US" dirty="0"/>
@@ -4170,7 +4169,7 @@
           <a:p>
             <a:pPr lvl="0"/>
             <a:r>
-              <a:rPr lang="en-US" smtClean="0"/>
+              <a:rPr lang="en-US"/>
               <a:t>Edit Master text styles</a:t>
             </a:r>
           </a:p>
@@ -4200,35 +4199,35 @@
           <a:p>
             <a:pPr lvl="0"/>
             <a:r>
-              <a:rPr lang="en-US" smtClean="0"/>
+              <a:rPr lang="en-US"/>
               <a:t>Edit Master text styles</a:t>
             </a:r>
           </a:p>
           <a:p>
             <a:pPr lvl="1"/>
             <a:r>
-              <a:rPr lang="en-US" smtClean="0"/>
+              <a:rPr lang="en-US"/>
               <a:t>Second level</a:t>
             </a:r>
           </a:p>
           <a:p>
             <a:pPr lvl="2"/>
             <a:r>
-              <a:rPr lang="en-US" smtClean="0"/>
+              <a:rPr lang="en-US"/>
               <a:t>Third level</a:t>
             </a:r>
           </a:p>
           <a:p>
             <a:pPr lvl="3"/>
             <a:r>
-              <a:rPr lang="en-US" smtClean="0"/>
+              <a:rPr lang="en-US"/>
               <a:t>Fourth level</a:t>
             </a:r>
           </a:p>
           <a:p>
             <a:pPr lvl="4"/>
             <a:r>
-              <a:rPr lang="en-US" smtClean="0"/>
+              <a:rPr lang="en-US"/>
               <a:t>Fifth level</a:t>
             </a:r>
             <a:endParaRPr lang="en-US" dirty="0"/>
@@ -4296,7 +4295,7 @@
           <a:p>
             <a:pPr lvl="0"/>
             <a:r>
-              <a:rPr lang="en-US" smtClean="0"/>
+              <a:rPr lang="en-US"/>
               <a:t>Edit Master text styles</a:t>
             </a:r>
           </a:p>
@@ -4326,35 +4325,35 @@
           <a:p>
             <a:pPr lvl="0"/>
             <a:r>
-              <a:rPr lang="en-US" smtClean="0"/>
+              <a:rPr lang="en-US"/>
               <a:t>Edit Master text styles</a:t>
             </a:r>
           </a:p>
           <a:p>
             <a:pPr lvl="1"/>
             <a:r>
-              <a:rPr lang="en-US" smtClean="0"/>
+              <a:rPr lang="en-US"/>
               <a:t>Second level</a:t>
             </a:r>
           </a:p>
           <a:p>
             <a:pPr lvl="2"/>
             <a:r>
-              <a:rPr lang="en-US" smtClean="0"/>
+              <a:rPr lang="en-US"/>
               <a:t>Third level</a:t>
             </a:r>
           </a:p>
           <a:p>
             <a:pPr lvl="3"/>
             <a:r>
-              <a:rPr lang="en-US" smtClean="0"/>
+              <a:rPr lang="en-US"/>
               <a:t>Fourth level</a:t>
             </a:r>
           </a:p>
           <a:p>
             <a:pPr lvl="4"/>
             <a:r>
-              <a:rPr lang="en-US" smtClean="0"/>
+              <a:rPr lang="en-US"/>
               <a:t>Fifth level</a:t>
             </a:r>
             <a:endParaRPr lang="en-US" dirty="0"/>
@@ -4378,7 +4377,7 @@
           <a:p>
             <a:fld id="{83CC8D68-3D39-4291-83A0-415066E609C8}" type="datetime1">
               <a:rPr lang="en-US" smtClean="0"/>
-              <a:t>12/10/2023</a:t>
+              <a:t>12/11/2023</a:t>
             </a:fld>
             <a:endParaRPr lang="en-US"/>
           </a:p>
@@ -4477,7 +4476,7 @@
           <a:lstStyle/>
           <a:p>
             <a:r>
-              <a:rPr lang="en-US" smtClean="0"/>
+              <a:rPr lang="en-US"/>
               <a:t>Click to edit Master title style</a:t>
             </a:r>
             <a:endParaRPr lang="en-US" dirty="0"/>
@@ -4501,7 +4500,7 @@
           <a:p>
             <a:fld id="{80168B6F-D673-41F4-9B98-CB99B683C702}" type="datetime1">
               <a:rPr lang="en-US" smtClean="0"/>
-              <a:t>12/10/2023</a:t>
+              <a:t>12/11/2023</a:t>
             </a:fld>
             <a:endParaRPr lang="en-US"/>
           </a:p>
@@ -4596,7 +4595,7 @@
           <a:p>
             <a:fld id="{30E935D3-FA69-4CF7-BCDC-656BC51A0C92}" type="datetime1">
               <a:rPr lang="en-US" smtClean="0"/>
-              <a:t>12/10/2023</a:t>
+              <a:t>12/11/2023</a:t>
             </a:fld>
             <a:endParaRPr lang="en-US"/>
           </a:p>
@@ -4701,7 +4700,7 @@
           </a:lstStyle>
           <a:p>
             <a:r>
-              <a:rPr lang="en-US" smtClean="0"/>
+              <a:rPr lang="en-US"/>
               <a:t>Click to edit Master title style</a:t>
             </a:r>
             <a:endParaRPr lang="en-US" dirty="0"/>
@@ -4732,35 +4731,35 @@
           <a:p>
             <a:pPr lvl="0"/>
             <a:r>
-              <a:rPr lang="en-US" smtClean="0"/>
+              <a:rPr lang="en-US"/>
               <a:t>Edit Master text styles</a:t>
             </a:r>
           </a:p>
           <a:p>
             <a:pPr lvl="1"/>
             <a:r>
-              <a:rPr lang="en-US" smtClean="0"/>
+              <a:rPr lang="en-US"/>
               <a:t>Second level</a:t>
             </a:r>
           </a:p>
           <a:p>
             <a:pPr lvl="2"/>
             <a:r>
-              <a:rPr lang="en-US" smtClean="0"/>
+              <a:rPr lang="en-US"/>
               <a:t>Third level</a:t>
             </a:r>
           </a:p>
           <a:p>
             <a:pPr lvl="3"/>
             <a:r>
-              <a:rPr lang="en-US" smtClean="0"/>
+              <a:rPr lang="en-US"/>
               <a:t>Fourth level</a:t>
             </a:r>
           </a:p>
           <a:p>
             <a:pPr lvl="4"/>
             <a:r>
-              <a:rPr lang="en-US" smtClean="0"/>
+              <a:rPr lang="en-US"/>
               <a:t>Fifth level</a:t>
             </a:r>
             <a:endParaRPr lang="en-US" dirty="0"/>
@@ -4828,7 +4827,7 @@
           <a:p>
             <a:pPr lvl="0"/>
             <a:r>
-              <a:rPr lang="en-US" smtClean="0"/>
+              <a:rPr lang="en-US"/>
               <a:t>Edit Master text styles</a:t>
             </a:r>
           </a:p>
@@ -4851,7 +4850,7 @@
           <a:p>
             <a:fld id="{1CB7C2DA-CA24-4853-8515-52D06C677569}" type="datetime1">
               <a:rPr lang="en-US" smtClean="0"/>
-              <a:t>12/10/2023</a:t>
+              <a:t>12/11/2023</a:t>
             </a:fld>
             <a:endParaRPr lang="en-US"/>
           </a:p>
@@ -4956,7 +4955,7 @@
           </a:lstStyle>
           <a:p>
             <a:r>
-              <a:rPr lang="en-US" smtClean="0"/>
+              <a:rPr lang="en-US"/>
               <a:t>Click to edit Master title style</a:t>
             </a:r>
             <a:endParaRPr lang="en-US" dirty="0"/>
@@ -5023,7 +5022,7 @@
           </a:lstStyle>
           <a:p>
             <a:r>
-              <a:rPr lang="en-US" smtClean="0"/>
+              <a:rPr lang="en-US"/>
               <a:t>Click icon to add picture</a:t>
             </a:r>
             <a:endParaRPr lang="en-US" dirty="0"/>
@@ -5091,7 +5090,7 @@
           <a:p>
             <a:pPr lvl="0"/>
             <a:r>
-              <a:rPr lang="en-US" smtClean="0"/>
+              <a:rPr lang="en-US"/>
               <a:t>Edit Master text styles</a:t>
             </a:r>
           </a:p>
@@ -5114,7 +5113,7 @@
           <a:p>
             <a:fld id="{6FEE5800-E8A8-40E1-8526-7E6D4A5BBBAB}" type="datetime1">
               <a:rPr lang="en-US" smtClean="0"/>
-              <a:t>12/10/2023</a:t>
+              <a:t>12/11/2023</a:t>
             </a:fld>
             <a:endParaRPr lang="en-US"/>
           </a:p>
@@ -5753,7 +5752,7 @@
           <a:lstStyle/>
           <a:p>
             <a:r>
-              <a:rPr lang="en-US" smtClean="0"/>
+              <a:rPr lang="en-US"/>
               <a:t>Click to edit Master title style</a:t>
             </a:r>
             <a:endParaRPr lang="en-US" dirty="0"/>
@@ -5787,35 +5786,35 @@
           <a:p>
             <a:pPr lvl="0"/>
             <a:r>
-              <a:rPr lang="en-US" smtClean="0"/>
+              <a:rPr lang="en-US"/>
               <a:t>Edit Master text styles</a:t>
             </a:r>
           </a:p>
           <a:p>
             <a:pPr lvl="1"/>
             <a:r>
-              <a:rPr lang="en-US" smtClean="0"/>
+              <a:rPr lang="en-US"/>
               <a:t>Second level</a:t>
             </a:r>
           </a:p>
           <a:p>
             <a:pPr lvl="2"/>
             <a:r>
-              <a:rPr lang="en-US" smtClean="0"/>
+              <a:rPr lang="en-US"/>
               <a:t>Third level</a:t>
             </a:r>
           </a:p>
           <a:p>
             <a:pPr lvl="3"/>
             <a:r>
-              <a:rPr lang="en-US" smtClean="0"/>
+              <a:rPr lang="en-US"/>
               <a:t>Fourth level</a:t>
             </a:r>
           </a:p>
           <a:p>
             <a:pPr lvl="4"/>
             <a:r>
-              <a:rPr lang="en-US" smtClean="0"/>
+              <a:rPr lang="en-US"/>
               <a:t>Fifth level</a:t>
             </a:r>
             <a:endParaRPr lang="en-US" dirty="0"/>
@@ -5857,7 +5856,7 @@
           <a:p>
             <a:fld id="{2A1BB80C-A204-4A02-AD52-C6EE58015264}" type="datetime1">
               <a:rPr lang="en-US" smtClean="0"/>
-              <a:t>12/10/2023</a:t>
+              <a:t>12/11/2023</a:t>
             </a:fld>
             <a:endParaRPr lang="en-US"/>
           </a:p>
@@ -6403,7 +6402,7 @@
           <a:lstStyle/>
           <a:p>
             <a:r>
-              <a:rPr lang="en-US" sz="3200" b="1" dirty="0" smtClean="0">
+              <a:rPr lang="en-US" sz="3200" b="1" dirty="0">
                 <a:solidFill>
                   <a:schemeClr val="tx1"/>
                 </a:solidFill>
@@ -6412,13 +6411,6 @@
               </a:rPr>
               <a:t>Movie Ticket Booking System</a:t>
             </a:r>
-            <a:endParaRPr lang="en-US" sz="3200" b="1" dirty="0">
-              <a:solidFill>
-                <a:schemeClr val="tx1"/>
-              </a:solidFill>
-              <a:latin typeface="Times New Roman" panose="02020603050405020304" pitchFamily="18" charset="0"/>
-              <a:cs typeface="Times New Roman" panose="02020603050405020304" pitchFamily="18" charset="0"/>
-            </a:endParaRPr>
           </a:p>
         </p:txBody>
       </p:sp>
@@ -6445,16 +6437,12 @@
           <a:lstStyle/>
           <a:p>
             <a:r>
-              <a:rPr lang="en-US" sz="2400" b="1" dirty="0" smtClean="0">
+              <a:rPr lang="en-US" sz="2400" b="1" dirty="0">
                 <a:latin typeface="Times New Roman" panose="02020603050405020304" pitchFamily="18" charset="0"/>
                 <a:cs typeface="Times New Roman" panose="02020603050405020304" pitchFamily="18" charset="0"/>
               </a:rPr>
               <a:t>A presentation on</a:t>
             </a:r>
-            <a:endParaRPr lang="en-US" sz="2400" b="1" dirty="0">
-              <a:latin typeface="Times New Roman" panose="02020603050405020304" pitchFamily="18" charset="0"/>
-              <a:cs typeface="Times New Roman" panose="02020603050405020304" pitchFamily="18" charset="0"/>
-            </a:endParaRPr>
           </a:p>
         </p:txBody>
       </p:sp>
@@ -6481,7 +6469,7 @@
           <a:lstStyle/>
           <a:p>
             <a:r>
-              <a:rPr lang="en-US" b="1" dirty="0" smtClean="0">
+              <a:rPr lang="en-US" b="1" dirty="0">
                 <a:latin typeface="Times New Roman" panose="02020603050405020304" pitchFamily="18" charset="0"/>
                 <a:cs typeface="Times New Roman" panose="02020603050405020304" pitchFamily="18" charset="0"/>
               </a:rPr>
@@ -6496,7 +6484,7 @@
           </a:p>
           <a:p>
             <a:r>
-              <a:rPr lang="en-US" dirty="0" smtClean="0">
+              <a:rPr lang="en-US" dirty="0">
                 <a:latin typeface="Times New Roman" panose="02020603050405020304" pitchFamily="18" charset="0"/>
                 <a:cs typeface="Times New Roman" panose="02020603050405020304" pitchFamily="18" charset="0"/>
               </a:rPr>
@@ -6505,16 +6493,12 @@
           </a:p>
           <a:p>
             <a:r>
-              <a:rPr lang="en-US" dirty="0" smtClean="0">
+              <a:rPr lang="en-US" dirty="0">
                 <a:latin typeface="Times New Roman" panose="02020603050405020304" pitchFamily="18" charset="0"/>
                 <a:cs typeface="Times New Roman" panose="02020603050405020304" pitchFamily="18" charset="0"/>
               </a:rPr>
               <a:t>Saugat Nepal</a:t>
             </a:r>
-            <a:endParaRPr lang="en-US" dirty="0">
-              <a:latin typeface="Times New Roman" panose="02020603050405020304" pitchFamily="18" charset="0"/>
-              <a:cs typeface="Times New Roman" panose="02020603050405020304" pitchFamily="18" charset="0"/>
-            </a:endParaRPr>
           </a:p>
         </p:txBody>
       </p:sp>
@@ -6528,13 +6512,6 @@
   <p:clrMapOvr>
     <a:masterClrMapping/>
   </p:clrMapOvr>
-  <p:timing>
-    <p:tnLst>
-      <p:par>
-        <p:cTn id="1" dur="indefinite" restart="never" nodeType="tmRoot"/>
-      </p:par>
-    </p:tnLst>
-  </p:timing>
 </p:sld>
 </file>
 
@@ -6601,7 +6578,7 @@
           <a:lstStyle/>
           <a:p>
             <a:r>
-              <a:rPr lang="en-US" sz="2400" b="1" dirty="0" smtClean="0">
+              <a:rPr lang="en-US" sz="2400" b="1" dirty="0">
                 <a:latin typeface="Times New Roman" panose="02020603050405020304" pitchFamily="18" charset="0"/>
                 <a:cs typeface="Times New Roman" panose="02020603050405020304" pitchFamily="18" charset="0"/>
               </a:rPr>
@@ -6639,16 +6616,12 @@
           <a:lstStyle/>
           <a:p>
             <a:r>
-              <a:rPr lang="en-US" sz="1600" dirty="0" smtClean="0">
+              <a:rPr lang="en-US" sz="1600" dirty="0">
                 <a:latin typeface="Times New Roman" panose="02020603050405020304" pitchFamily="18" charset="0"/>
                 <a:cs typeface="Times New Roman" panose="02020603050405020304" pitchFamily="18" charset="0"/>
               </a:rPr>
               <a:t>Fig: Context level DFD</a:t>
             </a:r>
-            <a:endParaRPr lang="en-US" sz="1600" dirty="0">
-              <a:latin typeface="Times New Roman" panose="02020603050405020304" pitchFamily="18" charset="0"/>
-              <a:cs typeface="Times New Roman" panose="02020603050405020304" pitchFamily="18" charset="0"/>
-            </a:endParaRPr>
           </a:p>
         </p:txBody>
       </p:sp>
@@ -6692,13 +6665,6 @@
   <p:clrMapOvr>
     <a:masterClrMapping/>
   </p:clrMapOvr>
-  <p:timing>
-    <p:tnLst>
-      <p:par>
-        <p:cTn id="1" dur="indefinite" restart="never" nodeType="tmRoot"/>
-      </p:par>
-    </p:tnLst>
-  </p:timing>
 </p:sld>
 </file>
 
@@ -6768,19 +6734,8 @@
                 <a:latin typeface="Times New Roman" panose="02020603050405020304" pitchFamily="18" charset="0"/>
                 <a:cs typeface="Times New Roman" panose="02020603050405020304" pitchFamily="18" charset="0"/>
               </a:rPr>
-              <a:t>Fig: </a:t>
+              <a:t>Fig: Level 0 DFD</a:t>
             </a:r>
-            <a:r>
-              <a:rPr lang="en-US" dirty="0" smtClean="0">
-                <a:latin typeface="Times New Roman" panose="02020603050405020304" pitchFamily="18" charset="0"/>
-                <a:cs typeface="Times New Roman" panose="02020603050405020304" pitchFamily="18" charset="0"/>
-              </a:rPr>
-              <a:t>Level 0 DFD</a:t>
-            </a:r>
-            <a:endParaRPr lang="en-US" dirty="0">
-              <a:latin typeface="Times New Roman" panose="02020603050405020304" pitchFamily="18" charset="0"/>
-              <a:cs typeface="Times New Roman" panose="02020603050405020304" pitchFamily="18" charset="0"/>
-            </a:endParaRPr>
           </a:p>
         </p:txBody>
       </p:sp>
@@ -6822,13 +6777,6 @@
   <p:clrMapOvr>
     <a:masterClrMapping/>
   </p:clrMapOvr>
-  <p:timing>
-    <p:tnLst>
-      <p:par>
-        <p:cTn id="1" dur="indefinite" restart="never" nodeType="tmRoot"/>
-      </p:par>
-    </p:tnLst>
-  </p:timing>
 </p:sld>
 </file>
 
@@ -6922,7 +6870,7 @@
           <a:lstStyle/>
           <a:p>
             <a:r>
-              <a:rPr lang="en-US" sz="2400" b="1" smtClean="0">
+              <a:rPr lang="en-US" sz="2400" b="1">
                 <a:latin typeface="Times New Roman" panose="02020603050405020304" pitchFamily="18" charset="0"/>
                 <a:ea typeface="Calibri" panose="020F0502020204030204" pitchFamily="34" charset="0"/>
               </a:rPr>
@@ -6967,23 +6915,7 @@
                 <a:ea typeface="Calibri" panose="020F0502020204030204" pitchFamily="34" charset="0"/>
                 <a:cs typeface="Times New Roman" panose="02020603050405020304" pitchFamily="18" charset="0"/>
               </a:rPr>
-              <a:t>Fig </a:t>
-            </a:r>
-            <a:r>
-              <a:rPr lang="en-US" dirty="0" smtClean="0">
-                <a:latin typeface="Times New Roman" panose="02020603050405020304" pitchFamily="18" charset="0"/>
-                <a:ea typeface="Calibri" panose="020F0502020204030204" pitchFamily="34" charset="0"/>
-                <a:cs typeface="Times New Roman" panose="02020603050405020304" pitchFamily="18" charset="0"/>
-              </a:rPr>
-              <a:t>: Physical </a:t>
-            </a:r>
-            <a:r>
-              <a:rPr lang="en-US" dirty="0">
-                <a:latin typeface="Times New Roman" panose="02020603050405020304" pitchFamily="18" charset="0"/>
-                <a:ea typeface="Calibri" panose="020F0502020204030204" pitchFamily="34" charset="0"/>
-                <a:cs typeface="Times New Roman" panose="02020603050405020304" pitchFamily="18" charset="0"/>
-              </a:rPr>
-              <a:t>DFD</a:t>
+              <a:t>Fig : Physical DFD</a:t>
             </a:r>
             <a:endParaRPr lang="en-US" sz="1600" dirty="0">
               <a:effectLst/>
@@ -7004,13 +6936,6 @@
   <p:clrMapOvr>
     <a:masterClrMapping/>
   </p:clrMapOvr>
-  <p:timing>
-    <p:tnLst>
-      <p:par>
-        <p:cTn id="1" dur="indefinite" restart="never" nodeType="tmRoot"/>
-      </p:par>
-    </p:tnLst>
-  </p:timing>
 </p:sld>
 </file>
 
@@ -7049,175 +6974,6 @@
             <a:fld id="{65049433-76A0-465F-B9A5-46A311B0921A}" type="slidenum">
               <a:rPr lang="en-US" smtClean="0"/>
               <a:t>13</a:t>
-            </a:fld>
-            <a:endParaRPr lang="en-US"/>
-          </a:p>
-        </p:txBody>
-      </p:sp>
-      <p:sp>
-        <p:nvSpPr>
-          <p:cNvPr id="3" name="TextBox 2"/>
-          <p:cNvSpPr txBox="1"/>
-          <p:nvPr/>
-        </p:nvSpPr>
-        <p:spPr>
-          <a:xfrm>
-            <a:off x="460856" y="347117"/>
-            <a:ext cx="8612659" cy="461665"/>
-          </a:xfrm>
-          <a:prstGeom prst="rect">
-            <a:avLst/>
-          </a:prstGeom>
-          <a:noFill/>
-        </p:spPr>
-        <p:txBody>
-          <a:bodyPr wrap="square" rtlCol="0">
-            <a:spAutoFit/>
-          </a:bodyPr>
-          <a:lstStyle/>
-          <a:p>
-            <a:r>
-              <a:rPr lang="en-US" sz="2400" b="1" dirty="0" smtClean="0">
-                <a:latin typeface="Times New Roman" panose="02020603050405020304" pitchFamily="18" charset="0"/>
-                <a:cs typeface="Times New Roman" panose="02020603050405020304" pitchFamily="18" charset="0"/>
-              </a:rPr>
-              <a:t>                          Database Schema Design </a:t>
-            </a:r>
-            <a:endParaRPr lang="en-US" sz="2400" b="1" dirty="0">
-              <a:latin typeface="Times New Roman" panose="02020603050405020304" pitchFamily="18" charset="0"/>
-              <a:cs typeface="Times New Roman" panose="02020603050405020304" pitchFamily="18" charset="0"/>
-            </a:endParaRPr>
-          </a:p>
-        </p:txBody>
-      </p:sp>
-      <p:sp>
-        <p:nvSpPr>
-          <p:cNvPr id="5" name="TextBox 4"/>
-          <p:cNvSpPr txBox="1"/>
-          <p:nvPr/>
-        </p:nvSpPr>
-        <p:spPr>
-          <a:xfrm>
-            <a:off x="3068223" y="6223924"/>
-            <a:ext cx="4197552" cy="369332"/>
-          </a:xfrm>
-          <a:prstGeom prst="rect">
-            <a:avLst/>
-          </a:prstGeom>
-          <a:noFill/>
-        </p:spPr>
-        <p:txBody>
-          <a:bodyPr wrap="square" rtlCol="0">
-            <a:spAutoFit/>
-          </a:bodyPr>
-          <a:lstStyle/>
-          <a:p>
-            <a:r>
-              <a:rPr lang="en-US" dirty="0" smtClean="0">
-                <a:latin typeface="Times New Roman" panose="02020603050405020304" pitchFamily="18" charset="0"/>
-                <a:cs typeface="Times New Roman" panose="02020603050405020304" pitchFamily="18" charset="0"/>
-              </a:rPr>
-              <a:t>Fig: </a:t>
-            </a:r>
-            <a:r>
-              <a:rPr lang="en-US" dirty="0" smtClean="0">
-                <a:latin typeface="Times New Roman" panose="02020603050405020304" pitchFamily="18" charset="0"/>
-                <a:cs typeface="Times New Roman" panose="02020603050405020304" pitchFamily="18" charset="0"/>
-              </a:rPr>
-              <a:t>Database schema design</a:t>
-            </a:r>
-            <a:endParaRPr lang="en-US" dirty="0">
-              <a:latin typeface="Times New Roman" panose="02020603050405020304" pitchFamily="18" charset="0"/>
-              <a:cs typeface="Times New Roman" panose="02020603050405020304" pitchFamily="18" charset="0"/>
-            </a:endParaRPr>
-          </a:p>
-        </p:txBody>
-      </p:sp>
-      <p:pic>
-        <p:nvPicPr>
-          <p:cNvPr id="4" name="Picture 3"/>
-          <p:cNvPicPr>
-            <a:picLocks noChangeAspect="1"/>
-          </p:cNvPicPr>
-          <p:nvPr/>
-        </p:nvPicPr>
-        <p:blipFill>
-          <a:blip r:embed="rId2">
-            <a:extLst>
-              <a:ext uri="{28A0092B-C50C-407E-A947-70E740481C1C}">
-                <a14:useLocalDpi xmlns:a14="http://schemas.microsoft.com/office/drawing/2010/main" val="0"/>
-              </a:ext>
-            </a:extLst>
-          </a:blip>
-          <a:stretch>
-            <a:fillRect/>
-          </a:stretch>
-        </p:blipFill>
-        <p:spPr>
-          <a:xfrm>
-            <a:off x="842556" y="1149727"/>
-            <a:ext cx="7849257" cy="5056579"/>
-          </a:xfrm>
-          <a:prstGeom prst="rect">
-            <a:avLst/>
-          </a:prstGeom>
-        </p:spPr>
-      </p:pic>
-    </p:spTree>
-    <p:extLst>
-      <p:ext uri="{BB962C8B-B14F-4D97-AF65-F5344CB8AC3E}">
-        <p14:creationId xmlns:p14="http://schemas.microsoft.com/office/powerpoint/2010/main" val="1572842099"/>
-      </p:ext>
-    </p:extLst>
-  </p:cSld>
-  <p:clrMapOvr>
-    <a:masterClrMapping/>
-  </p:clrMapOvr>
-  <p:timing>
-    <p:tnLst>
-      <p:par>
-        <p:cTn id="1" dur="indefinite" restart="never" nodeType="tmRoot"/>
-      </p:par>
-    </p:tnLst>
-  </p:timing>
-</p:sld>
-</file>
-
-<file path=ppt/slides/slide14.xml><?xml version="1.0" encoding="utf-8"?>
-<p:sld xmlns:a="http://schemas.openxmlformats.org/drawingml/2006/main" xmlns:r="http://schemas.openxmlformats.org/officeDocument/2006/relationships" xmlns:p="http://schemas.openxmlformats.org/presentationml/2006/main">
-  <p:cSld>
-    <p:spTree>
-      <p:nvGrpSpPr>
-        <p:cNvPr id="1" name=""/>
-        <p:cNvGrpSpPr/>
-        <p:nvPr/>
-      </p:nvGrpSpPr>
-      <p:grpSpPr>
-        <a:xfrm>
-          <a:off x="0" y="0"/>
-          <a:ext cx="0" cy="0"/>
-          <a:chOff x="0" y="0"/>
-          <a:chExt cx="0" cy="0"/>
-        </a:xfrm>
-      </p:grpSpPr>
-      <p:sp>
-        <p:nvSpPr>
-          <p:cNvPr id="2" name="Slide Number Placeholder 1"/>
-          <p:cNvSpPr>
-            <a:spLocks noGrp="1"/>
-          </p:cNvSpPr>
-          <p:nvPr>
-            <p:ph type="sldNum" sz="quarter" idx="12"/>
-          </p:nvPr>
-        </p:nvSpPr>
-        <p:spPr/>
-        <p:txBody>
-          <a:bodyPr/>
-          <a:lstStyle/>
-          <a:p>
-            <a:fld id="{65049433-76A0-465F-B9A5-46A311B0921A}" type="slidenum">
-              <a:rPr lang="en-US" smtClean="0"/>
-              <a:t>14</a:t>
             </a:fld>
             <a:endParaRPr lang="en-US"/>
           </a:p>
@@ -7309,23 +7065,7 @@
                 <a:ea typeface="Calibri" panose="020F0502020204030204" pitchFamily="34" charset="0"/>
                 <a:cs typeface="Times New Roman" panose="02020603050405020304" pitchFamily="18" charset="0"/>
               </a:rPr>
-              <a:t>Fig</a:t>
-            </a:r>
-            <a:r>
-              <a:rPr lang="en-US" dirty="0" smtClean="0">
-                <a:latin typeface="Times New Roman" panose="02020603050405020304" pitchFamily="18" charset="0"/>
-                <a:ea typeface="Calibri" panose="020F0502020204030204" pitchFamily="34" charset="0"/>
-                <a:cs typeface="Times New Roman" panose="02020603050405020304" pitchFamily="18" charset="0"/>
-              </a:rPr>
-              <a:t>:  </a:t>
-            </a:r>
-            <a:r>
-              <a:rPr lang="en-US" dirty="0">
-                <a:latin typeface="Times New Roman" panose="02020603050405020304" pitchFamily="18" charset="0"/>
-                <a:ea typeface="Calibri" panose="020F0502020204030204" pitchFamily="34" charset="0"/>
-                <a:cs typeface="Times New Roman" panose="02020603050405020304" pitchFamily="18" charset="0"/>
-              </a:rPr>
-              <a:t>Architecture Design</a:t>
+              <a:t>Fig:  Architecture Design</a:t>
             </a:r>
             <a:endParaRPr lang="en-US" sz="1600" dirty="0">
               <a:effectLst/>
@@ -7378,13 +7118,153 @@
   <p:clrMapOvr>
     <a:masterClrMapping/>
   </p:clrMapOvr>
-  <p:timing>
-    <p:tnLst>
-      <p:par>
-        <p:cTn id="1" dur="indefinite" restart="never" nodeType="tmRoot"/>
-      </p:par>
-    </p:tnLst>
-  </p:timing>
+</p:sld>
+</file>
+
+<file path=ppt/slides/slide14.xml><?xml version="1.0" encoding="utf-8"?>
+<p:sld xmlns:a="http://schemas.openxmlformats.org/drawingml/2006/main" xmlns:r="http://schemas.openxmlformats.org/officeDocument/2006/relationships" xmlns:p="http://schemas.openxmlformats.org/presentationml/2006/main">
+  <p:cSld>
+    <p:spTree>
+      <p:nvGrpSpPr>
+        <p:cNvPr id="1" name=""/>
+        <p:cNvGrpSpPr/>
+        <p:nvPr/>
+      </p:nvGrpSpPr>
+      <p:grpSpPr>
+        <a:xfrm>
+          <a:off x="0" y="0"/>
+          <a:ext cx="0" cy="0"/>
+          <a:chOff x="0" y="0"/>
+          <a:chExt cx="0" cy="0"/>
+        </a:xfrm>
+      </p:grpSpPr>
+      <p:sp>
+        <p:nvSpPr>
+          <p:cNvPr id="2" name="Slide Number Placeholder 1"/>
+          <p:cNvSpPr>
+            <a:spLocks noGrp="1"/>
+          </p:cNvSpPr>
+          <p:nvPr>
+            <p:ph type="sldNum" sz="quarter" idx="12"/>
+          </p:nvPr>
+        </p:nvSpPr>
+        <p:spPr/>
+        <p:txBody>
+          <a:bodyPr/>
+          <a:lstStyle/>
+          <a:p>
+            <a:fld id="{65049433-76A0-465F-B9A5-46A311B0921A}" type="slidenum">
+              <a:rPr lang="en-US" smtClean="0"/>
+              <a:t>14</a:t>
+            </a:fld>
+            <a:endParaRPr lang="en-US"/>
+          </a:p>
+        </p:txBody>
+      </p:sp>
+      <p:sp>
+        <p:nvSpPr>
+          <p:cNvPr id="3" name="TextBox 2"/>
+          <p:cNvSpPr txBox="1"/>
+          <p:nvPr/>
+        </p:nvSpPr>
+        <p:spPr>
+          <a:xfrm>
+            <a:off x="460856" y="347117"/>
+            <a:ext cx="8612659" cy="461665"/>
+          </a:xfrm>
+          <a:prstGeom prst="rect">
+            <a:avLst/>
+          </a:prstGeom>
+          <a:noFill/>
+        </p:spPr>
+        <p:txBody>
+          <a:bodyPr wrap="square" rtlCol="0">
+            <a:spAutoFit/>
+          </a:bodyPr>
+          <a:lstStyle/>
+          <a:p>
+            <a:r>
+              <a:rPr lang="en-US" sz="2400" b="1" dirty="0">
+                <a:latin typeface="Times New Roman" panose="02020603050405020304" pitchFamily="18" charset="0"/>
+                <a:cs typeface="Times New Roman" panose="02020603050405020304" pitchFamily="18" charset="0"/>
+              </a:rPr>
+              <a:t>                          Database Schema Design </a:t>
+            </a:r>
+          </a:p>
+        </p:txBody>
+      </p:sp>
+      <p:sp>
+        <p:nvSpPr>
+          <p:cNvPr id="5" name="TextBox 4"/>
+          <p:cNvSpPr txBox="1"/>
+          <p:nvPr/>
+        </p:nvSpPr>
+        <p:spPr>
+          <a:xfrm>
+            <a:off x="3068223" y="6223924"/>
+            <a:ext cx="4197552" cy="369332"/>
+          </a:xfrm>
+          <a:prstGeom prst="rect">
+            <a:avLst/>
+          </a:prstGeom>
+          <a:noFill/>
+        </p:spPr>
+        <p:txBody>
+          <a:bodyPr wrap="square" rtlCol="0">
+            <a:spAutoFit/>
+          </a:bodyPr>
+          <a:lstStyle/>
+          <a:p>
+            <a:r>
+              <a:rPr lang="en-US" dirty="0">
+                <a:latin typeface="Times New Roman" panose="02020603050405020304" pitchFamily="18" charset="0"/>
+                <a:cs typeface="Times New Roman" panose="02020603050405020304" pitchFamily="18" charset="0"/>
+              </a:rPr>
+              <a:t>Fig: Database schema design</a:t>
+            </a:r>
+          </a:p>
+        </p:txBody>
+      </p:sp>
+      <p:pic>
+        <p:nvPicPr>
+          <p:cNvPr id="4" name="Picture 3"/>
+          <p:cNvPicPr>
+            <a:picLocks noChangeAspect="1"/>
+          </p:cNvPicPr>
+          <p:nvPr/>
+        </p:nvPicPr>
+        <p:blipFill>
+          <a:blip r:embed="rId2">
+            <a:extLst>
+              <a:ext uri="{28A0092B-C50C-407E-A947-70E740481C1C}">
+                <a14:useLocalDpi xmlns:a14="http://schemas.microsoft.com/office/drawing/2010/main" val="0"/>
+              </a:ext>
+            </a:extLst>
+          </a:blip>
+          <a:stretch>
+            <a:fillRect/>
+          </a:stretch>
+        </p:blipFill>
+        <p:spPr>
+          <a:xfrm>
+            <a:off x="842556" y="1149727"/>
+            <a:ext cx="7849257" cy="5056579"/>
+          </a:xfrm>
+          <a:prstGeom prst="rect">
+            <a:avLst/>
+          </a:prstGeom>
+        </p:spPr>
+      </p:pic>
+    </p:spTree>
+    <p:extLst>
+      <p:ext uri="{BB962C8B-B14F-4D97-AF65-F5344CB8AC3E}">
+        <p14:creationId xmlns:p14="http://schemas.microsoft.com/office/powerpoint/2010/main" val="1572842099"/>
+      </p:ext>
+    </p:extLst>
+  </p:cSld>
+  <p:clrMapOvr>
+    <a:masterClrMapping/>
+  </p:clrMapOvr>
 </p:sld>
 </file>
 
@@ -7430,599 +7310,6 @@
       </p:sp>
       <p:sp>
         <p:nvSpPr>
-          <p:cNvPr id="3" name="Rectangle 2"/>
-          <p:cNvSpPr/>
-          <p:nvPr/>
-        </p:nvSpPr>
-        <p:spPr>
-          <a:xfrm>
-            <a:off x="235355" y="264886"/>
-            <a:ext cx="2601994" cy="405367"/>
-          </a:xfrm>
-          <a:prstGeom prst="rect">
-            <a:avLst/>
-          </a:prstGeom>
-        </p:spPr>
-        <p:txBody>
-          <a:bodyPr wrap="none">
-            <a:spAutoFit/>
-          </a:bodyPr>
-          <a:lstStyle/>
-          <a:p>
-            <a:pPr marR="0" lvl="1">
-              <a:lnSpc>
-                <a:spcPct val="107000"/>
-              </a:lnSpc>
-              <a:spcBef>
-                <a:spcPts val="200"/>
-              </a:spcBef>
-              <a:spcAft>
-                <a:spcPts val="0"/>
-              </a:spcAft>
-            </a:pPr>
-            <a:r>
-              <a:rPr lang="en-US" sz="2000" b="1" dirty="0">
-                <a:latin typeface="Times New Roman" panose="02020603050405020304" pitchFamily="18" charset="0"/>
-                <a:ea typeface="Times New Roman" panose="02020603050405020304" pitchFamily="18" charset="0"/>
-                <a:cs typeface="Times New Roman" panose="02020603050405020304" pitchFamily="18" charset="0"/>
-              </a:rPr>
-              <a:t>Algorithm Details</a:t>
-            </a:r>
-            <a:endParaRPr lang="en-US" b="1" dirty="0">
-              <a:effectLst/>
-              <a:latin typeface="Calibri Light" panose="020F0302020204030204" pitchFamily="34" charset="0"/>
-              <a:ea typeface="Times New Roman" panose="02020603050405020304" pitchFamily="18" charset="0"/>
-              <a:cs typeface="Times New Roman" panose="02020603050405020304" pitchFamily="18" charset="0"/>
-            </a:endParaRPr>
-          </a:p>
-        </p:txBody>
-      </p:sp>
-      <p:sp>
-        <p:nvSpPr>
-          <p:cNvPr id="4" name="Rectangle 3"/>
-          <p:cNvSpPr/>
-          <p:nvPr/>
-        </p:nvSpPr>
-        <p:spPr>
-          <a:xfrm>
-            <a:off x="2108885" y="1114833"/>
-            <a:ext cx="4823255" cy="5109091"/>
-          </a:xfrm>
-          <a:prstGeom prst="rect">
-            <a:avLst/>
-          </a:prstGeom>
-        </p:spPr>
-        <p:txBody>
-          <a:bodyPr wrap="square">
-            <a:spAutoFit/>
-          </a:bodyPr>
-          <a:lstStyle/>
-          <a:p>
-            <a:pPr>
-              <a:lnSpc>
-                <a:spcPct val="150000"/>
-              </a:lnSpc>
-              <a:spcAft>
-                <a:spcPts val="800"/>
-              </a:spcAft>
-            </a:pPr>
-            <a:r>
-              <a:rPr lang="en-US" sz="1200" dirty="0">
-                <a:latin typeface="Times New Roman" panose="02020603050405020304" pitchFamily="18" charset="0"/>
-                <a:ea typeface="Calibri" panose="020F0502020204030204" pitchFamily="34" charset="0"/>
-                <a:cs typeface="Times New Roman" panose="02020603050405020304" pitchFamily="18" charset="0"/>
-              </a:rPr>
-              <a:t>function fetchAndSortMovies(result</a:t>
-            </a:r>
-            <a:r>
-              <a:rPr lang="en-US" sz="1200" dirty="0" smtClean="0">
-                <a:latin typeface="Times New Roman" panose="02020603050405020304" pitchFamily="18" charset="0"/>
-                <a:ea typeface="Calibri" panose="020F0502020204030204" pitchFamily="34" charset="0"/>
-                <a:cs typeface="Times New Roman" panose="02020603050405020304" pitchFamily="18" charset="0"/>
-              </a:rPr>
-              <a:t>):</a:t>
-            </a:r>
-          </a:p>
-          <a:p>
-            <a:pPr>
-              <a:lnSpc>
-                <a:spcPct val="150000"/>
-              </a:lnSpc>
-              <a:spcAft>
-                <a:spcPts val="800"/>
-              </a:spcAft>
-            </a:pPr>
-            <a:r>
-              <a:rPr lang="en-US" sz="1200" dirty="0" smtClean="0">
-                <a:latin typeface="Times New Roman" panose="02020603050405020304" pitchFamily="18" charset="0"/>
-                <a:ea typeface="Calibri" panose="020F0502020204030204" pitchFamily="34" charset="0"/>
-                <a:cs typeface="Times New Roman" panose="02020603050405020304" pitchFamily="18" charset="0"/>
-              </a:rPr>
-              <a:t>movies </a:t>
-            </a:r>
-            <a:r>
-              <a:rPr lang="en-US" sz="1200" dirty="0">
-                <a:latin typeface="Times New Roman" panose="02020603050405020304" pitchFamily="18" charset="0"/>
-                <a:ea typeface="Calibri" panose="020F0502020204030204" pitchFamily="34" charset="0"/>
-                <a:cs typeface="Times New Roman" panose="02020603050405020304" pitchFamily="18" charset="0"/>
-              </a:rPr>
-              <a:t>= []</a:t>
-            </a:r>
-          </a:p>
-          <a:p>
-            <a:pPr>
-              <a:lnSpc>
-                <a:spcPct val="150000"/>
-              </a:lnSpc>
-              <a:spcAft>
-                <a:spcPts val="800"/>
-              </a:spcAft>
-            </a:pPr>
-            <a:r>
-              <a:rPr lang="en-US" sz="1200" dirty="0">
-                <a:latin typeface="Times New Roman" panose="02020603050405020304" pitchFamily="18" charset="0"/>
-                <a:ea typeface="Calibri" panose="020F0502020204030204" pitchFamily="34" charset="0"/>
-                <a:cs typeface="Times New Roman" panose="02020603050405020304" pitchFamily="18" charset="0"/>
-              </a:rPr>
-              <a:t>    while there are rows in the result:</a:t>
-            </a:r>
-          </a:p>
-          <a:p>
-            <a:pPr>
-              <a:lnSpc>
-                <a:spcPct val="150000"/>
-              </a:lnSpc>
-              <a:spcAft>
-                <a:spcPts val="800"/>
-              </a:spcAft>
-            </a:pPr>
-            <a:r>
-              <a:rPr lang="en-US" sz="1200" dirty="0">
-                <a:latin typeface="Times New Roman" panose="02020603050405020304" pitchFamily="18" charset="0"/>
-                <a:ea typeface="Calibri" panose="020F0502020204030204" pitchFamily="34" charset="0"/>
-                <a:cs typeface="Times New Roman" panose="02020603050405020304" pitchFamily="18" charset="0"/>
-              </a:rPr>
-              <a:t>        row = fetch next row from result</a:t>
-            </a:r>
-          </a:p>
-          <a:p>
-            <a:pPr>
-              <a:lnSpc>
-                <a:spcPct val="150000"/>
-              </a:lnSpc>
-              <a:spcAft>
-                <a:spcPts val="800"/>
-              </a:spcAft>
-            </a:pPr>
-            <a:r>
-              <a:rPr lang="en-US" sz="1200" dirty="0">
-                <a:latin typeface="Times New Roman" panose="02020603050405020304" pitchFamily="18" charset="0"/>
-                <a:ea typeface="Calibri" panose="020F0502020204030204" pitchFamily="34" charset="0"/>
-                <a:cs typeface="Times New Roman" panose="02020603050405020304" pitchFamily="18" charset="0"/>
-              </a:rPr>
-              <a:t>        movies.append(row)</a:t>
-            </a:r>
-          </a:p>
-          <a:p>
-            <a:pPr>
-              <a:lnSpc>
-                <a:spcPct val="150000"/>
-              </a:lnSpc>
-              <a:spcAft>
-                <a:spcPts val="800"/>
-              </a:spcAft>
-            </a:pPr>
-            <a:r>
-              <a:rPr lang="en-US" sz="1200" dirty="0">
-                <a:latin typeface="Times New Roman" panose="02020603050405020304" pitchFamily="18" charset="0"/>
-                <a:ea typeface="Calibri" panose="020F0502020204030204" pitchFamily="34" charset="0"/>
-                <a:cs typeface="Times New Roman" panose="02020603050405020304" pitchFamily="18" charset="0"/>
-              </a:rPr>
-              <a:t>    for i from 1 to length(movies) - 1:</a:t>
-            </a:r>
-          </a:p>
-          <a:p>
-            <a:pPr>
-              <a:lnSpc>
-                <a:spcPct val="150000"/>
-              </a:lnSpc>
-              <a:spcAft>
-                <a:spcPts val="800"/>
-              </a:spcAft>
-            </a:pPr>
-            <a:r>
-              <a:rPr lang="en-US" sz="1200" dirty="0">
-                <a:latin typeface="Times New Roman" panose="02020603050405020304" pitchFamily="18" charset="0"/>
-                <a:ea typeface="Calibri" panose="020F0502020204030204" pitchFamily="34" charset="0"/>
-                <a:cs typeface="Times New Roman" panose="02020603050405020304" pitchFamily="18" charset="0"/>
-              </a:rPr>
-              <a:t>        key = movies[i]</a:t>
-            </a:r>
-          </a:p>
-          <a:p>
-            <a:pPr>
-              <a:lnSpc>
-                <a:spcPct val="150000"/>
-              </a:lnSpc>
-              <a:spcAft>
-                <a:spcPts val="800"/>
-              </a:spcAft>
-            </a:pPr>
-            <a:r>
-              <a:rPr lang="en-US" sz="1200" dirty="0">
-                <a:latin typeface="Times New Roman" panose="02020603050405020304" pitchFamily="18" charset="0"/>
-                <a:ea typeface="Calibri" panose="020F0502020204030204" pitchFamily="34" charset="0"/>
-                <a:cs typeface="Times New Roman" panose="02020603050405020304" pitchFamily="18" charset="0"/>
-              </a:rPr>
-              <a:t>        j = i - 1</a:t>
-            </a:r>
-          </a:p>
-          <a:p>
-            <a:pPr>
-              <a:lnSpc>
-                <a:spcPct val="150000"/>
-              </a:lnSpc>
-              <a:spcAft>
-                <a:spcPts val="800"/>
-              </a:spcAft>
-            </a:pPr>
-            <a:r>
-              <a:rPr lang="en-US" sz="1200" dirty="0">
-                <a:latin typeface="Times New Roman" panose="02020603050405020304" pitchFamily="18" charset="0"/>
-                <a:ea typeface="Calibri" panose="020F0502020204030204" pitchFamily="34" charset="0"/>
-                <a:cs typeface="Times New Roman" panose="02020603050405020304" pitchFamily="18" charset="0"/>
-              </a:rPr>
-              <a:t>        while j &gt;= 0 and strtotime(movies[j]['release_date']) &gt; strtotime(key['release_date']):</a:t>
-            </a:r>
-          </a:p>
-          <a:p>
-            <a:pPr>
-              <a:lnSpc>
-                <a:spcPct val="150000"/>
-              </a:lnSpc>
-              <a:spcAft>
-                <a:spcPts val="800"/>
-              </a:spcAft>
-            </a:pPr>
-            <a:r>
-              <a:rPr lang="en-US" sz="1200" dirty="0">
-                <a:latin typeface="Times New Roman" panose="02020603050405020304" pitchFamily="18" charset="0"/>
-                <a:ea typeface="Calibri" panose="020F0502020204030204" pitchFamily="34" charset="0"/>
-                <a:cs typeface="Times New Roman" panose="02020603050405020304" pitchFamily="18" charset="0"/>
-              </a:rPr>
-              <a:t>            movies[j + 1] = movies[j]</a:t>
-            </a:r>
-          </a:p>
-          <a:p>
-            <a:pPr>
-              <a:lnSpc>
-                <a:spcPct val="150000"/>
-              </a:lnSpc>
-              <a:spcAft>
-                <a:spcPts val="800"/>
-              </a:spcAft>
-            </a:pPr>
-            <a:r>
-              <a:rPr lang="en-US" sz="1200" dirty="0">
-                <a:latin typeface="Times New Roman" panose="02020603050405020304" pitchFamily="18" charset="0"/>
-                <a:ea typeface="Calibri" panose="020F0502020204030204" pitchFamily="34" charset="0"/>
-                <a:cs typeface="Times New Roman" panose="02020603050405020304" pitchFamily="18" charset="0"/>
-              </a:rPr>
-              <a:t>            j = j - 1</a:t>
-            </a:r>
-          </a:p>
-          <a:p>
-            <a:pPr>
-              <a:lnSpc>
-                <a:spcPct val="150000"/>
-              </a:lnSpc>
-              <a:spcAft>
-                <a:spcPts val="800"/>
-              </a:spcAft>
-            </a:pPr>
-            <a:r>
-              <a:rPr lang="en-US" sz="1200" dirty="0">
-                <a:latin typeface="Times New Roman" panose="02020603050405020304" pitchFamily="18" charset="0"/>
-                <a:ea typeface="Calibri" panose="020F0502020204030204" pitchFamily="34" charset="0"/>
-                <a:cs typeface="Times New Roman" panose="02020603050405020304" pitchFamily="18" charset="0"/>
-              </a:rPr>
-              <a:t>        movies[j + 1] = key</a:t>
-            </a:r>
-          </a:p>
-          <a:p>
-            <a:r>
-              <a:rPr lang="en-US" sz="1200" dirty="0">
-                <a:latin typeface="Times New Roman" panose="02020603050405020304" pitchFamily="18" charset="0"/>
-                <a:ea typeface="Calibri" panose="020F0502020204030204" pitchFamily="34" charset="0"/>
-                <a:cs typeface="Times New Roman" panose="02020603050405020304" pitchFamily="18" charset="0"/>
-              </a:rPr>
-              <a:t>    return movies</a:t>
-            </a:r>
-            <a:endParaRPr lang="en-US" sz="1200" dirty="0">
-              <a:latin typeface="Times New Roman" panose="02020603050405020304" pitchFamily="18" charset="0"/>
-              <a:cs typeface="Times New Roman" panose="02020603050405020304" pitchFamily="18" charset="0"/>
-            </a:endParaRPr>
-          </a:p>
-        </p:txBody>
-      </p:sp>
-    </p:spTree>
-    <p:extLst>
-      <p:ext uri="{BB962C8B-B14F-4D97-AF65-F5344CB8AC3E}">
-        <p14:creationId xmlns:p14="http://schemas.microsoft.com/office/powerpoint/2010/main" val="2567783835"/>
-      </p:ext>
-    </p:extLst>
-  </p:cSld>
-  <p:clrMapOvr>
-    <a:masterClrMapping/>
-  </p:clrMapOvr>
-  <p:timing>
-    <p:tnLst>
-      <p:par>
-        <p:cTn id="1" dur="indefinite" restart="never" nodeType="tmRoot"/>
-      </p:par>
-    </p:tnLst>
-  </p:timing>
-</p:sld>
-</file>
-
-<file path=ppt/slides/slide16.xml><?xml version="1.0" encoding="utf-8"?>
-<p:sld xmlns:a="http://schemas.openxmlformats.org/drawingml/2006/main" xmlns:r="http://schemas.openxmlformats.org/officeDocument/2006/relationships" xmlns:p="http://schemas.openxmlformats.org/presentationml/2006/main">
-  <p:cSld>
-    <p:spTree>
-      <p:nvGrpSpPr>
-        <p:cNvPr id="1" name=""/>
-        <p:cNvGrpSpPr/>
-        <p:nvPr/>
-      </p:nvGrpSpPr>
-      <p:grpSpPr>
-        <a:xfrm>
-          <a:off x="0" y="0"/>
-          <a:ext cx="0" cy="0"/>
-          <a:chOff x="0" y="0"/>
-          <a:chExt cx="0" cy="0"/>
-        </a:xfrm>
-      </p:grpSpPr>
-      <p:sp>
-        <p:nvSpPr>
-          <p:cNvPr id="2" name="Slide Number Placeholder 1"/>
-          <p:cNvSpPr>
-            <a:spLocks noGrp="1"/>
-          </p:cNvSpPr>
-          <p:nvPr>
-            <p:ph type="sldNum" sz="quarter" idx="12"/>
-          </p:nvPr>
-        </p:nvSpPr>
-        <p:spPr/>
-        <p:txBody>
-          <a:bodyPr/>
-          <a:lstStyle/>
-          <a:p>
-            <a:fld id="{65049433-76A0-465F-B9A5-46A311B0921A}" type="slidenum">
-              <a:rPr lang="en-US" smtClean="0"/>
-              <a:t>16</a:t>
-            </a:fld>
-            <a:endParaRPr lang="en-US"/>
-          </a:p>
-        </p:txBody>
-      </p:sp>
-      <p:sp>
-        <p:nvSpPr>
-          <p:cNvPr id="4" name="TextBox 3"/>
-          <p:cNvSpPr txBox="1"/>
-          <p:nvPr/>
-        </p:nvSpPr>
-        <p:spPr>
-          <a:xfrm>
-            <a:off x="966544" y="1149178"/>
-            <a:ext cx="7537622" cy="3662541"/>
-          </a:xfrm>
-          <a:prstGeom prst="rect">
-            <a:avLst/>
-          </a:prstGeom>
-          <a:noFill/>
-        </p:spPr>
-        <p:txBody>
-          <a:bodyPr wrap="square" rtlCol="0">
-            <a:spAutoFit/>
-          </a:bodyPr>
-          <a:lstStyle/>
-          <a:p>
-            <a:r>
-              <a:rPr lang="en-US" sz="2400" b="1" dirty="0" smtClean="0">
-                <a:latin typeface="Times New Roman" panose="02020603050405020304" pitchFamily="18" charset="0"/>
-                <a:cs typeface="Times New Roman" panose="02020603050405020304" pitchFamily="18" charset="0"/>
-              </a:rPr>
-              <a:t>                               Implementation</a:t>
-            </a:r>
-          </a:p>
-          <a:p>
-            <a:endParaRPr lang="en-US" sz="2400" b="1" dirty="0">
-              <a:latin typeface="Times New Roman" panose="02020603050405020304" pitchFamily="18" charset="0"/>
-              <a:cs typeface="Times New Roman" panose="02020603050405020304" pitchFamily="18" charset="0"/>
-            </a:endParaRPr>
-          </a:p>
-          <a:p>
-            <a:r>
-              <a:rPr lang="en-US" b="1" dirty="0" smtClean="0">
-                <a:latin typeface="Times New Roman" panose="02020603050405020304" pitchFamily="18" charset="0"/>
-                <a:cs typeface="Times New Roman" panose="02020603050405020304" pitchFamily="18" charset="0"/>
-              </a:rPr>
-              <a:t>                                            Tools Used</a:t>
-            </a:r>
-          </a:p>
-          <a:p>
-            <a:endParaRPr lang="en-US" b="1" dirty="0" smtClean="0">
-              <a:latin typeface="Times New Roman" panose="02020603050405020304" pitchFamily="18" charset="0"/>
-              <a:cs typeface="Times New Roman" panose="02020603050405020304" pitchFamily="18" charset="0"/>
-            </a:endParaRPr>
-          </a:p>
-          <a:p>
-            <a:endParaRPr lang="en-US" b="1" dirty="0">
-              <a:latin typeface="Times New Roman" panose="02020603050405020304" pitchFamily="18" charset="0"/>
-              <a:cs typeface="Times New Roman" panose="02020603050405020304" pitchFamily="18" charset="0"/>
-            </a:endParaRPr>
-          </a:p>
-          <a:p>
-            <a:r>
-              <a:rPr lang="en-US" b="1" dirty="0" smtClean="0">
-                <a:latin typeface="Times New Roman" panose="02020603050405020304" pitchFamily="18" charset="0"/>
-                <a:cs typeface="Times New Roman" panose="02020603050405020304" pitchFamily="18" charset="0"/>
-              </a:rPr>
-              <a:t>Front End</a:t>
-            </a:r>
-          </a:p>
-          <a:p>
-            <a:pPr marL="285750" indent="-285750">
-              <a:buFont typeface="Arial" panose="020B0604020202020204" pitchFamily="34" charset="0"/>
-              <a:buChar char="•"/>
-            </a:pPr>
-            <a:r>
-              <a:rPr lang="en-US" sz="1600" dirty="0" smtClean="0">
-                <a:latin typeface="Times New Roman" panose="02020603050405020304" pitchFamily="18" charset="0"/>
-                <a:cs typeface="Times New Roman" panose="02020603050405020304" pitchFamily="18" charset="0"/>
-              </a:rPr>
-              <a:t>HTML</a:t>
-            </a:r>
-          </a:p>
-          <a:p>
-            <a:pPr marL="285750" indent="-285750">
-              <a:buFont typeface="Arial" panose="020B0604020202020204" pitchFamily="34" charset="0"/>
-              <a:buChar char="•"/>
-            </a:pPr>
-            <a:r>
-              <a:rPr lang="en-US" sz="1600" dirty="0" smtClean="0">
-                <a:latin typeface="Times New Roman" panose="02020603050405020304" pitchFamily="18" charset="0"/>
-                <a:cs typeface="Times New Roman" panose="02020603050405020304" pitchFamily="18" charset="0"/>
-              </a:rPr>
-              <a:t>CSS</a:t>
-            </a:r>
-          </a:p>
-          <a:p>
-            <a:pPr marL="285750" indent="-285750">
-              <a:buFont typeface="Arial" panose="020B0604020202020204" pitchFamily="34" charset="0"/>
-              <a:buChar char="•"/>
-            </a:pPr>
-            <a:r>
-              <a:rPr lang="en-US" sz="1600" dirty="0" smtClean="0">
-                <a:latin typeface="Times New Roman" panose="02020603050405020304" pitchFamily="18" charset="0"/>
-                <a:cs typeface="Times New Roman" panose="02020603050405020304" pitchFamily="18" charset="0"/>
-              </a:rPr>
-              <a:t>Javascript</a:t>
-            </a:r>
-            <a:endParaRPr lang="en-US" sz="1600" dirty="0" smtClean="0">
-              <a:latin typeface="Times New Roman" panose="02020603050405020304" pitchFamily="18" charset="0"/>
-              <a:cs typeface="Times New Roman" panose="02020603050405020304" pitchFamily="18" charset="0"/>
-            </a:endParaRPr>
-          </a:p>
-          <a:p>
-            <a:endParaRPr lang="en-US" sz="1600" dirty="0">
-              <a:latin typeface="Times New Roman" panose="02020603050405020304" pitchFamily="18" charset="0"/>
-              <a:cs typeface="Times New Roman" panose="02020603050405020304" pitchFamily="18" charset="0"/>
-            </a:endParaRPr>
-          </a:p>
-          <a:p>
-            <a:r>
-              <a:rPr lang="en-US" sz="1600" b="1" dirty="0">
-                <a:latin typeface="Times New Roman" panose="02020603050405020304" pitchFamily="18" charset="0"/>
-                <a:cs typeface="Times New Roman" panose="02020603050405020304" pitchFamily="18" charset="0"/>
-              </a:rPr>
-              <a:t>Back End</a:t>
-            </a:r>
-          </a:p>
-          <a:p>
-            <a:pPr marL="285750" indent="-285750">
-              <a:buFont typeface="Arial" panose="020B0604020202020204" pitchFamily="34" charset="0"/>
-              <a:buChar char="•"/>
-            </a:pPr>
-            <a:r>
-              <a:rPr lang="en-US" sz="1600" dirty="0" smtClean="0">
-                <a:latin typeface="Times New Roman" panose="02020603050405020304" pitchFamily="18" charset="0"/>
-                <a:cs typeface="Times New Roman" panose="02020603050405020304" pitchFamily="18" charset="0"/>
-              </a:rPr>
-              <a:t>PHP</a:t>
-            </a:r>
-          </a:p>
-          <a:p>
-            <a:pPr marL="285750" indent="-285750">
-              <a:buFont typeface="Arial" panose="020B0604020202020204" pitchFamily="34" charset="0"/>
-              <a:buChar char="•"/>
-            </a:pPr>
-            <a:r>
-              <a:rPr lang="en-US" sz="1600" dirty="0" smtClean="0">
-                <a:latin typeface="Times New Roman" panose="02020603050405020304" pitchFamily="18" charset="0"/>
-                <a:cs typeface="Times New Roman" panose="02020603050405020304" pitchFamily="18" charset="0"/>
-              </a:rPr>
-              <a:t>MySql</a:t>
-            </a:r>
-            <a:endParaRPr lang="en-US" sz="1600" dirty="0">
-              <a:latin typeface="Times New Roman" panose="02020603050405020304" pitchFamily="18" charset="0"/>
-              <a:cs typeface="Times New Roman" panose="02020603050405020304" pitchFamily="18" charset="0"/>
-            </a:endParaRPr>
-          </a:p>
-        </p:txBody>
-      </p:sp>
-    </p:spTree>
-    <p:extLst>
-      <p:ext uri="{BB962C8B-B14F-4D97-AF65-F5344CB8AC3E}">
-        <p14:creationId xmlns:p14="http://schemas.microsoft.com/office/powerpoint/2010/main" val="1153751805"/>
-      </p:ext>
-    </p:extLst>
-  </p:cSld>
-  <p:clrMapOvr>
-    <a:masterClrMapping/>
-  </p:clrMapOvr>
-  <p:timing>
-    <p:tnLst>
-      <p:par>
-        <p:cTn id="1" dur="indefinite" restart="never" nodeType="tmRoot"/>
-      </p:par>
-    </p:tnLst>
-  </p:timing>
-</p:sld>
-</file>
-
-<file path=ppt/slides/slide17.xml><?xml version="1.0" encoding="utf-8"?>
-<p:sld xmlns:a="http://schemas.openxmlformats.org/drawingml/2006/main" xmlns:r="http://schemas.openxmlformats.org/officeDocument/2006/relationships" xmlns:p="http://schemas.openxmlformats.org/presentationml/2006/main">
-  <p:cSld>
-    <p:spTree>
-      <p:nvGrpSpPr>
-        <p:cNvPr id="1" name=""/>
-        <p:cNvGrpSpPr/>
-        <p:nvPr/>
-      </p:nvGrpSpPr>
-      <p:grpSpPr>
-        <a:xfrm>
-          <a:off x="0" y="0"/>
-          <a:ext cx="0" cy="0"/>
-          <a:chOff x="0" y="0"/>
-          <a:chExt cx="0" cy="0"/>
-        </a:xfrm>
-      </p:grpSpPr>
-      <p:sp>
-        <p:nvSpPr>
-          <p:cNvPr id="2" name="Slide Number Placeholder 1"/>
-          <p:cNvSpPr>
-            <a:spLocks noGrp="1"/>
-          </p:cNvSpPr>
-          <p:nvPr>
-            <p:ph type="sldNum" sz="quarter" idx="12"/>
-          </p:nvPr>
-        </p:nvSpPr>
-        <p:spPr/>
-        <p:txBody>
-          <a:bodyPr/>
-          <a:lstStyle/>
-          <a:p>
-            <a:fld id="{65049433-76A0-465F-B9A5-46A311B0921A}" type="slidenum">
-              <a:rPr lang="en-US" smtClean="0"/>
-              <a:t>17</a:t>
-            </a:fld>
-            <a:endParaRPr lang="en-US"/>
-          </a:p>
-        </p:txBody>
-      </p:sp>
-      <p:sp>
-        <p:nvSpPr>
           <p:cNvPr id="3" name="TextBox 2"/>
           <p:cNvSpPr txBox="1"/>
           <p:nvPr/>
@@ -8044,7 +7331,7 @@
           <a:lstStyle/>
           <a:p>
             <a:r>
-              <a:rPr lang="en-US" sz="2400" b="1" dirty="0" smtClean="0">
+              <a:rPr lang="en-US" sz="2400" b="1" dirty="0">
                 <a:latin typeface="Times New Roman" panose="02020603050405020304" pitchFamily="18" charset="0"/>
                 <a:cs typeface="Times New Roman" panose="02020603050405020304" pitchFamily="18" charset="0"/>
               </a:rPr>
@@ -8063,26 +7350,15 @@
                 <a:latin typeface="Times New Roman" panose="02020603050405020304" pitchFamily="18" charset="0"/>
                 <a:cs typeface="Times New Roman" panose="02020603050405020304" pitchFamily="18" charset="0"/>
               </a:rPr>
-              <a:t>	</a:t>
+              <a:t>				</a:t>
             </a:r>
             <a:r>
-              <a:rPr lang="en-US" sz="2400" b="1" dirty="0" smtClean="0">
-                <a:latin typeface="Times New Roman" panose="02020603050405020304" pitchFamily="18" charset="0"/>
-                <a:cs typeface="Times New Roman" panose="02020603050405020304" pitchFamily="18" charset="0"/>
-              </a:rPr>
-              <a:t>			</a:t>
-            </a:r>
-            <a:r>
-              <a:rPr lang="en-US" sz="1600" b="1" dirty="0" smtClean="0">
+              <a:rPr lang="en-US" sz="1600" b="1" dirty="0">
                 <a:latin typeface="Times New Roman" panose="02020603050405020304" pitchFamily="18" charset="0"/>
                 <a:cs typeface="Times New Roman" panose="02020603050405020304" pitchFamily="18" charset="0"/>
               </a:rPr>
               <a:t>Registration page UI</a:t>
             </a:r>
-            <a:endParaRPr lang="en-US" sz="1600" b="1" dirty="0">
-              <a:latin typeface="Times New Roman" panose="02020603050405020304" pitchFamily="18" charset="0"/>
-              <a:cs typeface="Times New Roman" panose="02020603050405020304" pitchFamily="18" charset="0"/>
-            </a:endParaRPr>
           </a:p>
         </p:txBody>
       </p:sp>
@@ -8124,17 +7400,10 @@
   <p:clrMapOvr>
     <a:masterClrMapping/>
   </p:clrMapOvr>
-  <p:timing>
-    <p:tnLst>
-      <p:par>
-        <p:cTn id="1" dur="indefinite" restart="never" nodeType="tmRoot"/>
-      </p:par>
-    </p:tnLst>
-  </p:timing>
 </p:sld>
 </file>
 
-<file path=ppt/slides/slide18.xml><?xml version="1.0" encoding="utf-8"?>
+<file path=ppt/slides/slide16.xml><?xml version="1.0" encoding="utf-8"?>
 <p:sld xmlns:a="http://schemas.openxmlformats.org/drawingml/2006/main" xmlns:r="http://schemas.openxmlformats.org/officeDocument/2006/relationships" xmlns:p="http://schemas.openxmlformats.org/presentationml/2006/main">
   <p:cSld>
     <p:spTree>
@@ -8168,7 +7437,7 @@
           <a:p>
             <a:fld id="{65049433-76A0-465F-B9A5-46A311B0921A}" type="slidenum">
               <a:rPr lang="en-US" smtClean="0"/>
-              <a:t>18</a:t>
+              <a:t>16</a:t>
             </a:fld>
             <a:endParaRPr lang="en-US"/>
           </a:p>
@@ -8200,14 +7469,7 @@
                 <a:latin typeface="Times New Roman" panose="02020603050405020304" pitchFamily="18" charset="0"/>
                 <a:cs typeface="Times New Roman" panose="02020603050405020304" pitchFamily="18" charset="0"/>
               </a:rPr>
-              <a:t> </a:t>
-            </a:r>
-            <a:r>
-              <a:rPr lang="en-US" b="1" dirty="0" smtClean="0">
-                <a:latin typeface="Times New Roman" panose="02020603050405020304" pitchFamily="18" charset="0"/>
-                <a:cs typeface="Times New Roman" panose="02020603050405020304" pitchFamily="18" charset="0"/>
-              </a:rPr>
-              <a:t>Login page UI</a:t>
+              <a:t> Login page UI</a:t>
             </a:r>
             <a:endParaRPr lang="en-US" dirty="0"/>
           </a:p>
@@ -8251,17 +7513,10 @@
   <p:clrMapOvr>
     <a:masterClrMapping/>
   </p:clrMapOvr>
-  <p:timing>
-    <p:tnLst>
-      <p:par>
-        <p:cTn id="1" dur="indefinite" restart="never" nodeType="tmRoot"/>
-      </p:par>
-    </p:tnLst>
-  </p:timing>
 </p:sld>
 </file>
 
-<file path=ppt/slides/slide19.xml><?xml version="1.0" encoding="utf-8"?>
+<file path=ppt/slides/slide17.xml><?xml version="1.0" encoding="utf-8"?>
 <p:sld xmlns:a="http://schemas.openxmlformats.org/drawingml/2006/main" xmlns:r="http://schemas.openxmlformats.org/officeDocument/2006/relationships" xmlns:p="http://schemas.openxmlformats.org/presentationml/2006/main">
   <p:cSld>
     <p:spTree>
@@ -8295,7 +7550,7 @@
           <a:p>
             <a:fld id="{65049433-76A0-465F-B9A5-46A311B0921A}" type="slidenum">
               <a:rPr lang="en-US" smtClean="0"/>
-              <a:t>19</a:t>
+              <a:t>17</a:t>
             </a:fld>
             <a:endParaRPr lang="en-US"/>
           </a:p>
@@ -8323,7 +7578,7 @@
           <a:lstStyle/>
           <a:p>
             <a:r>
-              <a:rPr lang="en-US" b="1" dirty="0" smtClean="0">
+              <a:rPr lang="en-US" b="1" dirty="0">
                 <a:latin typeface="Times New Roman" panose="02020603050405020304" pitchFamily="18" charset="0"/>
                 <a:cs typeface="Times New Roman" panose="02020603050405020304" pitchFamily="18" charset="0"/>
               </a:rPr>
@@ -8371,17 +7626,10 @@
   <p:clrMapOvr>
     <a:masterClrMapping/>
   </p:clrMapOvr>
-  <p:timing>
-    <p:tnLst>
-      <p:par>
-        <p:cTn id="1" dur="indefinite" restart="never" nodeType="tmRoot"/>
-      </p:par>
-    </p:tnLst>
-  </p:timing>
 </p:sld>
 </file>
 
-<file path=ppt/slides/slide2.xml><?xml version="1.0" encoding="utf-8"?>
+<file path=ppt/slides/slide18.xml><?xml version="1.0" encoding="utf-8"?>
 <p:sld xmlns:a="http://schemas.openxmlformats.org/drawingml/2006/main" xmlns:r="http://schemas.openxmlformats.org/officeDocument/2006/relationships" xmlns:p="http://schemas.openxmlformats.org/presentationml/2006/main">
   <p:cSld>
     <p:spTree>
@@ -8415,120 +7663,7 @@
           <a:p>
             <a:fld id="{65049433-76A0-465F-B9A5-46A311B0921A}" type="slidenum">
               <a:rPr lang="en-US" smtClean="0"/>
-              <a:t>2</a:t>
-            </a:fld>
-            <a:endParaRPr lang="en-US"/>
-          </a:p>
-        </p:txBody>
-      </p:sp>
-      <p:sp>
-        <p:nvSpPr>
-          <p:cNvPr id="3" name="TextBox 2"/>
-          <p:cNvSpPr txBox="1"/>
-          <p:nvPr/>
-        </p:nvSpPr>
-        <p:spPr>
-          <a:xfrm>
-            <a:off x="1272748" y="2236573"/>
-            <a:ext cx="7228701" cy="2431435"/>
-          </a:xfrm>
-          <a:prstGeom prst="rect">
-            <a:avLst/>
-          </a:prstGeom>
-          <a:noFill/>
-        </p:spPr>
-        <p:txBody>
-          <a:bodyPr wrap="square" rtlCol="0">
-            <a:spAutoFit/>
-          </a:bodyPr>
-          <a:lstStyle/>
-          <a:p>
-            <a:r>
-              <a:rPr lang="en-US" sz="2400" b="1" dirty="0" smtClean="0">
-                <a:latin typeface="Times New Roman" panose="02020603050405020304" pitchFamily="18" charset="0"/>
-                <a:cs typeface="Times New Roman" panose="02020603050405020304" pitchFamily="18" charset="0"/>
-              </a:rPr>
-              <a:t>                               Introduction</a:t>
-            </a:r>
-          </a:p>
-          <a:p>
-            <a:endParaRPr lang="en-US" sz="3200" b="1" dirty="0">
-              <a:latin typeface="Times New Roman" panose="02020603050405020304" pitchFamily="18" charset="0"/>
-              <a:cs typeface="Times New Roman" panose="02020603050405020304" pitchFamily="18" charset="0"/>
-            </a:endParaRPr>
-          </a:p>
-          <a:p>
-            <a:r>
-              <a:rPr lang="en-US" dirty="0">
-                <a:latin typeface="Times New Roman" panose="02020603050405020304" pitchFamily="18" charset="0"/>
-                <a:cs typeface="Times New Roman" panose="02020603050405020304" pitchFamily="18" charset="0"/>
-              </a:rPr>
-              <a:t>The Movie Ticket Booking System is a web-based application designed to streamline the process of reserving and purchasing movie tickets. With just a few clicks, movie enthusiasts can effortlessly secure their seats for a desired showtime and choose preferred seats from the comfort of their homes. </a:t>
-            </a:r>
-          </a:p>
-          <a:p>
-            <a:endParaRPr lang="en-US" sz="2400" b="1" dirty="0" smtClean="0">
-              <a:latin typeface="Times New Roman" panose="02020603050405020304" pitchFamily="18" charset="0"/>
-              <a:cs typeface="Times New Roman" panose="02020603050405020304" pitchFamily="18" charset="0"/>
-            </a:endParaRPr>
-          </a:p>
-        </p:txBody>
-      </p:sp>
-    </p:spTree>
-    <p:extLst>
-      <p:ext uri="{BB962C8B-B14F-4D97-AF65-F5344CB8AC3E}">
-        <p14:creationId xmlns:p14="http://schemas.microsoft.com/office/powerpoint/2010/main" val="1376032824"/>
-      </p:ext>
-    </p:extLst>
-  </p:cSld>
-  <p:clrMapOvr>
-    <a:masterClrMapping/>
-  </p:clrMapOvr>
-  <p:timing>
-    <p:tnLst>
-      <p:par>
-        <p:cTn id="1" dur="indefinite" restart="never" nodeType="tmRoot"/>
-      </p:par>
-    </p:tnLst>
-  </p:timing>
-</p:sld>
-</file>
-
-<file path=ppt/slides/slide20.xml><?xml version="1.0" encoding="utf-8"?>
-<p:sld xmlns:a="http://schemas.openxmlformats.org/drawingml/2006/main" xmlns:r="http://schemas.openxmlformats.org/officeDocument/2006/relationships" xmlns:p="http://schemas.openxmlformats.org/presentationml/2006/main">
-  <p:cSld>
-    <p:spTree>
-      <p:nvGrpSpPr>
-        <p:cNvPr id="1" name=""/>
-        <p:cNvGrpSpPr/>
-        <p:nvPr/>
-      </p:nvGrpSpPr>
-      <p:grpSpPr>
-        <a:xfrm>
-          <a:off x="0" y="0"/>
-          <a:ext cx="0" cy="0"/>
-          <a:chOff x="0" y="0"/>
-          <a:chExt cx="0" cy="0"/>
-        </a:xfrm>
-      </p:grpSpPr>
-      <p:sp>
-        <p:nvSpPr>
-          <p:cNvPr id="2" name="Slide Number Placeholder 1"/>
-          <p:cNvSpPr>
-            <a:spLocks noGrp="1"/>
-          </p:cNvSpPr>
-          <p:nvPr>
-            <p:ph type="sldNum" sz="quarter" idx="12"/>
-          </p:nvPr>
-        </p:nvSpPr>
-        <p:spPr/>
-        <p:txBody>
-          <a:bodyPr/>
-          <a:lstStyle/>
-          <a:p>
-            <a:fld id="{65049433-76A0-465F-B9A5-46A311B0921A}" type="slidenum">
-              <a:rPr lang="en-US" smtClean="0"/>
-              <a:t>20</a:t>
+              <a:t>18</a:t>
             </a:fld>
             <a:endParaRPr lang="en-US"/>
           </a:p>
@@ -8556,7 +7691,7 @@
           <a:lstStyle/>
           <a:p>
             <a:r>
-              <a:rPr lang="en-US" b="1" dirty="0" smtClean="0">
+              <a:rPr lang="en-US" b="1" dirty="0">
                 <a:latin typeface="Times New Roman" panose="02020603050405020304" pitchFamily="18" charset="0"/>
                 <a:cs typeface="Times New Roman" panose="02020603050405020304" pitchFamily="18" charset="0"/>
               </a:rPr>
@@ -8604,17 +7739,10 @@
   <p:clrMapOvr>
     <a:masterClrMapping/>
   </p:clrMapOvr>
-  <p:timing>
-    <p:tnLst>
-      <p:par>
-        <p:cTn id="1" dur="indefinite" restart="never" nodeType="tmRoot"/>
-      </p:par>
-    </p:tnLst>
-  </p:timing>
 </p:sld>
 </file>
 
-<file path=ppt/slides/slide21.xml><?xml version="1.0" encoding="utf-8"?>
+<file path=ppt/slides/slide19.xml><?xml version="1.0" encoding="utf-8"?>
 <p:sld xmlns:a="http://schemas.openxmlformats.org/drawingml/2006/main" xmlns:r="http://schemas.openxmlformats.org/officeDocument/2006/relationships" xmlns:p="http://schemas.openxmlformats.org/presentationml/2006/main">
   <p:cSld>
     <p:spTree>
@@ -8648,7 +7776,7 @@
           <a:p>
             <a:fld id="{65049433-76A0-465F-B9A5-46A311B0921A}" type="slidenum">
               <a:rPr lang="en-US" smtClean="0"/>
-              <a:t>21</a:t>
+              <a:t>19</a:t>
             </a:fld>
             <a:endParaRPr lang="en-US"/>
           </a:p>
@@ -8676,7 +7804,7 @@
           <a:lstStyle/>
           <a:p>
             <a:r>
-              <a:rPr lang="en-US" b="1" dirty="0" smtClean="0">
+              <a:rPr lang="en-US" b="1" dirty="0">
                 <a:latin typeface="Times New Roman" panose="02020603050405020304" pitchFamily="18" charset="0"/>
                 <a:cs typeface="Times New Roman" panose="02020603050405020304" pitchFamily="18" charset="0"/>
               </a:rPr>
@@ -8724,17 +7852,10 @@
   <p:clrMapOvr>
     <a:masterClrMapping/>
   </p:clrMapOvr>
-  <p:timing>
-    <p:tnLst>
-      <p:par>
-        <p:cTn id="1" dur="indefinite" restart="never" nodeType="tmRoot"/>
-      </p:par>
-    </p:tnLst>
-  </p:timing>
 </p:sld>
 </file>
 
-<file path=ppt/slides/slide22.xml><?xml version="1.0" encoding="utf-8"?>
+<file path=ppt/slides/slide2.xml><?xml version="1.0" encoding="utf-8"?>
 <p:sld xmlns:a="http://schemas.openxmlformats.org/drawingml/2006/main" xmlns:r="http://schemas.openxmlformats.org/officeDocument/2006/relationships" xmlns:p="http://schemas.openxmlformats.org/presentationml/2006/main">
   <p:cSld>
     <p:spTree>
@@ -8768,7 +7889,113 @@
           <a:p>
             <a:fld id="{65049433-76A0-465F-B9A5-46A311B0921A}" type="slidenum">
               <a:rPr lang="en-US" smtClean="0"/>
-              <a:t>22</a:t>
+              <a:t>2</a:t>
+            </a:fld>
+            <a:endParaRPr lang="en-US"/>
+          </a:p>
+        </p:txBody>
+      </p:sp>
+      <p:sp>
+        <p:nvSpPr>
+          <p:cNvPr id="3" name="TextBox 2"/>
+          <p:cNvSpPr txBox="1"/>
+          <p:nvPr/>
+        </p:nvSpPr>
+        <p:spPr>
+          <a:xfrm>
+            <a:off x="1272748" y="2236573"/>
+            <a:ext cx="7228701" cy="2431435"/>
+          </a:xfrm>
+          <a:prstGeom prst="rect">
+            <a:avLst/>
+          </a:prstGeom>
+          <a:noFill/>
+        </p:spPr>
+        <p:txBody>
+          <a:bodyPr wrap="square" rtlCol="0">
+            <a:spAutoFit/>
+          </a:bodyPr>
+          <a:lstStyle/>
+          <a:p>
+            <a:r>
+              <a:rPr lang="en-US" sz="2400" b="1" dirty="0">
+                <a:latin typeface="Times New Roman" panose="02020603050405020304" pitchFamily="18" charset="0"/>
+                <a:cs typeface="Times New Roman" panose="02020603050405020304" pitchFamily="18" charset="0"/>
+              </a:rPr>
+              <a:t>                               Introduction</a:t>
+            </a:r>
+          </a:p>
+          <a:p>
+            <a:endParaRPr lang="en-US" sz="3200" b="1" dirty="0">
+              <a:latin typeface="Times New Roman" panose="02020603050405020304" pitchFamily="18" charset="0"/>
+              <a:cs typeface="Times New Roman" panose="02020603050405020304" pitchFamily="18" charset="0"/>
+            </a:endParaRPr>
+          </a:p>
+          <a:p>
+            <a:r>
+              <a:rPr lang="en-US" dirty="0">
+                <a:latin typeface="Times New Roman" panose="02020603050405020304" pitchFamily="18" charset="0"/>
+                <a:cs typeface="Times New Roman" panose="02020603050405020304" pitchFamily="18" charset="0"/>
+              </a:rPr>
+              <a:t>The Movie Ticket Booking System is a web-based application designed to streamline the process of reserving and purchasing movie tickets. With just a few clicks, movie enthusiasts can effortlessly secure their seats for a desired showtime and choose preferred seats from the comfort of their homes. </a:t>
+            </a:r>
+          </a:p>
+          <a:p>
+            <a:endParaRPr lang="en-US" sz="2400" b="1" dirty="0">
+              <a:latin typeface="Times New Roman" panose="02020603050405020304" pitchFamily="18" charset="0"/>
+              <a:cs typeface="Times New Roman" panose="02020603050405020304" pitchFamily="18" charset="0"/>
+            </a:endParaRPr>
+          </a:p>
+        </p:txBody>
+      </p:sp>
+    </p:spTree>
+    <p:extLst>
+      <p:ext uri="{BB962C8B-B14F-4D97-AF65-F5344CB8AC3E}">
+        <p14:creationId xmlns:p14="http://schemas.microsoft.com/office/powerpoint/2010/main" val="1376032824"/>
+      </p:ext>
+    </p:extLst>
+  </p:cSld>
+  <p:clrMapOvr>
+    <a:masterClrMapping/>
+  </p:clrMapOvr>
+</p:sld>
+</file>
+
+<file path=ppt/slides/slide20.xml><?xml version="1.0" encoding="utf-8"?>
+<p:sld xmlns:a="http://schemas.openxmlformats.org/drawingml/2006/main" xmlns:r="http://schemas.openxmlformats.org/officeDocument/2006/relationships" xmlns:p="http://schemas.openxmlformats.org/presentationml/2006/main">
+  <p:cSld>
+    <p:spTree>
+      <p:nvGrpSpPr>
+        <p:cNvPr id="1" name=""/>
+        <p:cNvGrpSpPr/>
+        <p:nvPr/>
+      </p:nvGrpSpPr>
+      <p:grpSpPr>
+        <a:xfrm>
+          <a:off x="0" y="0"/>
+          <a:ext cx="0" cy="0"/>
+          <a:chOff x="0" y="0"/>
+          <a:chExt cx="0" cy="0"/>
+        </a:xfrm>
+      </p:grpSpPr>
+      <p:sp>
+        <p:nvSpPr>
+          <p:cNvPr id="2" name="Slide Number Placeholder 1"/>
+          <p:cNvSpPr>
+            <a:spLocks noGrp="1"/>
+          </p:cNvSpPr>
+          <p:nvPr>
+            <p:ph type="sldNum" sz="quarter" idx="12"/>
+          </p:nvPr>
+        </p:nvSpPr>
+        <p:spPr/>
+        <p:txBody>
+          <a:bodyPr/>
+          <a:lstStyle/>
+          <a:p>
+            <a:fld id="{65049433-76A0-465F-B9A5-46A311B0921A}" type="slidenum">
+              <a:rPr lang="en-US" smtClean="0"/>
+              <a:t>20</a:t>
             </a:fld>
             <a:endParaRPr lang="en-US"/>
           </a:p>
@@ -8796,7 +8023,7 @@
           <a:lstStyle/>
           <a:p>
             <a:r>
-              <a:rPr lang="en-US" b="1" dirty="0" smtClean="0">
+              <a:rPr lang="en-US" b="1" dirty="0">
                 <a:latin typeface="Times New Roman" panose="02020603050405020304" pitchFamily="18" charset="0"/>
                 <a:cs typeface="Times New Roman" panose="02020603050405020304" pitchFamily="18" charset="0"/>
               </a:rPr>
@@ -8844,13 +8071,507 @@
   <p:clrMapOvr>
     <a:masterClrMapping/>
   </p:clrMapOvr>
-  <p:timing>
-    <p:tnLst>
-      <p:par>
-        <p:cTn id="1" dur="indefinite" restart="never" nodeType="tmRoot"/>
-      </p:par>
-    </p:tnLst>
-  </p:timing>
+</p:sld>
+</file>
+
+<file path=ppt/slides/slide21.xml><?xml version="1.0" encoding="utf-8"?>
+<p:sld xmlns:a="http://schemas.openxmlformats.org/drawingml/2006/main" xmlns:r="http://schemas.openxmlformats.org/officeDocument/2006/relationships" xmlns:p="http://schemas.openxmlformats.org/presentationml/2006/main">
+  <p:cSld>
+    <p:spTree>
+      <p:nvGrpSpPr>
+        <p:cNvPr id="1" name=""/>
+        <p:cNvGrpSpPr/>
+        <p:nvPr/>
+      </p:nvGrpSpPr>
+      <p:grpSpPr>
+        <a:xfrm>
+          <a:off x="0" y="0"/>
+          <a:ext cx="0" cy="0"/>
+          <a:chOff x="0" y="0"/>
+          <a:chExt cx="0" cy="0"/>
+        </a:xfrm>
+      </p:grpSpPr>
+      <p:sp>
+        <p:nvSpPr>
+          <p:cNvPr id="2" name="Slide Number Placeholder 1"/>
+          <p:cNvSpPr>
+            <a:spLocks noGrp="1"/>
+          </p:cNvSpPr>
+          <p:nvPr>
+            <p:ph type="sldNum" sz="quarter" idx="12"/>
+          </p:nvPr>
+        </p:nvSpPr>
+        <p:spPr/>
+        <p:txBody>
+          <a:bodyPr/>
+          <a:lstStyle/>
+          <a:p>
+            <a:fld id="{65049433-76A0-465F-B9A5-46A311B0921A}" type="slidenum">
+              <a:rPr lang="en-US" smtClean="0"/>
+              <a:t>21</a:t>
+            </a:fld>
+            <a:endParaRPr lang="en-US"/>
+          </a:p>
+        </p:txBody>
+      </p:sp>
+      <p:sp>
+        <p:nvSpPr>
+          <p:cNvPr id="4" name="TextBox 3"/>
+          <p:cNvSpPr txBox="1"/>
+          <p:nvPr/>
+        </p:nvSpPr>
+        <p:spPr>
+          <a:xfrm>
+            <a:off x="966544" y="1149178"/>
+            <a:ext cx="7537622" cy="3662541"/>
+          </a:xfrm>
+          <a:prstGeom prst="rect">
+            <a:avLst/>
+          </a:prstGeom>
+          <a:noFill/>
+        </p:spPr>
+        <p:txBody>
+          <a:bodyPr wrap="square" rtlCol="0">
+            <a:spAutoFit/>
+          </a:bodyPr>
+          <a:lstStyle/>
+          <a:p>
+            <a:r>
+              <a:rPr lang="en-US" sz="2400" b="1" dirty="0">
+                <a:latin typeface="Times New Roman" panose="02020603050405020304" pitchFamily="18" charset="0"/>
+                <a:cs typeface="Times New Roman" panose="02020603050405020304" pitchFamily="18" charset="0"/>
+              </a:rPr>
+              <a:t>                               Implementation</a:t>
+            </a:r>
+          </a:p>
+          <a:p>
+            <a:endParaRPr lang="en-US" sz="2400" b="1" dirty="0">
+              <a:latin typeface="Times New Roman" panose="02020603050405020304" pitchFamily="18" charset="0"/>
+              <a:cs typeface="Times New Roman" panose="02020603050405020304" pitchFamily="18" charset="0"/>
+            </a:endParaRPr>
+          </a:p>
+          <a:p>
+            <a:r>
+              <a:rPr lang="en-US" b="1" dirty="0">
+                <a:latin typeface="Times New Roman" panose="02020603050405020304" pitchFamily="18" charset="0"/>
+                <a:cs typeface="Times New Roman" panose="02020603050405020304" pitchFamily="18" charset="0"/>
+              </a:rPr>
+              <a:t>                                            Tools Used</a:t>
+            </a:r>
+          </a:p>
+          <a:p>
+            <a:endParaRPr lang="en-US" b="1" dirty="0">
+              <a:latin typeface="Times New Roman" panose="02020603050405020304" pitchFamily="18" charset="0"/>
+              <a:cs typeface="Times New Roman" panose="02020603050405020304" pitchFamily="18" charset="0"/>
+            </a:endParaRPr>
+          </a:p>
+          <a:p>
+            <a:endParaRPr lang="en-US" b="1" dirty="0">
+              <a:latin typeface="Times New Roman" panose="02020603050405020304" pitchFamily="18" charset="0"/>
+              <a:cs typeface="Times New Roman" panose="02020603050405020304" pitchFamily="18" charset="0"/>
+            </a:endParaRPr>
+          </a:p>
+          <a:p>
+            <a:r>
+              <a:rPr lang="en-US" b="1" dirty="0">
+                <a:latin typeface="Times New Roman" panose="02020603050405020304" pitchFamily="18" charset="0"/>
+                <a:cs typeface="Times New Roman" panose="02020603050405020304" pitchFamily="18" charset="0"/>
+              </a:rPr>
+              <a:t>Front End</a:t>
+            </a:r>
+          </a:p>
+          <a:p>
+            <a:pPr marL="285750" indent="-285750">
+              <a:buFont typeface="Arial" panose="020B0604020202020204" pitchFamily="34" charset="0"/>
+              <a:buChar char="•"/>
+            </a:pPr>
+            <a:r>
+              <a:rPr lang="en-US" sz="1600" dirty="0">
+                <a:latin typeface="Times New Roman" panose="02020603050405020304" pitchFamily="18" charset="0"/>
+                <a:cs typeface="Times New Roman" panose="02020603050405020304" pitchFamily="18" charset="0"/>
+              </a:rPr>
+              <a:t>HTML</a:t>
+            </a:r>
+          </a:p>
+          <a:p>
+            <a:pPr marL="285750" indent="-285750">
+              <a:buFont typeface="Arial" panose="020B0604020202020204" pitchFamily="34" charset="0"/>
+              <a:buChar char="•"/>
+            </a:pPr>
+            <a:r>
+              <a:rPr lang="en-US" sz="1600" dirty="0">
+                <a:latin typeface="Times New Roman" panose="02020603050405020304" pitchFamily="18" charset="0"/>
+                <a:cs typeface="Times New Roman" panose="02020603050405020304" pitchFamily="18" charset="0"/>
+              </a:rPr>
+              <a:t>CSS</a:t>
+            </a:r>
+          </a:p>
+          <a:p>
+            <a:pPr marL="285750" indent="-285750">
+              <a:buFont typeface="Arial" panose="020B0604020202020204" pitchFamily="34" charset="0"/>
+              <a:buChar char="•"/>
+            </a:pPr>
+            <a:r>
+              <a:rPr lang="en-US" sz="1600" dirty="0">
+                <a:latin typeface="Times New Roman" panose="02020603050405020304" pitchFamily="18" charset="0"/>
+                <a:cs typeface="Times New Roman" panose="02020603050405020304" pitchFamily="18" charset="0"/>
+              </a:rPr>
+              <a:t>Javascript</a:t>
+            </a:r>
+          </a:p>
+          <a:p>
+            <a:endParaRPr lang="en-US" sz="1600" dirty="0">
+              <a:latin typeface="Times New Roman" panose="02020603050405020304" pitchFamily="18" charset="0"/>
+              <a:cs typeface="Times New Roman" panose="02020603050405020304" pitchFamily="18" charset="0"/>
+            </a:endParaRPr>
+          </a:p>
+          <a:p>
+            <a:r>
+              <a:rPr lang="en-US" sz="1600" b="1" dirty="0">
+                <a:latin typeface="Times New Roman" panose="02020603050405020304" pitchFamily="18" charset="0"/>
+                <a:cs typeface="Times New Roman" panose="02020603050405020304" pitchFamily="18" charset="0"/>
+              </a:rPr>
+              <a:t>Back End</a:t>
+            </a:r>
+          </a:p>
+          <a:p>
+            <a:pPr marL="285750" indent="-285750">
+              <a:buFont typeface="Arial" panose="020B0604020202020204" pitchFamily="34" charset="0"/>
+              <a:buChar char="•"/>
+            </a:pPr>
+            <a:r>
+              <a:rPr lang="en-US" sz="1600" dirty="0">
+                <a:latin typeface="Times New Roman" panose="02020603050405020304" pitchFamily="18" charset="0"/>
+                <a:cs typeface="Times New Roman" panose="02020603050405020304" pitchFamily="18" charset="0"/>
+              </a:rPr>
+              <a:t>PHP</a:t>
+            </a:r>
+          </a:p>
+          <a:p>
+            <a:pPr marL="285750" indent="-285750">
+              <a:buFont typeface="Arial" panose="020B0604020202020204" pitchFamily="34" charset="0"/>
+              <a:buChar char="•"/>
+            </a:pPr>
+            <a:r>
+              <a:rPr lang="en-US" sz="1600" dirty="0">
+                <a:latin typeface="Times New Roman" panose="02020603050405020304" pitchFamily="18" charset="0"/>
+                <a:cs typeface="Times New Roman" panose="02020603050405020304" pitchFamily="18" charset="0"/>
+              </a:rPr>
+              <a:t>MySql</a:t>
+            </a:r>
+          </a:p>
+        </p:txBody>
+      </p:sp>
+    </p:spTree>
+    <p:extLst>
+      <p:ext uri="{BB962C8B-B14F-4D97-AF65-F5344CB8AC3E}">
+        <p14:creationId xmlns:p14="http://schemas.microsoft.com/office/powerpoint/2010/main" val="1153751805"/>
+      </p:ext>
+    </p:extLst>
+  </p:cSld>
+  <p:clrMapOvr>
+    <a:masterClrMapping/>
+  </p:clrMapOvr>
+</p:sld>
+</file>
+
+<file path=ppt/slides/slide22.xml><?xml version="1.0" encoding="utf-8"?>
+<p:sld xmlns:a="http://schemas.openxmlformats.org/drawingml/2006/main" xmlns:r="http://schemas.openxmlformats.org/officeDocument/2006/relationships" xmlns:p="http://schemas.openxmlformats.org/presentationml/2006/main">
+  <p:cSld>
+    <p:spTree>
+      <p:nvGrpSpPr>
+        <p:cNvPr id="1" name=""/>
+        <p:cNvGrpSpPr/>
+        <p:nvPr/>
+      </p:nvGrpSpPr>
+      <p:grpSpPr>
+        <a:xfrm>
+          <a:off x="0" y="0"/>
+          <a:ext cx="0" cy="0"/>
+          <a:chOff x="0" y="0"/>
+          <a:chExt cx="0" cy="0"/>
+        </a:xfrm>
+      </p:grpSpPr>
+      <p:sp>
+        <p:nvSpPr>
+          <p:cNvPr id="2" name="Slide Number Placeholder 1"/>
+          <p:cNvSpPr>
+            <a:spLocks noGrp="1"/>
+          </p:cNvSpPr>
+          <p:nvPr>
+            <p:ph type="sldNum" sz="quarter" idx="12"/>
+          </p:nvPr>
+        </p:nvSpPr>
+        <p:spPr/>
+        <p:txBody>
+          <a:bodyPr/>
+          <a:lstStyle/>
+          <a:p>
+            <a:fld id="{65049433-76A0-465F-B9A5-46A311B0921A}" type="slidenum">
+              <a:rPr lang="en-US" smtClean="0"/>
+              <a:t>22</a:t>
+            </a:fld>
+            <a:endParaRPr lang="en-US"/>
+          </a:p>
+        </p:txBody>
+      </p:sp>
+      <p:sp>
+        <p:nvSpPr>
+          <p:cNvPr id="3" name="Rectangle 2"/>
+          <p:cNvSpPr/>
+          <p:nvPr/>
+        </p:nvSpPr>
+        <p:spPr>
+          <a:xfrm>
+            <a:off x="235355" y="264886"/>
+            <a:ext cx="2601994" cy="405367"/>
+          </a:xfrm>
+          <a:prstGeom prst="rect">
+            <a:avLst/>
+          </a:prstGeom>
+        </p:spPr>
+        <p:txBody>
+          <a:bodyPr wrap="none">
+            <a:spAutoFit/>
+          </a:bodyPr>
+          <a:lstStyle/>
+          <a:p>
+            <a:pPr marR="0" lvl="1">
+              <a:lnSpc>
+                <a:spcPct val="107000"/>
+              </a:lnSpc>
+              <a:spcBef>
+                <a:spcPts val="200"/>
+              </a:spcBef>
+              <a:spcAft>
+                <a:spcPts val="0"/>
+              </a:spcAft>
+            </a:pPr>
+            <a:r>
+              <a:rPr lang="en-US" sz="2000" b="1" dirty="0">
+                <a:latin typeface="Times New Roman" panose="02020603050405020304" pitchFamily="18" charset="0"/>
+                <a:ea typeface="Times New Roman" panose="02020603050405020304" pitchFamily="18" charset="0"/>
+                <a:cs typeface="Times New Roman" panose="02020603050405020304" pitchFamily="18" charset="0"/>
+              </a:rPr>
+              <a:t>Algorithm Details</a:t>
+            </a:r>
+            <a:endParaRPr lang="en-US" b="1" dirty="0">
+              <a:effectLst/>
+              <a:latin typeface="Calibri Light" panose="020F0302020204030204" pitchFamily="34" charset="0"/>
+              <a:ea typeface="Times New Roman" panose="02020603050405020304" pitchFamily="18" charset="0"/>
+              <a:cs typeface="Times New Roman" panose="02020603050405020304" pitchFamily="18" charset="0"/>
+            </a:endParaRPr>
+          </a:p>
+        </p:txBody>
+      </p:sp>
+      <p:sp>
+        <p:nvSpPr>
+          <p:cNvPr id="5" name="TextBox 4"/>
+          <p:cNvSpPr txBox="1"/>
+          <p:nvPr/>
+        </p:nvSpPr>
+        <p:spPr>
+          <a:xfrm>
+            <a:off x="576062" y="670253"/>
+            <a:ext cx="9272274" cy="6340197"/>
+          </a:xfrm>
+          <a:prstGeom prst="rect">
+            <a:avLst/>
+          </a:prstGeom>
+          <a:noFill/>
+        </p:spPr>
+        <p:txBody>
+          <a:bodyPr wrap="square" rtlCol="0">
+            <a:spAutoFit/>
+          </a:bodyPr>
+          <a:lstStyle/>
+          <a:p>
+            <a:r>
+              <a:rPr lang="en-US" b="1" dirty="0">
+                <a:latin typeface="Times New Roman" panose="02020603050405020304" pitchFamily="18" charset="0"/>
+                <a:cs typeface="Times New Roman" panose="02020603050405020304" pitchFamily="18" charset="0"/>
+              </a:rPr>
+              <a:t>Insertion Sort</a:t>
+            </a:r>
+          </a:p>
+          <a:p>
+            <a:endParaRPr lang="en-US" b="1" dirty="0">
+              <a:latin typeface="Times New Roman" panose="02020603050405020304" pitchFamily="18" charset="0"/>
+              <a:cs typeface="Times New Roman" panose="02020603050405020304" pitchFamily="18" charset="0"/>
+            </a:endParaRPr>
+          </a:p>
+          <a:p>
+            <a:r>
+              <a:rPr lang="en-US" dirty="0">
+                <a:latin typeface="Times New Roman" panose="02020603050405020304" pitchFamily="18" charset="0"/>
+                <a:cs typeface="Times New Roman" panose="02020603050405020304" pitchFamily="18" charset="0"/>
+              </a:rPr>
+              <a:t>Insertion Sort is a fundamental sorting algorithm that constructs the final sorted array by incrementally building it one element at a time. The array is virtually split into a sorted and an unsorted part. Values from the unsorted part are picked and placed in the correct position in the sorted part.</a:t>
+            </a:r>
+          </a:p>
+          <a:p>
+            <a:endParaRPr lang="en-US" dirty="0">
+              <a:latin typeface="Times New Roman" panose="02020603050405020304" pitchFamily="18" charset="0"/>
+              <a:cs typeface="Times New Roman" panose="02020603050405020304" pitchFamily="18" charset="0"/>
+            </a:endParaRPr>
+          </a:p>
+          <a:p>
+            <a:r>
+              <a:rPr lang="en-US" sz="1400" b="1" dirty="0">
+                <a:latin typeface="Times New Roman" panose="02020603050405020304" pitchFamily="18" charset="0"/>
+                <a:cs typeface="Times New Roman" panose="02020603050405020304" pitchFamily="18" charset="0"/>
+              </a:rPr>
+              <a:t>Code snippet</a:t>
+            </a:r>
+          </a:p>
+          <a:p>
+            <a:endParaRPr lang="en-US" sz="1400" b="1" dirty="0">
+              <a:latin typeface="Times New Roman" panose="02020603050405020304" pitchFamily="18" charset="0"/>
+              <a:cs typeface="Times New Roman" panose="02020603050405020304" pitchFamily="18" charset="0"/>
+            </a:endParaRPr>
+          </a:p>
+          <a:p>
+            <a:r>
+              <a:rPr lang="en-US" sz="1400" dirty="0">
+                <a:latin typeface="Times New Roman" panose="02020603050405020304" pitchFamily="18" charset="0"/>
+                <a:cs typeface="Times New Roman" panose="02020603050405020304" pitchFamily="18" charset="0"/>
+              </a:rPr>
+              <a:t> </a:t>
+            </a:r>
+            <a:r>
+              <a:rPr lang="en-US" dirty="0">
+                <a:latin typeface="Times New Roman" panose="02020603050405020304" pitchFamily="18" charset="0"/>
+                <a:cs typeface="Times New Roman" panose="02020603050405020304" pitchFamily="18" charset="0"/>
+              </a:rPr>
+              <a:t>for ($i = 1; $i &lt; $n; $i++)</a:t>
+            </a:r>
+          </a:p>
+          <a:p>
+            <a:r>
+              <a:rPr lang="en-US" dirty="0">
+                <a:latin typeface="Times New Roman" panose="02020603050405020304" pitchFamily="18" charset="0"/>
+                <a:cs typeface="Times New Roman" panose="02020603050405020304" pitchFamily="18" charset="0"/>
+              </a:rPr>
+              <a:t>    {</a:t>
+            </a:r>
+          </a:p>
+          <a:p>
+            <a:r>
+              <a:rPr lang="en-US" dirty="0">
+                <a:latin typeface="Times New Roman" panose="02020603050405020304" pitchFamily="18" charset="0"/>
+                <a:cs typeface="Times New Roman" panose="02020603050405020304" pitchFamily="18" charset="0"/>
+              </a:rPr>
+              <a:t>        $key = $arr[$i];</a:t>
+            </a:r>
+          </a:p>
+          <a:p>
+            <a:r>
+              <a:rPr lang="en-US" dirty="0">
+                <a:latin typeface="Times New Roman" panose="02020603050405020304" pitchFamily="18" charset="0"/>
+                <a:cs typeface="Times New Roman" panose="02020603050405020304" pitchFamily="18" charset="0"/>
+              </a:rPr>
+              <a:t>        $j = $i-1;</a:t>
+            </a:r>
+          </a:p>
+          <a:p>
+            <a:r>
+              <a:rPr lang="en-US" dirty="0">
+                <a:latin typeface="Times New Roman" panose="02020603050405020304" pitchFamily="18" charset="0"/>
+                <a:cs typeface="Times New Roman" panose="02020603050405020304" pitchFamily="18" charset="0"/>
+              </a:rPr>
+              <a:t>     </a:t>
+            </a:r>
+          </a:p>
+          <a:p>
+            <a:r>
+              <a:rPr lang="en-US" dirty="0">
+                <a:latin typeface="Times New Roman" panose="02020603050405020304" pitchFamily="18" charset="0"/>
+                <a:cs typeface="Times New Roman" panose="02020603050405020304" pitchFamily="18" charset="0"/>
+              </a:rPr>
+              <a:t>              while ($j &gt;= 0 &amp;&amp; $arr[$j] &gt; $key)</a:t>
+            </a:r>
+          </a:p>
+          <a:p>
+            <a:r>
+              <a:rPr lang="en-US" dirty="0">
+                <a:latin typeface="Times New Roman" panose="02020603050405020304" pitchFamily="18" charset="0"/>
+                <a:cs typeface="Times New Roman" panose="02020603050405020304" pitchFamily="18" charset="0"/>
+              </a:rPr>
+              <a:t>        {</a:t>
+            </a:r>
+          </a:p>
+          <a:p>
+            <a:r>
+              <a:rPr lang="en-US" dirty="0">
+                <a:latin typeface="Times New Roman" panose="02020603050405020304" pitchFamily="18" charset="0"/>
+                <a:cs typeface="Times New Roman" panose="02020603050405020304" pitchFamily="18" charset="0"/>
+              </a:rPr>
+              <a:t>            $arr[$j + 1] = $arr[$j];</a:t>
+            </a:r>
+          </a:p>
+          <a:p>
+            <a:r>
+              <a:rPr lang="en-US" dirty="0">
+                <a:latin typeface="Times New Roman" panose="02020603050405020304" pitchFamily="18" charset="0"/>
+                <a:cs typeface="Times New Roman" panose="02020603050405020304" pitchFamily="18" charset="0"/>
+              </a:rPr>
+              <a:t>            $j = $j - 1;</a:t>
+            </a:r>
+          </a:p>
+          <a:p>
+            <a:r>
+              <a:rPr lang="en-US" dirty="0">
+                <a:latin typeface="Times New Roman" panose="02020603050405020304" pitchFamily="18" charset="0"/>
+                <a:cs typeface="Times New Roman" panose="02020603050405020304" pitchFamily="18" charset="0"/>
+              </a:rPr>
+              <a:t>        }</a:t>
+            </a:r>
+          </a:p>
+          <a:p>
+            <a:r>
+              <a:rPr lang="en-US" dirty="0">
+                <a:latin typeface="Times New Roman" panose="02020603050405020304" pitchFamily="18" charset="0"/>
+                <a:cs typeface="Times New Roman" panose="02020603050405020304" pitchFamily="18" charset="0"/>
+              </a:rPr>
+              <a:t>         </a:t>
+            </a:r>
+          </a:p>
+          <a:p>
+            <a:r>
+              <a:rPr lang="en-US" dirty="0">
+                <a:latin typeface="Times New Roman" panose="02020603050405020304" pitchFamily="18" charset="0"/>
+                <a:cs typeface="Times New Roman" panose="02020603050405020304" pitchFamily="18" charset="0"/>
+              </a:rPr>
+              <a:t>        $arr[$j + 1] = $key;</a:t>
+            </a:r>
+          </a:p>
+          <a:p>
+            <a:r>
+              <a:rPr lang="en-US" dirty="0">
+                <a:latin typeface="Times New Roman" panose="02020603050405020304" pitchFamily="18" charset="0"/>
+                <a:cs typeface="Times New Roman" panose="02020603050405020304" pitchFamily="18" charset="0"/>
+              </a:rPr>
+              <a:t>    }</a:t>
+            </a:r>
+          </a:p>
+          <a:p>
+            <a:endParaRPr lang="en-US" b="1" dirty="0">
+              <a:latin typeface="Times New Roman" panose="02020603050405020304" pitchFamily="18" charset="0"/>
+              <a:cs typeface="Times New Roman" panose="02020603050405020304" pitchFamily="18" charset="0"/>
+            </a:endParaRPr>
+          </a:p>
+        </p:txBody>
+      </p:sp>
+    </p:spTree>
+    <p:extLst>
+      <p:ext uri="{BB962C8B-B14F-4D97-AF65-F5344CB8AC3E}">
+        <p14:creationId xmlns:p14="http://schemas.microsoft.com/office/powerpoint/2010/main" val="2567783835"/>
+      </p:ext>
+    </p:extLst>
+  </p:cSld>
+  <p:clrMapOvr>
+    <a:masterClrMapping/>
+  </p:clrMapOvr>
 </p:sld>
 </file>
 
@@ -8917,7 +8638,7 @@
           <a:lstStyle/>
           <a:p>
             <a:r>
-              <a:rPr lang="en-US" sz="2400" b="1" dirty="0" smtClean="0">
+              <a:rPr lang="en-US" sz="2400" b="1" dirty="0">
                 <a:latin typeface="Times New Roman" panose="02020603050405020304" pitchFamily="18" charset="0"/>
                 <a:cs typeface="Times New Roman" panose="02020603050405020304" pitchFamily="18" charset="0"/>
               </a:rPr>
@@ -8955,16 +8676,12 @@
           <a:lstStyle/>
           <a:p>
             <a:r>
-              <a:rPr lang="en-US" sz="1600" b="1" dirty="0" smtClean="0">
+              <a:rPr lang="en-US" sz="1600" b="1" dirty="0">
                 <a:latin typeface="Times New Roman" panose="02020603050405020304" pitchFamily="18" charset="0"/>
                 <a:cs typeface="Times New Roman" panose="02020603050405020304" pitchFamily="18" charset="0"/>
               </a:rPr>
               <a:t>Registration form</a:t>
             </a:r>
-            <a:endParaRPr lang="en-US" sz="1600" b="1" dirty="0">
-              <a:latin typeface="Times New Roman" panose="02020603050405020304" pitchFamily="18" charset="0"/>
-              <a:cs typeface="Times New Roman" panose="02020603050405020304" pitchFamily="18" charset="0"/>
-            </a:endParaRPr>
           </a:p>
         </p:txBody>
       </p:sp>
@@ -9044,7 +8761,7 @@
               <a:tabLst/>
             </a:pPr>
             <a:r>
-              <a:rPr kumimoji="0" lang="en-US" altLang="en-US" sz="1600" b="1" i="0" u="none" strike="noStrike" cap="none" normalizeH="0" baseline="0" dirty="0" smtClean="0">
+              <a:rPr kumimoji="0" lang="en-US" altLang="en-US" sz="1600" b="1" i="0" u="none" strike="noStrike" cap="none" normalizeH="0" baseline="0" dirty="0">
                 <a:ln>
                   <a:noFill/>
                 </a:ln>
@@ -9076,23 +8793,8 @@
               <a:buNone/>
               <a:tabLst/>
             </a:pPr>
-            <a:r>
-              <a:rPr kumimoji="0" lang="en-US" altLang="en-US" sz="1200" b="0" i="0" u="none" strike="noStrike" cap="none" normalizeH="0" baseline="0" dirty="0" smtClean="0">
-                <a:ln>
-                  <a:noFill/>
-                </a:ln>
-                <a:solidFill>
-                  <a:schemeClr val="tx1"/>
-                </a:solidFill>
-                <a:effectLst/>
-                <a:latin typeface="Times New Roman" panose="02020603050405020304" pitchFamily="18" charset="0"/>
-                <a:ea typeface="Calibri" panose="020F0502020204030204" pitchFamily="34" charset="0"/>
-                <a:cs typeface="Times New Roman" panose="02020603050405020304" pitchFamily="18" charset="0"/>
-              </a:rPr>
-              <a:t/>
-            </a:r>
             <a:br>
-              <a:rPr kumimoji="0" lang="en-US" altLang="en-US" sz="1200" b="0" i="0" u="none" strike="noStrike" cap="none" normalizeH="0" baseline="0" dirty="0" smtClean="0">
+              <a:rPr kumimoji="0" lang="en-US" altLang="en-US" sz="1200" b="0" i="0" u="none" strike="noStrike" cap="none" normalizeH="0" baseline="0" dirty="0">
                 <a:ln>
                   <a:noFill/>
                 </a:ln>
@@ -9105,7 +8807,7 @@
                 <a:cs typeface="Times New Roman" panose="02020603050405020304" pitchFamily="18" charset="0"/>
               </a:rPr>
             </a:br>
-            <a:endParaRPr kumimoji="0" lang="en-US" altLang="en-US" sz="1100" b="0" i="0" u="none" strike="noStrike" cap="none" normalizeH="0" baseline="0" dirty="0" smtClean="0">
+            <a:endParaRPr kumimoji="0" lang="en-US" altLang="en-US" sz="1100" b="0" i="0" u="none" strike="noStrike" cap="none" normalizeH="0" baseline="0" dirty="0">
               <a:ln>
                 <a:noFill/>
               </a:ln>
@@ -9132,7 +8834,7 @@
               <a:buNone/>
               <a:tabLst/>
             </a:pPr>
-            <a:endParaRPr kumimoji="0" lang="en-US" altLang="en-US" sz="1800" b="0" i="0" u="none" strike="noStrike" cap="none" normalizeH="0" baseline="0" dirty="0" smtClean="0">
+            <a:endParaRPr kumimoji="0" lang="en-US" altLang="en-US" sz="1800" b="0" i="0" u="none" strike="noStrike" cap="none" normalizeH="0" baseline="0" dirty="0">
               <a:ln>
                 <a:noFill/>
               </a:ln>
@@ -9161,7 +8863,7 @@
         </p:nvGraphicFramePr>
         <p:xfrm>
           <a:off x="1008106" y="1694545"/>
-          <a:ext cx="6823796" cy="1645920"/>
+          <a:ext cx="6823796" cy="1586992"/>
         </p:xfrm>
         <a:graphic>
           <a:graphicData uri="http://schemas.openxmlformats.org/drawingml/2006/table">
@@ -9552,7 +9254,7 @@
         </p:nvGraphicFramePr>
         <p:xfrm>
           <a:off x="1008106" y="4328501"/>
-          <a:ext cx="6823796" cy="1371600"/>
+          <a:ext cx="6823796" cy="1283208"/>
         </p:xfrm>
         <a:graphic>
           <a:graphicData uri="http://schemas.openxmlformats.org/drawingml/2006/table">
@@ -10009,13 +9711,6 @@
   <p:clrMapOvr>
     <a:masterClrMapping/>
   </p:clrMapOvr>
-  <p:timing>
-    <p:tnLst>
-      <p:par>
-        <p:cTn id="1" dur="indefinite" restart="never" nodeType="tmRoot"/>
-      </p:par>
-    </p:tnLst>
-  </p:timing>
 </p:sld>
 </file>
 
@@ -10135,7 +9830,7 @@
               <a:tabLst/>
             </a:pPr>
             <a:r>
-              <a:rPr kumimoji="0" lang="en-US" altLang="en-US" sz="1600" b="1" i="0" u="none" strike="noStrike" cap="none" normalizeH="0" baseline="0" dirty="0" smtClean="0">
+              <a:rPr kumimoji="0" lang="en-US" altLang="en-US" sz="1600" b="1" i="0" u="none" strike="noStrike" cap="none" normalizeH="0" baseline="0" dirty="0">
                 <a:ln>
                   <a:noFill/>
                 </a:ln>
@@ -10150,7 +9845,7 @@
               <a:t>Select</a:t>
             </a:r>
             <a:r>
-              <a:rPr kumimoji="0" lang="en-US" altLang="en-US" sz="1600" b="1" i="0" u="none" strike="noStrike" cap="none" normalizeH="0" dirty="0" smtClean="0">
+              <a:rPr kumimoji="0" lang="en-US" altLang="en-US" sz="1600" b="1" i="0" u="none" strike="noStrike" cap="none" normalizeH="0" dirty="0">
                 <a:ln>
                   <a:noFill/>
                 </a:ln>
@@ -10164,7 +9859,7 @@
               </a:rPr>
               <a:t> movie and showtime</a:t>
             </a:r>
-            <a:endParaRPr kumimoji="0" lang="en-US" altLang="en-US" sz="1600" b="1" i="0" u="none" strike="noStrike" cap="none" normalizeH="0" baseline="0" dirty="0" smtClean="0">
+            <a:endParaRPr kumimoji="0" lang="en-US" altLang="en-US" sz="1600" b="1" i="0" u="none" strike="noStrike" cap="none" normalizeH="0" baseline="0" dirty="0">
               <a:ln>
                 <a:noFill/>
               </a:ln>
@@ -10194,23 +9889,8 @@
               <a:buNone/>
               <a:tabLst/>
             </a:pPr>
-            <a:r>
-              <a:rPr kumimoji="0" lang="en-US" altLang="en-US" sz="1200" b="0" i="0" u="none" strike="noStrike" cap="none" normalizeH="0" baseline="0" dirty="0" smtClean="0">
-                <a:ln>
-                  <a:noFill/>
-                </a:ln>
-                <a:solidFill>
-                  <a:schemeClr val="tx1"/>
-                </a:solidFill>
-                <a:effectLst/>
-                <a:latin typeface="Times New Roman" panose="02020603050405020304" pitchFamily="18" charset="0"/>
-                <a:ea typeface="Calibri" panose="020F0502020204030204" pitchFamily="34" charset="0"/>
-                <a:cs typeface="Times New Roman" panose="02020603050405020304" pitchFamily="18" charset="0"/>
-              </a:rPr>
-              <a:t/>
-            </a:r>
             <a:br>
-              <a:rPr kumimoji="0" lang="en-US" altLang="en-US" sz="1200" b="0" i="0" u="none" strike="noStrike" cap="none" normalizeH="0" baseline="0" dirty="0" smtClean="0">
+              <a:rPr kumimoji="0" lang="en-US" altLang="en-US" sz="1200" b="0" i="0" u="none" strike="noStrike" cap="none" normalizeH="0" baseline="0" dirty="0">
                 <a:ln>
                   <a:noFill/>
                 </a:ln>
@@ -10223,7 +9903,7 @@
                 <a:cs typeface="Times New Roman" panose="02020603050405020304" pitchFamily="18" charset="0"/>
               </a:rPr>
             </a:br>
-            <a:endParaRPr kumimoji="0" lang="en-US" altLang="en-US" sz="1100" b="0" i="0" u="none" strike="noStrike" cap="none" normalizeH="0" baseline="0" dirty="0" smtClean="0">
+            <a:endParaRPr kumimoji="0" lang="en-US" altLang="en-US" sz="1100" b="0" i="0" u="none" strike="noStrike" cap="none" normalizeH="0" baseline="0" dirty="0">
               <a:ln>
                 <a:noFill/>
               </a:ln>
@@ -10250,7 +9930,7 @@
               <a:buNone/>
               <a:tabLst/>
             </a:pPr>
-            <a:endParaRPr kumimoji="0" lang="en-US" altLang="en-US" sz="1800" b="0" i="0" u="none" strike="noStrike" cap="none" normalizeH="0" baseline="0" dirty="0" smtClean="0">
+            <a:endParaRPr kumimoji="0" lang="en-US" altLang="en-US" sz="1800" b="0" i="0" u="none" strike="noStrike" cap="none" normalizeH="0" baseline="0" dirty="0">
               <a:ln>
                 <a:noFill/>
               </a:ln>
@@ -10755,7 +10435,7 @@
               <a:tabLst/>
             </a:pPr>
             <a:r>
-              <a:rPr kumimoji="0" lang="en-US" altLang="en-US" sz="1600" b="1" i="0" u="none" strike="noStrike" cap="none" normalizeH="0" baseline="0" dirty="0" smtClean="0">
+              <a:rPr kumimoji="0" lang="en-US" altLang="en-US" sz="1600" b="1" i="0" u="none" strike="noStrike" cap="none" normalizeH="0" baseline="0" dirty="0">
                 <a:ln>
                   <a:noFill/>
                 </a:ln>
@@ -10770,7 +10450,7 @@
               <a:t>Book</a:t>
             </a:r>
             <a:r>
-              <a:rPr kumimoji="0" lang="en-US" altLang="en-US" sz="1600" b="1" i="0" u="none" strike="noStrike" cap="none" normalizeH="0" dirty="0" smtClean="0">
+              <a:rPr kumimoji="0" lang="en-US" altLang="en-US" sz="1600" b="1" i="0" u="none" strike="noStrike" cap="none" normalizeH="0" dirty="0">
                 <a:ln>
                   <a:noFill/>
                 </a:ln>
@@ -10784,7 +10464,7 @@
               </a:rPr>
               <a:t> seats</a:t>
             </a:r>
-            <a:endParaRPr kumimoji="0" lang="en-US" altLang="en-US" sz="1600" b="1" i="0" u="none" strike="noStrike" cap="none" normalizeH="0" baseline="0" dirty="0" smtClean="0">
+            <a:endParaRPr kumimoji="0" lang="en-US" altLang="en-US" sz="1600" b="1" i="0" u="none" strike="noStrike" cap="none" normalizeH="0" baseline="0" dirty="0">
               <a:ln>
                 <a:noFill/>
               </a:ln>
@@ -10814,23 +10494,8 @@
               <a:buNone/>
               <a:tabLst/>
             </a:pPr>
-            <a:r>
-              <a:rPr kumimoji="0" lang="en-US" altLang="en-US" sz="1200" b="0" i="0" u="none" strike="noStrike" cap="none" normalizeH="0" baseline="0" dirty="0" smtClean="0">
-                <a:ln>
-                  <a:noFill/>
-                </a:ln>
-                <a:solidFill>
-                  <a:schemeClr val="tx1"/>
-                </a:solidFill>
-                <a:effectLst/>
-                <a:latin typeface="Times New Roman" panose="02020603050405020304" pitchFamily="18" charset="0"/>
-                <a:ea typeface="Calibri" panose="020F0502020204030204" pitchFamily="34" charset="0"/>
-                <a:cs typeface="Times New Roman" panose="02020603050405020304" pitchFamily="18" charset="0"/>
-              </a:rPr>
-              <a:t/>
-            </a:r>
             <a:br>
-              <a:rPr kumimoji="0" lang="en-US" altLang="en-US" sz="1200" b="0" i="0" u="none" strike="noStrike" cap="none" normalizeH="0" baseline="0" dirty="0" smtClean="0">
+              <a:rPr kumimoji="0" lang="en-US" altLang="en-US" sz="1200" b="0" i="0" u="none" strike="noStrike" cap="none" normalizeH="0" baseline="0" dirty="0">
                 <a:ln>
                   <a:noFill/>
                 </a:ln>
@@ -10843,7 +10508,7 @@
                 <a:cs typeface="Times New Roman" panose="02020603050405020304" pitchFamily="18" charset="0"/>
               </a:rPr>
             </a:br>
-            <a:endParaRPr kumimoji="0" lang="en-US" altLang="en-US" sz="1100" b="0" i="0" u="none" strike="noStrike" cap="none" normalizeH="0" baseline="0" dirty="0" smtClean="0">
+            <a:endParaRPr kumimoji="0" lang="en-US" altLang="en-US" sz="1100" b="0" i="0" u="none" strike="noStrike" cap="none" normalizeH="0" baseline="0" dirty="0">
               <a:ln>
                 <a:noFill/>
               </a:ln>
@@ -10870,7 +10535,7 @@
               <a:buNone/>
               <a:tabLst/>
             </a:pPr>
-            <a:endParaRPr kumimoji="0" lang="en-US" altLang="en-US" sz="1800" b="0" i="0" u="none" strike="noStrike" cap="none" normalizeH="0" baseline="0" dirty="0" smtClean="0">
+            <a:endParaRPr kumimoji="0" lang="en-US" altLang="en-US" sz="1800" b="0" i="0" u="none" strike="noStrike" cap="none" normalizeH="0" baseline="0" dirty="0">
               <a:ln>
                 <a:noFill/>
               </a:ln>
@@ -11375,7 +11040,7 @@
               <a:tabLst/>
             </a:pPr>
             <a:r>
-              <a:rPr kumimoji="0" lang="en-US" altLang="en-US" sz="1600" b="1" i="0" u="none" strike="noStrike" cap="none" normalizeH="0" baseline="0" dirty="0" smtClean="0">
+              <a:rPr kumimoji="0" lang="en-US" altLang="en-US" sz="1600" b="1" i="0" u="none" strike="noStrike" cap="none" normalizeH="0" baseline="0" dirty="0">
                 <a:ln>
                   <a:noFill/>
                 </a:ln>
@@ -11390,7 +11055,7 @@
               <a:t>Make</a:t>
             </a:r>
             <a:r>
-              <a:rPr kumimoji="0" lang="en-US" altLang="en-US" sz="1600" b="1" i="0" u="none" strike="noStrike" cap="none" normalizeH="0" dirty="0" smtClean="0">
+              <a:rPr kumimoji="0" lang="en-US" altLang="en-US" sz="1600" b="1" i="0" u="none" strike="noStrike" cap="none" normalizeH="0" dirty="0">
                 <a:ln>
                   <a:noFill/>
                 </a:ln>
@@ -11404,7 +11069,7 @@
               </a:rPr>
               <a:t> payment</a:t>
             </a:r>
-            <a:endParaRPr kumimoji="0" lang="en-US" altLang="en-US" sz="1600" b="1" i="0" u="none" strike="noStrike" cap="none" normalizeH="0" baseline="0" dirty="0" smtClean="0">
+            <a:endParaRPr kumimoji="0" lang="en-US" altLang="en-US" sz="1600" b="1" i="0" u="none" strike="noStrike" cap="none" normalizeH="0" baseline="0" dirty="0">
               <a:ln>
                 <a:noFill/>
               </a:ln>
@@ -11434,23 +11099,8 @@
               <a:buNone/>
               <a:tabLst/>
             </a:pPr>
-            <a:r>
-              <a:rPr kumimoji="0" lang="en-US" altLang="en-US" sz="1200" b="0" i="0" u="none" strike="noStrike" cap="none" normalizeH="0" baseline="0" dirty="0" smtClean="0">
-                <a:ln>
-                  <a:noFill/>
-                </a:ln>
-                <a:solidFill>
-                  <a:schemeClr val="tx1"/>
-                </a:solidFill>
-                <a:effectLst/>
-                <a:latin typeface="Times New Roman" panose="02020603050405020304" pitchFamily="18" charset="0"/>
-                <a:ea typeface="Calibri" panose="020F0502020204030204" pitchFamily="34" charset="0"/>
-                <a:cs typeface="Times New Roman" panose="02020603050405020304" pitchFamily="18" charset="0"/>
-              </a:rPr>
-              <a:t/>
-            </a:r>
             <a:br>
-              <a:rPr kumimoji="0" lang="en-US" altLang="en-US" sz="1200" b="0" i="0" u="none" strike="noStrike" cap="none" normalizeH="0" baseline="0" dirty="0" smtClean="0">
+              <a:rPr kumimoji="0" lang="en-US" altLang="en-US" sz="1200" b="0" i="0" u="none" strike="noStrike" cap="none" normalizeH="0" baseline="0" dirty="0">
                 <a:ln>
                   <a:noFill/>
                 </a:ln>
@@ -11463,7 +11113,7 @@
                 <a:cs typeface="Times New Roman" panose="02020603050405020304" pitchFamily="18" charset="0"/>
               </a:rPr>
             </a:br>
-            <a:endParaRPr kumimoji="0" lang="en-US" altLang="en-US" sz="1100" b="0" i="0" u="none" strike="noStrike" cap="none" normalizeH="0" baseline="0" dirty="0" smtClean="0">
+            <a:endParaRPr kumimoji="0" lang="en-US" altLang="en-US" sz="1100" b="0" i="0" u="none" strike="noStrike" cap="none" normalizeH="0" baseline="0" dirty="0">
               <a:ln>
                 <a:noFill/>
               </a:ln>
@@ -11490,7 +11140,7 @@
               <a:buNone/>
               <a:tabLst/>
             </a:pPr>
-            <a:endParaRPr kumimoji="0" lang="en-US" altLang="en-US" sz="1800" b="0" i="0" u="none" strike="noStrike" cap="none" normalizeH="0" baseline="0" dirty="0" smtClean="0">
+            <a:endParaRPr kumimoji="0" lang="en-US" altLang="en-US" sz="1800" b="0" i="0" u="none" strike="noStrike" cap="none" normalizeH="0" baseline="0" dirty="0">
               <a:ln>
                 <a:noFill/>
               </a:ln>
@@ -11519,7 +11169,7 @@
         </p:nvGraphicFramePr>
         <p:xfrm>
           <a:off x="1344347" y="5496017"/>
-          <a:ext cx="7246316" cy="782828"/>
+          <a:ext cx="7246316" cy="763270"/>
         </p:xfrm>
         <a:graphic>
           <a:graphicData uri="http://schemas.openxmlformats.org/drawingml/2006/table">
@@ -11929,13 +11579,6 @@
   <p:clrMapOvr>
     <a:masterClrMapping/>
   </p:clrMapOvr>
-  <p:timing>
-    <p:tnLst>
-      <p:par>
-        <p:cTn id="1" dur="indefinite" restart="never" nodeType="tmRoot"/>
-      </p:par>
-    </p:tnLst>
-  </p:timing>
 </p:sld>
 </file>
 
@@ -12002,7 +11645,7 @@
           <a:lstStyle/>
           <a:p>
             <a:r>
-              <a:rPr lang="en-US" sz="2400" b="1" dirty="0" smtClean="0">
+              <a:rPr lang="en-US" sz="2400" b="1" dirty="0">
                 <a:latin typeface="Times New Roman" panose="02020603050405020304" pitchFamily="18" charset="0"/>
                 <a:cs typeface="Times New Roman" panose="02020603050405020304" pitchFamily="18" charset="0"/>
               </a:rPr>
@@ -13769,7 +13412,7 @@
         </p:nvGraphicFramePr>
         <p:xfrm>
           <a:off x="1452563" y="2182336"/>
-          <a:ext cx="5829300" cy="2263140"/>
+          <a:ext cx="5829300" cy="2182179"/>
         </p:xfrm>
         <a:graphic>
           <a:graphicData uri="http://schemas.openxmlformats.org/drawingml/2006/table">
@@ -14728,7 +14371,7 @@
               <a:tabLst/>
             </a:pPr>
             <a:r>
-              <a:rPr kumimoji="0" lang="en-US" altLang="en-US" sz="2000" b="1" i="0" u="none" strike="noStrike" cap="none" normalizeH="0" baseline="0" dirty="0" smtClean="0">
+              <a:rPr kumimoji="0" lang="en-US" altLang="en-US" sz="2000" b="1" i="0" u="none" strike="noStrike" cap="none" normalizeH="0" baseline="0" dirty="0">
                 <a:ln>
                   <a:noFill/>
                 </a:ln>
@@ -14742,7 +14385,7 @@
               </a:rPr>
               <a:t>Selecting Seat</a:t>
             </a:r>
-            <a:endParaRPr kumimoji="0" lang="en-US" altLang="en-US" sz="2000" b="1" i="0" u="none" strike="noStrike" cap="none" normalizeH="0" baseline="0" dirty="0" smtClean="0">
+            <a:endParaRPr kumimoji="0" lang="en-US" altLang="en-US" sz="2000" b="1" i="0" u="none" strike="noStrike" cap="none" normalizeH="0" baseline="0" dirty="0">
               <a:ln>
                 <a:noFill/>
               </a:ln>
@@ -14771,7 +14414,7 @@
               <a:buNone/>
               <a:tabLst/>
             </a:pPr>
-            <a:endParaRPr kumimoji="0" lang="en-US" altLang="en-US" sz="1800" b="0" i="0" u="none" strike="noStrike" cap="none" normalizeH="0" baseline="0" dirty="0" smtClean="0">
+            <a:endParaRPr kumimoji="0" lang="en-US" altLang="en-US" sz="1800" b="0" i="0" u="none" strike="noStrike" cap="none" normalizeH="0" baseline="0" dirty="0">
               <a:ln>
                 <a:noFill/>
               </a:ln>
@@ -14860,7 +14503,7 @@
           <a:lstStyle/>
           <a:p>
             <a:r>
-              <a:rPr lang="en-US" sz="2400" b="1" dirty="0" smtClean="0">
+              <a:rPr lang="en-US" sz="2400" b="1" dirty="0">
                 <a:latin typeface="Times New Roman" panose="02020603050405020304" pitchFamily="18" charset="0"/>
                 <a:cs typeface="Times New Roman" panose="02020603050405020304" pitchFamily="18" charset="0"/>
               </a:rPr>
@@ -14888,7 +14531,7 @@
           </a:p>
           <a:p>
             <a:r>
-              <a:rPr lang="en-US" dirty="0" smtClean="0">
+              <a:rPr lang="en-US" dirty="0">
                 <a:latin typeface="Times New Roman" panose="02020603050405020304" pitchFamily="18" charset="0"/>
                 <a:cs typeface="Times New Roman" panose="02020603050405020304" pitchFamily="18" charset="0"/>
               </a:rPr>
@@ -14901,18 +14544,11 @@
               <a:buChar char="•"/>
             </a:pPr>
             <a:r>
-              <a:rPr lang="en-US" dirty="0" smtClean="0">
-                <a:latin typeface="Times New Roman" panose="02020603050405020304" pitchFamily="18" charset="0"/>
-                <a:cs typeface="Times New Roman" panose="02020603050405020304" pitchFamily="18" charset="0"/>
-              </a:rPr>
-              <a:t>We </a:t>
-            </a:r>
-            <a:r>
               <a:rPr lang="en-US" dirty="0">
                 <a:latin typeface="Times New Roman" panose="02020603050405020304" pitchFamily="18" charset="0"/>
                 <a:cs typeface="Times New Roman" panose="02020603050405020304" pitchFamily="18" charset="0"/>
               </a:rPr>
-              <a:t>can add more Halls to show different movies at a time.</a:t>
+              <a:t>We can add more Halls to show different movies at a time.</a:t>
             </a:r>
           </a:p>
           <a:p>
@@ -14950,13 +14586,6 @@
   <p:clrMapOvr>
     <a:masterClrMapping/>
   </p:clrMapOvr>
-  <p:timing>
-    <p:tnLst>
-      <p:par>
-        <p:cTn id="1" dur="indefinite" restart="never" nodeType="tmRoot"/>
-      </p:par>
-    </p:tnLst>
-  </p:timing>
 </p:sld>
 </file>
 
@@ -15023,16 +14652,12 @@
           <a:lstStyle/>
           <a:p>
             <a:r>
-              <a:rPr lang="en-US" sz="2800" dirty="0" smtClean="0">
+              <a:rPr lang="en-US" sz="2800" dirty="0">
                 <a:latin typeface="Times New Roman" panose="02020603050405020304" pitchFamily="18" charset="0"/>
                 <a:cs typeface="Times New Roman" panose="02020603050405020304" pitchFamily="18" charset="0"/>
               </a:rPr>
               <a:t>Any Queries?</a:t>
             </a:r>
-            <a:endParaRPr lang="en-US" sz="2800" dirty="0">
-              <a:latin typeface="Times New Roman" panose="02020603050405020304" pitchFamily="18" charset="0"/>
-              <a:cs typeface="Times New Roman" panose="02020603050405020304" pitchFamily="18" charset="0"/>
-            </a:endParaRPr>
           </a:p>
         </p:txBody>
       </p:sp>
@@ -15046,13 +14671,6 @@
   <p:clrMapOvr>
     <a:masterClrMapping/>
   </p:clrMapOvr>
-  <p:timing>
-    <p:tnLst>
-      <p:par>
-        <p:cTn id="1" dur="indefinite" restart="never" nodeType="tmRoot"/>
-      </p:par>
-    </p:tnLst>
-  </p:timing>
 </p:sld>
 </file>
 
@@ -15098,14 +14716,132 @@
       </p:sp>
       <p:sp>
         <p:nvSpPr>
-          <p:cNvPr id="3" name="Rectangle 2"/>
+          <p:cNvPr id="3" name="TextBox 2"/>
+          <p:cNvSpPr txBox="1"/>
+          <p:nvPr/>
+        </p:nvSpPr>
+        <p:spPr>
+          <a:xfrm>
+            <a:off x="1342767" y="854676"/>
+            <a:ext cx="7201244" cy="3139321"/>
+          </a:xfrm>
+          <a:prstGeom prst="rect">
+            <a:avLst/>
+          </a:prstGeom>
+          <a:noFill/>
+        </p:spPr>
+        <p:txBody>
+          <a:bodyPr wrap="square" rtlCol="0">
+            <a:spAutoFit/>
+          </a:bodyPr>
+          <a:lstStyle/>
+          <a:p>
+            <a:r>
+              <a:rPr lang="en-US" sz="1600" b="1" dirty="0">
+                <a:latin typeface="Times New Roman" panose="02020603050405020304" pitchFamily="18" charset="0"/>
+                <a:cs typeface="Times New Roman" panose="02020603050405020304" pitchFamily="18" charset="0"/>
+              </a:rPr>
+              <a:t>  </a:t>
+            </a:r>
+            <a:r>
+              <a:rPr lang="en-US" sz="2400" b="1" dirty="0">
+                <a:latin typeface="Times New Roman" panose="02020603050405020304" pitchFamily="18" charset="0"/>
+                <a:cs typeface="Times New Roman" panose="02020603050405020304" pitchFamily="18" charset="0"/>
+              </a:rPr>
+              <a:t>Problem Statement</a:t>
+            </a:r>
+          </a:p>
+          <a:p>
+            <a:endParaRPr lang="en-US" b="1" dirty="0">
+              <a:latin typeface="Times New Roman" panose="02020603050405020304" pitchFamily="18" charset="0"/>
+              <a:cs typeface="Times New Roman" panose="02020603050405020304" pitchFamily="18" charset="0"/>
+            </a:endParaRPr>
+          </a:p>
+          <a:p>
+            <a:endParaRPr lang="en-US" sz="1600" b="1" dirty="0">
+              <a:latin typeface="Times New Roman" panose="02020603050405020304" pitchFamily="18" charset="0"/>
+              <a:cs typeface="Times New Roman" panose="02020603050405020304" pitchFamily="18" charset="0"/>
+            </a:endParaRPr>
+          </a:p>
+          <a:p>
+            <a:pPr marL="285750" indent="-285750">
+              <a:buFontTx/>
+              <a:buChar char="-"/>
+            </a:pPr>
+            <a:r>
+              <a:rPr lang="en-US" dirty="0">
+                <a:latin typeface="Times New Roman" panose="02020603050405020304" pitchFamily="18" charset="0"/>
+                <a:cs typeface="Times New Roman" panose="02020603050405020304" pitchFamily="18" charset="0"/>
+              </a:rPr>
+              <a:t>Purchasing movie tickets by standing in queues consumes significant time.</a:t>
+            </a:r>
+          </a:p>
+          <a:p>
+            <a:endParaRPr lang="en-US" dirty="0">
+              <a:latin typeface="Times New Roman" panose="02020603050405020304" pitchFamily="18" charset="0"/>
+              <a:cs typeface="Times New Roman" panose="02020603050405020304" pitchFamily="18" charset="0"/>
+            </a:endParaRPr>
+          </a:p>
+          <a:p>
+            <a:pPr marL="285750" indent="-285750">
+              <a:buFontTx/>
+              <a:buChar char="-"/>
+            </a:pPr>
+            <a:r>
+              <a:rPr lang="en-US" dirty="0">
+                <a:latin typeface="Times New Roman" panose="02020603050405020304" pitchFamily="18" charset="0"/>
+                <a:cs typeface="Times New Roman" panose="02020603050405020304" pitchFamily="18" charset="0"/>
+              </a:rPr>
+              <a:t>Customers are unable to preselect their seats in advance.</a:t>
+            </a:r>
+          </a:p>
+          <a:p>
+            <a:endParaRPr lang="en-US" dirty="0">
+              <a:latin typeface="Times New Roman" panose="02020603050405020304" pitchFamily="18" charset="0"/>
+              <a:cs typeface="Times New Roman" panose="02020603050405020304" pitchFamily="18" charset="0"/>
+            </a:endParaRPr>
+          </a:p>
+          <a:p>
+            <a:r>
+              <a:rPr lang="en-US" sz="1600" dirty="0">
+                <a:latin typeface="Times New Roman" panose="02020603050405020304" pitchFamily="18" charset="0"/>
+                <a:cs typeface="Times New Roman" panose="02020603050405020304" pitchFamily="18" charset="0"/>
+              </a:rPr>
+              <a:t>-     </a:t>
+            </a:r>
+            <a:r>
+              <a:rPr lang="en-US" dirty="0">
+                <a:latin typeface="Times New Roman" panose="02020603050405020304" pitchFamily="18" charset="0"/>
+                <a:cs typeface="Times New Roman" panose="02020603050405020304" pitchFamily="18" charset="0"/>
+              </a:rPr>
+              <a:t>Customers are unaware of the movie showtime.</a:t>
+            </a:r>
+          </a:p>
+          <a:p>
+            <a:pPr lvl="0"/>
+            <a:endParaRPr lang="en-US" sz="1600" dirty="0">
+              <a:latin typeface="Times New Roman" panose="02020603050405020304" pitchFamily="18" charset="0"/>
+              <a:cs typeface="Times New Roman" panose="02020603050405020304" pitchFamily="18" charset="0"/>
+            </a:endParaRPr>
+          </a:p>
+          <a:p>
+            <a:endParaRPr lang="en-US" sz="1600" b="1" dirty="0">
+              <a:latin typeface="Times New Roman" panose="02020603050405020304" pitchFamily="18" charset="0"/>
+              <a:cs typeface="Times New Roman" panose="02020603050405020304" pitchFamily="18" charset="0"/>
+            </a:endParaRPr>
+          </a:p>
+        </p:txBody>
+      </p:sp>
+      <p:sp>
+        <p:nvSpPr>
+          <p:cNvPr id="4" name="Rectangle 3"/>
           <p:cNvSpPr/>
           <p:nvPr/>
         </p:nvSpPr>
         <p:spPr>
           <a:xfrm>
-            <a:off x="1069115" y="1864032"/>
-            <a:ext cx="8316098" cy="2462213"/>
+            <a:off x="1342767" y="3948481"/>
+            <a:ext cx="6874476" cy="2092881"/>
           </a:xfrm>
           <a:prstGeom prst="rect">
             <a:avLst/>
@@ -15117,55 +14853,66 @@
           </a:bodyPr>
           <a:lstStyle/>
           <a:p>
-            <a:pPr algn="ctr"/>
             <a:r>
-              <a:rPr lang="en-US" sz="3200" b="1" dirty="0" smtClean="0">
+              <a:rPr lang="en-US" sz="1400" b="1" dirty="0">
                 <a:latin typeface="Times New Roman" panose="02020603050405020304" pitchFamily="18" charset="0"/>
                 <a:cs typeface="Times New Roman" panose="02020603050405020304" pitchFamily="18" charset="0"/>
               </a:rPr>
-              <a:t>Background Study</a:t>
+              <a:t> </a:t>
             </a:r>
-          </a:p>
-          <a:p>
-            <a:endParaRPr lang="en-US" sz="3200" b="1" dirty="0" smtClean="0">
+            <a:r>
+              <a:rPr lang="en-US" sz="2000" b="1" dirty="0">
+                <a:latin typeface="Times New Roman" panose="02020603050405020304" pitchFamily="18" charset="0"/>
+                <a:cs typeface="Times New Roman" panose="02020603050405020304" pitchFamily="18" charset="0"/>
+              </a:rPr>
+              <a:t>Objectives</a:t>
+            </a:r>
+          </a:p>
+          <a:p>
+            <a:endParaRPr lang="en-US" sz="2000" b="1" dirty="0">
               <a:latin typeface="Times New Roman" panose="02020603050405020304" pitchFamily="18" charset="0"/>
               <a:cs typeface="Times New Roman" panose="02020603050405020304" pitchFamily="18" charset="0"/>
             </a:endParaRPr>
           </a:p>
           <a:p>
+            <a:endParaRPr lang="en-US" b="1" dirty="0">
+              <a:latin typeface="Times New Roman" panose="02020603050405020304" pitchFamily="18" charset="0"/>
+              <a:cs typeface="Times New Roman" panose="02020603050405020304" pitchFamily="18" charset="0"/>
+            </a:endParaRPr>
+          </a:p>
+          <a:p>
+            <a:pPr lvl="0"/>
             <a:r>
-              <a:rPr lang="en-US" dirty="0" smtClean="0">
+              <a:rPr lang="en-US" dirty="0">
                 <a:latin typeface="Times New Roman" panose="02020603050405020304" pitchFamily="18" charset="0"/>
                 <a:cs typeface="Times New Roman" panose="02020603050405020304" pitchFamily="18" charset="0"/>
               </a:rPr>
-              <a:t>Traditional methods were used to buy tickets which was more time-consuming and low possibility of getting the seats of their choice.</a:t>
+              <a:t>-  To enable customers to purchase movie tickets along with their favorable showtime.</a:t>
             </a:r>
           </a:p>
           <a:p>
-            <a:endParaRPr lang="en-US" dirty="0" smtClean="0">
-              <a:latin typeface="Times New Roman" panose="02020603050405020304" pitchFamily="18" charset="0"/>
-              <a:cs typeface="Times New Roman" panose="02020603050405020304" pitchFamily="18" charset="0"/>
-            </a:endParaRPr>
-          </a:p>
-          <a:p>
-            <a:r>
-              <a:rPr lang="en-US" dirty="0" smtClean="0">
-                <a:latin typeface="Times New Roman" panose="02020603050405020304" pitchFamily="18" charset="0"/>
-                <a:cs typeface="Times New Roman" panose="02020603050405020304" pitchFamily="18" charset="0"/>
-              </a:rPr>
-              <a:t>QFX is one of the leading examples that has been providing services to purchase movie tickets online with online payment.</a:t>
-            </a:r>
+            <a:pPr lvl="0"/>
             <a:endParaRPr lang="en-US" dirty="0">
               <a:latin typeface="Times New Roman" panose="02020603050405020304" pitchFamily="18" charset="0"/>
               <a:cs typeface="Times New Roman" panose="02020603050405020304" pitchFamily="18" charset="0"/>
             </a:endParaRPr>
+          </a:p>
+          <a:p>
+            <a:pPr lvl="0"/>
+            <a:r>
+              <a:rPr lang="en-US" dirty="0">
+                <a:latin typeface="Times New Roman" panose="02020603050405020304" pitchFamily="18" charset="0"/>
+                <a:cs typeface="Times New Roman" panose="02020603050405020304" pitchFamily="18" charset="0"/>
+              </a:rPr>
+              <a:t>-  To allow customers to select seats of their choice</a:t>
+            </a:r>
           </a:p>
         </p:txBody>
       </p:sp>
     </p:spTree>
     <p:extLst>
       <p:ext uri="{BB962C8B-B14F-4D97-AF65-F5344CB8AC3E}">
-        <p14:creationId xmlns:p14="http://schemas.microsoft.com/office/powerpoint/2010/main" val="1981562616"/>
+        <p14:creationId xmlns:p14="http://schemas.microsoft.com/office/powerpoint/2010/main" val="852504935"/>
       </p:ext>
     </p:extLst>
   </p:cSld>
@@ -15238,16 +14985,12 @@
           <a:lstStyle/>
           <a:p>
             <a:r>
-              <a:rPr lang="en-US" sz="5400" dirty="0" smtClean="0">
+              <a:rPr lang="en-US" sz="5400" dirty="0">
                 <a:latin typeface="Times New Roman" panose="02020603050405020304" pitchFamily="18" charset="0"/>
                 <a:cs typeface="Times New Roman" panose="02020603050405020304" pitchFamily="18" charset="0"/>
               </a:rPr>
               <a:t>Thank you!</a:t>
             </a:r>
-            <a:endParaRPr lang="en-US" sz="5400" dirty="0">
-              <a:latin typeface="Times New Roman" panose="02020603050405020304" pitchFamily="18" charset="0"/>
-              <a:cs typeface="Times New Roman" panose="02020603050405020304" pitchFamily="18" charset="0"/>
-            </a:endParaRPr>
           </a:p>
         </p:txBody>
       </p:sp>
@@ -15312,8 +15055,8 @@
         </p:nvSpPr>
         <p:spPr>
           <a:xfrm>
-            <a:off x="1342767" y="854676"/>
-            <a:ext cx="7201244" cy="3139321"/>
+            <a:off x="1466847" y="706395"/>
+            <a:ext cx="8709199" cy="4585871"/>
           </a:xfrm>
           <a:prstGeom prst="rect">
             <a:avLst/>
@@ -15327,163 +15070,33 @@
           <a:lstStyle/>
           <a:p>
             <a:r>
-              <a:rPr lang="en-US" sz="1600" b="1" dirty="0" smtClean="0">
-                <a:latin typeface="Times New Roman" panose="02020603050405020304" pitchFamily="18" charset="0"/>
-                <a:cs typeface="Times New Roman" panose="02020603050405020304" pitchFamily="18" charset="0"/>
-              </a:rPr>
-              <a:t>  </a:t>
-            </a:r>
-            <a:r>
-              <a:rPr lang="en-US" sz="2400" b="1" dirty="0" smtClean="0">
-                <a:latin typeface="Times New Roman" panose="02020603050405020304" pitchFamily="18" charset="0"/>
-                <a:cs typeface="Times New Roman" panose="02020603050405020304" pitchFamily="18" charset="0"/>
-              </a:rPr>
-              <a:t>Problem Statement</a:t>
-            </a:r>
-          </a:p>
-          <a:p>
-            <a:endParaRPr lang="en-US" b="1" dirty="0" smtClean="0">
-              <a:latin typeface="Times New Roman" panose="02020603050405020304" pitchFamily="18" charset="0"/>
-              <a:cs typeface="Times New Roman" panose="02020603050405020304" pitchFamily="18" charset="0"/>
-            </a:endParaRPr>
-          </a:p>
-          <a:p>
-            <a:endParaRPr lang="en-US" sz="1600" b="1" dirty="0">
-              <a:latin typeface="Times New Roman" panose="02020603050405020304" pitchFamily="18" charset="0"/>
-              <a:cs typeface="Times New Roman" panose="02020603050405020304" pitchFamily="18" charset="0"/>
-            </a:endParaRPr>
-          </a:p>
-          <a:p>
-            <a:pPr marL="285750" indent="-285750">
-              <a:buFontTx/>
-              <a:buChar char="-"/>
-            </a:pPr>
-            <a:r>
-              <a:rPr lang="en-US" dirty="0" smtClean="0">
-                <a:latin typeface="Times New Roman" panose="02020603050405020304" pitchFamily="18" charset="0"/>
-                <a:cs typeface="Times New Roman" panose="02020603050405020304" pitchFamily="18" charset="0"/>
-              </a:rPr>
-              <a:t>Purchasing </a:t>
-            </a:r>
-            <a:r>
-              <a:rPr lang="en-US" dirty="0">
-                <a:latin typeface="Times New Roman" panose="02020603050405020304" pitchFamily="18" charset="0"/>
-                <a:cs typeface="Times New Roman" panose="02020603050405020304" pitchFamily="18" charset="0"/>
-              </a:rPr>
-              <a:t>movie tickets by standing in queues consumes significant time</a:t>
-            </a:r>
-            <a:r>
-              <a:rPr lang="en-US" dirty="0" smtClean="0">
-                <a:latin typeface="Times New Roman" panose="02020603050405020304" pitchFamily="18" charset="0"/>
-                <a:cs typeface="Times New Roman" panose="02020603050405020304" pitchFamily="18" charset="0"/>
-              </a:rPr>
-              <a:t>.</a:t>
-            </a:r>
-          </a:p>
-          <a:p>
-            <a:endParaRPr lang="en-US" dirty="0">
-              <a:latin typeface="Times New Roman" panose="02020603050405020304" pitchFamily="18" charset="0"/>
-              <a:cs typeface="Times New Roman" panose="02020603050405020304" pitchFamily="18" charset="0"/>
-            </a:endParaRPr>
-          </a:p>
-          <a:p>
-            <a:pPr marL="285750" indent="-285750">
-              <a:buFontTx/>
-              <a:buChar char="-"/>
-            </a:pPr>
-            <a:r>
-              <a:rPr lang="en-US" dirty="0" smtClean="0">
-                <a:latin typeface="Times New Roman" panose="02020603050405020304" pitchFamily="18" charset="0"/>
-                <a:cs typeface="Times New Roman" panose="02020603050405020304" pitchFamily="18" charset="0"/>
-              </a:rPr>
-              <a:t>Customers </a:t>
-            </a:r>
-            <a:r>
-              <a:rPr lang="en-US" dirty="0">
-                <a:latin typeface="Times New Roman" panose="02020603050405020304" pitchFamily="18" charset="0"/>
-                <a:cs typeface="Times New Roman" panose="02020603050405020304" pitchFamily="18" charset="0"/>
-              </a:rPr>
-              <a:t>are unable to preselect their seats in advance</a:t>
-            </a:r>
-            <a:r>
-              <a:rPr lang="en-US" dirty="0" smtClean="0">
-                <a:latin typeface="Times New Roman" panose="02020603050405020304" pitchFamily="18" charset="0"/>
-                <a:cs typeface="Times New Roman" panose="02020603050405020304" pitchFamily="18" charset="0"/>
-              </a:rPr>
-              <a:t>.</a:t>
-            </a:r>
-          </a:p>
-          <a:p>
-            <a:endParaRPr lang="en-US" dirty="0">
-              <a:latin typeface="Times New Roman" panose="02020603050405020304" pitchFamily="18" charset="0"/>
-              <a:cs typeface="Times New Roman" panose="02020603050405020304" pitchFamily="18" charset="0"/>
-            </a:endParaRPr>
-          </a:p>
-          <a:p>
-            <a:r>
-              <a:rPr lang="en-US" sz="1600" dirty="0" smtClean="0">
-                <a:latin typeface="Times New Roman" panose="02020603050405020304" pitchFamily="18" charset="0"/>
-                <a:cs typeface="Times New Roman" panose="02020603050405020304" pitchFamily="18" charset="0"/>
-              </a:rPr>
-              <a:t>- </a:t>
-            </a:r>
-            <a:r>
-              <a:rPr lang="en-US" dirty="0">
-                <a:latin typeface="Times New Roman" panose="02020603050405020304" pitchFamily="18" charset="0"/>
-                <a:cs typeface="Times New Roman" panose="02020603050405020304" pitchFamily="18" charset="0"/>
-              </a:rPr>
-              <a:t>Customers are unaware of the movie showtime.</a:t>
-            </a:r>
-          </a:p>
-          <a:p>
-            <a:pPr lvl="0"/>
-            <a:endParaRPr lang="en-US" sz="1600" dirty="0" smtClean="0">
-              <a:latin typeface="Times New Roman" panose="02020603050405020304" pitchFamily="18" charset="0"/>
-              <a:cs typeface="Times New Roman" panose="02020603050405020304" pitchFamily="18" charset="0"/>
-            </a:endParaRPr>
-          </a:p>
-          <a:p>
-            <a:endParaRPr lang="en-US" sz="1600" b="1" dirty="0">
-              <a:latin typeface="Times New Roman" panose="02020603050405020304" pitchFamily="18" charset="0"/>
-              <a:cs typeface="Times New Roman" panose="02020603050405020304" pitchFamily="18" charset="0"/>
-            </a:endParaRPr>
-          </a:p>
-        </p:txBody>
-      </p:sp>
-      <p:sp>
-        <p:nvSpPr>
-          <p:cNvPr id="4" name="Rectangle 3"/>
-          <p:cNvSpPr/>
-          <p:nvPr/>
-        </p:nvSpPr>
-        <p:spPr>
-          <a:xfrm>
-            <a:off x="1342767" y="3884498"/>
-            <a:ext cx="6874476" cy="2092881"/>
-          </a:xfrm>
-          <a:prstGeom prst="rect">
-            <a:avLst/>
-          </a:prstGeom>
-        </p:spPr>
-        <p:txBody>
-          <a:bodyPr wrap="square">
-            <a:spAutoFit/>
-          </a:bodyPr>
-          <a:lstStyle/>
-          <a:p>
-            <a:r>
-              <a:rPr lang="en-US" sz="1400" b="1" dirty="0">
+              <a:rPr lang="en-US" sz="1600" b="1" dirty="0">
                 <a:latin typeface="Times New Roman" panose="02020603050405020304" pitchFamily="18" charset="0"/>
                 <a:cs typeface="Times New Roman" panose="02020603050405020304" pitchFamily="18" charset="0"/>
               </a:rPr>
               <a:t> </a:t>
             </a:r>
             <a:r>
+              <a:rPr lang="en-US" sz="2800" b="1" dirty="0">
+                <a:latin typeface="Times New Roman" panose="02020603050405020304" pitchFamily="18" charset="0"/>
+                <a:cs typeface="Times New Roman" panose="02020603050405020304" pitchFamily="18" charset="0"/>
+              </a:rPr>
+              <a:t>Scope and Limitation</a:t>
+            </a:r>
+          </a:p>
+          <a:p>
+            <a:endParaRPr lang="en-US" sz="2800" b="1" dirty="0">
+              <a:latin typeface="Times New Roman" panose="02020603050405020304" pitchFamily="18" charset="0"/>
+              <a:cs typeface="Times New Roman" panose="02020603050405020304" pitchFamily="18" charset="0"/>
+            </a:endParaRPr>
+          </a:p>
+          <a:p>
+            <a:r>
               <a:rPr lang="en-US" sz="2000" b="1" dirty="0">
                 <a:latin typeface="Times New Roman" panose="02020603050405020304" pitchFamily="18" charset="0"/>
                 <a:cs typeface="Times New Roman" panose="02020603050405020304" pitchFamily="18" charset="0"/>
               </a:rPr>
-              <a:t>Objectives</a:t>
+              <a:t>Scope</a:t>
             </a:r>
           </a:p>
           <a:p>
@@ -15493,71 +15106,126 @@
             </a:endParaRPr>
           </a:p>
           <a:p>
-            <a:endParaRPr lang="en-US" b="1" dirty="0">
-              <a:latin typeface="Times New Roman" panose="02020603050405020304" pitchFamily="18" charset="0"/>
-              <a:cs typeface="Times New Roman" panose="02020603050405020304" pitchFamily="18" charset="0"/>
-            </a:endParaRPr>
-          </a:p>
-          <a:p>
-            <a:pPr lvl="0"/>
-            <a:r>
-              <a:rPr lang="en-US" dirty="0" smtClean="0">
-                <a:latin typeface="Times New Roman" panose="02020603050405020304" pitchFamily="18" charset="0"/>
-                <a:cs typeface="Times New Roman" panose="02020603050405020304" pitchFamily="18" charset="0"/>
-              </a:rPr>
-              <a:t>-</a:t>
-            </a:r>
+            <a:pPr marL="285750" indent="-285750">
+              <a:buFont typeface="Arial" panose="020B0604020202020204" pitchFamily="34" charset="0"/>
+              <a:buChar char="•"/>
+            </a:pPr>
             <a:r>
               <a:rPr lang="en-US" dirty="0">
                 <a:latin typeface="Times New Roman" panose="02020603050405020304" pitchFamily="18" charset="0"/>
                 <a:cs typeface="Times New Roman" panose="02020603050405020304" pitchFamily="18" charset="0"/>
               </a:rPr>
-              <a:t>To enable customers to purchase movie tickets along with their favorable showtime.</a:t>
+              <a:t>Allow users to browse a diverse catalog of movies</a:t>
             </a:r>
           </a:p>
           <a:p>
-            <a:pPr lvl="0"/>
+            <a:pPr marL="285750" indent="-285750">
+              <a:buFont typeface="Arial" panose="020B0604020202020204" pitchFamily="34" charset="0"/>
+              <a:buChar char="•"/>
+            </a:pPr>
             <a:endParaRPr lang="en-US" dirty="0">
               <a:latin typeface="Times New Roman" panose="02020603050405020304" pitchFamily="18" charset="0"/>
               <a:cs typeface="Times New Roman" panose="02020603050405020304" pitchFamily="18" charset="0"/>
             </a:endParaRPr>
           </a:p>
           <a:p>
-            <a:pPr lvl="0"/>
-            <a:r>
-              <a:rPr lang="en-US" dirty="0" smtClean="0">
-                <a:latin typeface="Times New Roman" panose="02020603050405020304" pitchFamily="18" charset="0"/>
-                <a:cs typeface="Times New Roman" panose="02020603050405020304" pitchFamily="18" charset="0"/>
-              </a:rPr>
-              <a:t>-</a:t>
-            </a:r>
+            <a:pPr marL="285750" indent="-285750">
+              <a:buFont typeface="Arial" panose="020B0604020202020204" pitchFamily="34" charset="0"/>
+              <a:buChar char="•"/>
+            </a:pPr>
             <a:r>
               <a:rPr lang="en-US" dirty="0">
                 <a:latin typeface="Times New Roman" panose="02020603050405020304" pitchFamily="18" charset="0"/>
                 <a:cs typeface="Times New Roman" panose="02020603050405020304" pitchFamily="18" charset="0"/>
               </a:rPr>
-              <a:t>To allow customers to select seats of their choice</a:t>
+              <a:t>Ensure that the system is accessible on every device</a:t>
             </a:r>
+          </a:p>
+          <a:p>
+            <a:pPr lvl="0"/>
+            <a:endParaRPr lang="en-US" sz="1600" dirty="0">
+              <a:latin typeface="Times New Roman" panose="02020603050405020304" pitchFamily="18" charset="0"/>
+              <a:cs typeface="Times New Roman" panose="02020603050405020304" pitchFamily="18" charset="0"/>
+            </a:endParaRPr>
+          </a:p>
+          <a:p>
+            <a:pPr lvl="0"/>
+            <a:endParaRPr lang="en-US" sz="1600" dirty="0">
+              <a:latin typeface="Times New Roman" panose="02020603050405020304" pitchFamily="18" charset="0"/>
+              <a:cs typeface="Times New Roman" panose="02020603050405020304" pitchFamily="18" charset="0"/>
+            </a:endParaRPr>
+          </a:p>
+          <a:p>
+            <a:pPr lvl="0"/>
+            <a:r>
+              <a:rPr lang="en-US" sz="2000" b="1" dirty="0">
+                <a:latin typeface="Times New Roman" panose="02020603050405020304" pitchFamily="18" charset="0"/>
+                <a:cs typeface="Times New Roman" panose="02020603050405020304" pitchFamily="18" charset="0"/>
+              </a:rPr>
+              <a:t>Limitation</a:t>
+            </a:r>
+          </a:p>
+          <a:p>
+            <a:pPr lvl="0"/>
+            <a:endParaRPr lang="en-US" sz="2000" b="1" dirty="0">
+              <a:latin typeface="Times New Roman" panose="02020603050405020304" pitchFamily="18" charset="0"/>
+              <a:cs typeface="Times New Roman" panose="02020603050405020304" pitchFamily="18" charset="0"/>
+            </a:endParaRPr>
+          </a:p>
+          <a:p>
+            <a:pPr marL="342900" lvl="0" indent="-342900">
+              <a:buFont typeface="Arial" panose="020B0604020202020204" pitchFamily="34" charset="0"/>
+              <a:buChar char="•"/>
+            </a:pPr>
+            <a:r>
+              <a:rPr lang="en-US" dirty="0">
+                <a:latin typeface="Times New Roman" panose="02020603050405020304" pitchFamily="18" charset="0"/>
+                <a:cs typeface="Times New Roman" panose="02020603050405020304" pitchFamily="18" charset="0"/>
+              </a:rPr>
+              <a:t>Reliance on a single theatre for showing movies</a:t>
+            </a:r>
+          </a:p>
+          <a:p>
+            <a:pPr marL="342900" lvl="0" indent="-342900">
+              <a:buFont typeface="Arial" panose="020B0604020202020204" pitchFamily="34" charset="0"/>
+              <a:buChar char="•"/>
+            </a:pPr>
+            <a:endParaRPr lang="en-US" dirty="0">
+              <a:latin typeface="Times New Roman" panose="02020603050405020304" pitchFamily="18" charset="0"/>
+              <a:cs typeface="Times New Roman" panose="02020603050405020304" pitchFamily="18" charset="0"/>
+            </a:endParaRPr>
+          </a:p>
+          <a:p>
+            <a:pPr marL="342900" lvl="0" indent="-342900">
+              <a:buFont typeface="Arial" panose="020B0604020202020204" pitchFamily="34" charset="0"/>
+              <a:buChar char="•"/>
+            </a:pPr>
+            <a:r>
+              <a:rPr lang="en-US" dirty="0">
+                <a:latin typeface="Times New Roman" panose="02020603050405020304" pitchFamily="18" charset="0"/>
+                <a:cs typeface="Times New Roman" panose="02020603050405020304" pitchFamily="18" charset="0"/>
+              </a:rPr>
+              <a:t>There is no feature of reserve now and pay later.</a:t>
+            </a:r>
+          </a:p>
+          <a:p>
+            <a:endParaRPr lang="en-US" sz="1600" b="1" dirty="0">
+              <a:latin typeface="Times New Roman" panose="02020603050405020304" pitchFamily="18" charset="0"/>
+              <a:cs typeface="Times New Roman" panose="02020603050405020304" pitchFamily="18" charset="0"/>
+            </a:endParaRPr>
           </a:p>
         </p:txBody>
       </p:sp>
     </p:spTree>
     <p:extLst>
       <p:ext uri="{BB962C8B-B14F-4D97-AF65-F5344CB8AC3E}">
-        <p14:creationId xmlns:p14="http://schemas.microsoft.com/office/powerpoint/2010/main" val="852504935"/>
+        <p14:creationId xmlns:p14="http://schemas.microsoft.com/office/powerpoint/2010/main" val="596478106"/>
       </p:ext>
     </p:extLst>
   </p:cSld>
   <p:clrMapOvr>
     <a:masterClrMapping/>
   </p:clrMapOvr>
-  <p:timing>
-    <p:tnLst>
-      <p:par>
-        <p:cTn id="1" dur="indefinite" restart="never" nodeType="tmRoot"/>
-      </p:par>
-    </p:tnLst>
-  </p:timing>
 </p:sld>
 </file>
 
@@ -15624,7 +15292,7 @@
           <a:lstStyle/>
           <a:p>
             <a:r>
-              <a:rPr lang="en-US" sz="2400" b="1" dirty="0" smtClean="0">
+              <a:rPr lang="en-US" sz="2400" b="1" dirty="0">
                 <a:latin typeface="Times New Roman" panose="02020603050405020304" pitchFamily="18" charset="0"/>
                 <a:cs typeface="Times New Roman" panose="02020603050405020304" pitchFamily="18" charset="0"/>
               </a:rPr>
@@ -15647,28 +15315,7 @@
                 <a:latin typeface="Times New Roman" panose="02020603050405020304" pitchFamily="18" charset="0"/>
                 <a:cs typeface="Times New Roman" panose="02020603050405020304" pitchFamily="18" charset="0"/>
               </a:rPr>
-              <a:t>Customers can </a:t>
-            </a:r>
-            <a:r>
-              <a:rPr lang="en-US" dirty="0" smtClean="0">
-                <a:latin typeface="Times New Roman" panose="02020603050405020304" pitchFamily="18" charset="0"/>
-                <a:cs typeface="Times New Roman" panose="02020603050405020304" pitchFamily="18" charset="0"/>
-              </a:rPr>
-              <a:t>log in </a:t>
-            </a:r>
-            <a:r>
-              <a:rPr lang="en-US" dirty="0">
-                <a:latin typeface="Times New Roman" panose="02020603050405020304" pitchFamily="18" charset="0"/>
-                <a:cs typeface="Times New Roman" panose="02020603050405020304" pitchFamily="18" charset="0"/>
-              </a:rPr>
-              <a:t>with valid credentials</a:t>
-            </a:r>
-            <a:r>
-              <a:rPr lang="en-US" dirty="0" smtClean="0">
-                <a:latin typeface="Times New Roman" panose="02020603050405020304" pitchFamily="18" charset="0"/>
-                <a:cs typeface="Times New Roman" panose="02020603050405020304" pitchFamily="18" charset="0"/>
-              </a:rPr>
-              <a:t>.</a:t>
+              <a:t>Customers can log in with valid credentials.</a:t>
             </a:r>
           </a:p>
           <a:p>
@@ -15687,14 +15334,7 @@
                 <a:latin typeface="Times New Roman" panose="02020603050405020304" pitchFamily="18" charset="0"/>
                 <a:cs typeface="Times New Roman" panose="02020603050405020304" pitchFamily="18" charset="0"/>
               </a:rPr>
-              <a:t>The system enables users to browse movies, pick a showtime, and book their preferred seat</a:t>
-            </a:r>
-            <a:r>
-              <a:rPr lang="en-US" dirty="0" smtClean="0">
-                <a:latin typeface="Times New Roman" panose="02020603050405020304" pitchFamily="18" charset="0"/>
-                <a:cs typeface="Times New Roman" panose="02020603050405020304" pitchFamily="18" charset="0"/>
-              </a:rPr>
-              <a:t>.</a:t>
+              <a:t>The system enables users to browse movies, pick a showtime, and book their preferred seat.</a:t>
             </a:r>
           </a:p>
           <a:p>
@@ -15713,27 +15353,16 @@
                 <a:latin typeface="Times New Roman" panose="02020603050405020304" pitchFamily="18" charset="0"/>
                 <a:cs typeface="Times New Roman" panose="02020603050405020304" pitchFamily="18" charset="0"/>
               </a:rPr>
-              <a:t>The system will maintain a record of all the bookings made by the users</a:t>
+              <a:t>The system will maintain a record of all the bookings made by the users.</a:t>
             </a:r>
-            <a:r>
-              <a:rPr lang="en-US" dirty="0" smtClean="0">
-                <a:latin typeface="Times New Roman" panose="02020603050405020304" pitchFamily="18" charset="0"/>
-                <a:cs typeface="Times New Roman" panose="02020603050405020304" pitchFamily="18" charset="0"/>
-              </a:rPr>
-              <a:t>.</a:t>
-            </a:r>
+          </a:p>
+          <a:p>
             <a:endParaRPr lang="en-US" dirty="0">
               <a:latin typeface="Times New Roman" panose="02020603050405020304" pitchFamily="18" charset="0"/>
               <a:cs typeface="Times New Roman" panose="02020603050405020304" pitchFamily="18" charset="0"/>
             </a:endParaRPr>
           </a:p>
           <a:p>
-            <a:endParaRPr lang="en-US" dirty="0" smtClean="0">
-              <a:latin typeface="Times New Roman" panose="02020603050405020304" pitchFamily="18" charset="0"/>
-              <a:cs typeface="Times New Roman" panose="02020603050405020304" pitchFamily="18" charset="0"/>
-            </a:endParaRPr>
-          </a:p>
-          <a:p>
             <a:endParaRPr lang="en-US" dirty="0">
               <a:latin typeface="Times New Roman" panose="02020603050405020304" pitchFamily="18" charset="0"/>
               <a:cs typeface="Times New Roman" panose="02020603050405020304" pitchFamily="18" charset="0"/>
@@ -15741,14 +15370,14 @@
           </a:p>
           <a:p>
             <a:r>
-              <a:rPr lang="en-US" b="1" dirty="0" smtClean="0">
+              <a:rPr lang="en-US" b="1" dirty="0">
                 <a:latin typeface="Times New Roman" panose="02020603050405020304" pitchFamily="18" charset="0"/>
                 <a:cs typeface="Times New Roman" panose="02020603050405020304" pitchFamily="18" charset="0"/>
               </a:rPr>
               <a:t>       </a:t>
             </a:r>
             <a:r>
-              <a:rPr lang="en-US" sz="2400" b="1" dirty="0" smtClean="0">
+              <a:rPr lang="en-US" sz="2400" b="1" dirty="0">
                 <a:latin typeface="Times New Roman" panose="02020603050405020304" pitchFamily="18" charset="0"/>
                 <a:cs typeface="Times New Roman" panose="02020603050405020304" pitchFamily="18" charset="0"/>
               </a:rPr>
@@ -15767,7 +15396,7 @@
               <a:buChar char="•"/>
             </a:pPr>
             <a:r>
-              <a:rPr lang="en-US" dirty="0" smtClean="0">
+              <a:rPr lang="en-US" dirty="0">
                 <a:latin typeface="Times New Roman" panose="02020603050405020304" pitchFamily="18" charset="0"/>
                 <a:cs typeface="Times New Roman" panose="02020603050405020304" pitchFamily="18" charset="0"/>
               </a:rPr>
@@ -15775,7 +15404,7 @@
             </a:r>
           </a:p>
           <a:p>
-            <a:endParaRPr lang="en-US" dirty="0" smtClean="0">
+            <a:endParaRPr lang="en-US" dirty="0">
               <a:latin typeface="Times New Roman" panose="02020603050405020304" pitchFamily="18" charset="0"/>
               <a:cs typeface="Times New Roman" panose="02020603050405020304" pitchFamily="18" charset="0"/>
             </a:endParaRPr>
@@ -15786,7 +15415,7 @@
               <a:buChar char="•"/>
             </a:pPr>
             <a:r>
-              <a:rPr lang="en-US" dirty="0" smtClean="0">
+              <a:rPr lang="en-US" dirty="0">
                 <a:latin typeface="Times New Roman" panose="02020603050405020304" pitchFamily="18" charset="0"/>
                 <a:cs typeface="Times New Roman" panose="02020603050405020304" pitchFamily="18" charset="0"/>
               </a:rPr>
@@ -15794,7 +15423,7 @@
             </a:r>
           </a:p>
           <a:p>
-            <a:endParaRPr lang="en-US" dirty="0" smtClean="0">
+            <a:endParaRPr lang="en-US" dirty="0">
               <a:latin typeface="Times New Roman" panose="02020603050405020304" pitchFamily="18" charset="0"/>
               <a:cs typeface="Times New Roman" panose="02020603050405020304" pitchFamily="18" charset="0"/>
             </a:endParaRPr>
@@ -15805,7 +15434,7 @@
               <a:buChar char="•"/>
             </a:pPr>
             <a:r>
-              <a:rPr lang="en-US" dirty="0" smtClean="0">
+              <a:rPr lang="en-US" dirty="0">
                 <a:latin typeface="Times New Roman" panose="02020603050405020304" pitchFamily="18" charset="0"/>
                 <a:cs typeface="Times New Roman" panose="02020603050405020304" pitchFamily="18" charset="0"/>
               </a:rPr>
@@ -15824,13 +15453,6 @@
   <p:clrMapOvr>
     <a:masterClrMapping/>
   </p:clrMapOvr>
-  <p:timing>
-    <p:tnLst>
-      <p:par>
-        <p:cTn id="1" dur="indefinite" restart="never" nodeType="tmRoot"/>
-      </p:par>
-    </p:tnLst>
-  </p:timing>
 </p:sld>
 </file>
 
@@ -15897,7 +15519,7 @@
           <a:lstStyle/>
           <a:p>
             <a:r>
-              <a:rPr lang="en-US" sz="2400" b="1" dirty="0" smtClean="0">
+              <a:rPr lang="en-US" sz="2400" b="1" dirty="0">
                 <a:latin typeface="Times New Roman" panose="02020603050405020304" pitchFamily="18" charset="0"/>
                 <a:cs typeface="Times New Roman" panose="02020603050405020304" pitchFamily="18" charset="0"/>
               </a:rPr>
@@ -15905,14 +15527,14 @@
             </a:r>
           </a:p>
           <a:p>
-            <a:endParaRPr lang="en-US" sz="2400" b="1" dirty="0" smtClean="0">
+            <a:endParaRPr lang="en-US" sz="2400" b="1" dirty="0">
               <a:latin typeface="Times New Roman" panose="02020603050405020304" pitchFamily="18" charset="0"/>
               <a:cs typeface="Times New Roman" panose="02020603050405020304" pitchFamily="18" charset="0"/>
             </a:endParaRPr>
           </a:p>
           <a:p>
             <a:r>
-              <a:rPr lang="en-US" b="1" u="sng" dirty="0" smtClean="0">
+              <a:rPr lang="en-US" b="1" u="sng" dirty="0">
                 <a:latin typeface="Times New Roman" panose="02020603050405020304" pitchFamily="18" charset="0"/>
                 <a:cs typeface="Times New Roman" panose="02020603050405020304" pitchFamily="18" charset="0"/>
               </a:rPr>
@@ -15931,14 +15553,7 @@
                 <a:latin typeface="Times New Roman" panose="02020603050405020304" pitchFamily="18" charset="0"/>
                 <a:cs typeface="Times New Roman" panose="02020603050405020304" pitchFamily="18" charset="0"/>
               </a:rPr>
-              <a:t>The system was developed using HTML, PHP, CSS, and Javascript, which were all sufficient to meet the </a:t>
-            </a:r>
-            <a:r>
-              <a:rPr lang="en-US" dirty="0" smtClean="0">
-                <a:latin typeface="Times New Roman" panose="02020603050405020304" pitchFamily="18" charset="0"/>
-                <a:cs typeface="Times New Roman" panose="02020603050405020304" pitchFamily="18" charset="0"/>
-              </a:rPr>
-              <a:t>needs</a:t>
+              <a:t>The system was developed using HTML, PHP, CSS, and Javascript, which were all sufficient to meet the needs</a:t>
             </a:r>
           </a:p>
           <a:p>
@@ -15949,7 +15564,7 @@
           </a:p>
           <a:p>
             <a:r>
-              <a:rPr lang="en-US" b="1" u="sng" dirty="0" smtClean="0">
+              <a:rPr lang="en-US" b="1" u="sng" dirty="0">
                 <a:latin typeface="Times New Roman" panose="02020603050405020304" pitchFamily="18" charset="0"/>
                 <a:cs typeface="Times New Roman" panose="02020603050405020304" pitchFamily="18" charset="0"/>
               </a:rPr>
@@ -15957,14 +15572,14 @@
             </a:r>
           </a:p>
           <a:p>
-            <a:endParaRPr lang="en-US" dirty="0" smtClean="0">
+            <a:endParaRPr lang="en-US" dirty="0">
               <a:latin typeface="Times New Roman" panose="02020603050405020304" pitchFamily="18" charset="0"/>
               <a:cs typeface="Times New Roman" panose="02020603050405020304" pitchFamily="18" charset="0"/>
             </a:endParaRPr>
           </a:p>
           <a:p>
             <a:r>
-              <a:rPr lang="en-US" dirty="0" smtClean="0">
+              <a:rPr lang="en-US" dirty="0">
                 <a:latin typeface="Times New Roman" panose="02020603050405020304" pitchFamily="18" charset="0"/>
                 <a:cs typeface="Times New Roman" panose="02020603050405020304" pitchFamily="18" charset="0"/>
               </a:rPr>
@@ -15972,14 +15587,14 @@
             </a:r>
           </a:p>
           <a:p>
-            <a:endParaRPr lang="en-US" sz="2400" b="1" dirty="0" smtClean="0">
+            <a:endParaRPr lang="en-US" sz="2400" b="1" dirty="0">
               <a:latin typeface="Times New Roman" panose="02020603050405020304" pitchFamily="18" charset="0"/>
               <a:cs typeface="Times New Roman" panose="02020603050405020304" pitchFamily="18" charset="0"/>
             </a:endParaRPr>
           </a:p>
           <a:p>
             <a:r>
-              <a:rPr lang="en-US" b="1" u="sng" dirty="0" smtClean="0">
+              <a:rPr lang="en-US" b="1" u="sng" dirty="0">
                 <a:latin typeface="Times New Roman" panose="02020603050405020304" pitchFamily="18" charset="0"/>
                 <a:cs typeface="Times New Roman" panose="02020603050405020304" pitchFamily="18" charset="0"/>
               </a:rPr>
@@ -15987,14 +15602,14 @@
             </a:r>
           </a:p>
           <a:p>
-            <a:endParaRPr lang="en-US" dirty="0" smtClean="0">
+            <a:endParaRPr lang="en-US" dirty="0">
               <a:latin typeface="Times New Roman" panose="02020603050405020304" pitchFamily="18" charset="0"/>
               <a:cs typeface="Times New Roman" panose="02020603050405020304" pitchFamily="18" charset="0"/>
             </a:endParaRPr>
           </a:p>
           <a:p>
             <a:r>
-              <a:rPr lang="en-US" dirty="0" smtClean="0">
+              <a:rPr lang="en-US" dirty="0">
                 <a:latin typeface="Times New Roman" panose="02020603050405020304" pitchFamily="18" charset="0"/>
                 <a:cs typeface="Times New Roman" panose="02020603050405020304" pitchFamily="18" charset="0"/>
               </a:rPr>
@@ -16009,16 +15624,12 @@
           </a:p>
           <a:p>
             <a:r>
-              <a:rPr lang="en-US" sz="2400" b="1" dirty="0" smtClean="0">
+              <a:rPr lang="en-US" sz="2400" b="1" dirty="0">
                 <a:latin typeface="Times New Roman" panose="02020603050405020304" pitchFamily="18" charset="0"/>
                 <a:cs typeface="Times New Roman" panose="02020603050405020304" pitchFamily="18" charset="0"/>
               </a:rPr>
               <a:t>	</a:t>
             </a:r>
-            <a:endParaRPr lang="en-US" sz="2400" b="1" dirty="0">
-              <a:latin typeface="Times New Roman" panose="02020603050405020304" pitchFamily="18" charset="0"/>
-              <a:cs typeface="Times New Roman" panose="02020603050405020304" pitchFamily="18" charset="0"/>
-            </a:endParaRPr>
           </a:p>
         </p:txBody>
       </p:sp>
@@ -16032,13 +15643,6 @@
   <p:clrMapOvr>
     <a:masterClrMapping/>
   </p:clrMapOvr>
-  <p:timing>
-    <p:tnLst>
-      <p:par>
-        <p:cTn id="1" dur="indefinite" restart="never" nodeType="tmRoot"/>
-      </p:par>
-    </p:tnLst>
-  </p:timing>
 </p:sld>
 </file>
 
@@ -19496,13 +19100,6 @@
   <p:clrMapOvr>
     <a:masterClrMapping/>
   </p:clrMapOvr>
-  <p:timing>
-    <p:tnLst>
-      <p:par>
-        <p:cTn id="1" dur="indefinite" restart="never" nodeType="tmRoot"/>
-      </p:par>
-    </p:tnLst>
-  </p:timing>
 </p:sld>
 </file>
 
@@ -19569,7 +19166,7 @@
           <a:lstStyle/>
           <a:p>
             <a:r>
-              <a:rPr lang="en-US" sz="2400" b="1" dirty="0" smtClean="0">
+              <a:rPr lang="en-US" sz="2400" b="1" dirty="0">
                 <a:latin typeface="Times New Roman" panose="02020603050405020304" pitchFamily="18" charset="0"/>
                 <a:cs typeface="Times New Roman" panose="02020603050405020304" pitchFamily="18" charset="0"/>
               </a:rPr>
@@ -19578,16 +19175,12 @@
           </a:p>
           <a:p>
             <a:r>
-              <a:rPr lang="en-US" sz="2400" b="1" dirty="0" smtClean="0">
+              <a:rPr lang="en-US" sz="2400" b="1" dirty="0">
                 <a:latin typeface="Times New Roman" panose="02020603050405020304" pitchFamily="18" charset="0"/>
                 <a:cs typeface="Times New Roman" panose="02020603050405020304" pitchFamily="18" charset="0"/>
               </a:rPr>
               <a:t> </a:t>
             </a:r>
-            <a:endParaRPr lang="en-US" sz="2400" b="1" dirty="0">
-              <a:latin typeface="Times New Roman" panose="02020603050405020304" pitchFamily="18" charset="0"/>
-              <a:cs typeface="Times New Roman" panose="02020603050405020304" pitchFamily="18" charset="0"/>
-            </a:endParaRPr>
           </a:p>
         </p:txBody>
       </p:sp>
@@ -19614,16 +19207,12 @@
           <a:lstStyle/>
           <a:p>
             <a:r>
-              <a:rPr lang="en-US" sz="1400" dirty="0" smtClean="0">
+              <a:rPr lang="en-US" sz="1400" dirty="0">
                 <a:latin typeface="Times New Roman" panose="02020603050405020304" pitchFamily="18" charset="0"/>
                 <a:cs typeface="Times New Roman" panose="02020603050405020304" pitchFamily="18" charset="0"/>
               </a:rPr>
               <a:t>       Fig :ER diagram</a:t>
             </a:r>
-            <a:endParaRPr lang="en-US" sz="1400" dirty="0">
-              <a:latin typeface="Times New Roman" panose="02020603050405020304" pitchFamily="18" charset="0"/>
-              <a:cs typeface="Times New Roman" panose="02020603050405020304" pitchFamily="18" charset="0"/>
-            </a:endParaRPr>
           </a:p>
         </p:txBody>
       </p:sp>
@@ -19667,13 +19256,6 @@
   <p:clrMapOvr>
     <a:masterClrMapping/>
   </p:clrMapOvr>
-  <p:timing>
-    <p:tnLst>
-      <p:par>
-        <p:cTn id="1" dur="indefinite" restart="never" nodeType="tmRoot"/>
-      </p:par>
-    </p:tnLst>
-  </p:timing>
 </p:sld>
 </file>
 
@@ -19747,7 +19329,7 @@
               </a:spcAft>
             </a:pPr>
             <a:r>
-              <a:rPr lang="en-US" b="1" dirty="0" smtClean="0">
+              <a:rPr lang="en-US" b="1" dirty="0">
                 <a:latin typeface="Times New Roman" panose="02020603050405020304" pitchFamily="18" charset="0"/>
                 <a:ea typeface="Calibri" panose="020F0502020204030204" pitchFamily="34" charset="0"/>
                 <a:cs typeface="Times New Roman" panose="02020603050405020304" pitchFamily="18" charset="0"/>
@@ -19953,13 +19535,6 @@
   <p:clrMapOvr>
     <a:masterClrMapping/>
   </p:clrMapOvr>
-  <p:timing>
-    <p:tnLst>
-      <p:par>
-        <p:cTn id="1" dur="indefinite" restart="never" nodeType="tmRoot"/>
-      </p:par>
-    </p:tnLst>
-  </p:timing>
 </p:sld>
 </file>
 
